--- a/CS2043Proj1.pptx
+++ b/CS2043Proj1.pptx
@@ -5,10 +5,10 @@
     <p:sldMasterId id="2147483720" r:id="rId4"/>
   </p:sldMasterIdLst>
   <p:notesMasterIdLst>
-    <p:notesMasterId r:id="rId12"/>
+    <p:notesMasterId r:id="rId15"/>
   </p:notesMasterIdLst>
   <p:handoutMasterIdLst>
-    <p:handoutMasterId r:id="rId13"/>
+    <p:handoutMasterId r:id="rId16"/>
   </p:handoutMasterIdLst>
   <p:sldIdLst>
     <p:sldId id="496" r:id="rId5"/>
@@ -16,8 +16,11 @@
     <p:sldId id="503" r:id="rId7"/>
     <p:sldId id="497" r:id="rId8"/>
     <p:sldId id="430" r:id="rId9"/>
-    <p:sldId id="498" r:id="rId10"/>
-    <p:sldId id="506" r:id="rId11"/>
+    <p:sldId id="509" r:id="rId10"/>
+    <p:sldId id="510" r:id="rId11"/>
+    <p:sldId id="498" r:id="rId12"/>
+    <p:sldId id="512" r:id="rId13"/>
+    <p:sldId id="506" r:id="rId14"/>
   </p:sldIdLst>
   <p:sldSz cx="12192000" cy="6858000"/>
   <p:notesSz cx="6858000" cy="9144000"/>
@@ -141,7 +144,9 @@
 <file path=ppt/revisionInfo.xml><?xml version="1.0" encoding="utf-8"?>
 <p1510:revInfo xmlns:a="http://schemas.openxmlformats.org/drawingml/2006/main" xmlns:r="http://schemas.openxmlformats.org/officeDocument/2006/relationships" xmlns:p1510="http://schemas.microsoft.com/office/powerpoint/2015/10/main">
   <p1510:revLst>
+    <p1510:client id="{60C20DFD-674D-EBE4-51E0-EA4829983976}" v="1" dt="2020-11-25T16:37:26.780"/>
     <p1510:client id="{73A42634-5DA9-4FCF-9C28-7618FB25E4B4}" v="917" dt="2020-11-15T22:46:47.700"/>
+    <p1510:client id="{7FF10797-17E2-634F-C0A2-BE5EF2503B62}" v="417" dt="2020-11-25T14:33:08.892"/>
   </p1510:revLst>
 </p1510:revInfo>
 </file>
@@ -3204,7 +3209,7 @@
           <a:p>
             <a:fld id="{544D676F-4DB5-46B8-8F00-05DB67D5471C}" type="datetimeFigureOut">
               <a:rPr lang="en-US" smtClean="0"/>
-              <a:t>11/23/2020</a:t>
+              <a:t>11/25/2020</a:t>
             </a:fld>
             <a:endParaRPr lang="en-US" dirty="0"/>
           </a:p>
@@ -3381,7 +3386,7 @@
           <a:p>
             <a:fld id="{887BE5AB-3192-4552-A220-BA06EA9D867F}" type="datetimeFigureOut">
               <a:rPr lang="en-US" smtClean="0"/>
-              <a:t>11/23/2020</a:t>
+              <a:t>11/25/2020</a:t>
             </a:fld>
             <a:endParaRPr lang="en-US" dirty="0"/>
           </a:p>
@@ -22620,6 +22625,308 @@
 </p:sld>
 </file>
 
+<file path=ppt/slides/slide10.xml><?xml version="1.0" encoding="utf-8"?>
+<p:sld xmlns:a="http://schemas.openxmlformats.org/drawingml/2006/main" xmlns:r="http://schemas.openxmlformats.org/officeDocument/2006/relationships" xmlns:p="http://schemas.openxmlformats.org/presentationml/2006/main">
+  <p:cSld>
+    <p:spTree>
+      <p:nvGrpSpPr>
+        <p:cNvPr id="1" name=""/>
+        <p:cNvGrpSpPr/>
+        <p:nvPr/>
+      </p:nvGrpSpPr>
+      <p:grpSpPr>
+        <a:xfrm>
+          <a:off x="0" y="0"/>
+          <a:ext cx="0" cy="0"/>
+          <a:chOff x="0" y="0"/>
+          <a:chExt cx="0" cy="0"/>
+        </a:xfrm>
+      </p:grpSpPr>
+      <p:sp>
+        <p:nvSpPr>
+          <p:cNvPr id="2" name="Title 1">
+            <a:extLst>
+              <a:ext uri="{FF2B5EF4-FFF2-40B4-BE49-F238E27FC236}">
+                <a16:creationId xmlns:a16="http://schemas.microsoft.com/office/drawing/2014/main" id="{66F5BB92-813C-4042-B316-05BBE4D46BC7}"/>
+              </a:ext>
+            </a:extLst>
+          </p:cNvPr>
+          <p:cNvSpPr>
+            <a:spLocks noGrp="1"/>
+          </p:cNvSpPr>
+          <p:nvPr>
+            <p:ph type="title"/>
+          </p:nvPr>
+        </p:nvSpPr>
+        <p:spPr/>
+        <p:txBody>
+          <a:bodyPr/>
+          <a:lstStyle/>
+          <a:p>
+            <a:r>
+              <a:rPr lang="en-US" dirty="0"/>
+              <a:t>Thank you</a:t>
+            </a:r>
+          </a:p>
+        </p:txBody>
+      </p:sp>
+      <p:pic>
+        <p:nvPicPr>
+          <p:cNvPr id="23" name="Online Image Placeholder 23" descr="User">
+            <a:extLst>
+              <a:ext uri="{FF2B5EF4-FFF2-40B4-BE49-F238E27FC236}">
+                <a16:creationId xmlns:a16="http://schemas.microsoft.com/office/drawing/2014/main" id="{B4D6CBD8-BAE2-4829-AC80-ACEA4658DDC9}"/>
+              </a:ext>
+            </a:extLst>
+          </p:cNvPr>
+          <p:cNvPicPr>
+            <a:picLocks noGrp="1" noChangeAspect="1"/>
+          </p:cNvPicPr>
+          <p:nvPr>
+            <p:ph type="pic" sz="quarter" idx="13"/>
+          </p:nvPr>
+        </p:nvPicPr>
+        <p:blipFill rotWithShape="1">
+          <a:blip r:embed="rId2">
+            <a:extLst>
+              <a:ext uri="{96DAC541-7B7A-43D3-8B79-37D633B846F1}">
+                <asvg:svgBlip xmlns:asvg="http://schemas.microsoft.com/office/drawing/2016/SVG/main" r:embed="rId3"/>
+              </a:ext>
+            </a:extLst>
+          </a:blip>
+          <a:srcRect/>
+          <a:stretch/>
+        </p:blipFill>
+        <p:spPr/>
+      </p:pic>
+      <p:sp>
+        <p:nvSpPr>
+          <p:cNvPr id="9" name="Text Placeholder 8">
+            <a:extLst>
+              <a:ext uri="{FF2B5EF4-FFF2-40B4-BE49-F238E27FC236}">
+                <a16:creationId xmlns:a16="http://schemas.microsoft.com/office/drawing/2014/main" id="{41690B51-B7AB-4D15-951F-60CB62BB8DCF}"/>
+              </a:ext>
+            </a:extLst>
+          </p:cNvPr>
+          <p:cNvSpPr>
+            <a:spLocks noGrp="1"/>
+          </p:cNvSpPr>
+          <p:nvPr>
+            <p:ph type="body" sz="quarter" idx="18"/>
+          </p:nvPr>
+        </p:nvSpPr>
+        <p:spPr/>
+        <p:txBody>
+          <a:bodyPr/>
+          <a:lstStyle/>
+          <a:p>
+            <a:r>
+              <a:rPr lang="en-US" dirty="0"/>
+              <a:t>Presenter name</a:t>
+            </a:r>
+          </a:p>
+          <a:p>
+            <a:endParaRPr lang="en-US" dirty="0"/>
+          </a:p>
+        </p:txBody>
+      </p:sp>
+      <p:pic>
+        <p:nvPicPr>
+          <p:cNvPr id="25" name="Online Image Placeholder 27" descr="Envelope">
+            <a:extLst>
+              <a:ext uri="{FF2B5EF4-FFF2-40B4-BE49-F238E27FC236}">
+                <a16:creationId xmlns:a16="http://schemas.microsoft.com/office/drawing/2014/main" id="{329FB706-264C-44A5-B17E-0D396F61AEF7}"/>
+              </a:ext>
+            </a:extLst>
+          </p:cNvPr>
+          <p:cNvPicPr>
+            <a:picLocks noGrp="1" noChangeAspect="1"/>
+          </p:cNvPicPr>
+          <p:nvPr>
+            <p:ph type="pic" sz="quarter" idx="15"/>
+          </p:nvPr>
+        </p:nvPicPr>
+        <p:blipFill rotWithShape="1">
+          <a:blip r:embed="rId4" cstate="screen">
+            <a:extLst>
+              <a:ext uri="{28A0092B-C50C-407E-A947-70E740481C1C}">
+                <a14:useLocalDpi xmlns:a14="http://schemas.microsoft.com/office/drawing/2010/main"/>
+              </a:ext>
+              <a:ext uri="{96DAC541-7B7A-43D3-8B79-37D633B846F1}">
+                <asvg:svgBlip xmlns:asvg="http://schemas.microsoft.com/office/drawing/2016/SVG/main" r:embed="rId5"/>
+              </a:ext>
+            </a:extLst>
+          </a:blip>
+          <a:srcRect/>
+          <a:stretch/>
+        </p:blipFill>
+        <p:spPr/>
+      </p:pic>
+      <p:sp>
+        <p:nvSpPr>
+          <p:cNvPr id="10" name="Text Placeholder 9">
+            <a:extLst>
+              <a:ext uri="{FF2B5EF4-FFF2-40B4-BE49-F238E27FC236}">
+                <a16:creationId xmlns:a16="http://schemas.microsoft.com/office/drawing/2014/main" id="{53C6B086-BC3B-4FE1-A23D-D1396E627EE6}"/>
+              </a:ext>
+            </a:extLst>
+          </p:cNvPr>
+          <p:cNvSpPr>
+            <a:spLocks noGrp="1"/>
+          </p:cNvSpPr>
+          <p:nvPr>
+            <p:ph type="body" sz="quarter" idx="20"/>
+          </p:nvPr>
+        </p:nvSpPr>
+        <p:spPr/>
+        <p:txBody>
+          <a:bodyPr/>
+          <a:lstStyle/>
+          <a:p>
+            <a:r>
+              <a:rPr lang="en-US" dirty="0"/>
+              <a:t>Email address</a:t>
+            </a:r>
+          </a:p>
+          <a:p>
+            <a:endParaRPr lang="en-US" dirty="0"/>
+          </a:p>
+        </p:txBody>
+      </p:sp>
+      <p:pic>
+        <p:nvPicPr>
+          <p:cNvPr id="27" name="Online Image Placeholder 11" descr="Monitor">
+            <a:extLst>
+              <a:ext uri="{FF2B5EF4-FFF2-40B4-BE49-F238E27FC236}">
+                <a16:creationId xmlns:a16="http://schemas.microsoft.com/office/drawing/2014/main" id="{6EC943CF-98BB-4FE5-A6A8-5371D13646A3}"/>
+              </a:ext>
+            </a:extLst>
+          </p:cNvPr>
+          <p:cNvPicPr>
+            <a:picLocks noGrp="1" noChangeAspect="1"/>
+          </p:cNvPicPr>
+          <p:nvPr>
+            <p:ph type="pic" sz="quarter" idx="17"/>
+          </p:nvPr>
+        </p:nvPicPr>
+        <p:blipFill rotWithShape="1">
+          <a:blip r:embed="rId6">
+            <a:extLst>
+              <a:ext uri="{28A0092B-C50C-407E-A947-70E740481C1C}">
+                <a14:useLocalDpi xmlns:a14="http://schemas.microsoft.com/office/drawing/2010/main"/>
+              </a:ext>
+              <a:ext uri="{96DAC541-7B7A-43D3-8B79-37D633B846F1}">
+                <asvg:svgBlip xmlns:asvg="http://schemas.microsoft.com/office/drawing/2016/SVG/main" r:embed="rId7"/>
+              </a:ext>
+            </a:extLst>
+          </a:blip>
+          <a:srcRect/>
+          <a:stretch/>
+        </p:blipFill>
+        <p:spPr/>
+      </p:pic>
+      <p:sp>
+        <p:nvSpPr>
+          <p:cNvPr id="11" name="Text Placeholder 10">
+            <a:extLst>
+              <a:ext uri="{FF2B5EF4-FFF2-40B4-BE49-F238E27FC236}">
+                <a16:creationId xmlns:a16="http://schemas.microsoft.com/office/drawing/2014/main" id="{1612A310-0919-4438-952C-499AC4A95E7A}"/>
+              </a:ext>
+            </a:extLst>
+          </p:cNvPr>
+          <p:cNvSpPr>
+            <a:spLocks noGrp="1"/>
+          </p:cNvSpPr>
+          <p:nvPr>
+            <p:ph type="body" sz="quarter" idx="22"/>
+          </p:nvPr>
+        </p:nvSpPr>
+        <p:spPr/>
+        <p:txBody>
+          <a:bodyPr/>
+          <a:lstStyle/>
+          <a:p>
+            <a:r>
+              <a:rPr lang="en-US" dirty="0"/>
+              <a:t>Website</a:t>
+            </a:r>
+          </a:p>
+          <a:p>
+            <a:endParaRPr lang="en-US" dirty="0"/>
+          </a:p>
+        </p:txBody>
+      </p:sp>
+      <p:sp>
+        <p:nvSpPr>
+          <p:cNvPr id="4" name="Footer Placeholder 3">
+            <a:extLst>
+              <a:ext uri="{FF2B5EF4-FFF2-40B4-BE49-F238E27FC236}">
+                <a16:creationId xmlns:a16="http://schemas.microsoft.com/office/drawing/2014/main" id="{8B357B38-EB06-465C-8F7E-F7E1E7079D1F}"/>
+              </a:ext>
+            </a:extLst>
+          </p:cNvPr>
+          <p:cNvSpPr>
+            <a:spLocks noGrp="1"/>
+          </p:cNvSpPr>
+          <p:nvPr>
+            <p:ph type="ftr" sz="quarter" idx="11"/>
+          </p:nvPr>
+        </p:nvSpPr>
+        <p:spPr/>
+        <p:txBody>
+          <a:bodyPr/>
+          <a:lstStyle/>
+          <a:p>
+            <a:r>
+              <a:rPr lang="en-US" dirty="0"/>
+              <a:t>Presentation Title</a:t>
+            </a:r>
+          </a:p>
+        </p:txBody>
+      </p:sp>
+      <p:sp>
+        <p:nvSpPr>
+          <p:cNvPr id="5" name="Slide Number Placeholder 4">
+            <a:extLst>
+              <a:ext uri="{FF2B5EF4-FFF2-40B4-BE49-F238E27FC236}">
+                <a16:creationId xmlns:a16="http://schemas.microsoft.com/office/drawing/2014/main" id="{763B58A6-180C-4F65-9C7E-460497F34301}"/>
+              </a:ext>
+            </a:extLst>
+          </p:cNvPr>
+          <p:cNvSpPr>
+            <a:spLocks noGrp="1"/>
+          </p:cNvSpPr>
+          <p:nvPr>
+            <p:ph type="sldNum" sz="quarter" idx="12"/>
+          </p:nvPr>
+        </p:nvSpPr>
+        <p:spPr/>
+        <p:txBody>
+          <a:bodyPr/>
+          <a:lstStyle/>
+          <a:p>
+            <a:fld id="{2C18C1E5-FB55-42F5-BD6D-9CC153FCDBE6}" type="slidenum">
+              <a:rPr lang="en-US" smtClean="0"/>
+              <a:pPr/>
+              <a:t>10</a:t>
+            </a:fld>
+            <a:endParaRPr lang="en-US" dirty="0"/>
+          </a:p>
+        </p:txBody>
+      </p:sp>
+    </p:spTree>
+    <p:extLst>
+      <p:ext uri="{BB962C8B-B14F-4D97-AF65-F5344CB8AC3E}">
+        <p14:creationId xmlns:p14="http://schemas.microsoft.com/office/powerpoint/2010/main" val="2151942242"/>
+      </p:ext>
+    </p:extLst>
+  </p:cSld>
+  <p:clrMapOvr>
+    <a:masterClrMapping/>
+  </p:clrMapOvr>
+</p:sld>
+</file>
+
 <file path=ppt/slides/slide2.xml><?xml version="1.0" encoding="utf-8"?>
 <p:sld xmlns:a="http://schemas.openxmlformats.org/drawingml/2006/main" xmlns:r="http://schemas.openxmlformats.org/officeDocument/2006/relationships" xmlns:p="http://schemas.openxmlformats.org/presentationml/2006/main">
   <p:cSld>
@@ -23125,34 +23432,6 @@
       </p:sp>
       <p:sp>
         <p:nvSpPr>
-          <p:cNvPr id="8" name="Footer Placeholder 7">
-            <a:extLst>
-              <a:ext uri="{FF2B5EF4-FFF2-40B4-BE49-F238E27FC236}">
-                <a16:creationId xmlns:a16="http://schemas.microsoft.com/office/drawing/2014/main" id="{61A905F0-41FB-4528-82FB-9C213C0947D5}"/>
-              </a:ext>
-            </a:extLst>
-          </p:cNvPr>
-          <p:cNvSpPr>
-            <a:spLocks noGrp="1"/>
-          </p:cNvSpPr>
-          <p:nvPr>
-            <p:ph type="ftr" sz="quarter" idx="11"/>
-          </p:nvPr>
-        </p:nvSpPr>
-        <p:spPr/>
-        <p:txBody>
-          <a:bodyPr/>
-          <a:lstStyle/>
-          <a:p>
-            <a:r>
-              <a:rPr lang="en-US" dirty="0"/>
-              <a:t>Presentation Title</a:t>
-            </a:r>
-          </a:p>
-        </p:txBody>
-      </p:sp>
-      <p:sp>
-        <p:nvSpPr>
           <p:cNvPr id="9" name="Slide Number Placeholder 8">
             <a:extLst>
               <a:ext uri="{FF2B5EF4-FFF2-40B4-BE49-F238E27FC236}">
@@ -23167,7 +23446,12 @@
             <p:ph type="sldNum" sz="quarter" idx="12"/>
           </p:nvPr>
         </p:nvSpPr>
-        <p:spPr/>
+        <p:spPr>
+          <a:xfrm>
+            <a:off x="4322736" y="6743808"/>
+            <a:ext cx="2743200" cy="365125"/>
+          </a:xfrm>
+        </p:spPr>
         <p:txBody>
           <a:bodyPr/>
           <a:lstStyle/>
@@ -25072,7 +25356,7 @@
           <a:lstStyle/>
           <a:p>
             <a:r>
-              <a:rPr lang="en-US" sz="6800">
+              <a:rPr lang="en-US" sz="6800" dirty="0">
                 <a:solidFill>
                   <a:schemeClr val="bg1"/>
                 </a:solidFill>
@@ -25144,14 +25428,14 @@
             <p:ph idx="1"/>
             <p:extLst>
               <p:ext uri="{D42A27DB-BD31-4B8C-83A1-F6EECF244321}">
-                <p14:modId xmlns:p14="http://schemas.microsoft.com/office/powerpoint/2010/main" val="716202720"/>
+                <p14:modId xmlns:p14="http://schemas.microsoft.com/office/powerpoint/2010/main" val="1684537442"/>
               </p:ext>
             </p:extLst>
           </p:nvPr>
         </p:nvGraphicFramePr>
         <p:xfrm>
-          <a:off x="322881" y="2505559"/>
-          <a:ext cx="11551813" cy="3936731"/>
+          <a:off x="322881" y="2066440"/>
+          <a:ext cx="11281491" cy="4451350"/>
         </p:xfrm>
         <a:graphic>
           <a:graphicData uri="http://schemas.openxmlformats.org/drawingml/2006/table">
@@ -25165,21 +25449,21 @@
                 <a:tableStyleId>{5C22544A-7EE6-4342-B048-85BDC9FD1C3A}</a:tableStyleId>
               </a:tblPr>
               <a:tblGrid>
-                <a:gridCol w="975603">
+                <a:gridCol w="952772">
                   <a:extLst>
                     <a:ext uri="{9D8B030D-6E8A-4147-A177-3AD203B41FA5}">
                       <a16:colId xmlns:a16="http://schemas.microsoft.com/office/drawing/2014/main" val="4236101987"/>
                     </a:ext>
                   </a:extLst>
                 </a:gridCol>
-                <a:gridCol w="9477191">
+                <a:gridCol w="9255418">
                   <a:extLst>
                     <a:ext uri="{9D8B030D-6E8A-4147-A177-3AD203B41FA5}">
                       <a16:colId xmlns:a16="http://schemas.microsoft.com/office/drawing/2014/main" val="3759119048"/>
                     </a:ext>
                   </a:extLst>
                 </a:gridCol>
-                <a:gridCol w="1099019">
+                <a:gridCol w="1073301">
                   <a:extLst>
                     <a:ext uri="{9D8B030D-6E8A-4147-A177-3AD203B41FA5}">
                       <a16:colId xmlns:a16="http://schemas.microsoft.com/office/drawing/2014/main" val="1493095617"/>
@@ -25187,7 +25471,7 @@
                   </a:extLst>
                 </a:gridCol>
               </a:tblGrid>
-              <a:tr h="542014">
+              <a:tr h="429166">
                 <a:tc>
                   <a:txBody>
                     <a:bodyPr/>
@@ -25302,7 +25586,7 @@
                   </a:ext>
                 </a:extLst>
               </a:tr>
-              <a:tr h="779740">
+              <a:tr h="638759">
                 <a:tc>
                   <a:txBody>
                     <a:bodyPr/>
@@ -25481,7 +25765,7 @@
                   </a:ext>
                 </a:extLst>
               </a:tr>
-              <a:tr h="779740">
+              <a:tr h="638759">
                 <a:tc>
                   <a:txBody>
                     <a:bodyPr/>
@@ -25653,7 +25937,7 @@
                   </a:ext>
                 </a:extLst>
               </a:tr>
-              <a:tr h="1055497">
+              <a:tr h="868313">
                 <a:tc>
                   <a:txBody>
                     <a:bodyPr/>
@@ -25835,7 +26119,7 @@
                   </a:ext>
                 </a:extLst>
               </a:tr>
-              <a:tr h="779740">
+              <a:tr h="638759">
                 <a:tc>
                   <a:txBody>
                     <a:bodyPr/>
@@ -25891,8 +26175,12 @@
                       </a:solidFill>
                       <a:prstDash val="solid"/>
                     </a:lnT>
-                    <a:lnB w="12700" cmpd="sng">
-                      <a:noFill/>
+                    <a:lnB w="12700" cap="flat" cmpd="sng" algn="ctr">
+                      <a:solidFill>
+                        <a:schemeClr val="bg1">
+                          <a:lumMod val="75000"/>
+                        </a:schemeClr>
+                      </a:solidFill>
                       <a:prstDash val="solid"/>
                     </a:lnB>
                     <a:solidFill>
@@ -25957,8 +26245,12 @@
                       </a:solidFill>
                       <a:prstDash val="solid"/>
                     </a:lnT>
-                    <a:lnB w="12700" cmpd="sng">
-                      <a:noFill/>
+                    <a:lnB w="12700" cap="flat" cmpd="sng" algn="ctr">
+                      <a:solidFill>
+                        <a:schemeClr val="bg1">
+                          <a:lumMod val="75000"/>
+                        </a:schemeClr>
+                      </a:solidFill>
                       <a:prstDash val="solid"/>
                     </a:lnB>
                     <a:solidFill>
@@ -26003,6 +26295,340 @@
                       </a:solidFill>
                       <a:prstDash val="solid"/>
                     </a:lnT>
+                    <a:lnB w="12700" cap="flat" cmpd="sng" algn="ctr">
+                      <a:solidFill>
+                        <a:schemeClr val="bg1">
+                          <a:lumMod val="75000"/>
+                        </a:schemeClr>
+                      </a:solidFill>
+                      <a:prstDash val="solid"/>
+                    </a:lnB>
+                    <a:solidFill>
+                      <a:srgbClr val="BFBFBF">
+                        <a:alpha val="34902"/>
+                      </a:srgbClr>
+                    </a:solidFill>
+                  </a:tcPr>
+                </a:tc>
+                <a:extLst>
+                  <a:ext uri="{0D108BD9-81ED-4DB2-BD59-A6C34878D82A}">
+                    <a16:rowId xmlns:a16="http://schemas.microsoft.com/office/drawing/2014/main" val="1023936015"/>
+                  </a:ext>
+                </a:extLst>
+              </a:tr>
+              <a:tr h="618797">
+                <a:tc>
+                  <a:txBody>
+                    <a:bodyPr/>
+                    <a:lstStyle/>
+                    <a:p>
+                      <a:pPr lvl="0">
+                        <a:buNone/>
+                      </a:pPr>
+                      <a:r>
+                        <a:rPr lang="en-US" sz="1400" cap="none" spc="0" dirty="0">
+                          <a:solidFill>
+                            <a:schemeClr val="tx1"/>
+                          </a:solidFill>
+                        </a:rPr>
+                        <a:t>REQ-5  </a:t>
+                      </a:r>
+                    </a:p>
+                  </a:txBody>
+                  <a:tcPr marL="89097" marR="89097" marT="100920" marB="44548" anchor="ctr">
+                    <a:lnL w="12700" cmpd="sng">
+                      <a:noFill/>
+                      <a:prstDash val="solid"/>
+                    </a:lnL>
+                    <a:lnR w="12700" cmpd="sng">
+                      <a:noFill/>
+                      <a:prstDash val="solid"/>
+                    </a:lnR>
+                    <a:lnT w="12700" cap="flat" cmpd="sng" algn="ctr">
+                      <a:solidFill>
+                        <a:schemeClr val="bg1">
+                          <a:lumMod val="75000"/>
+                        </a:schemeClr>
+                      </a:solidFill>
+                      <a:prstDash val="solid"/>
+                    </a:lnT>
+                    <a:lnB w="12700" cap="flat" cmpd="sng" algn="ctr">
+                      <a:solidFill>
+                        <a:schemeClr val="bg1">
+                          <a:lumMod val="75000"/>
+                        </a:schemeClr>
+                      </a:solidFill>
+                      <a:prstDash val="solid"/>
+                    </a:lnB>
+                    <a:solidFill>
+                      <a:srgbClr val="BFBFBF">
+                        <a:alpha val="34902"/>
+                      </a:srgbClr>
+                    </a:solidFill>
+                  </a:tcPr>
+                </a:tc>
+                <a:tc>
+                  <a:txBody>
+                    <a:bodyPr/>
+                    <a:lstStyle/>
+                    <a:p>
+                      <a:pPr lvl="0" algn="l">
+                        <a:lnSpc>
+                          <a:spcPct val="100000"/>
+                        </a:lnSpc>
+                        <a:spcBef>
+                          <a:spcPts val="0"/>
+                        </a:spcBef>
+                        <a:spcAft>
+                          <a:spcPts val="0"/>
+                        </a:spcAft>
+                        <a:buNone/>
+                      </a:pPr>
+                      <a:r>
+                        <a:rPr lang="en-US" sz="1400" b="0" i="0" u="none" strike="noStrike" cap="none" spc="0" noProof="0" dirty="0">
+                          <a:latin typeface="The Hand Black"/>
+                        </a:rPr>
+                        <a:t>Connecting actors to the user. Allowing the different types of professionals to modify plans and provide recommendations to users.</a:t>
+                      </a:r>
+                    </a:p>
+                    <a:p>
+                      <a:pPr lvl="0">
+                        <a:buNone/>
+                      </a:pPr>
+                      <a:endParaRPr lang="en-US" sz="1400" cap="none" spc="0" dirty="0">
+                        <a:solidFill>
+                          <a:schemeClr val="tx1"/>
+                        </a:solidFill>
+                      </a:endParaRPr>
+                    </a:p>
+                  </a:txBody>
+                  <a:tcPr marL="89097" marR="89097" marT="100920" marB="44548" anchor="ctr">
+                    <a:lnL w="12700" cmpd="sng">
+                      <a:noFill/>
+                      <a:prstDash val="solid"/>
+                    </a:lnL>
+                    <a:lnR w="12700" cmpd="sng">
+                      <a:noFill/>
+                      <a:prstDash val="solid"/>
+                    </a:lnR>
+                    <a:lnT w="12700" cap="flat" cmpd="sng" algn="ctr">
+                      <a:solidFill>
+                        <a:schemeClr val="bg1">
+                          <a:lumMod val="75000"/>
+                        </a:schemeClr>
+                      </a:solidFill>
+                      <a:prstDash val="solid"/>
+                    </a:lnT>
+                    <a:lnB w="12700" cap="flat" cmpd="sng" algn="ctr">
+                      <a:solidFill>
+                        <a:schemeClr val="bg1">
+                          <a:lumMod val="75000"/>
+                        </a:schemeClr>
+                      </a:solidFill>
+                      <a:prstDash val="solid"/>
+                    </a:lnB>
+                    <a:solidFill>
+                      <a:srgbClr val="BFBFBF">
+                        <a:alpha val="34902"/>
+                      </a:srgbClr>
+                    </a:solidFill>
+                  </a:tcPr>
+                </a:tc>
+                <a:tc>
+                  <a:txBody>
+                    <a:bodyPr/>
+                    <a:lstStyle/>
+                    <a:p>
+                      <a:pPr lvl="0">
+                        <a:buNone/>
+                      </a:pPr>
+                      <a:endParaRPr lang="en-US" sz="1400" cap="none" spc="0" dirty="0">
+                        <a:solidFill>
+                          <a:schemeClr val="tx1"/>
+                        </a:solidFill>
+                      </a:endParaRPr>
+                    </a:p>
+                  </a:txBody>
+                  <a:tcPr marL="89097" marR="89097" marT="100920" marB="44548" anchor="ctr">
+                    <a:lnL w="12700" cmpd="sng">
+                      <a:noFill/>
+                      <a:prstDash val="solid"/>
+                    </a:lnL>
+                    <a:lnR w="12700" cmpd="sng">
+                      <a:noFill/>
+                      <a:prstDash val="solid"/>
+                    </a:lnR>
+                    <a:lnT w="12700" cap="flat" cmpd="sng" algn="ctr">
+                      <a:solidFill>
+                        <a:schemeClr val="bg1">
+                          <a:lumMod val="75000"/>
+                        </a:schemeClr>
+                      </a:solidFill>
+                      <a:prstDash val="solid"/>
+                    </a:lnT>
+                    <a:lnB w="12700" cap="flat" cmpd="sng" algn="ctr">
+                      <a:solidFill>
+                        <a:schemeClr val="bg1">
+                          <a:lumMod val="75000"/>
+                        </a:schemeClr>
+                      </a:solidFill>
+                      <a:prstDash val="solid"/>
+                    </a:lnB>
+                    <a:solidFill>
+                      <a:srgbClr val="BFBFBF">
+                        <a:alpha val="34902"/>
+                      </a:srgbClr>
+                    </a:solidFill>
+                  </a:tcPr>
+                </a:tc>
+                <a:extLst>
+                  <a:ext uri="{0D108BD9-81ED-4DB2-BD59-A6C34878D82A}">
+                    <a16:rowId xmlns:a16="http://schemas.microsoft.com/office/drawing/2014/main" val="2995037791"/>
+                  </a:ext>
+                </a:extLst>
+              </a:tr>
+              <a:tr h="618797">
+                <a:tc>
+                  <a:txBody>
+                    <a:bodyPr/>
+                    <a:lstStyle/>
+                    <a:p>
+                      <a:pPr lvl="0">
+                        <a:buNone/>
+                      </a:pPr>
+                      <a:r>
+                        <a:rPr lang="en-US" sz="1400" cap="none" spc="0" dirty="0">
+                          <a:solidFill>
+                            <a:schemeClr val="tx1"/>
+                          </a:solidFill>
+                        </a:rPr>
+                        <a:t>REQ-6</a:t>
+                      </a:r>
+                    </a:p>
+                  </a:txBody>
+                  <a:tcPr marL="89097" marR="89097" marT="100920" marB="44548" anchor="ctr">
+                    <a:lnL w="12700" cmpd="sng">
+                      <a:noFill/>
+                      <a:prstDash val="solid"/>
+                    </a:lnL>
+                    <a:lnR w="12700" cmpd="sng">
+                      <a:noFill/>
+                      <a:prstDash val="solid"/>
+                    </a:lnR>
+                    <a:lnT w="12700" cap="flat" cmpd="sng" algn="ctr">
+                      <a:solidFill>
+                        <a:schemeClr val="bg1">
+                          <a:lumMod val="75000"/>
+                        </a:schemeClr>
+                      </a:solidFill>
+                      <a:prstDash val="solid"/>
+                    </a:lnT>
+                    <a:lnB w="12700" cmpd="sng">
+                      <a:noFill/>
+                      <a:prstDash val="solid"/>
+                    </a:lnB>
+                    <a:solidFill>
+                      <a:srgbClr val="BFBFBF">
+                        <a:alpha val="34902"/>
+                      </a:srgbClr>
+                    </a:solidFill>
+                  </a:tcPr>
+                </a:tc>
+                <a:tc>
+                  <a:txBody>
+                    <a:bodyPr/>
+                    <a:lstStyle/>
+                    <a:p>
+                      <a:pPr lvl="0" algn="l">
+                        <a:lnSpc>
+                          <a:spcPct val="100000"/>
+                        </a:lnSpc>
+                        <a:spcBef>
+                          <a:spcPts val="0"/>
+                        </a:spcBef>
+                        <a:spcAft>
+                          <a:spcPts val="0"/>
+                        </a:spcAft>
+                        <a:buNone/>
+                      </a:pPr>
+                      <a:r>
+                        <a:rPr lang="en-US" sz="1400" b="0" i="0" u="none" strike="noStrike" cap="none" spc="0" noProof="0" dirty="0">
+                          <a:latin typeface="The Hand Black"/>
+                        </a:rPr>
+                        <a:t>System will allow for user’s vital information to be accessed by health care professional in the event of a medical emergency</a:t>
+                      </a:r>
+                    </a:p>
+                    <a:p>
+                      <a:pPr lvl="0">
+                        <a:buNone/>
+                      </a:pPr>
+                      <a:endParaRPr lang="en-US" sz="1400" cap="none" spc="0" dirty="0">
+                        <a:solidFill>
+                          <a:schemeClr val="tx1"/>
+                        </a:solidFill>
+                      </a:endParaRPr>
+                    </a:p>
+                  </a:txBody>
+                  <a:tcPr marL="89097" marR="89097" marT="100920" marB="44548" anchor="ctr">
+                    <a:lnL w="12700" cmpd="sng">
+                      <a:noFill/>
+                      <a:prstDash val="solid"/>
+                    </a:lnL>
+                    <a:lnR w="12700" cmpd="sng">
+                      <a:noFill/>
+                      <a:prstDash val="solid"/>
+                    </a:lnR>
+                    <a:lnT w="12700" cap="flat" cmpd="sng" algn="ctr">
+                      <a:solidFill>
+                        <a:schemeClr val="bg1">
+                          <a:lumMod val="75000"/>
+                        </a:schemeClr>
+                      </a:solidFill>
+                      <a:prstDash val="solid"/>
+                    </a:lnT>
+                    <a:lnB w="12700" cmpd="sng">
+                      <a:noFill/>
+                      <a:prstDash val="solid"/>
+                    </a:lnB>
+                    <a:solidFill>
+                      <a:srgbClr val="BFBFBF">
+                        <a:alpha val="34902"/>
+                      </a:srgbClr>
+                    </a:solidFill>
+                  </a:tcPr>
+                </a:tc>
+                <a:tc>
+                  <a:txBody>
+                    <a:bodyPr/>
+                    <a:lstStyle/>
+                    <a:p>
+                      <a:pPr lvl="0">
+                        <a:buNone/>
+                      </a:pPr>
+                      <a:endParaRPr lang="en-US" sz="1400" cap="none" spc="0" dirty="0">
+                        <a:solidFill>
+                          <a:schemeClr val="tx1"/>
+                        </a:solidFill>
+                      </a:endParaRPr>
+                    </a:p>
+                  </a:txBody>
+                  <a:tcPr marL="89097" marR="89097" marT="100920" marB="44548" anchor="ctr">
+                    <a:lnL w="12700" cmpd="sng">
+                      <a:noFill/>
+                      <a:prstDash val="solid"/>
+                    </a:lnL>
+                    <a:lnR w="12700" cmpd="sng">
+                      <a:noFill/>
+                      <a:prstDash val="solid"/>
+                    </a:lnR>
+                    <a:lnT w="12700" cap="flat" cmpd="sng" algn="ctr">
+                      <a:solidFill>
+                        <a:schemeClr val="bg1">
+                          <a:lumMod val="75000"/>
+                        </a:schemeClr>
+                      </a:solidFill>
+                      <a:prstDash val="solid"/>
+                    </a:lnT>
                     <a:lnB w="12700" cmpd="sng">
                       <a:noFill/>
                       <a:prstDash val="solid"/>
@@ -26016,7 +26642,7 @@
                 </a:tc>
                 <a:extLst>
                   <a:ext uri="{0D108BD9-81ED-4DB2-BD59-A6C34878D82A}">
-                    <a16:rowId xmlns:a16="http://schemas.microsoft.com/office/drawing/2014/main" val="1023936015"/>
+                    <a16:rowId xmlns:a16="http://schemas.microsoft.com/office/drawing/2014/main" val="2381170826"/>
                   </a:ext>
                 </a:extLst>
               </a:tr>
@@ -26038,6 +26664,3339 @@
 </file>
 
 <file path=ppt/slides/slide6.xml><?xml version="1.0" encoding="utf-8"?>
+<p:sld xmlns:a="http://schemas.openxmlformats.org/drawingml/2006/main" xmlns:r="http://schemas.openxmlformats.org/officeDocument/2006/relationships" xmlns:p="http://schemas.openxmlformats.org/presentationml/2006/main">
+  <p:cSld>
+    <p:bg>
+      <p:bgPr>
+        <a:solidFill>
+          <a:schemeClr val="bg1"/>
+        </a:solidFill>
+        <a:effectLst/>
+      </p:bgPr>
+    </p:bg>
+    <p:spTree>
+      <p:nvGrpSpPr>
+        <p:cNvPr id="1" name=""/>
+        <p:cNvGrpSpPr/>
+        <p:nvPr/>
+      </p:nvGrpSpPr>
+      <p:grpSpPr>
+        <a:xfrm>
+          <a:off x="0" y="0"/>
+          <a:ext cx="0" cy="0"/>
+          <a:chOff x="0" y="0"/>
+          <a:chExt cx="0" cy="0"/>
+        </a:xfrm>
+      </p:grpSpPr>
+      <p:sp useBgFill="1">
+        <p:nvSpPr>
+          <p:cNvPr id="21" name="Rectangle 20">
+            <a:extLst>
+              <a:ext uri="{FF2B5EF4-FFF2-40B4-BE49-F238E27FC236}">
+                <a16:creationId xmlns:a16="http://schemas.microsoft.com/office/drawing/2014/main" id="{AC17DE74-01C9-4859-B65A-85CF999E8580}"/>
+              </a:ext>
+              <a:ext uri="{C183D7F6-B498-43B3-948B-1728B52AA6E4}">
+                <adec:decorative xmlns:adec="http://schemas.microsoft.com/office/drawing/2017/decorative" val="1"/>
+              </a:ext>
+            </a:extLst>
+          </p:cNvPr>
+          <p:cNvSpPr>
+            <a:spLocks noGrp="1" noRot="1" noChangeAspect="1" noMove="1" noResize="1" noEditPoints="1" noAdjustHandles="1" noChangeArrowheads="1" noChangeShapeType="1" noTextEdit="1"/>
+          </p:cNvSpPr>
+          <p:nvPr>
+            <p:extLst>
+              <p:ext uri="{386F3935-93C4-4BCD-93E2-E3B085C9AB24}">
+                <p16:designElem xmlns:p16="http://schemas.microsoft.com/office/powerpoint/2015/main" val="1"/>
+              </p:ext>
+            </p:extLst>
+          </p:nvPr>
+        </p:nvSpPr>
+        <p:spPr>
+          <a:xfrm>
+            <a:off x="0" y="0"/>
+            <a:ext cx="12188952" cy="6858000"/>
+          </a:xfrm>
+          <a:prstGeom prst="rect">
+            <a:avLst/>
+          </a:prstGeom>
+          <a:ln>
+            <a:noFill/>
+          </a:ln>
+        </p:spPr>
+        <p:style>
+          <a:lnRef idx="2">
+            <a:schemeClr val="accent1">
+              <a:shade val="50000"/>
+            </a:schemeClr>
+          </a:lnRef>
+          <a:fillRef idx="1">
+            <a:schemeClr val="accent1"/>
+          </a:fillRef>
+          <a:effectRef idx="0">
+            <a:schemeClr val="accent1"/>
+          </a:effectRef>
+          <a:fontRef idx="minor">
+            <a:schemeClr val="lt1"/>
+          </a:fontRef>
+        </p:style>
+        <p:txBody>
+          <a:bodyPr rtlCol="0" anchor="ctr"/>
+          <a:lstStyle/>
+          <a:p>
+            <a:pPr algn="ctr"/>
+            <a:endParaRPr lang="en-US"/>
+          </a:p>
+        </p:txBody>
+      </p:sp>
+      <p:sp>
+        <p:nvSpPr>
+          <p:cNvPr id="23" name="Freeform: Shape 22">
+            <a:extLst>
+              <a:ext uri="{FF2B5EF4-FFF2-40B4-BE49-F238E27FC236}">
+                <a16:creationId xmlns:a16="http://schemas.microsoft.com/office/drawing/2014/main" id="{068C0432-0E90-4CC1-8CD3-D44A90DF07EF}"/>
+              </a:ext>
+              <a:ext uri="{C183D7F6-B498-43B3-948B-1728B52AA6E4}">
+                <adec:decorative xmlns:adec="http://schemas.microsoft.com/office/drawing/2017/decorative" val="1"/>
+              </a:ext>
+            </a:extLst>
+          </p:cNvPr>
+          <p:cNvSpPr>
+            <a:spLocks noGrp="1" noRot="1" noChangeAspect="1" noMove="1" noResize="1" noEditPoints="1" noAdjustHandles="1" noChangeArrowheads="1" noChangeShapeType="1" noTextEdit="1"/>
+          </p:cNvSpPr>
+          <p:nvPr>
+            <p:extLst>
+              <p:ext uri="{386F3935-93C4-4BCD-93E2-E3B085C9AB24}">
+                <p16:designElem xmlns:p16="http://schemas.microsoft.com/office/powerpoint/2015/main" val="1"/>
+              </p:ext>
+            </p:extLst>
+          </p:nvPr>
+        </p:nvSpPr>
+        <p:spPr>
+          <a:xfrm>
+            <a:off x="0" y="0"/>
+            <a:ext cx="12192000" cy="2347414"/>
+          </a:xfrm>
+          <a:custGeom>
+            <a:avLst/>
+            <a:gdLst>
+              <a:gd name="connsiteX0" fmla="*/ 0 w 12192000"/>
+              <a:gd name="connsiteY0" fmla="*/ 0 h 2347414"/>
+              <a:gd name="connsiteX1" fmla="*/ 12192000 w 12192000"/>
+              <a:gd name="connsiteY1" fmla="*/ 0 h 2347414"/>
+              <a:gd name="connsiteX2" fmla="*/ 12192000 w 12192000"/>
+              <a:gd name="connsiteY2" fmla="*/ 1736458 h 2347414"/>
+              <a:gd name="connsiteX3" fmla="*/ 11967601 w 12192000"/>
+              <a:gd name="connsiteY3" fmla="*/ 1784034 h 2347414"/>
+              <a:gd name="connsiteX4" fmla="*/ 10829000 w 12192000"/>
+              <a:gd name="connsiteY4" fmla="*/ 1983294 h 2347414"/>
+              <a:gd name="connsiteX5" fmla="*/ 10743779 w 12192000"/>
+              <a:gd name="connsiteY5" fmla="*/ 1996027 h 2347414"/>
+              <a:gd name="connsiteX6" fmla="*/ 10829254 w 12192000"/>
+              <a:gd name="connsiteY6" fmla="*/ 1987751 h 2347414"/>
+              <a:gd name="connsiteX7" fmla="*/ 10847162 w 12192000"/>
+              <a:gd name="connsiteY7" fmla="*/ 1988388 h 2347414"/>
+              <a:gd name="connsiteX8" fmla="*/ 11575155 w 12192000"/>
+              <a:gd name="connsiteY8" fmla="*/ 1921415 h 2347414"/>
+              <a:gd name="connsiteX9" fmla="*/ 12192000 w 12192000"/>
+              <a:gd name="connsiteY9" fmla="*/ 1851213 h 2347414"/>
+              <a:gd name="connsiteX10" fmla="*/ 12192000 w 12192000"/>
+              <a:gd name="connsiteY10" fmla="*/ 1907356 h 2347414"/>
+              <a:gd name="connsiteX11" fmla="*/ 12035532 w 12192000"/>
+              <a:gd name="connsiteY11" fmla="*/ 1927033 h 2347414"/>
+              <a:gd name="connsiteX12" fmla="*/ 11576932 w 12192000"/>
+              <a:gd name="connsiteY12" fmla="*/ 1976291 h 2347414"/>
+              <a:gd name="connsiteX13" fmla="*/ 10627316 w 12192000"/>
+              <a:gd name="connsiteY13" fmla="*/ 2061470 h 2347414"/>
+              <a:gd name="connsiteX14" fmla="*/ 9804196 w 12192000"/>
+              <a:gd name="connsiteY14" fmla="*/ 2123478 h 2347414"/>
+              <a:gd name="connsiteX15" fmla="*/ 9243851 w 12192000"/>
+              <a:gd name="connsiteY15" fmla="*/ 2180008 h 2347414"/>
+              <a:gd name="connsiteX16" fmla="*/ 8731259 w 12192000"/>
+              <a:gd name="connsiteY16" fmla="*/ 2225081 h 2347414"/>
+              <a:gd name="connsiteX17" fmla="*/ 8065752 w 12192000"/>
+              <a:gd name="connsiteY17" fmla="*/ 2271681 h 2347414"/>
+              <a:gd name="connsiteX18" fmla="*/ 7658065 w 12192000"/>
+              <a:gd name="connsiteY18" fmla="*/ 2292562 h 2347414"/>
+              <a:gd name="connsiteX19" fmla="*/ 6531024 w 12192000"/>
+              <a:gd name="connsiteY19" fmla="*/ 2324138 h 2347414"/>
+              <a:gd name="connsiteX20" fmla="*/ 6178331 w 12192000"/>
+              <a:gd name="connsiteY20" fmla="*/ 2345655 h 2347414"/>
+              <a:gd name="connsiteX21" fmla="*/ 5977282 w 12192000"/>
+              <a:gd name="connsiteY21" fmla="*/ 2344127 h 2347414"/>
+              <a:gd name="connsiteX22" fmla="*/ 5367658 w 12192000"/>
+              <a:gd name="connsiteY22" fmla="*/ 2329230 h 2347414"/>
+              <a:gd name="connsiteX23" fmla="*/ 4387306 w 12192000"/>
+              <a:gd name="connsiteY23" fmla="*/ 2288614 h 2347414"/>
+              <a:gd name="connsiteX24" fmla="*/ 4180287 w 12192000"/>
+              <a:gd name="connsiteY24" fmla="*/ 2280211 h 2347414"/>
+              <a:gd name="connsiteX25" fmla="*/ 3842199 w 12192000"/>
+              <a:gd name="connsiteY25" fmla="*/ 2257039 h 2347414"/>
+              <a:gd name="connsiteX26" fmla="*/ 3730309 w 12192000"/>
+              <a:gd name="connsiteY26" fmla="*/ 2251182 h 2347414"/>
+              <a:gd name="connsiteX27" fmla="*/ 3425496 w 12192000"/>
+              <a:gd name="connsiteY27" fmla="*/ 2231320 h 2347414"/>
+              <a:gd name="connsiteX28" fmla="*/ 3076106 w 12192000"/>
+              <a:gd name="connsiteY28" fmla="*/ 2201781 h 2347414"/>
+              <a:gd name="connsiteX29" fmla="*/ 2819682 w 12192000"/>
+              <a:gd name="connsiteY29" fmla="*/ 2182427 h 2347414"/>
+              <a:gd name="connsiteX30" fmla="*/ 2525539 w 12192000"/>
+              <a:gd name="connsiteY30" fmla="*/ 2152888 h 2347414"/>
+              <a:gd name="connsiteX31" fmla="*/ 2311915 w 12192000"/>
+              <a:gd name="connsiteY31" fmla="*/ 2133536 h 2347414"/>
+              <a:gd name="connsiteX32" fmla="*/ 2054223 w 12192000"/>
+              <a:gd name="connsiteY32" fmla="*/ 2104760 h 2347414"/>
+              <a:gd name="connsiteX33" fmla="*/ 1865367 w 12192000"/>
+              <a:gd name="connsiteY33" fmla="*/ 2084770 h 2347414"/>
+              <a:gd name="connsiteX34" fmla="*/ 1629263 w 12192000"/>
+              <a:gd name="connsiteY34" fmla="*/ 2055996 h 2347414"/>
+              <a:gd name="connsiteX35" fmla="*/ 1458823 w 12192000"/>
+              <a:gd name="connsiteY35" fmla="*/ 2035751 h 2347414"/>
+              <a:gd name="connsiteX36" fmla="*/ 1241390 w 12192000"/>
+              <a:gd name="connsiteY36" fmla="*/ 2007103 h 2347414"/>
+              <a:gd name="connsiteX37" fmla="*/ 1047453 w 12192000"/>
+              <a:gd name="connsiteY37" fmla="*/ 1980748 h 2347414"/>
+              <a:gd name="connsiteX38" fmla="*/ 814907 w 12192000"/>
+              <a:gd name="connsiteY38" fmla="*/ 1949045 h 2347414"/>
+              <a:gd name="connsiteX39" fmla="*/ 592649 w 12192000"/>
+              <a:gd name="connsiteY39" fmla="*/ 1913776 h 2347414"/>
+              <a:gd name="connsiteX40" fmla="*/ 343591 w 12192000"/>
+              <a:gd name="connsiteY40" fmla="*/ 1872650 h 2347414"/>
+              <a:gd name="connsiteX41" fmla="*/ 35731 w 12192000"/>
+              <a:gd name="connsiteY41" fmla="*/ 1821722 h 2347414"/>
+              <a:gd name="connsiteX42" fmla="*/ 0 w 12192000"/>
+              <a:gd name="connsiteY42" fmla="*/ 1814848 h 2347414"/>
+              <a:gd name="connsiteX43" fmla="*/ 0 w 12192000"/>
+              <a:gd name="connsiteY43" fmla="*/ 1758489 h 2347414"/>
+              <a:gd name="connsiteX44" fmla="*/ 274248 w 12192000"/>
+              <a:gd name="connsiteY44" fmla="*/ 1808735 h 2347414"/>
+              <a:gd name="connsiteX45" fmla="*/ 498157 w 12192000"/>
+              <a:gd name="connsiteY45" fmla="*/ 1846167 h 2347414"/>
+              <a:gd name="connsiteX46" fmla="*/ 722828 w 12192000"/>
+              <a:gd name="connsiteY46" fmla="*/ 1878635 h 2347414"/>
+              <a:gd name="connsiteX47" fmla="*/ 949913 w 12192000"/>
+              <a:gd name="connsiteY47" fmla="*/ 1912375 h 2347414"/>
+              <a:gd name="connsiteX48" fmla="*/ 1195414 w 12192000"/>
+              <a:gd name="connsiteY48" fmla="*/ 1947516 h 2347414"/>
+              <a:gd name="connsiteX49" fmla="*/ 1342867 w 12192000"/>
+              <a:gd name="connsiteY49" fmla="*/ 1968397 h 2347414"/>
+              <a:gd name="connsiteX50" fmla="*/ 1518007 w 12192000"/>
+              <a:gd name="connsiteY50" fmla="*/ 1988006 h 2347414"/>
+              <a:gd name="connsiteX51" fmla="*/ 1701403 w 12192000"/>
+              <a:gd name="connsiteY51" fmla="*/ 2010669 h 2347414"/>
+              <a:gd name="connsiteX52" fmla="*/ 1879210 w 12192000"/>
+              <a:gd name="connsiteY52" fmla="*/ 2031167 h 2347414"/>
+              <a:gd name="connsiteX53" fmla="*/ 2068702 w 12192000"/>
+              <a:gd name="connsiteY53" fmla="*/ 2052940 h 2347414"/>
+              <a:gd name="connsiteX54" fmla="*/ 2212090 w 12192000"/>
+              <a:gd name="connsiteY54" fmla="*/ 2067583 h 2347414"/>
+              <a:gd name="connsiteX55" fmla="*/ 2416949 w 12192000"/>
+              <a:gd name="connsiteY55" fmla="*/ 2089609 h 2347414"/>
+              <a:gd name="connsiteX56" fmla="*/ 2582055 w 12192000"/>
+              <a:gd name="connsiteY56" fmla="*/ 2105397 h 2347414"/>
+              <a:gd name="connsiteX57" fmla="*/ 2802282 w 12192000"/>
+              <a:gd name="connsiteY57" fmla="*/ 2126405 h 2347414"/>
+              <a:gd name="connsiteX58" fmla="*/ 2984916 w 12192000"/>
+              <a:gd name="connsiteY58" fmla="*/ 2141684 h 2347414"/>
+              <a:gd name="connsiteX59" fmla="*/ 3241847 w 12192000"/>
+              <a:gd name="connsiteY59" fmla="*/ 2164094 h 2347414"/>
+              <a:gd name="connsiteX60" fmla="*/ 3439848 w 12192000"/>
+              <a:gd name="connsiteY60" fmla="*/ 2176826 h 2347414"/>
+              <a:gd name="connsiteX61" fmla="*/ 3658678 w 12192000"/>
+              <a:gd name="connsiteY61" fmla="*/ 2194523 h 2347414"/>
+              <a:gd name="connsiteX62" fmla="*/ 3881317 w 12192000"/>
+              <a:gd name="connsiteY62" fmla="*/ 2206491 h 2347414"/>
+              <a:gd name="connsiteX63" fmla="*/ 4148916 w 12192000"/>
+              <a:gd name="connsiteY63" fmla="*/ 2225081 h 2347414"/>
+              <a:gd name="connsiteX64" fmla="*/ 4468337 w 12192000"/>
+              <a:gd name="connsiteY64" fmla="*/ 2237813 h 2347414"/>
+              <a:gd name="connsiteX65" fmla="*/ 4605375 w 12192000"/>
+              <a:gd name="connsiteY65" fmla="*/ 2240232 h 2347414"/>
+              <a:gd name="connsiteX66" fmla="*/ 4527647 w 12192000"/>
+              <a:gd name="connsiteY66" fmla="*/ 2236412 h 2347414"/>
+              <a:gd name="connsiteX67" fmla="*/ 4175589 w 12192000"/>
+              <a:gd name="connsiteY67" fmla="*/ 2212985 h 2347414"/>
+              <a:gd name="connsiteX68" fmla="*/ 3988255 w 12192000"/>
+              <a:gd name="connsiteY68" fmla="*/ 2200253 h 2347414"/>
+              <a:gd name="connsiteX69" fmla="*/ 3686492 w 12192000"/>
+              <a:gd name="connsiteY69" fmla="*/ 2176062 h 2347414"/>
+              <a:gd name="connsiteX70" fmla="*/ 3517320 w 12192000"/>
+              <a:gd name="connsiteY70" fmla="*/ 2163330 h 2347414"/>
+              <a:gd name="connsiteX71" fmla="*/ 3258357 w 12192000"/>
+              <a:gd name="connsiteY71" fmla="*/ 2139519 h 2347414"/>
+              <a:gd name="connsiteX72" fmla="*/ 3101506 w 12192000"/>
+              <a:gd name="connsiteY72" fmla="*/ 2126787 h 2347414"/>
+              <a:gd name="connsiteX73" fmla="*/ 2809395 w 12192000"/>
+              <a:gd name="connsiteY73" fmla="*/ 2097502 h 2347414"/>
+              <a:gd name="connsiteX74" fmla="*/ 2598566 w 12192000"/>
+              <a:gd name="connsiteY74" fmla="*/ 2078532 h 2347414"/>
+              <a:gd name="connsiteX75" fmla="*/ 2337444 w 12192000"/>
+              <a:gd name="connsiteY75" fmla="*/ 2048611 h 2347414"/>
+              <a:gd name="connsiteX76" fmla="*/ 2091054 w 12192000"/>
+              <a:gd name="connsiteY76" fmla="*/ 2023146 h 2347414"/>
+              <a:gd name="connsiteX77" fmla="*/ 1755761 w 12192000"/>
+              <a:gd name="connsiteY77" fmla="*/ 1981384 h 2347414"/>
+              <a:gd name="connsiteX78" fmla="*/ 1441169 w 12192000"/>
+              <a:gd name="connsiteY78" fmla="*/ 1943824 h 2347414"/>
+              <a:gd name="connsiteX79" fmla="*/ 1017607 w 12192000"/>
+              <a:gd name="connsiteY79" fmla="*/ 1883345 h 2347414"/>
+              <a:gd name="connsiteX80" fmla="*/ 594427 w 12192000"/>
+              <a:gd name="connsiteY80" fmla="*/ 1821849 h 2347414"/>
+              <a:gd name="connsiteX81" fmla="*/ 200711 w 12192000"/>
+              <a:gd name="connsiteY81" fmla="*/ 1755132 h 2347414"/>
+              <a:gd name="connsiteX82" fmla="*/ 0 w 12192000"/>
+              <a:gd name="connsiteY82" fmla="*/ 1718743 h 2347414"/>
+            </a:gdLst>
+            <a:ahLst/>
+            <a:cxnLst>
+              <a:cxn ang="0">
+                <a:pos x="connsiteX0" y="connsiteY0"/>
+              </a:cxn>
+              <a:cxn ang="0">
+                <a:pos x="connsiteX1" y="connsiteY1"/>
+              </a:cxn>
+              <a:cxn ang="0">
+                <a:pos x="connsiteX2" y="connsiteY2"/>
+              </a:cxn>
+              <a:cxn ang="0">
+                <a:pos x="connsiteX3" y="connsiteY3"/>
+              </a:cxn>
+              <a:cxn ang="0">
+                <a:pos x="connsiteX4" y="connsiteY4"/>
+              </a:cxn>
+              <a:cxn ang="0">
+                <a:pos x="connsiteX5" y="connsiteY5"/>
+              </a:cxn>
+              <a:cxn ang="0">
+                <a:pos x="connsiteX6" y="connsiteY6"/>
+              </a:cxn>
+              <a:cxn ang="0">
+                <a:pos x="connsiteX7" y="connsiteY7"/>
+              </a:cxn>
+              <a:cxn ang="0">
+                <a:pos x="connsiteX8" y="connsiteY8"/>
+              </a:cxn>
+              <a:cxn ang="0">
+                <a:pos x="connsiteX9" y="connsiteY9"/>
+              </a:cxn>
+              <a:cxn ang="0">
+                <a:pos x="connsiteX10" y="connsiteY10"/>
+              </a:cxn>
+              <a:cxn ang="0">
+                <a:pos x="connsiteX11" y="connsiteY11"/>
+              </a:cxn>
+              <a:cxn ang="0">
+                <a:pos x="connsiteX12" y="connsiteY12"/>
+              </a:cxn>
+              <a:cxn ang="0">
+                <a:pos x="connsiteX13" y="connsiteY13"/>
+              </a:cxn>
+              <a:cxn ang="0">
+                <a:pos x="connsiteX14" y="connsiteY14"/>
+              </a:cxn>
+              <a:cxn ang="0">
+                <a:pos x="connsiteX15" y="connsiteY15"/>
+              </a:cxn>
+              <a:cxn ang="0">
+                <a:pos x="connsiteX16" y="connsiteY16"/>
+              </a:cxn>
+              <a:cxn ang="0">
+                <a:pos x="connsiteX17" y="connsiteY17"/>
+              </a:cxn>
+              <a:cxn ang="0">
+                <a:pos x="connsiteX18" y="connsiteY18"/>
+              </a:cxn>
+              <a:cxn ang="0">
+                <a:pos x="connsiteX19" y="connsiteY19"/>
+              </a:cxn>
+              <a:cxn ang="0">
+                <a:pos x="connsiteX20" y="connsiteY20"/>
+              </a:cxn>
+              <a:cxn ang="0">
+                <a:pos x="connsiteX21" y="connsiteY21"/>
+              </a:cxn>
+              <a:cxn ang="0">
+                <a:pos x="connsiteX22" y="connsiteY22"/>
+              </a:cxn>
+              <a:cxn ang="0">
+                <a:pos x="connsiteX23" y="connsiteY23"/>
+              </a:cxn>
+              <a:cxn ang="0">
+                <a:pos x="connsiteX24" y="connsiteY24"/>
+              </a:cxn>
+              <a:cxn ang="0">
+                <a:pos x="connsiteX25" y="connsiteY25"/>
+              </a:cxn>
+              <a:cxn ang="0">
+                <a:pos x="connsiteX26" y="connsiteY26"/>
+              </a:cxn>
+              <a:cxn ang="0">
+                <a:pos x="connsiteX27" y="connsiteY27"/>
+              </a:cxn>
+              <a:cxn ang="0">
+                <a:pos x="connsiteX28" y="connsiteY28"/>
+              </a:cxn>
+              <a:cxn ang="0">
+                <a:pos x="connsiteX29" y="connsiteY29"/>
+              </a:cxn>
+              <a:cxn ang="0">
+                <a:pos x="connsiteX30" y="connsiteY30"/>
+              </a:cxn>
+              <a:cxn ang="0">
+                <a:pos x="connsiteX31" y="connsiteY31"/>
+              </a:cxn>
+              <a:cxn ang="0">
+                <a:pos x="connsiteX32" y="connsiteY32"/>
+              </a:cxn>
+              <a:cxn ang="0">
+                <a:pos x="connsiteX33" y="connsiteY33"/>
+              </a:cxn>
+              <a:cxn ang="0">
+                <a:pos x="connsiteX34" y="connsiteY34"/>
+              </a:cxn>
+              <a:cxn ang="0">
+                <a:pos x="connsiteX35" y="connsiteY35"/>
+              </a:cxn>
+              <a:cxn ang="0">
+                <a:pos x="connsiteX36" y="connsiteY36"/>
+              </a:cxn>
+              <a:cxn ang="0">
+                <a:pos x="connsiteX37" y="connsiteY37"/>
+              </a:cxn>
+              <a:cxn ang="0">
+                <a:pos x="connsiteX38" y="connsiteY38"/>
+              </a:cxn>
+              <a:cxn ang="0">
+                <a:pos x="connsiteX39" y="connsiteY39"/>
+              </a:cxn>
+              <a:cxn ang="0">
+                <a:pos x="connsiteX40" y="connsiteY40"/>
+              </a:cxn>
+              <a:cxn ang="0">
+                <a:pos x="connsiteX41" y="connsiteY41"/>
+              </a:cxn>
+              <a:cxn ang="0">
+                <a:pos x="connsiteX42" y="connsiteY42"/>
+              </a:cxn>
+              <a:cxn ang="0">
+                <a:pos x="connsiteX43" y="connsiteY43"/>
+              </a:cxn>
+              <a:cxn ang="0">
+                <a:pos x="connsiteX44" y="connsiteY44"/>
+              </a:cxn>
+              <a:cxn ang="0">
+                <a:pos x="connsiteX45" y="connsiteY45"/>
+              </a:cxn>
+              <a:cxn ang="0">
+                <a:pos x="connsiteX46" y="connsiteY46"/>
+              </a:cxn>
+              <a:cxn ang="0">
+                <a:pos x="connsiteX47" y="connsiteY47"/>
+              </a:cxn>
+              <a:cxn ang="0">
+                <a:pos x="connsiteX48" y="connsiteY48"/>
+              </a:cxn>
+              <a:cxn ang="0">
+                <a:pos x="connsiteX49" y="connsiteY49"/>
+              </a:cxn>
+              <a:cxn ang="0">
+                <a:pos x="connsiteX50" y="connsiteY50"/>
+              </a:cxn>
+              <a:cxn ang="0">
+                <a:pos x="connsiteX51" y="connsiteY51"/>
+              </a:cxn>
+              <a:cxn ang="0">
+                <a:pos x="connsiteX52" y="connsiteY52"/>
+              </a:cxn>
+              <a:cxn ang="0">
+                <a:pos x="connsiteX53" y="connsiteY53"/>
+              </a:cxn>
+              <a:cxn ang="0">
+                <a:pos x="connsiteX54" y="connsiteY54"/>
+              </a:cxn>
+              <a:cxn ang="0">
+                <a:pos x="connsiteX55" y="connsiteY55"/>
+              </a:cxn>
+              <a:cxn ang="0">
+                <a:pos x="connsiteX56" y="connsiteY56"/>
+              </a:cxn>
+              <a:cxn ang="0">
+                <a:pos x="connsiteX57" y="connsiteY57"/>
+              </a:cxn>
+              <a:cxn ang="0">
+                <a:pos x="connsiteX58" y="connsiteY58"/>
+              </a:cxn>
+              <a:cxn ang="0">
+                <a:pos x="connsiteX59" y="connsiteY59"/>
+              </a:cxn>
+              <a:cxn ang="0">
+                <a:pos x="connsiteX60" y="connsiteY60"/>
+              </a:cxn>
+              <a:cxn ang="0">
+                <a:pos x="connsiteX61" y="connsiteY61"/>
+              </a:cxn>
+              <a:cxn ang="0">
+                <a:pos x="connsiteX62" y="connsiteY62"/>
+              </a:cxn>
+              <a:cxn ang="0">
+                <a:pos x="connsiteX63" y="connsiteY63"/>
+              </a:cxn>
+              <a:cxn ang="0">
+                <a:pos x="connsiteX64" y="connsiteY64"/>
+              </a:cxn>
+              <a:cxn ang="0">
+                <a:pos x="connsiteX65" y="connsiteY65"/>
+              </a:cxn>
+              <a:cxn ang="0">
+                <a:pos x="connsiteX66" y="connsiteY66"/>
+              </a:cxn>
+              <a:cxn ang="0">
+                <a:pos x="connsiteX67" y="connsiteY67"/>
+              </a:cxn>
+              <a:cxn ang="0">
+                <a:pos x="connsiteX68" y="connsiteY68"/>
+              </a:cxn>
+              <a:cxn ang="0">
+                <a:pos x="connsiteX69" y="connsiteY69"/>
+              </a:cxn>
+              <a:cxn ang="0">
+                <a:pos x="connsiteX70" y="connsiteY70"/>
+              </a:cxn>
+              <a:cxn ang="0">
+                <a:pos x="connsiteX71" y="connsiteY71"/>
+              </a:cxn>
+              <a:cxn ang="0">
+                <a:pos x="connsiteX72" y="connsiteY72"/>
+              </a:cxn>
+              <a:cxn ang="0">
+                <a:pos x="connsiteX73" y="connsiteY73"/>
+              </a:cxn>
+              <a:cxn ang="0">
+                <a:pos x="connsiteX74" y="connsiteY74"/>
+              </a:cxn>
+              <a:cxn ang="0">
+                <a:pos x="connsiteX75" y="connsiteY75"/>
+              </a:cxn>
+              <a:cxn ang="0">
+                <a:pos x="connsiteX76" y="connsiteY76"/>
+              </a:cxn>
+              <a:cxn ang="0">
+                <a:pos x="connsiteX77" y="connsiteY77"/>
+              </a:cxn>
+              <a:cxn ang="0">
+                <a:pos x="connsiteX78" y="connsiteY78"/>
+              </a:cxn>
+              <a:cxn ang="0">
+                <a:pos x="connsiteX79" y="connsiteY79"/>
+              </a:cxn>
+              <a:cxn ang="0">
+                <a:pos x="connsiteX80" y="connsiteY80"/>
+              </a:cxn>
+              <a:cxn ang="0">
+                <a:pos x="connsiteX81" y="connsiteY81"/>
+              </a:cxn>
+              <a:cxn ang="0">
+                <a:pos x="connsiteX82" y="connsiteY82"/>
+              </a:cxn>
+            </a:cxnLst>
+            <a:rect l="l" t="t" r="r" b="b"/>
+            <a:pathLst>
+              <a:path w="12192000" h="2347414">
+                <a:moveTo>
+                  <a:pt x="0" y="0"/>
+                </a:moveTo>
+                <a:lnTo>
+                  <a:pt x="12192000" y="0"/>
+                </a:lnTo>
+                <a:lnTo>
+                  <a:pt x="12192000" y="1736458"/>
+                </a:lnTo>
+                <a:lnTo>
+                  <a:pt x="11967601" y="1784034"/>
+                </a:lnTo>
+                <a:cubicBezTo>
+                  <a:pt x="11589888" y="1859409"/>
+                  <a:pt x="11209762" y="1923961"/>
+                  <a:pt x="10829000" y="1983294"/>
+                </a:cubicBezTo>
+                <a:lnTo>
+                  <a:pt x="10743779" y="1996027"/>
+                </a:lnTo>
+                <a:cubicBezTo>
+                  <a:pt x="10772495" y="1996778"/>
+                  <a:pt x="10801211" y="1993989"/>
+                  <a:pt x="10829254" y="1987751"/>
+                </a:cubicBezTo>
+                <a:cubicBezTo>
+                  <a:pt x="10835198" y="1988337"/>
+                  <a:pt x="10841180" y="1988553"/>
+                  <a:pt x="10847162" y="1988388"/>
+                </a:cubicBezTo>
+                <a:cubicBezTo>
+                  <a:pt x="11090123" y="1968907"/>
+                  <a:pt x="11332703" y="1945734"/>
+                  <a:pt x="11575155" y="1921415"/>
+                </a:cubicBezTo>
+                <a:lnTo>
+                  <a:pt x="12192000" y="1851213"/>
+                </a:lnTo>
+                <a:lnTo>
+                  <a:pt x="12192000" y="1907356"/>
+                </a:lnTo>
+                <a:lnTo>
+                  <a:pt x="12035532" y="1927033"/>
+                </a:lnTo>
+                <a:cubicBezTo>
+                  <a:pt x="11882793" y="1944747"/>
+                  <a:pt x="11729910" y="1961077"/>
+                  <a:pt x="11576932" y="1976291"/>
+                </a:cubicBezTo>
+                <a:cubicBezTo>
+                  <a:pt x="11260690" y="2008122"/>
+                  <a:pt x="10944193" y="2037279"/>
+                  <a:pt x="10627316" y="2061470"/>
+                </a:cubicBezTo>
+                <a:cubicBezTo>
+                  <a:pt x="10352985" y="2082351"/>
+                  <a:pt x="10078401" y="2100431"/>
+                  <a:pt x="9804196" y="2123478"/>
+                </a:cubicBezTo>
+                <a:cubicBezTo>
+                  <a:pt x="9617118" y="2139137"/>
+                  <a:pt x="9430675" y="2161674"/>
+                  <a:pt x="9243851" y="2180008"/>
+                </a:cubicBezTo>
+                <a:cubicBezTo>
+                  <a:pt x="9073157" y="2196433"/>
+                  <a:pt x="8902207" y="2211966"/>
+                  <a:pt x="8731259" y="2225081"/>
+                </a:cubicBezTo>
+                <a:cubicBezTo>
+                  <a:pt x="8509507" y="2242054"/>
+                  <a:pt x="8287667" y="2257586"/>
+                  <a:pt x="8065752" y="2271681"/>
+                </a:cubicBezTo>
+                <a:cubicBezTo>
+                  <a:pt x="7929984" y="2280466"/>
+                  <a:pt x="7793961" y="2285814"/>
+                  <a:pt x="7658065" y="2292562"/>
+                </a:cubicBezTo>
+                <a:cubicBezTo>
+                  <a:pt x="7282640" y="2311661"/>
+                  <a:pt x="6906704" y="2314208"/>
+                  <a:pt x="6531024" y="2324138"/>
+                </a:cubicBezTo>
+                <a:cubicBezTo>
+                  <a:pt x="6413417" y="2327322"/>
+                  <a:pt x="6295937" y="2338399"/>
+                  <a:pt x="6178331" y="2345655"/>
+                </a:cubicBezTo>
+                <a:cubicBezTo>
+                  <a:pt x="6111271" y="2349730"/>
+                  <a:pt x="6044342" y="2345655"/>
+                  <a:pt x="5977282" y="2344127"/>
+                </a:cubicBezTo>
+                <a:cubicBezTo>
+                  <a:pt x="5774073" y="2338908"/>
+                  <a:pt x="5570866" y="2334960"/>
+                  <a:pt x="5367658" y="2329230"/>
+                </a:cubicBezTo>
+                <a:cubicBezTo>
+                  <a:pt x="5040746" y="2319809"/>
+                  <a:pt x="4713963" y="2306274"/>
+                  <a:pt x="4387306" y="2288614"/>
+                </a:cubicBezTo>
+                <a:cubicBezTo>
+                  <a:pt x="4318342" y="2284796"/>
+                  <a:pt x="4249253" y="2284286"/>
+                  <a:pt x="4180287" y="2280211"/>
+                </a:cubicBezTo>
+                <a:cubicBezTo>
+                  <a:pt x="4067634" y="2273463"/>
+                  <a:pt x="3954980" y="2265060"/>
+                  <a:pt x="3842199" y="2257039"/>
+                </a:cubicBezTo>
+                <a:cubicBezTo>
+                  <a:pt x="3804988" y="2254492"/>
+                  <a:pt x="3767648" y="2254620"/>
+                  <a:pt x="3730309" y="2251182"/>
+                </a:cubicBezTo>
+                <a:cubicBezTo>
+                  <a:pt x="3628704" y="2242142"/>
+                  <a:pt x="3527101" y="2238449"/>
+                  <a:pt x="3425496" y="2231320"/>
+                </a:cubicBezTo>
+                <a:cubicBezTo>
+                  <a:pt x="3308906" y="2222534"/>
+                  <a:pt x="3192569" y="2211330"/>
+                  <a:pt x="3076106" y="2201781"/>
+                </a:cubicBezTo>
+                <a:cubicBezTo>
+                  <a:pt x="2990757" y="2194905"/>
+                  <a:pt x="2905157" y="2190067"/>
+                  <a:pt x="2819682" y="2182427"/>
+                </a:cubicBezTo>
+                <a:cubicBezTo>
+                  <a:pt x="2721507" y="2173515"/>
+                  <a:pt x="2623586" y="2162311"/>
+                  <a:pt x="2525539" y="2152888"/>
+                </a:cubicBezTo>
+                <a:cubicBezTo>
+                  <a:pt x="2454289" y="2145886"/>
+                  <a:pt x="2383038" y="2140920"/>
+                  <a:pt x="2311915" y="2133536"/>
+                </a:cubicBezTo>
+                <a:cubicBezTo>
+                  <a:pt x="2225933" y="2124749"/>
+                  <a:pt x="2140204" y="2114182"/>
+                  <a:pt x="2054223" y="2104760"/>
+                </a:cubicBezTo>
+                <a:cubicBezTo>
+                  <a:pt x="1990719" y="2097758"/>
+                  <a:pt x="1928233" y="2092028"/>
+                  <a:pt x="1865367" y="2084770"/>
+                </a:cubicBezTo>
+                <a:cubicBezTo>
+                  <a:pt x="1786622" y="2075603"/>
+                  <a:pt x="1708006" y="2065545"/>
+                  <a:pt x="1629263" y="2055996"/>
+                </a:cubicBezTo>
+                <a:cubicBezTo>
+                  <a:pt x="1572492" y="2049120"/>
+                  <a:pt x="1515595" y="2043264"/>
+                  <a:pt x="1458823" y="2035751"/>
+                </a:cubicBezTo>
+                <a:cubicBezTo>
+                  <a:pt x="1386303" y="2026585"/>
+                  <a:pt x="1313784" y="2016780"/>
+                  <a:pt x="1241390" y="2007103"/>
+                </a:cubicBezTo>
+                <a:lnTo>
+                  <a:pt x="1047453" y="1980748"/>
+                </a:lnTo>
+                <a:cubicBezTo>
+                  <a:pt x="969980" y="1970180"/>
+                  <a:pt x="892254" y="1960377"/>
+                  <a:pt x="814907" y="1949045"/>
+                </a:cubicBezTo>
+                <a:cubicBezTo>
+                  <a:pt x="740609" y="1938094"/>
+                  <a:pt x="666692" y="1925744"/>
+                  <a:pt x="592649" y="1913776"/>
+                </a:cubicBezTo>
+                <a:cubicBezTo>
+                  <a:pt x="509587" y="1900280"/>
+                  <a:pt x="426653" y="1886274"/>
+                  <a:pt x="343591" y="1872650"/>
+                </a:cubicBezTo>
+                <a:cubicBezTo>
+                  <a:pt x="240972" y="1855716"/>
+                  <a:pt x="138225" y="1839673"/>
+                  <a:pt x="35731" y="1821722"/>
+                </a:cubicBezTo>
+                <a:lnTo>
+                  <a:pt x="0" y="1814848"/>
+                </a:lnTo>
+                <a:lnTo>
+                  <a:pt x="0" y="1758489"/>
+                </a:lnTo>
+                <a:lnTo>
+                  <a:pt x="274248" y="1808735"/>
+                </a:lnTo>
+                <a:cubicBezTo>
+                  <a:pt x="348926" y="1821467"/>
+                  <a:pt x="423604" y="1832798"/>
+                  <a:pt x="498157" y="1846167"/>
+                </a:cubicBezTo>
+                <a:cubicBezTo>
+                  <a:pt x="572708" y="1859536"/>
+                  <a:pt x="647896" y="1867813"/>
+                  <a:pt x="722828" y="1878635"/>
+                </a:cubicBezTo>
+                <a:cubicBezTo>
+                  <a:pt x="797762" y="1889457"/>
+                  <a:pt x="874219" y="1901426"/>
+                  <a:pt x="949913" y="1912375"/>
+                </a:cubicBezTo>
+                <a:cubicBezTo>
+                  <a:pt x="1031704" y="1924343"/>
+                  <a:pt x="1113496" y="1935802"/>
+                  <a:pt x="1195414" y="1947516"/>
+                </a:cubicBezTo>
+                <a:cubicBezTo>
+                  <a:pt x="1244566" y="1954519"/>
+                  <a:pt x="1293589" y="1962285"/>
+                  <a:pt x="1342867" y="1968397"/>
+                </a:cubicBezTo>
+                <a:cubicBezTo>
+                  <a:pt x="1401162" y="1975656"/>
+                  <a:pt x="1459712" y="1981130"/>
+                  <a:pt x="1518007" y="1988006"/>
+                </a:cubicBezTo>
+                <a:cubicBezTo>
+                  <a:pt x="1579224" y="1995263"/>
+                  <a:pt x="1640186" y="2003411"/>
+                  <a:pt x="1701403" y="2010669"/>
+                </a:cubicBezTo>
+                <a:cubicBezTo>
+                  <a:pt x="1762618" y="2017926"/>
+                  <a:pt x="1820279" y="2024292"/>
+                  <a:pt x="1879210" y="2031167"/>
+                </a:cubicBezTo>
+                <a:cubicBezTo>
+                  <a:pt x="1942712" y="2038425"/>
+                  <a:pt x="2006214" y="2046064"/>
+                  <a:pt x="2068702" y="2052940"/>
+                </a:cubicBezTo>
+                <a:cubicBezTo>
+                  <a:pt x="2116455" y="2058160"/>
+                  <a:pt x="2164335" y="2062362"/>
+                  <a:pt x="2212090" y="2067583"/>
+                </a:cubicBezTo>
+                <a:cubicBezTo>
+                  <a:pt x="2280419" y="2074967"/>
+                  <a:pt x="2348493" y="2085152"/>
+                  <a:pt x="2416949" y="2089609"/>
+                </a:cubicBezTo>
+                <a:cubicBezTo>
+                  <a:pt x="2472070" y="2093302"/>
+                  <a:pt x="2526936" y="2099540"/>
+                  <a:pt x="2582055" y="2105397"/>
+                </a:cubicBezTo>
+                <a:cubicBezTo>
+                  <a:pt x="2655337" y="2113291"/>
+                  <a:pt x="2729001" y="2119785"/>
+                  <a:pt x="2802282" y="2126405"/>
+                </a:cubicBezTo>
+                <a:cubicBezTo>
+                  <a:pt x="2862991" y="2131753"/>
+                  <a:pt x="2924207" y="2136337"/>
+                  <a:pt x="2984916" y="2141684"/>
+                </a:cubicBezTo>
+                <a:cubicBezTo>
+                  <a:pt x="3070516" y="2149324"/>
+                  <a:pt x="3156373" y="2152888"/>
+                  <a:pt x="3241847" y="2164094"/>
+                </a:cubicBezTo>
+                <a:cubicBezTo>
+                  <a:pt x="3307255" y="2172624"/>
+                  <a:pt x="3374060" y="2169822"/>
+                  <a:pt x="3439848" y="2176826"/>
+                </a:cubicBezTo>
+                <a:cubicBezTo>
+                  <a:pt x="3512622" y="2184592"/>
+                  <a:pt x="3585777" y="2186247"/>
+                  <a:pt x="3658678" y="2194523"/>
+                </a:cubicBezTo>
+                <a:cubicBezTo>
+                  <a:pt x="3731578" y="2202800"/>
+                  <a:pt x="3807019" y="2201781"/>
+                  <a:pt x="3881317" y="2206491"/>
+                </a:cubicBezTo>
+                <a:cubicBezTo>
+                  <a:pt x="3970222" y="2212094"/>
+                  <a:pt x="4059124" y="2223552"/>
+                  <a:pt x="4148916" y="2225081"/>
+                </a:cubicBezTo>
+                <a:cubicBezTo>
+                  <a:pt x="4255600" y="2226736"/>
+                  <a:pt x="4361779" y="2236539"/>
+                  <a:pt x="4468337" y="2237813"/>
+                </a:cubicBezTo>
+                <a:cubicBezTo>
+                  <a:pt x="4511390" y="2238577"/>
+                  <a:pt x="4554190" y="2246852"/>
+                  <a:pt x="4605375" y="2240232"/>
+                </a:cubicBezTo>
+                <a:cubicBezTo>
+                  <a:pt x="4574131" y="2238704"/>
+                  <a:pt x="4550762" y="2237940"/>
+                  <a:pt x="4527647" y="2236412"/>
+                </a:cubicBezTo>
+                <a:cubicBezTo>
+                  <a:pt x="4410293" y="2228773"/>
+                  <a:pt x="4292942" y="2220751"/>
+                  <a:pt x="4175589" y="2212985"/>
+                </a:cubicBezTo>
+                <a:cubicBezTo>
+                  <a:pt x="4113101" y="2208783"/>
+                  <a:pt x="4050615" y="2205219"/>
+                  <a:pt x="3988255" y="2200253"/>
+                </a:cubicBezTo>
+                <a:cubicBezTo>
+                  <a:pt x="3887668" y="2192487"/>
+                  <a:pt x="3787079" y="2184082"/>
+                  <a:pt x="3686492" y="2176062"/>
+                </a:cubicBezTo>
+                <a:cubicBezTo>
+                  <a:pt x="3630102" y="2171605"/>
+                  <a:pt x="3573711" y="2168040"/>
+                  <a:pt x="3517320" y="2163330"/>
+                </a:cubicBezTo>
+                <a:cubicBezTo>
+                  <a:pt x="3430958" y="2155689"/>
+                  <a:pt x="3344721" y="2147159"/>
+                  <a:pt x="3258357" y="2139519"/>
+                </a:cubicBezTo>
+                <a:cubicBezTo>
+                  <a:pt x="3206031" y="2134809"/>
+                  <a:pt x="3153705" y="2131371"/>
+                  <a:pt x="3101506" y="2126787"/>
+                </a:cubicBezTo>
+                <a:cubicBezTo>
+                  <a:pt x="3004220" y="2117365"/>
+                  <a:pt x="2907061" y="2106798"/>
+                  <a:pt x="2809395" y="2097502"/>
+                </a:cubicBezTo>
+                <a:cubicBezTo>
+                  <a:pt x="2739161" y="2090628"/>
+                  <a:pt x="2668673" y="2085916"/>
+                  <a:pt x="2598566" y="2078532"/>
+                </a:cubicBezTo>
+                <a:cubicBezTo>
+                  <a:pt x="2511441" y="2069365"/>
+                  <a:pt x="2424569" y="2058160"/>
+                  <a:pt x="2337444" y="2048611"/>
+                </a:cubicBezTo>
+                <a:cubicBezTo>
+                  <a:pt x="2255399" y="2039699"/>
+                  <a:pt x="2173099" y="2032950"/>
+                  <a:pt x="2091054" y="2023146"/>
+                </a:cubicBezTo>
+                <a:cubicBezTo>
+                  <a:pt x="1979162" y="2010414"/>
+                  <a:pt x="1867524" y="1995008"/>
+                  <a:pt x="1755761" y="1981384"/>
+                </a:cubicBezTo>
+                <a:cubicBezTo>
+                  <a:pt x="1650982" y="1968652"/>
+                  <a:pt x="1545821" y="1957830"/>
+                  <a:pt x="1441169" y="1943824"/>
+                </a:cubicBezTo>
+                <a:cubicBezTo>
+                  <a:pt x="1299813" y="1924980"/>
+                  <a:pt x="1158837" y="1903718"/>
+                  <a:pt x="1017607" y="1883345"/>
+                </a:cubicBezTo>
+                <a:cubicBezTo>
+                  <a:pt x="876378" y="1862974"/>
+                  <a:pt x="735402" y="1844003"/>
+                  <a:pt x="594427" y="1821849"/>
+                </a:cubicBezTo>
+                <a:cubicBezTo>
+                  <a:pt x="462850" y="1801222"/>
+                  <a:pt x="331526" y="1778304"/>
+                  <a:pt x="200711" y="1755132"/>
+                </a:cubicBezTo>
+                <a:lnTo>
+                  <a:pt x="0" y="1718743"/>
+                </a:lnTo>
+                <a:close/>
+              </a:path>
+            </a:pathLst>
+          </a:custGeom>
+          <a:solidFill>
+            <a:schemeClr val="accent1"/>
+          </a:solidFill>
+          <a:ln w="8199" cap="flat">
+            <a:noFill/>
+            <a:prstDash val="solid"/>
+            <a:miter/>
+          </a:ln>
+        </p:spPr>
+        <p:txBody>
+          <a:bodyPr rtlCol="0" anchor="ctr"/>
+          <a:lstStyle/>
+          <a:p>
+            <a:endParaRPr lang="en-US"/>
+          </a:p>
+        </p:txBody>
+      </p:sp>
+      <p:sp>
+        <p:nvSpPr>
+          <p:cNvPr id="2" name="Title 1">
+            <a:extLst>
+              <a:ext uri="{FF2B5EF4-FFF2-40B4-BE49-F238E27FC236}">
+                <a16:creationId xmlns:a16="http://schemas.microsoft.com/office/drawing/2014/main" id="{35EC60EF-9F20-4E94-8801-8BA37007F39B}"/>
+              </a:ext>
+            </a:extLst>
+          </p:cNvPr>
+          <p:cNvSpPr>
+            <a:spLocks noGrp="1"/>
+          </p:cNvSpPr>
+          <p:nvPr>
+            <p:ph type="title"/>
+          </p:nvPr>
+        </p:nvSpPr>
+        <p:spPr>
+          <a:xfrm>
+            <a:off x="838200" y="848"/>
+            <a:ext cx="10515600" cy="1348065"/>
+          </a:xfrm>
+        </p:spPr>
+        <p:txBody>
+          <a:bodyPr vert="horz" lIns="91440" tIns="45720" rIns="91440" bIns="45720" rtlCol="0">
+            <a:normAutofit/>
+          </a:bodyPr>
+          <a:lstStyle/>
+          <a:p>
+            <a:r>
+              <a:rPr lang="en-US" sz="3600" dirty="0">
+                <a:solidFill>
+                  <a:schemeClr val="bg1"/>
+                </a:solidFill>
+              </a:rPr>
+              <a:t>Functional system requirements Continued</a:t>
+            </a:r>
+          </a:p>
+        </p:txBody>
+      </p:sp>
+      <p:sp>
+        <p:nvSpPr>
+          <p:cNvPr id="6" name="Slide Number Placeholder 5">
+            <a:extLst>
+              <a:ext uri="{FF2B5EF4-FFF2-40B4-BE49-F238E27FC236}">
+                <a16:creationId xmlns:a16="http://schemas.microsoft.com/office/drawing/2014/main" id="{FAEA3822-3DBB-41A6-8C93-47E05C8A78DA}"/>
+              </a:ext>
+            </a:extLst>
+          </p:cNvPr>
+          <p:cNvSpPr>
+            <a:spLocks noGrp="1"/>
+          </p:cNvSpPr>
+          <p:nvPr>
+            <p:ph type="sldNum" sz="quarter" idx="12"/>
+          </p:nvPr>
+        </p:nvSpPr>
+        <p:spPr>
+          <a:xfrm>
+            <a:off x="8610600" y="6356350"/>
+            <a:ext cx="2743200" cy="365125"/>
+          </a:xfrm>
+        </p:spPr>
+        <p:txBody>
+          <a:bodyPr vert="horz" lIns="91440" tIns="45720" rIns="91440" bIns="45720" rtlCol="0">
+            <a:normAutofit/>
+          </a:bodyPr>
+          <a:lstStyle/>
+          <a:p>
+            <a:pPr>
+              <a:spcAft>
+                <a:spcPts val="600"/>
+              </a:spcAft>
+            </a:pPr>
+            <a:fld id="{2C18C1E5-FB55-42F5-BD6D-9CC153FCDBE6}" type="slidenum">
+              <a:rPr lang="en-US" smtClean="0"/>
+              <a:pPr>
+                <a:spcAft>
+                  <a:spcPts val="600"/>
+                </a:spcAft>
+              </a:pPr>
+              <a:t>6</a:t>
+            </a:fld>
+            <a:endParaRPr lang="en-US"/>
+          </a:p>
+        </p:txBody>
+      </p:sp>
+      <p:graphicFrame>
+        <p:nvGraphicFramePr>
+          <p:cNvPr id="8" name="Table 9">
+            <a:extLst>
+              <a:ext uri="{FF2B5EF4-FFF2-40B4-BE49-F238E27FC236}">
+                <a16:creationId xmlns:a16="http://schemas.microsoft.com/office/drawing/2014/main" id="{DB4AF513-E7F4-417D-8A71-1466E66E1B47}"/>
+              </a:ext>
+            </a:extLst>
+          </p:cNvPr>
+          <p:cNvGraphicFramePr>
+            <a:graphicFrameLocks noGrp="1"/>
+          </p:cNvGraphicFramePr>
+          <p:nvPr>
+            <p:ph idx="1"/>
+            <p:extLst>
+              <p:ext uri="{D42A27DB-BD31-4B8C-83A1-F6EECF244321}">
+                <p14:modId xmlns:p14="http://schemas.microsoft.com/office/powerpoint/2010/main" val="3787170973"/>
+              </p:ext>
+            </p:extLst>
+          </p:nvPr>
+        </p:nvGraphicFramePr>
+        <p:xfrm>
+          <a:off x="413288" y="1937288"/>
+          <a:ext cx="10866999" cy="4818258"/>
+        </p:xfrm>
+        <a:graphic>
+          <a:graphicData uri="http://schemas.openxmlformats.org/drawingml/2006/table">
+            <a:tbl>
+              <a:tblPr firstRow="1" bandRow="1">
+                <a:solidFill>
+                  <a:srgbClr val="F2F2F2">
+                    <a:alpha val="45098"/>
+                  </a:srgbClr>
+                </a:solidFill>
+                <a:tableStyleId>{5C22544A-7EE6-4342-B048-85BDC9FD1C3A}</a:tableStyleId>
+              </a:tblPr>
+              <a:tblGrid>
+                <a:gridCol w="917766">
+                  <a:extLst>
+                    <a:ext uri="{9D8B030D-6E8A-4147-A177-3AD203B41FA5}">
+                      <a16:colId xmlns:a16="http://schemas.microsoft.com/office/drawing/2014/main" val="4236101987"/>
+                    </a:ext>
+                  </a:extLst>
+                </a:gridCol>
+                <a:gridCol w="8915366">
+                  <a:extLst>
+                    <a:ext uri="{9D8B030D-6E8A-4147-A177-3AD203B41FA5}">
+                      <a16:colId xmlns:a16="http://schemas.microsoft.com/office/drawing/2014/main" val="3759119048"/>
+                    </a:ext>
+                  </a:extLst>
+                </a:gridCol>
+                <a:gridCol w="1033867">
+                  <a:extLst>
+                    <a:ext uri="{9D8B030D-6E8A-4147-A177-3AD203B41FA5}">
+                      <a16:colId xmlns:a16="http://schemas.microsoft.com/office/drawing/2014/main" val="1493095617"/>
+                    </a:ext>
+                  </a:extLst>
+                </a:gridCol>
+              </a:tblGrid>
+              <a:tr h="520820">
+                <a:tc>
+                  <a:txBody>
+                    <a:bodyPr/>
+                    <a:lstStyle/>
+                    <a:p>
+                      <a:pPr lvl="0">
+                        <a:buNone/>
+                      </a:pPr>
+                      <a:endParaRPr lang="en-US" sz="1600" b="0" cap="none" spc="0">
+                        <a:solidFill>
+                          <a:schemeClr val="bg1"/>
+                        </a:solidFill>
+                      </a:endParaRPr>
+                    </a:p>
+                  </a:txBody>
+                  <a:tcPr marL="89097" marR="89097" marT="100920" marB="44548" anchor="ctr">
+                    <a:lnL w="12700" cmpd="sng">
+                      <a:noFill/>
+                    </a:lnL>
+                    <a:lnR w="12700" cmpd="sng">
+                      <a:noFill/>
+                    </a:lnR>
+                    <a:lnT w="19050" cap="flat" cmpd="sng" algn="ctr">
+                      <a:noFill/>
+                      <a:prstDash val="solid"/>
+                    </a:lnT>
+                    <a:lnB w="38100" cmpd="sng">
+                      <a:noFill/>
+                    </a:lnB>
+                    <a:solidFill>
+                      <a:schemeClr val="tx1"/>
+                    </a:solidFill>
+                  </a:tcPr>
+                </a:tc>
+                <a:tc>
+                  <a:txBody>
+                    <a:bodyPr/>
+                    <a:lstStyle/>
+                    <a:p>
+                      <a:pPr lvl="0">
+                        <a:buNone/>
+                      </a:pPr>
+                      <a:r>
+                        <a:rPr lang="en-US" sz="1600" b="0" cap="none" spc="0" dirty="0">
+                          <a:solidFill>
+                            <a:schemeClr val="bg1"/>
+                          </a:solidFill>
+                        </a:rPr>
+                        <a:t>Description</a:t>
+                      </a:r>
+                    </a:p>
+                  </a:txBody>
+                  <a:tcPr marL="89097" marR="89097" marT="100920" marB="44548" anchor="ctr">
+                    <a:lnL w="12700" cmpd="sng">
+                      <a:noFill/>
+                    </a:lnL>
+                    <a:lnR w="12700" cmpd="sng">
+                      <a:noFill/>
+                    </a:lnR>
+                    <a:lnT w="19050" cap="flat" cmpd="sng" algn="ctr">
+                      <a:noFill/>
+                      <a:prstDash val="solid"/>
+                    </a:lnT>
+                    <a:lnB w="38100" cmpd="sng">
+                      <a:noFill/>
+                    </a:lnB>
+                    <a:solidFill>
+                      <a:schemeClr val="tx1"/>
+                    </a:solidFill>
+                  </a:tcPr>
+                </a:tc>
+                <a:tc>
+                  <a:txBody>
+                    <a:bodyPr/>
+                    <a:lstStyle/>
+                    <a:p>
+                      <a:pPr lvl="0">
+                        <a:buNone/>
+                      </a:pPr>
+                      <a:r>
+                        <a:rPr lang="en-US" sz="1600" b="0" cap="none" spc="0" dirty="0">
+                          <a:solidFill>
+                            <a:schemeClr val="bg1"/>
+                          </a:solidFill>
+                        </a:rPr>
+                        <a:t>Priority</a:t>
+                      </a:r>
+                    </a:p>
+                  </a:txBody>
+                  <a:tcPr marL="89097" marR="89097" marT="100920" marB="44548" anchor="ctr">
+                    <a:lnL w="12700" cmpd="sng">
+                      <a:noFill/>
+                    </a:lnL>
+                    <a:lnR w="12700" cmpd="sng">
+                      <a:noFill/>
+                    </a:lnR>
+                    <a:lnT w="19050" cap="flat" cmpd="sng" algn="ctr">
+                      <a:noFill/>
+                      <a:prstDash val="solid"/>
+                    </a:lnT>
+                    <a:lnB w="38100" cmpd="sng">
+                      <a:noFill/>
+                    </a:lnB>
+                    <a:solidFill>
+                      <a:schemeClr val="tx1"/>
+                    </a:solidFill>
+                  </a:tcPr>
+                </a:tc>
+                <a:extLst>
+                  <a:ext uri="{0D108BD9-81ED-4DB2-BD59-A6C34878D82A}">
+                    <a16:rowId xmlns:a16="http://schemas.microsoft.com/office/drawing/2014/main" val="3123168758"/>
+                  </a:ext>
+                </a:extLst>
+              </a:tr>
+              <a:tr h="761941">
+                <a:tc>
+                  <a:txBody>
+                    <a:bodyPr/>
+                    <a:lstStyle/>
+                    <a:p>
+                      <a:pPr lvl="0" algn="l">
+                        <a:lnSpc>
+                          <a:spcPct val="100000"/>
+                        </a:lnSpc>
+                        <a:spcBef>
+                          <a:spcPts val="0"/>
+                        </a:spcBef>
+                        <a:spcAft>
+                          <a:spcPts val="0"/>
+                        </a:spcAft>
+                        <a:buNone/>
+                      </a:pPr>
+                      <a:r>
+                        <a:rPr lang="en-US" sz="1400" b="0" i="0" u="none" strike="noStrike" cap="none" spc="0" noProof="0" dirty="0">
+                          <a:solidFill>
+                            <a:schemeClr val="tx1"/>
+                          </a:solidFill>
+                          <a:latin typeface="The Hand Black"/>
+                        </a:rPr>
+                        <a:t>REQ-7</a:t>
+                      </a:r>
+                      <a:endParaRPr lang="en-US" dirty="0"/>
+                    </a:p>
+                    <a:p>
+                      <a:pPr lvl="0">
+                        <a:buNone/>
+                      </a:pPr>
+                      <a:endParaRPr lang="en-US" sz="1400" cap="none" spc="0">
+                        <a:solidFill>
+                          <a:schemeClr val="tx1"/>
+                        </a:solidFill>
+                      </a:endParaRPr>
+                    </a:p>
+                  </a:txBody>
+                  <a:tcPr marL="89097" marR="89097" marT="100920" marB="44548" anchor="ctr">
+                    <a:lnL w="12700" cmpd="sng">
+                      <a:noFill/>
+                      <a:prstDash val="solid"/>
+                    </a:lnL>
+                    <a:lnR w="12700" cmpd="sng">
+                      <a:noFill/>
+                      <a:prstDash val="solid"/>
+                    </a:lnR>
+                    <a:lnT w="38100" cmpd="sng">
+                      <a:noFill/>
+                    </a:lnT>
+                    <a:lnB w="12700" cap="flat" cmpd="sng" algn="ctr">
+                      <a:solidFill>
+                        <a:schemeClr val="bg1">
+                          <a:lumMod val="75000"/>
+                        </a:schemeClr>
+                      </a:solidFill>
+                      <a:prstDash val="solid"/>
+                    </a:lnB>
+                    <a:solidFill>
+                      <a:srgbClr val="F2F2F2">
+                        <a:alpha val="45098"/>
+                      </a:srgbClr>
+                    </a:solidFill>
+                  </a:tcPr>
+                </a:tc>
+                <a:tc>
+                  <a:txBody>
+                    <a:bodyPr/>
+                    <a:lstStyle/>
+                    <a:p>
+                      <a:pPr lvl="0" algn="l">
+                        <a:lnSpc>
+                          <a:spcPct val="100000"/>
+                        </a:lnSpc>
+                        <a:spcBef>
+                          <a:spcPts val="0"/>
+                        </a:spcBef>
+                        <a:spcAft>
+                          <a:spcPts val="0"/>
+                        </a:spcAft>
+                        <a:buNone/>
+                      </a:pPr>
+                      <a:endParaRPr lang="en-US" sz="1400" b="0" i="0" u="none" strike="noStrike" cap="none" spc="0" noProof="0" dirty="0"/>
+                    </a:p>
+                    <a:p>
+                      <a:pPr lvl="0" algn="l">
+                        <a:lnSpc>
+                          <a:spcPct val="100000"/>
+                        </a:lnSpc>
+                        <a:spcBef>
+                          <a:spcPts val="0"/>
+                        </a:spcBef>
+                        <a:spcAft>
+                          <a:spcPts val="0"/>
+                        </a:spcAft>
+                        <a:buNone/>
+                      </a:pPr>
+                      <a:r>
+                        <a:rPr lang="en-US" sz="1400" b="0" i="0" u="none" strike="noStrike" cap="none" spc="0" noProof="0" dirty="0"/>
+                        <a:t>System will monitor vitals of user and send alert when there is a dramatic change in blood sugars or heart rate</a:t>
+                      </a:r>
+                    </a:p>
+                    <a:p>
+                      <a:pPr lvl="0" algn="l">
+                        <a:lnSpc>
+                          <a:spcPct val="100000"/>
+                        </a:lnSpc>
+                        <a:spcBef>
+                          <a:spcPts val="0"/>
+                        </a:spcBef>
+                        <a:spcAft>
+                          <a:spcPts val="0"/>
+                        </a:spcAft>
+                        <a:buNone/>
+                      </a:pPr>
+                      <a:endParaRPr lang="en-US" sz="1400" b="0" i="0" u="none" strike="noStrike" cap="none" spc="0" noProof="0" dirty="0">
+                        <a:solidFill>
+                          <a:schemeClr val="tx1"/>
+                        </a:solidFill>
+                        <a:latin typeface="The Hand Black"/>
+                      </a:endParaRPr>
+                    </a:p>
+                    <a:p>
+                      <a:pPr lvl="0">
+                        <a:buNone/>
+                      </a:pPr>
+                      <a:endParaRPr lang="en-US" sz="1400" cap="none" spc="0">
+                        <a:solidFill>
+                          <a:schemeClr val="tx1"/>
+                        </a:solidFill>
+                      </a:endParaRPr>
+                    </a:p>
+                  </a:txBody>
+                  <a:tcPr marL="89097" marR="89097" marT="100920" marB="44548" anchor="ctr">
+                    <a:lnL w="12700" cmpd="sng">
+                      <a:noFill/>
+                      <a:prstDash val="solid"/>
+                    </a:lnL>
+                    <a:lnR w="12700" cmpd="sng">
+                      <a:noFill/>
+                      <a:prstDash val="solid"/>
+                    </a:lnR>
+                    <a:lnT w="38100" cmpd="sng">
+                      <a:noFill/>
+                    </a:lnT>
+                    <a:lnB w="12700" cap="flat" cmpd="sng" algn="ctr">
+                      <a:solidFill>
+                        <a:schemeClr val="bg1">
+                          <a:lumMod val="75000"/>
+                        </a:schemeClr>
+                      </a:solidFill>
+                      <a:prstDash val="solid"/>
+                    </a:lnB>
+                    <a:solidFill>
+                      <a:srgbClr val="F2F2F2">
+                        <a:alpha val="45098"/>
+                      </a:srgbClr>
+                    </a:solidFill>
+                  </a:tcPr>
+                </a:tc>
+                <a:tc>
+                  <a:txBody>
+                    <a:bodyPr/>
+                    <a:lstStyle/>
+                    <a:p>
+                      <a:r>
+                        <a:rPr lang="en-US" sz="1400" cap="none" spc="0" dirty="0">
+                          <a:solidFill>
+                            <a:schemeClr val="tx1"/>
+                          </a:solidFill>
+                        </a:rPr>
+                        <a:t>2</a:t>
+                      </a:r>
+                    </a:p>
+                  </a:txBody>
+                  <a:tcPr marL="89097" marR="89097" marT="100920" marB="44548" anchor="ctr">
+                    <a:lnL w="12700" cmpd="sng">
+                      <a:noFill/>
+                      <a:prstDash val="solid"/>
+                    </a:lnL>
+                    <a:lnR w="12700" cmpd="sng">
+                      <a:noFill/>
+                      <a:prstDash val="solid"/>
+                    </a:lnR>
+                    <a:lnT w="38100" cmpd="sng">
+                      <a:noFill/>
+                    </a:lnT>
+                    <a:lnB w="12700" cap="flat" cmpd="sng" algn="ctr">
+                      <a:solidFill>
+                        <a:schemeClr val="bg1">
+                          <a:lumMod val="75000"/>
+                        </a:schemeClr>
+                      </a:solidFill>
+                      <a:prstDash val="solid"/>
+                    </a:lnB>
+                    <a:solidFill>
+                      <a:srgbClr val="F2F2F2">
+                        <a:alpha val="45098"/>
+                      </a:srgbClr>
+                    </a:solidFill>
+                  </a:tcPr>
+                </a:tc>
+                <a:extLst>
+                  <a:ext uri="{0D108BD9-81ED-4DB2-BD59-A6C34878D82A}">
+                    <a16:rowId xmlns:a16="http://schemas.microsoft.com/office/drawing/2014/main" val="766787693"/>
+                  </a:ext>
+                </a:extLst>
+              </a:tr>
+              <a:tr h="761941">
+                <a:tc>
+                  <a:txBody>
+                    <a:bodyPr/>
+                    <a:lstStyle/>
+                    <a:p>
+                      <a:pPr lvl="0" algn="l">
+                        <a:lnSpc>
+                          <a:spcPct val="100000"/>
+                        </a:lnSpc>
+                        <a:spcBef>
+                          <a:spcPts val="0"/>
+                        </a:spcBef>
+                        <a:spcAft>
+                          <a:spcPts val="0"/>
+                        </a:spcAft>
+                        <a:buNone/>
+                      </a:pPr>
+                      <a:r>
+                        <a:rPr lang="en-US" sz="1400" b="0" i="0" u="none" strike="noStrike" cap="none" spc="0" noProof="0" dirty="0">
+                          <a:solidFill>
+                            <a:schemeClr val="tx1"/>
+                          </a:solidFill>
+                          <a:latin typeface="The Hand Black"/>
+                        </a:rPr>
+                        <a:t>REQ-8</a:t>
+                      </a:r>
+                      <a:endParaRPr lang="en-US" dirty="0"/>
+                    </a:p>
+                    <a:p>
+                      <a:pPr lvl="0">
+                        <a:buNone/>
+                      </a:pPr>
+                      <a:endParaRPr lang="en-US" sz="1400" cap="none" spc="0">
+                        <a:solidFill>
+                          <a:schemeClr val="tx1"/>
+                        </a:solidFill>
+                      </a:endParaRPr>
+                    </a:p>
+                  </a:txBody>
+                  <a:tcPr marL="89097" marR="89097" marT="100920" marB="44548" anchor="ctr">
+                    <a:lnL w="12700" cmpd="sng">
+                      <a:noFill/>
+                      <a:prstDash val="solid"/>
+                    </a:lnL>
+                    <a:lnR w="12700" cmpd="sng">
+                      <a:noFill/>
+                      <a:prstDash val="solid"/>
+                    </a:lnR>
+                    <a:lnT w="12700" cap="flat" cmpd="sng" algn="ctr">
+                      <a:solidFill>
+                        <a:schemeClr val="bg1">
+                          <a:lumMod val="75000"/>
+                        </a:schemeClr>
+                      </a:solidFill>
+                      <a:prstDash val="solid"/>
+                    </a:lnT>
+                    <a:lnB w="12700" cmpd="sng">
+                      <a:noFill/>
+                      <a:prstDash val="solid"/>
+                    </a:lnB>
+                    <a:solidFill>
+                      <a:srgbClr val="BFBFBF">
+                        <a:alpha val="34902"/>
+                      </a:srgbClr>
+                    </a:solidFill>
+                  </a:tcPr>
+                </a:tc>
+                <a:tc>
+                  <a:txBody>
+                    <a:bodyPr/>
+                    <a:lstStyle/>
+                    <a:p>
+                      <a:pPr lvl="0" algn="l">
+                        <a:lnSpc>
+                          <a:spcPct val="100000"/>
+                        </a:lnSpc>
+                        <a:spcBef>
+                          <a:spcPts val="0"/>
+                        </a:spcBef>
+                        <a:spcAft>
+                          <a:spcPts val="0"/>
+                        </a:spcAft>
+                        <a:buNone/>
+                      </a:pPr>
+                      <a:endParaRPr lang="en-US" sz="1400" b="0" i="0" u="none" strike="noStrike" cap="none" spc="0" noProof="0" dirty="0">
+                        <a:solidFill>
+                          <a:schemeClr val="tx1"/>
+                        </a:solidFill>
+                        <a:latin typeface="The Hand Black"/>
+                      </a:endParaRPr>
+                    </a:p>
+                  </a:txBody>
+                  <a:tcPr marL="89097" marR="89097" marT="100920" marB="44548" anchor="ctr">
+                    <a:lnL w="12700" cmpd="sng">
+                      <a:noFill/>
+                      <a:prstDash val="solid"/>
+                    </a:lnL>
+                    <a:lnR w="12700" cmpd="sng">
+                      <a:noFill/>
+                      <a:prstDash val="solid"/>
+                    </a:lnR>
+                    <a:lnT w="12700" cap="flat" cmpd="sng" algn="ctr">
+                      <a:solidFill>
+                        <a:schemeClr val="bg1">
+                          <a:lumMod val="75000"/>
+                        </a:schemeClr>
+                      </a:solidFill>
+                      <a:prstDash val="solid"/>
+                    </a:lnT>
+                    <a:lnB w="12700" cmpd="sng">
+                      <a:noFill/>
+                      <a:prstDash val="solid"/>
+                    </a:lnB>
+                    <a:solidFill>
+                      <a:srgbClr val="BFBFBF">
+                        <a:alpha val="34902"/>
+                      </a:srgbClr>
+                    </a:solidFill>
+                  </a:tcPr>
+                </a:tc>
+                <a:tc>
+                  <a:txBody>
+                    <a:bodyPr/>
+                    <a:lstStyle/>
+                    <a:p>
+                      <a:endParaRPr lang="en-US" sz="1400" cap="none" spc="0" dirty="0">
+                        <a:solidFill>
+                          <a:schemeClr val="tx1"/>
+                        </a:solidFill>
+                      </a:endParaRPr>
+                    </a:p>
+                  </a:txBody>
+                  <a:tcPr marL="89097" marR="89097" marT="100920" marB="44548" anchor="ctr">
+                    <a:lnL w="12700" cmpd="sng">
+                      <a:noFill/>
+                      <a:prstDash val="solid"/>
+                    </a:lnL>
+                    <a:lnR w="12700" cmpd="sng">
+                      <a:noFill/>
+                      <a:prstDash val="solid"/>
+                    </a:lnR>
+                    <a:lnT w="12700" cap="flat" cmpd="sng" algn="ctr">
+                      <a:solidFill>
+                        <a:schemeClr val="bg1">
+                          <a:lumMod val="75000"/>
+                        </a:schemeClr>
+                      </a:solidFill>
+                      <a:prstDash val="solid"/>
+                    </a:lnT>
+                    <a:lnB w="12700" cmpd="sng">
+                      <a:noFill/>
+                      <a:prstDash val="solid"/>
+                    </a:lnB>
+                    <a:solidFill>
+                      <a:srgbClr val="BFBFBF">
+                        <a:alpha val="34902"/>
+                      </a:srgbClr>
+                    </a:solidFill>
+                  </a:tcPr>
+                </a:tc>
+                <a:extLst>
+                  <a:ext uri="{0D108BD9-81ED-4DB2-BD59-A6C34878D82A}">
+                    <a16:rowId xmlns:a16="http://schemas.microsoft.com/office/drawing/2014/main" val="87153489"/>
+                  </a:ext>
+                </a:extLst>
+              </a:tr>
+              <a:tr h="1031997">
+                <a:tc>
+                  <a:txBody>
+                    <a:bodyPr/>
+                    <a:lstStyle/>
+                    <a:p>
+                      <a:pPr lvl="0" algn="l">
+                        <a:lnSpc>
+                          <a:spcPct val="100000"/>
+                        </a:lnSpc>
+                        <a:spcBef>
+                          <a:spcPts val="0"/>
+                        </a:spcBef>
+                        <a:spcAft>
+                          <a:spcPts val="0"/>
+                        </a:spcAft>
+                        <a:buNone/>
+                      </a:pPr>
+                      <a:r>
+                        <a:rPr lang="en-US" sz="1400" b="0" i="0" u="none" strike="noStrike" cap="none" spc="0" noProof="0" dirty="0">
+                          <a:solidFill>
+                            <a:schemeClr val="tx1"/>
+                          </a:solidFill>
+                          <a:latin typeface="The Hand Black"/>
+                        </a:rPr>
+                        <a:t>REQ-9</a:t>
+                      </a:r>
+                      <a:endParaRPr lang="en-US" dirty="0"/>
+                    </a:p>
+                    <a:p>
+                      <a:pPr lvl="0">
+                        <a:buNone/>
+                      </a:pPr>
+                      <a:endParaRPr lang="en-US" sz="1400" cap="none" spc="0">
+                        <a:solidFill>
+                          <a:schemeClr val="tx1"/>
+                        </a:solidFill>
+                      </a:endParaRPr>
+                    </a:p>
+                  </a:txBody>
+                  <a:tcPr marL="89097" marR="89097" marT="100920" marB="44548" anchor="ctr">
+                    <a:lnL w="12700" cmpd="sng">
+                      <a:noFill/>
+                      <a:prstDash val="solid"/>
+                    </a:lnL>
+                    <a:lnR w="12700" cmpd="sng">
+                      <a:noFill/>
+                      <a:prstDash val="solid"/>
+                    </a:lnR>
+                    <a:lnT w="12700" cmpd="sng">
+                      <a:noFill/>
+                      <a:prstDash val="solid"/>
+                    </a:lnT>
+                    <a:lnB w="12700" cap="flat" cmpd="sng" algn="ctr">
+                      <a:solidFill>
+                        <a:schemeClr val="bg1">
+                          <a:lumMod val="75000"/>
+                        </a:schemeClr>
+                      </a:solidFill>
+                      <a:prstDash val="solid"/>
+                    </a:lnB>
+                    <a:solidFill>
+                      <a:srgbClr val="F2F2F2">
+                        <a:alpha val="45098"/>
+                      </a:srgbClr>
+                    </a:solidFill>
+                  </a:tcPr>
+                </a:tc>
+                <a:tc>
+                  <a:txBody>
+                    <a:bodyPr/>
+                    <a:lstStyle/>
+                    <a:p>
+                      <a:pPr lvl="0" algn="l">
+                        <a:lnSpc>
+                          <a:spcPct val="100000"/>
+                        </a:lnSpc>
+                        <a:spcBef>
+                          <a:spcPts val="0"/>
+                        </a:spcBef>
+                        <a:spcAft>
+                          <a:spcPts val="0"/>
+                        </a:spcAft>
+                        <a:buNone/>
+                      </a:pPr>
+                      <a:endParaRPr lang="en-US" sz="1400" b="0" i="0" u="none" strike="noStrike" cap="none" spc="0" noProof="0" dirty="0">
+                        <a:solidFill>
+                          <a:schemeClr val="tx1"/>
+                        </a:solidFill>
+                        <a:latin typeface="The Hand Black"/>
+                      </a:endParaRPr>
+                    </a:p>
+                    <a:p>
+                      <a:pPr lvl="0">
+                        <a:buNone/>
+                      </a:pPr>
+                      <a:endParaRPr lang="en-US" sz="1400" cap="none" spc="0">
+                        <a:solidFill>
+                          <a:schemeClr val="tx1"/>
+                        </a:solidFill>
+                      </a:endParaRPr>
+                    </a:p>
+                  </a:txBody>
+                  <a:tcPr marL="89097" marR="89097" marT="100920" marB="44548" anchor="ctr">
+                    <a:lnL w="12700" cmpd="sng">
+                      <a:noFill/>
+                      <a:prstDash val="solid"/>
+                    </a:lnL>
+                    <a:lnR w="12700" cmpd="sng">
+                      <a:noFill/>
+                      <a:prstDash val="solid"/>
+                    </a:lnR>
+                    <a:lnT w="12700" cmpd="sng">
+                      <a:noFill/>
+                      <a:prstDash val="solid"/>
+                    </a:lnT>
+                    <a:lnB w="12700" cap="flat" cmpd="sng" algn="ctr">
+                      <a:solidFill>
+                        <a:schemeClr val="bg1">
+                          <a:lumMod val="75000"/>
+                        </a:schemeClr>
+                      </a:solidFill>
+                      <a:prstDash val="solid"/>
+                    </a:lnB>
+                    <a:solidFill>
+                      <a:srgbClr val="F2F2F2">
+                        <a:alpha val="45098"/>
+                      </a:srgbClr>
+                    </a:solidFill>
+                  </a:tcPr>
+                </a:tc>
+                <a:tc>
+                  <a:txBody>
+                    <a:bodyPr/>
+                    <a:lstStyle/>
+                    <a:p>
+                      <a:endParaRPr lang="en-US" sz="1400" cap="none" spc="0" dirty="0">
+                        <a:solidFill>
+                          <a:schemeClr val="tx1"/>
+                        </a:solidFill>
+                      </a:endParaRPr>
+                    </a:p>
+                  </a:txBody>
+                  <a:tcPr marL="89097" marR="89097" marT="100920" marB="44548" anchor="ctr">
+                    <a:lnL w="12700" cmpd="sng">
+                      <a:noFill/>
+                      <a:prstDash val="solid"/>
+                    </a:lnL>
+                    <a:lnR w="12700" cmpd="sng">
+                      <a:noFill/>
+                      <a:prstDash val="solid"/>
+                    </a:lnR>
+                    <a:lnT w="12700" cmpd="sng">
+                      <a:noFill/>
+                      <a:prstDash val="solid"/>
+                    </a:lnT>
+                    <a:lnB w="12700" cap="flat" cmpd="sng" algn="ctr">
+                      <a:solidFill>
+                        <a:schemeClr val="bg1">
+                          <a:lumMod val="75000"/>
+                        </a:schemeClr>
+                      </a:solidFill>
+                      <a:prstDash val="solid"/>
+                    </a:lnB>
+                    <a:solidFill>
+                      <a:srgbClr val="F2F2F2">
+                        <a:alpha val="45098"/>
+                      </a:srgbClr>
+                    </a:solidFill>
+                  </a:tcPr>
+                </a:tc>
+                <a:extLst>
+                  <a:ext uri="{0D108BD9-81ED-4DB2-BD59-A6C34878D82A}">
+                    <a16:rowId xmlns:a16="http://schemas.microsoft.com/office/drawing/2014/main" val="1241404444"/>
+                  </a:ext>
+                </a:extLst>
+              </a:tr>
+              <a:tr h="761941">
+                <a:tc>
+                  <a:txBody>
+                    <a:bodyPr/>
+                    <a:lstStyle/>
+                    <a:p>
+                      <a:pPr lvl="0" algn="l">
+                        <a:lnSpc>
+                          <a:spcPct val="100000"/>
+                        </a:lnSpc>
+                        <a:spcBef>
+                          <a:spcPts val="0"/>
+                        </a:spcBef>
+                        <a:spcAft>
+                          <a:spcPts val="0"/>
+                        </a:spcAft>
+                        <a:buNone/>
+                      </a:pPr>
+                      <a:r>
+                        <a:rPr lang="en-US" sz="1400" b="0" i="0" u="none" strike="noStrike" cap="none" spc="0" noProof="0" dirty="0">
+                          <a:solidFill>
+                            <a:schemeClr val="tx1"/>
+                          </a:solidFill>
+                          <a:latin typeface="The Hand Black"/>
+                        </a:rPr>
+                        <a:t>REQ-10</a:t>
+                      </a:r>
+                      <a:endParaRPr lang="en-US" dirty="0"/>
+                    </a:p>
+                    <a:p>
+                      <a:pPr lvl="0">
+                        <a:buNone/>
+                      </a:pPr>
+                      <a:endParaRPr lang="en-US" sz="1400" cap="none" spc="0">
+                        <a:solidFill>
+                          <a:schemeClr val="tx1"/>
+                        </a:solidFill>
+                      </a:endParaRPr>
+                    </a:p>
+                  </a:txBody>
+                  <a:tcPr marL="89097" marR="89097" marT="100920" marB="44548" anchor="ctr">
+                    <a:lnL w="12700" cmpd="sng">
+                      <a:noFill/>
+                      <a:prstDash val="solid"/>
+                    </a:lnL>
+                    <a:lnR w="12700" cmpd="sng">
+                      <a:noFill/>
+                      <a:prstDash val="solid"/>
+                    </a:lnR>
+                    <a:lnT w="12700" cap="flat" cmpd="sng" algn="ctr">
+                      <a:solidFill>
+                        <a:schemeClr val="bg1">
+                          <a:lumMod val="75000"/>
+                        </a:schemeClr>
+                      </a:solidFill>
+                      <a:prstDash val="solid"/>
+                    </a:lnT>
+                    <a:lnB w="12700" cap="flat" cmpd="sng" algn="ctr">
+                      <a:solidFill>
+                        <a:schemeClr val="bg1">
+                          <a:lumMod val="75000"/>
+                        </a:schemeClr>
+                      </a:solidFill>
+                      <a:prstDash val="solid"/>
+                    </a:lnB>
+                    <a:solidFill>
+                      <a:srgbClr val="BFBFBF">
+                        <a:alpha val="34902"/>
+                      </a:srgbClr>
+                    </a:solidFill>
+                  </a:tcPr>
+                </a:tc>
+                <a:tc>
+                  <a:txBody>
+                    <a:bodyPr/>
+                    <a:lstStyle/>
+                    <a:p>
+                      <a:pPr lvl="0" algn="l">
+                        <a:lnSpc>
+                          <a:spcPct val="100000"/>
+                        </a:lnSpc>
+                        <a:spcBef>
+                          <a:spcPts val="0"/>
+                        </a:spcBef>
+                        <a:spcAft>
+                          <a:spcPts val="0"/>
+                        </a:spcAft>
+                        <a:buNone/>
+                      </a:pPr>
+                      <a:endParaRPr lang="en-US" sz="1400" b="0" i="0" u="none" strike="noStrike" cap="none" spc="0" noProof="0" dirty="0">
+                        <a:solidFill>
+                          <a:schemeClr val="tx1"/>
+                        </a:solidFill>
+                        <a:latin typeface="The Hand Black"/>
+                      </a:endParaRPr>
+                    </a:p>
+                    <a:p>
+                      <a:pPr lvl="0">
+                        <a:buNone/>
+                      </a:pPr>
+                      <a:endParaRPr lang="en-US" sz="1400" cap="none" spc="0">
+                        <a:solidFill>
+                          <a:schemeClr val="tx1"/>
+                        </a:solidFill>
+                      </a:endParaRPr>
+                    </a:p>
+                  </a:txBody>
+                  <a:tcPr marL="89097" marR="89097" marT="100920" marB="44548" anchor="ctr">
+                    <a:lnL w="12700" cmpd="sng">
+                      <a:noFill/>
+                      <a:prstDash val="solid"/>
+                    </a:lnL>
+                    <a:lnR w="12700" cmpd="sng">
+                      <a:noFill/>
+                      <a:prstDash val="solid"/>
+                    </a:lnR>
+                    <a:lnT w="12700" cap="flat" cmpd="sng" algn="ctr">
+                      <a:solidFill>
+                        <a:schemeClr val="bg1">
+                          <a:lumMod val="75000"/>
+                        </a:schemeClr>
+                      </a:solidFill>
+                      <a:prstDash val="solid"/>
+                    </a:lnT>
+                    <a:lnB w="12700" cap="flat" cmpd="sng" algn="ctr">
+                      <a:solidFill>
+                        <a:schemeClr val="bg1">
+                          <a:lumMod val="75000"/>
+                        </a:schemeClr>
+                      </a:solidFill>
+                      <a:prstDash val="solid"/>
+                    </a:lnB>
+                    <a:solidFill>
+                      <a:srgbClr val="BFBFBF">
+                        <a:alpha val="34902"/>
+                      </a:srgbClr>
+                    </a:solidFill>
+                  </a:tcPr>
+                </a:tc>
+                <a:tc>
+                  <a:txBody>
+                    <a:bodyPr/>
+                    <a:lstStyle/>
+                    <a:p>
+                      <a:pPr lvl="0">
+                        <a:buNone/>
+                      </a:pPr>
+                      <a:r>
+                        <a:rPr lang="en-US" sz="1400" cap="none" spc="0" dirty="0">
+                          <a:solidFill>
+                            <a:schemeClr val="tx1"/>
+                          </a:solidFill>
+                        </a:rPr>
+                        <a:t>2</a:t>
+                      </a:r>
+                    </a:p>
+                  </a:txBody>
+                  <a:tcPr marL="89097" marR="89097" marT="100920" marB="44548" anchor="ctr">
+                    <a:lnL w="12700" cmpd="sng">
+                      <a:noFill/>
+                      <a:prstDash val="solid"/>
+                    </a:lnL>
+                    <a:lnR w="12700" cmpd="sng">
+                      <a:noFill/>
+                      <a:prstDash val="solid"/>
+                    </a:lnR>
+                    <a:lnT w="12700" cap="flat" cmpd="sng" algn="ctr">
+                      <a:solidFill>
+                        <a:schemeClr val="bg1">
+                          <a:lumMod val="75000"/>
+                        </a:schemeClr>
+                      </a:solidFill>
+                      <a:prstDash val="solid"/>
+                    </a:lnT>
+                    <a:lnB w="12700" cap="flat" cmpd="sng" algn="ctr">
+                      <a:solidFill>
+                        <a:schemeClr val="bg1">
+                          <a:lumMod val="75000"/>
+                        </a:schemeClr>
+                      </a:solidFill>
+                      <a:prstDash val="solid"/>
+                    </a:lnB>
+                    <a:solidFill>
+                      <a:srgbClr val="BFBFBF">
+                        <a:alpha val="34902"/>
+                      </a:srgbClr>
+                    </a:solidFill>
+                  </a:tcPr>
+                </a:tc>
+                <a:extLst>
+                  <a:ext uri="{0D108BD9-81ED-4DB2-BD59-A6C34878D82A}">
+                    <a16:rowId xmlns:a16="http://schemas.microsoft.com/office/drawing/2014/main" val="1023936015"/>
+                  </a:ext>
+                </a:extLst>
+              </a:tr>
+              <a:tr h="742651">
+                <a:tc>
+                  <a:txBody>
+                    <a:bodyPr/>
+                    <a:lstStyle/>
+                    <a:p>
+                      <a:pPr lvl="0">
+                        <a:buNone/>
+                      </a:pPr>
+                      <a:r>
+                        <a:rPr lang="en-US" sz="1400" cap="none" spc="0" dirty="0">
+                          <a:solidFill>
+                            <a:schemeClr val="tx1"/>
+                          </a:solidFill>
+                        </a:rPr>
+                        <a:t>REQ-11</a:t>
+                      </a:r>
+                    </a:p>
+                  </a:txBody>
+                  <a:tcPr marL="89097" marR="89097" marT="100920" marB="44548" anchor="ctr">
+                    <a:lnL w="12700" cmpd="sng">
+                      <a:noFill/>
+                      <a:prstDash val="solid"/>
+                    </a:lnL>
+                    <a:lnR w="12700" cmpd="sng">
+                      <a:noFill/>
+                      <a:prstDash val="solid"/>
+                    </a:lnR>
+                    <a:lnT w="12700" cap="flat" cmpd="sng" algn="ctr">
+                      <a:solidFill>
+                        <a:schemeClr val="bg1">
+                          <a:lumMod val="75000"/>
+                        </a:schemeClr>
+                      </a:solidFill>
+                      <a:prstDash val="solid"/>
+                    </a:lnT>
+                    <a:lnB w="12700" cap="flat" cmpd="sng" algn="ctr">
+                      <a:solidFill>
+                        <a:schemeClr val="bg1">
+                          <a:lumMod val="75000"/>
+                        </a:schemeClr>
+                      </a:solidFill>
+                      <a:prstDash val="solid"/>
+                    </a:lnB>
+                    <a:solidFill>
+                      <a:srgbClr val="BFBFBF">
+                        <a:alpha val="34902"/>
+                      </a:srgbClr>
+                    </a:solidFill>
+                  </a:tcPr>
+                </a:tc>
+                <a:tc>
+                  <a:txBody>
+                    <a:bodyPr/>
+                    <a:lstStyle/>
+                    <a:p>
+                      <a:pPr lvl="0" algn="l">
+                        <a:lnSpc>
+                          <a:spcPct val="100000"/>
+                        </a:lnSpc>
+                        <a:spcBef>
+                          <a:spcPts val="0"/>
+                        </a:spcBef>
+                        <a:spcAft>
+                          <a:spcPts val="0"/>
+                        </a:spcAft>
+                        <a:buNone/>
+                      </a:pPr>
+                      <a:endParaRPr lang="en-US" sz="1400" b="0" i="0" u="none" strike="noStrike" cap="none" spc="0" noProof="0" dirty="0">
+                        <a:latin typeface="The Hand Black"/>
+                      </a:endParaRPr>
+                    </a:p>
+                    <a:p>
+                      <a:pPr lvl="0">
+                        <a:buNone/>
+                      </a:pPr>
+                      <a:endParaRPr lang="en-US" sz="1400" cap="none" spc="0" dirty="0">
+                        <a:solidFill>
+                          <a:schemeClr val="tx1"/>
+                        </a:solidFill>
+                      </a:endParaRPr>
+                    </a:p>
+                  </a:txBody>
+                  <a:tcPr marL="89097" marR="89097" marT="100920" marB="44548" anchor="ctr">
+                    <a:lnL w="12700" cmpd="sng">
+                      <a:noFill/>
+                      <a:prstDash val="solid"/>
+                    </a:lnL>
+                    <a:lnR w="12700" cmpd="sng">
+                      <a:noFill/>
+                      <a:prstDash val="solid"/>
+                    </a:lnR>
+                    <a:lnT w="12700" cap="flat" cmpd="sng" algn="ctr">
+                      <a:solidFill>
+                        <a:schemeClr val="bg1">
+                          <a:lumMod val="75000"/>
+                        </a:schemeClr>
+                      </a:solidFill>
+                      <a:prstDash val="solid"/>
+                    </a:lnT>
+                    <a:lnB w="12700" cap="flat" cmpd="sng" algn="ctr">
+                      <a:solidFill>
+                        <a:schemeClr val="bg1">
+                          <a:lumMod val="75000"/>
+                        </a:schemeClr>
+                      </a:solidFill>
+                      <a:prstDash val="solid"/>
+                    </a:lnB>
+                    <a:solidFill>
+                      <a:srgbClr val="BFBFBF">
+                        <a:alpha val="34902"/>
+                      </a:srgbClr>
+                    </a:solidFill>
+                  </a:tcPr>
+                </a:tc>
+                <a:tc>
+                  <a:txBody>
+                    <a:bodyPr/>
+                    <a:lstStyle/>
+                    <a:p>
+                      <a:pPr lvl="0">
+                        <a:buNone/>
+                      </a:pPr>
+                      <a:endParaRPr lang="en-US" sz="1400" cap="none" spc="0" dirty="0">
+                        <a:solidFill>
+                          <a:schemeClr val="tx1"/>
+                        </a:solidFill>
+                      </a:endParaRPr>
+                    </a:p>
+                  </a:txBody>
+                  <a:tcPr marL="89097" marR="89097" marT="100920" marB="44548" anchor="ctr">
+                    <a:lnL w="12700" cmpd="sng">
+                      <a:noFill/>
+                      <a:prstDash val="solid"/>
+                    </a:lnL>
+                    <a:lnR w="12700" cmpd="sng">
+                      <a:noFill/>
+                      <a:prstDash val="solid"/>
+                    </a:lnR>
+                    <a:lnT w="12700" cap="flat" cmpd="sng" algn="ctr">
+                      <a:solidFill>
+                        <a:schemeClr val="bg1">
+                          <a:lumMod val="75000"/>
+                        </a:schemeClr>
+                      </a:solidFill>
+                      <a:prstDash val="solid"/>
+                    </a:lnT>
+                    <a:lnB w="12700" cap="flat" cmpd="sng" algn="ctr">
+                      <a:solidFill>
+                        <a:schemeClr val="bg1">
+                          <a:lumMod val="75000"/>
+                        </a:schemeClr>
+                      </a:solidFill>
+                      <a:prstDash val="solid"/>
+                    </a:lnB>
+                    <a:solidFill>
+                      <a:srgbClr val="BFBFBF">
+                        <a:alpha val="34902"/>
+                      </a:srgbClr>
+                    </a:solidFill>
+                  </a:tcPr>
+                </a:tc>
+                <a:extLst>
+                  <a:ext uri="{0D108BD9-81ED-4DB2-BD59-A6C34878D82A}">
+                    <a16:rowId xmlns:a16="http://schemas.microsoft.com/office/drawing/2014/main" val="2995037791"/>
+                  </a:ext>
+                </a:extLst>
+              </a:tr>
+            </a:tbl>
+          </a:graphicData>
+        </a:graphic>
+      </p:graphicFrame>
+    </p:spTree>
+    <p:extLst>
+      <p:ext uri="{BB962C8B-B14F-4D97-AF65-F5344CB8AC3E}">
+        <p14:creationId xmlns:p14="http://schemas.microsoft.com/office/powerpoint/2010/main" val="82153194"/>
+      </p:ext>
+    </p:extLst>
+  </p:cSld>
+  <p:clrMapOvr>
+    <a:masterClrMapping/>
+  </p:clrMapOvr>
+</p:sld>
+</file>
+
+<file path=ppt/slides/slide7.xml><?xml version="1.0" encoding="utf-8"?>
+<p:sld xmlns:a="http://schemas.openxmlformats.org/drawingml/2006/main" xmlns:r="http://schemas.openxmlformats.org/officeDocument/2006/relationships" xmlns:p="http://schemas.openxmlformats.org/presentationml/2006/main">
+  <p:cSld>
+    <p:bg>
+      <p:bgPr>
+        <a:solidFill>
+          <a:schemeClr val="bg1"/>
+        </a:solidFill>
+        <a:effectLst/>
+      </p:bgPr>
+    </p:bg>
+    <p:spTree>
+      <p:nvGrpSpPr>
+        <p:cNvPr id="1" name=""/>
+        <p:cNvGrpSpPr/>
+        <p:nvPr/>
+      </p:nvGrpSpPr>
+      <p:grpSpPr>
+        <a:xfrm>
+          <a:off x="0" y="0"/>
+          <a:ext cx="0" cy="0"/>
+          <a:chOff x="0" y="0"/>
+          <a:chExt cx="0" cy="0"/>
+        </a:xfrm>
+      </p:grpSpPr>
+      <p:sp>
+        <p:nvSpPr>
+          <p:cNvPr id="442" name="Rectangle 6">
+            <a:extLst>
+              <a:ext uri="{FF2B5EF4-FFF2-40B4-BE49-F238E27FC236}">
+                <a16:creationId xmlns:a16="http://schemas.microsoft.com/office/drawing/2014/main" id="{DA381740-063A-41A4-836D-85D14980EEF0}"/>
+              </a:ext>
+              <a:ext uri="{C183D7F6-B498-43B3-948B-1728B52AA6E4}">
+                <adec:decorative xmlns:adec="http://schemas.microsoft.com/office/drawing/2017/decorative" val="1"/>
+              </a:ext>
+            </a:extLst>
+          </p:cNvPr>
+          <p:cNvSpPr>
+            <a:spLocks noGrp="1" noRot="1" noChangeAspect="1" noMove="1" noResize="1" noEditPoints="1" noAdjustHandles="1" noChangeArrowheads="1" noChangeShapeType="1" noTextEdit="1"/>
+          </p:cNvSpPr>
+          <p:nvPr>
+            <p:extLst>
+              <p:ext uri="{386F3935-93C4-4BCD-93E2-E3B085C9AB24}">
+                <p16:designElem xmlns:p16="http://schemas.microsoft.com/office/powerpoint/2015/main" val="1"/>
+              </p:ext>
+            </p:extLst>
+          </p:nvPr>
+        </p:nvSpPr>
+        <p:spPr>
+          <a:xfrm>
+            <a:off x="838200" y="4736883"/>
+            <a:ext cx="4243589" cy="27432"/>
+          </a:xfrm>
+          <a:custGeom>
+            <a:avLst/>
+            <a:gdLst>
+              <a:gd name="connsiteX0" fmla="*/ 0 w 4243589"/>
+              <a:gd name="connsiteY0" fmla="*/ 0 h 27432"/>
+              <a:gd name="connsiteX1" fmla="*/ 563791 w 4243589"/>
+              <a:gd name="connsiteY1" fmla="*/ 0 h 27432"/>
+              <a:gd name="connsiteX2" fmla="*/ 1042710 w 4243589"/>
+              <a:gd name="connsiteY2" fmla="*/ 0 h 27432"/>
+              <a:gd name="connsiteX3" fmla="*/ 1564066 w 4243589"/>
+              <a:gd name="connsiteY3" fmla="*/ 0 h 27432"/>
+              <a:gd name="connsiteX4" fmla="*/ 2212729 w 4243589"/>
+              <a:gd name="connsiteY4" fmla="*/ 0 h 27432"/>
+              <a:gd name="connsiteX5" fmla="*/ 2776520 w 4243589"/>
+              <a:gd name="connsiteY5" fmla="*/ 0 h 27432"/>
+              <a:gd name="connsiteX6" fmla="*/ 3297875 w 4243589"/>
+              <a:gd name="connsiteY6" fmla="*/ 0 h 27432"/>
+              <a:gd name="connsiteX7" fmla="*/ 4243589 w 4243589"/>
+              <a:gd name="connsiteY7" fmla="*/ 0 h 27432"/>
+              <a:gd name="connsiteX8" fmla="*/ 4243589 w 4243589"/>
+              <a:gd name="connsiteY8" fmla="*/ 27432 h 27432"/>
+              <a:gd name="connsiteX9" fmla="*/ 3637362 w 4243589"/>
+              <a:gd name="connsiteY9" fmla="*/ 27432 h 27432"/>
+              <a:gd name="connsiteX10" fmla="*/ 3116007 w 4243589"/>
+              <a:gd name="connsiteY10" fmla="*/ 27432 h 27432"/>
+              <a:gd name="connsiteX11" fmla="*/ 2424908 w 4243589"/>
+              <a:gd name="connsiteY11" fmla="*/ 27432 h 27432"/>
+              <a:gd name="connsiteX12" fmla="*/ 1861117 w 4243589"/>
+              <a:gd name="connsiteY12" fmla="*/ 27432 h 27432"/>
+              <a:gd name="connsiteX13" fmla="*/ 1382198 w 4243589"/>
+              <a:gd name="connsiteY13" fmla="*/ 27432 h 27432"/>
+              <a:gd name="connsiteX14" fmla="*/ 733535 w 4243589"/>
+              <a:gd name="connsiteY14" fmla="*/ 27432 h 27432"/>
+              <a:gd name="connsiteX15" fmla="*/ 0 w 4243589"/>
+              <a:gd name="connsiteY15" fmla="*/ 27432 h 27432"/>
+              <a:gd name="connsiteX16" fmla="*/ 0 w 4243589"/>
+              <a:gd name="connsiteY16" fmla="*/ 0 h 27432"/>
+            </a:gdLst>
+            <a:ahLst/>
+            <a:cxnLst>
+              <a:cxn ang="0">
+                <a:pos x="connsiteX0" y="connsiteY0"/>
+              </a:cxn>
+              <a:cxn ang="0">
+                <a:pos x="connsiteX1" y="connsiteY1"/>
+              </a:cxn>
+              <a:cxn ang="0">
+                <a:pos x="connsiteX2" y="connsiteY2"/>
+              </a:cxn>
+              <a:cxn ang="0">
+                <a:pos x="connsiteX3" y="connsiteY3"/>
+              </a:cxn>
+              <a:cxn ang="0">
+                <a:pos x="connsiteX4" y="connsiteY4"/>
+              </a:cxn>
+              <a:cxn ang="0">
+                <a:pos x="connsiteX5" y="connsiteY5"/>
+              </a:cxn>
+              <a:cxn ang="0">
+                <a:pos x="connsiteX6" y="connsiteY6"/>
+              </a:cxn>
+              <a:cxn ang="0">
+                <a:pos x="connsiteX7" y="connsiteY7"/>
+              </a:cxn>
+              <a:cxn ang="0">
+                <a:pos x="connsiteX8" y="connsiteY8"/>
+              </a:cxn>
+              <a:cxn ang="0">
+                <a:pos x="connsiteX9" y="connsiteY9"/>
+              </a:cxn>
+              <a:cxn ang="0">
+                <a:pos x="connsiteX10" y="connsiteY10"/>
+              </a:cxn>
+              <a:cxn ang="0">
+                <a:pos x="connsiteX11" y="connsiteY11"/>
+              </a:cxn>
+              <a:cxn ang="0">
+                <a:pos x="connsiteX12" y="connsiteY12"/>
+              </a:cxn>
+              <a:cxn ang="0">
+                <a:pos x="connsiteX13" y="connsiteY13"/>
+              </a:cxn>
+              <a:cxn ang="0">
+                <a:pos x="connsiteX14" y="connsiteY14"/>
+              </a:cxn>
+              <a:cxn ang="0">
+                <a:pos x="connsiteX15" y="connsiteY15"/>
+              </a:cxn>
+              <a:cxn ang="0">
+                <a:pos x="connsiteX16" y="connsiteY16"/>
+              </a:cxn>
+            </a:cxnLst>
+            <a:rect l="l" t="t" r="r" b="b"/>
+            <a:pathLst>
+              <a:path w="4243589" h="27432" fill="none" extrusionOk="0">
+                <a:moveTo>
+                  <a:pt x="0" y="0"/>
+                </a:moveTo>
+                <a:cubicBezTo>
+                  <a:pt x="157351" y="-15653"/>
+                  <a:pt x="378877" y="-5828"/>
+                  <a:pt x="563791" y="0"/>
+                </a:cubicBezTo>
+                <a:cubicBezTo>
+                  <a:pt x="748705" y="5828"/>
+                  <a:pt x="905659" y="-5525"/>
+                  <a:pt x="1042710" y="0"/>
+                </a:cubicBezTo>
+                <a:cubicBezTo>
+                  <a:pt x="1179761" y="5525"/>
+                  <a:pt x="1356845" y="-21288"/>
+                  <a:pt x="1564066" y="0"/>
+                </a:cubicBezTo>
+                <a:cubicBezTo>
+                  <a:pt x="1771287" y="21288"/>
+                  <a:pt x="1912099" y="25135"/>
+                  <a:pt x="2212729" y="0"/>
+                </a:cubicBezTo>
+                <a:cubicBezTo>
+                  <a:pt x="2513359" y="-25135"/>
+                  <a:pt x="2514918" y="-27119"/>
+                  <a:pt x="2776520" y="0"/>
+                </a:cubicBezTo>
+                <a:cubicBezTo>
+                  <a:pt x="3038122" y="27119"/>
+                  <a:pt x="3178771" y="18116"/>
+                  <a:pt x="3297875" y="0"/>
+                </a:cubicBezTo>
+                <a:cubicBezTo>
+                  <a:pt x="3416980" y="-18116"/>
+                  <a:pt x="4012240" y="-40869"/>
+                  <a:pt x="4243589" y="0"/>
+                </a:cubicBezTo>
+                <a:cubicBezTo>
+                  <a:pt x="4242616" y="8304"/>
+                  <a:pt x="4243111" y="21512"/>
+                  <a:pt x="4243589" y="27432"/>
+                </a:cubicBezTo>
+                <a:cubicBezTo>
+                  <a:pt x="4112949" y="6289"/>
+                  <a:pt x="3928037" y="10975"/>
+                  <a:pt x="3637362" y="27432"/>
+                </a:cubicBezTo>
+                <a:cubicBezTo>
+                  <a:pt x="3346687" y="43889"/>
+                  <a:pt x="3254446" y="35813"/>
+                  <a:pt x="3116007" y="27432"/>
+                </a:cubicBezTo>
+                <a:cubicBezTo>
+                  <a:pt x="2977569" y="19051"/>
+                  <a:pt x="2620228" y="38017"/>
+                  <a:pt x="2424908" y="27432"/>
+                </a:cubicBezTo>
+                <a:cubicBezTo>
+                  <a:pt x="2229588" y="16847"/>
+                  <a:pt x="2088287" y="5290"/>
+                  <a:pt x="1861117" y="27432"/>
+                </a:cubicBezTo>
+                <a:cubicBezTo>
+                  <a:pt x="1633947" y="49574"/>
+                  <a:pt x="1502447" y="8273"/>
+                  <a:pt x="1382198" y="27432"/>
+                </a:cubicBezTo>
+                <a:cubicBezTo>
+                  <a:pt x="1261949" y="46591"/>
+                  <a:pt x="1045440" y="37497"/>
+                  <a:pt x="733535" y="27432"/>
+                </a:cubicBezTo>
+                <a:cubicBezTo>
+                  <a:pt x="421630" y="17367"/>
+                  <a:pt x="341257" y="-9215"/>
+                  <a:pt x="0" y="27432"/>
+                </a:cubicBezTo>
+                <a:cubicBezTo>
+                  <a:pt x="-1048" y="14992"/>
+                  <a:pt x="-1120" y="7447"/>
+                  <a:pt x="0" y="0"/>
+                </a:cubicBezTo>
+                <a:close/>
+              </a:path>
+              <a:path w="4243589" h="27432" stroke="0" extrusionOk="0">
+                <a:moveTo>
+                  <a:pt x="0" y="0"/>
+                </a:moveTo>
+                <a:cubicBezTo>
+                  <a:pt x="128164" y="17204"/>
+                  <a:pt x="312653" y="1129"/>
+                  <a:pt x="563791" y="0"/>
+                </a:cubicBezTo>
+                <a:cubicBezTo>
+                  <a:pt x="814929" y="-1129"/>
+                  <a:pt x="837271" y="8503"/>
+                  <a:pt x="1042710" y="0"/>
+                </a:cubicBezTo>
+                <a:cubicBezTo>
+                  <a:pt x="1248149" y="-8503"/>
+                  <a:pt x="1588432" y="-28862"/>
+                  <a:pt x="1733809" y="0"/>
+                </a:cubicBezTo>
+                <a:cubicBezTo>
+                  <a:pt x="1879186" y="28862"/>
+                  <a:pt x="2052815" y="5974"/>
+                  <a:pt x="2297600" y="0"/>
+                </a:cubicBezTo>
+                <a:cubicBezTo>
+                  <a:pt x="2542385" y="-5974"/>
+                  <a:pt x="2699960" y="-23550"/>
+                  <a:pt x="2861391" y="0"/>
+                </a:cubicBezTo>
+                <a:cubicBezTo>
+                  <a:pt x="3022822" y="23550"/>
+                  <a:pt x="3390411" y="25272"/>
+                  <a:pt x="3552490" y="0"/>
+                </a:cubicBezTo>
+                <a:cubicBezTo>
+                  <a:pt x="3714569" y="-25272"/>
+                  <a:pt x="3950585" y="-31327"/>
+                  <a:pt x="4243589" y="0"/>
+                </a:cubicBezTo>
+                <a:cubicBezTo>
+                  <a:pt x="4244074" y="9333"/>
+                  <a:pt x="4244867" y="19699"/>
+                  <a:pt x="4243589" y="27432"/>
+                </a:cubicBezTo>
+                <a:cubicBezTo>
+                  <a:pt x="4130424" y="7904"/>
+                  <a:pt x="3932803" y="51393"/>
+                  <a:pt x="3722234" y="27432"/>
+                </a:cubicBezTo>
+                <a:cubicBezTo>
+                  <a:pt x="3511665" y="3471"/>
+                  <a:pt x="3269903" y="55138"/>
+                  <a:pt x="3116007" y="27432"/>
+                </a:cubicBezTo>
+                <a:cubicBezTo>
+                  <a:pt x="2962111" y="-274"/>
+                  <a:pt x="2744280" y="32368"/>
+                  <a:pt x="2509780" y="27432"/>
+                </a:cubicBezTo>
+                <a:cubicBezTo>
+                  <a:pt x="2275280" y="22496"/>
+                  <a:pt x="2066059" y="52808"/>
+                  <a:pt x="1945989" y="27432"/>
+                </a:cubicBezTo>
+                <a:cubicBezTo>
+                  <a:pt x="1825919" y="2056"/>
+                  <a:pt x="1407329" y="21760"/>
+                  <a:pt x="1254890" y="27432"/>
+                </a:cubicBezTo>
+                <a:cubicBezTo>
+                  <a:pt x="1102451" y="33104"/>
+                  <a:pt x="837950" y="40817"/>
+                  <a:pt x="563791" y="27432"/>
+                </a:cubicBezTo>
+                <a:cubicBezTo>
+                  <a:pt x="289632" y="14047"/>
+                  <a:pt x="132768" y="16249"/>
+                  <a:pt x="0" y="27432"/>
+                </a:cubicBezTo>
+                <a:cubicBezTo>
+                  <a:pt x="211" y="18145"/>
+                  <a:pt x="120" y="6480"/>
+                  <a:pt x="0" y="0"/>
+                </a:cubicBezTo>
+                <a:close/>
+              </a:path>
+            </a:pathLst>
+          </a:custGeom>
+          <a:solidFill>
+            <a:schemeClr val="tx1"/>
+          </a:solidFill>
+          <a:ln w="38100" cap="rnd">
+            <a:solidFill>
+              <a:schemeClr val="tx1"/>
+            </a:solidFill>
+            <a:round/>
+            <a:extLst>
+              <a:ext uri="{C807C97D-BFC1-408E-A445-0C87EB9F89A2}">
+                <ask:lineSketchStyleProps xmlns:ask="http://schemas.microsoft.com/office/drawing/2018/sketchyshapes" sd="1219033472">
+                  <a:prstGeom prst="rect">
+                    <a:avLst/>
+                  </a:prstGeom>
+                  <ask:type>
+                    <ask:lineSketchFreehand/>
+                  </ask:type>
+                </ask:lineSketchStyleProps>
+              </a:ext>
+            </a:extLst>
+          </a:ln>
+        </p:spPr>
+        <p:style>
+          <a:lnRef idx="2">
+            <a:schemeClr val="accent1">
+              <a:shade val="50000"/>
+            </a:schemeClr>
+          </a:lnRef>
+          <a:fillRef idx="1">
+            <a:schemeClr val="accent1"/>
+          </a:fillRef>
+          <a:effectRef idx="0">
+            <a:schemeClr val="accent1"/>
+          </a:effectRef>
+          <a:fontRef idx="minor">
+            <a:schemeClr val="lt1"/>
+          </a:fontRef>
+        </p:style>
+        <p:txBody>
+          <a:bodyPr rtlCol="0" anchor="ctr"/>
+          <a:lstStyle/>
+          <a:p>
+            <a:pPr algn="ctr"/>
+            <a:endParaRPr lang="en-US">
+              <a:solidFill>
+                <a:schemeClr val="tx1"/>
+              </a:solidFill>
+            </a:endParaRPr>
+          </a:p>
+        </p:txBody>
+      </p:sp>
+      <p:sp useBgFill="1">
+        <p:nvSpPr>
+          <p:cNvPr id="443" name="Rectangle 125">
+            <a:extLst>
+              <a:ext uri="{FF2B5EF4-FFF2-40B4-BE49-F238E27FC236}">
+                <a16:creationId xmlns:a16="http://schemas.microsoft.com/office/drawing/2014/main" id="{168AB93A-48BC-4C25-A3AD-C17B5A682A94}"/>
+              </a:ext>
+              <a:ext uri="{C183D7F6-B498-43B3-948B-1728B52AA6E4}">
+                <adec:decorative xmlns:adec="http://schemas.microsoft.com/office/drawing/2017/decorative" val="1"/>
+              </a:ext>
+            </a:extLst>
+          </p:cNvPr>
+          <p:cNvSpPr>
+            <a:spLocks noGrp="1" noRot="1" noChangeAspect="1" noMove="1" noResize="1" noEditPoints="1" noAdjustHandles="1" noChangeArrowheads="1" noChangeShapeType="1" noTextEdit="1"/>
+          </p:cNvSpPr>
+          <p:nvPr>
+            <p:extLst>
+              <p:ext uri="{386F3935-93C4-4BCD-93E2-E3B085C9AB24}">
+                <p16:designElem xmlns:p16="http://schemas.microsoft.com/office/powerpoint/2015/main" val="1"/>
+              </p:ext>
+            </p:extLst>
+          </p:nvPr>
+        </p:nvSpPr>
+        <p:spPr>
+          <a:xfrm>
+            <a:off x="0" y="0"/>
+            <a:ext cx="12192000" cy="6858000"/>
+          </a:xfrm>
+          <a:prstGeom prst="rect">
+            <a:avLst/>
+          </a:prstGeom>
+          <a:ln>
+            <a:noFill/>
+          </a:ln>
+        </p:spPr>
+        <p:style>
+          <a:lnRef idx="2">
+            <a:schemeClr val="accent1">
+              <a:shade val="50000"/>
+            </a:schemeClr>
+          </a:lnRef>
+          <a:fillRef idx="1">
+            <a:schemeClr val="accent1"/>
+          </a:fillRef>
+          <a:effectRef idx="0">
+            <a:schemeClr val="accent1"/>
+          </a:effectRef>
+          <a:fontRef idx="minor">
+            <a:schemeClr val="lt1"/>
+          </a:fontRef>
+        </p:style>
+        <p:txBody>
+          <a:bodyPr rtlCol="0" anchor="ctr"/>
+          <a:lstStyle/>
+          <a:p>
+            <a:pPr algn="ctr"/>
+            <a:endParaRPr lang="en-US"/>
+          </a:p>
+        </p:txBody>
+      </p:sp>
+      <p:sp>
+        <p:nvSpPr>
+          <p:cNvPr id="2" name="Title 1">
+            <a:extLst>
+              <a:ext uri="{FF2B5EF4-FFF2-40B4-BE49-F238E27FC236}">
+                <a16:creationId xmlns:a16="http://schemas.microsoft.com/office/drawing/2014/main" id="{6D64A1D1-DD07-4DD2-A527-4B1F52D6AB78}"/>
+              </a:ext>
+            </a:extLst>
+          </p:cNvPr>
+          <p:cNvSpPr>
+            <a:spLocks noGrp="1"/>
+          </p:cNvSpPr>
+          <p:nvPr>
+            <p:ph type="title"/>
+          </p:nvPr>
+        </p:nvSpPr>
+        <p:spPr>
+          <a:xfrm>
+            <a:off x="7998581" y="643467"/>
+            <a:ext cx="3562483" cy="3569241"/>
+          </a:xfrm>
+        </p:spPr>
+        <p:txBody>
+          <a:bodyPr vert="horz" lIns="91440" tIns="45720" rIns="91440" bIns="45720" rtlCol="0" anchor="b">
+            <a:normAutofit/>
+          </a:bodyPr>
+          <a:lstStyle/>
+          <a:p>
+            <a:r>
+              <a:rPr lang="en-US" sz="5800"/>
+              <a:t>Use Case Scenarios</a:t>
+            </a:r>
+          </a:p>
+        </p:txBody>
+      </p:sp>
+      <p:sp>
+        <p:nvSpPr>
+          <p:cNvPr id="444" name="Rectangle 6">
+            <a:extLst>
+              <a:ext uri="{FF2B5EF4-FFF2-40B4-BE49-F238E27FC236}">
+                <a16:creationId xmlns:a16="http://schemas.microsoft.com/office/drawing/2014/main" id="{3FCFB1DE-0B7E-48CC-BA90-B2AB0889F9D6}"/>
+              </a:ext>
+              <a:ext uri="{C183D7F6-B498-43B3-948B-1728B52AA6E4}">
+                <adec:decorative xmlns:adec="http://schemas.microsoft.com/office/drawing/2017/decorative" val="1"/>
+              </a:ext>
+            </a:extLst>
+          </p:cNvPr>
+          <p:cNvSpPr>
+            <a:spLocks noGrp="1" noRot="1" noChangeAspect="1" noMove="1" noResize="1" noEditPoints="1" noAdjustHandles="1" noChangeArrowheads="1" noChangeShapeType="1" noTextEdit="1"/>
+          </p:cNvSpPr>
+          <p:nvPr>
+            <p:extLst>
+              <p:ext uri="{386F3935-93C4-4BCD-93E2-E3B085C9AB24}">
+                <p16:designElem xmlns:p16="http://schemas.microsoft.com/office/powerpoint/2015/main" val="1"/>
+              </p:ext>
+            </p:extLst>
+          </p:nvPr>
+        </p:nvSpPr>
+        <p:spPr>
+          <a:xfrm>
+            <a:off x="8005874" y="4409267"/>
+            <a:ext cx="3242551" cy="27432"/>
+          </a:xfrm>
+          <a:custGeom>
+            <a:avLst/>
+            <a:gdLst>
+              <a:gd name="connsiteX0" fmla="*/ 0 w 3242551"/>
+              <a:gd name="connsiteY0" fmla="*/ 0 h 27432"/>
+              <a:gd name="connsiteX1" fmla="*/ 616085 w 3242551"/>
+              <a:gd name="connsiteY1" fmla="*/ 0 h 27432"/>
+              <a:gd name="connsiteX2" fmla="*/ 1264595 w 3242551"/>
+              <a:gd name="connsiteY2" fmla="*/ 0 h 27432"/>
+              <a:gd name="connsiteX3" fmla="*/ 1945531 w 3242551"/>
+              <a:gd name="connsiteY3" fmla="*/ 0 h 27432"/>
+              <a:gd name="connsiteX4" fmla="*/ 2626466 w 3242551"/>
+              <a:gd name="connsiteY4" fmla="*/ 0 h 27432"/>
+              <a:gd name="connsiteX5" fmla="*/ 3242551 w 3242551"/>
+              <a:gd name="connsiteY5" fmla="*/ 0 h 27432"/>
+              <a:gd name="connsiteX6" fmla="*/ 3242551 w 3242551"/>
+              <a:gd name="connsiteY6" fmla="*/ 27432 h 27432"/>
+              <a:gd name="connsiteX7" fmla="*/ 2529190 w 3242551"/>
+              <a:gd name="connsiteY7" fmla="*/ 27432 h 27432"/>
+              <a:gd name="connsiteX8" fmla="*/ 1815829 w 3242551"/>
+              <a:gd name="connsiteY8" fmla="*/ 27432 h 27432"/>
+              <a:gd name="connsiteX9" fmla="*/ 1167318 w 3242551"/>
+              <a:gd name="connsiteY9" fmla="*/ 27432 h 27432"/>
+              <a:gd name="connsiteX10" fmla="*/ 0 w 3242551"/>
+              <a:gd name="connsiteY10" fmla="*/ 27432 h 27432"/>
+              <a:gd name="connsiteX11" fmla="*/ 0 w 3242551"/>
+              <a:gd name="connsiteY11" fmla="*/ 0 h 27432"/>
+            </a:gdLst>
+            <a:ahLst/>
+            <a:cxnLst>
+              <a:cxn ang="0">
+                <a:pos x="connsiteX0" y="connsiteY0"/>
+              </a:cxn>
+              <a:cxn ang="0">
+                <a:pos x="connsiteX1" y="connsiteY1"/>
+              </a:cxn>
+              <a:cxn ang="0">
+                <a:pos x="connsiteX2" y="connsiteY2"/>
+              </a:cxn>
+              <a:cxn ang="0">
+                <a:pos x="connsiteX3" y="connsiteY3"/>
+              </a:cxn>
+              <a:cxn ang="0">
+                <a:pos x="connsiteX4" y="connsiteY4"/>
+              </a:cxn>
+              <a:cxn ang="0">
+                <a:pos x="connsiteX5" y="connsiteY5"/>
+              </a:cxn>
+              <a:cxn ang="0">
+                <a:pos x="connsiteX6" y="connsiteY6"/>
+              </a:cxn>
+              <a:cxn ang="0">
+                <a:pos x="connsiteX7" y="connsiteY7"/>
+              </a:cxn>
+              <a:cxn ang="0">
+                <a:pos x="connsiteX8" y="connsiteY8"/>
+              </a:cxn>
+              <a:cxn ang="0">
+                <a:pos x="connsiteX9" y="connsiteY9"/>
+              </a:cxn>
+              <a:cxn ang="0">
+                <a:pos x="connsiteX10" y="connsiteY10"/>
+              </a:cxn>
+              <a:cxn ang="0">
+                <a:pos x="connsiteX11" y="connsiteY11"/>
+              </a:cxn>
+            </a:cxnLst>
+            <a:rect l="l" t="t" r="r" b="b"/>
+            <a:pathLst>
+              <a:path w="3242551" h="27432" fill="none" extrusionOk="0">
+                <a:moveTo>
+                  <a:pt x="0" y="0"/>
+                </a:moveTo>
+                <a:cubicBezTo>
+                  <a:pt x="194108" y="-30346"/>
+                  <a:pt x="476260" y="9901"/>
+                  <a:pt x="616085" y="0"/>
+                </a:cubicBezTo>
+                <a:cubicBezTo>
+                  <a:pt x="755911" y="-9901"/>
+                  <a:pt x="955441" y="-31994"/>
+                  <a:pt x="1264595" y="0"/>
+                </a:cubicBezTo>
+                <a:cubicBezTo>
+                  <a:pt x="1573749" y="31994"/>
+                  <a:pt x="1618785" y="-7447"/>
+                  <a:pt x="1945531" y="0"/>
+                </a:cubicBezTo>
+                <a:cubicBezTo>
+                  <a:pt x="2272277" y="7447"/>
+                  <a:pt x="2390625" y="1646"/>
+                  <a:pt x="2626466" y="0"/>
+                </a:cubicBezTo>
+                <a:cubicBezTo>
+                  <a:pt x="2862308" y="-1646"/>
+                  <a:pt x="3064770" y="5184"/>
+                  <a:pt x="3242551" y="0"/>
+                </a:cubicBezTo>
+                <a:cubicBezTo>
+                  <a:pt x="3241385" y="7395"/>
+                  <a:pt x="3242596" y="21864"/>
+                  <a:pt x="3242551" y="27432"/>
+                </a:cubicBezTo>
+                <a:cubicBezTo>
+                  <a:pt x="3023282" y="59750"/>
+                  <a:pt x="2875833" y="36030"/>
+                  <a:pt x="2529190" y="27432"/>
+                </a:cubicBezTo>
+                <a:cubicBezTo>
+                  <a:pt x="2182547" y="18834"/>
+                  <a:pt x="2011286" y="10066"/>
+                  <a:pt x="1815829" y="27432"/>
+                </a:cubicBezTo>
+                <a:cubicBezTo>
+                  <a:pt x="1620372" y="44798"/>
+                  <a:pt x="1410011" y="-1058"/>
+                  <a:pt x="1167318" y="27432"/>
+                </a:cubicBezTo>
+                <a:cubicBezTo>
+                  <a:pt x="924625" y="55922"/>
+                  <a:pt x="241931" y="85033"/>
+                  <a:pt x="0" y="27432"/>
+                </a:cubicBezTo>
+                <a:cubicBezTo>
+                  <a:pt x="-503" y="20663"/>
+                  <a:pt x="1168" y="5855"/>
+                  <a:pt x="0" y="0"/>
+                </a:cubicBezTo>
+                <a:close/>
+              </a:path>
+              <a:path w="3242551" h="27432" stroke="0" extrusionOk="0">
+                <a:moveTo>
+                  <a:pt x="0" y="0"/>
+                </a:moveTo>
+                <a:cubicBezTo>
+                  <a:pt x="292987" y="-12051"/>
+                  <a:pt x="313221" y="-4437"/>
+                  <a:pt x="616085" y="0"/>
+                </a:cubicBezTo>
+                <a:cubicBezTo>
+                  <a:pt x="918950" y="4437"/>
+                  <a:pt x="1001475" y="-7765"/>
+                  <a:pt x="1167318" y="0"/>
+                </a:cubicBezTo>
+                <a:cubicBezTo>
+                  <a:pt x="1333161" y="7765"/>
+                  <a:pt x="1642740" y="34995"/>
+                  <a:pt x="1880680" y="0"/>
+                </a:cubicBezTo>
+                <a:cubicBezTo>
+                  <a:pt x="2118620" y="-34995"/>
+                  <a:pt x="2326628" y="756"/>
+                  <a:pt x="2496764" y="0"/>
+                </a:cubicBezTo>
+                <a:cubicBezTo>
+                  <a:pt x="2666900" y="-756"/>
+                  <a:pt x="2887316" y="25599"/>
+                  <a:pt x="3242551" y="0"/>
+                </a:cubicBezTo>
+                <a:cubicBezTo>
+                  <a:pt x="3242744" y="12649"/>
+                  <a:pt x="3241563" y="17989"/>
+                  <a:pt x="3242551" y="27432"/>
+                </a:cubicBezTo>
+                <a:cubicBezTo>
+                  <a:pt x="3008998" y="-2757"/>
+                  <a:pt x="2799879" y="44559"/>
+                  <a:pt x="2594041" y="27432"/>
+                </a:cubicBezTo>
+                <a:cubicBezTo>
+                  <a:pt x="2388203" y="10306"/>
+                  <a:pt x="2212925" y="-2221"/>
+                  <a:pt x="1880680" y="27432"/>
+                </a:cubicBezTo>
+                <a:cubicBezTo>
+                  <a:pt x="1548435" y="57085"/>
+                  <a:pt x="1523943" y="37041"/>
+                  <a:pt x="1329446" y="27432"/>
+                </a:cubicBezTo>
+                <a:cubicBezTo>
+                  <a:pt x="1134949" y="17823"/>
+                  <a:pt x="919920" y="28299"/>
+                  <a:pt x="680936" y="27432"/>
+                </a:cubicBezTo>
+                <a:cubicBezTo>
+                  <a:pt x="441952" y="26566"/>
+                  <a:pt x="273000" y="57219"/>
+                  <a:pt x="0" y="27432"/>
+                </a:cubicBezTo>
+                <a:cubicBezTo>
+                  <a:pt x="1300" y="19678"/>
+                  <a:pt x="-86" y="12044"/>
+                  <a:pt x="0" y="0"/>
+                </a:cubicBezTo>
+                <a:close/>
+              </a:path>
+            </a:pathLst>
+          </a:custGeom>
+          <a:solidFill>
+            <a:schemeClr val="accent1"/>
+          </a:solidFill>
+          <a:ln w="38100" cap="rnd">
+            <a:solidFill>
+              <a:schemeClr val="accent1"/>
+            </a:solidFill>
+            <a:round/>
+            <a:extLst>
+              <a:ext uri="{C807C97D-BFC1-408E-A445-0C87EB9F89A2}">
+                <ask:lineSketchStyleProps xmlns:ask="http://schemas.microsoft.com/office/drawing/2018/sketchyshapes" sd="1219033472">
+                  <a:prstGeom prst="rect">
+                    <a:avLst/>
+                  </a:prstGeom>
+                  <ask:type>
+                    <ask:lineSketchFreehand/>
+                  </ask:type>
+                </ask:lineSketchStyleProps>
+              </a:ext>
+            </a:extLst>
+          </a:ln>
+        </p:spPr>
+        <p:style>
+          <a:lnRef idx="2">
+            <a:schemeClr val="accent1">
+              <a:shade val="50000"/>
+            </a:schemeClr>
+          </a:lnRef>
+          <a:fillRef idx="1">
+            <a:schemeClr val="accent1"/>
+          </a:fillRef>
+          <a:effectRef idx="0">
+            <a:schemeClr val="accent1"/>
+          </a:effectRef>
+          <a:fontRef idx="minor">
+            <a:schemeClr val="lt1"/>
+          </a:fontRef>
+        </p:style>
+        <p:txBody>
+          <a:bodyPr rtlCol="0" anchor="ctr"/>
+          <a:lstStyle/>
+          <a:p>
+            <a:pPr algn="ctr"/>
+            <a:endParaRPr lang="en-US"/>
+          </a:p>
+        </p:txBody>
+      </p:sp>
+      <p:sp>
+        <p:nvSpPr>
+          <p:cNvPr id="6" name="Slide Number Placeholder 5">
+            <a:extLst>
+              <a:ext uri="{FF2B5EF4-FFF2-40B4-BE49-F238E27FC236}">
+                <a16:creationId xmlns:a16="http://schemas.microsoft.com/office/drawing/2014/main" id="{082C8496-0D63-4559-BFA5-683F5780142B}"/>
+              </a:ext>
+            </a:extLst>
+          </p:cNvPr>
+          <p:cNvSpPr>
+            <a:spLocks noGrp="1"/>
+          </p:cNvSpPr>
+          <p:nvPr>
+            <p:ph type="sldNum" sz="quarter" idx="12"/>
+          </p:nvPr>
+        </p:nvSpPr>
+        <p:spPr>
+          <a:xfrm>
+            <a:off x="9724317" y="6356350"/>
+            <a:ext cx="1828800" cy="365125"/>
+          </a:xfrm>
+        </p:spPr>
+        <p:txBody>
+          <a:bodyPr vert="horz" lIns="91440" tIns="45720" rIns="91440" bIns="45720" rtlCol="0" anchor="ctr">
+            <a:normAutofit/>
+          </a:bodyPr>
+          <a:lstStyle/>
+          <a:p>
+            <a:pPr>
+              <a:spcAft>
+                <a:spcPts val="600"/>
+              </a:spcAft>
+            </a:pPr>
+            <a:fld id="{2C18C1E5-FB55-42F5-BD6D-9CC153FCDBE6}" type="slidenum">
+              <a:rPr lang="en-US">
+                <a:solidFill>
+                  <a:schemeClr val="tx1"/>
+                </a:solidFill>
+              </a:rPr>
+              <a:pPr>
+                <a:spcAft>
+                  <a:spcPts val="600"/>
+                </a:spcAft>
+              </a:pPr>
+              <a:t>7</a:t>
+            </a:fld>
+            <a:endParaRPr lang="en-US">
+              <a:solidFill>
+                <a:schemeClr val="tx1"/>
+              </a:solidFill>
+            </a:endParaRPr>
+          </a:p>
+        </p:txBody>
+      </p:sp>
+      <p:graphicFrame>
+        <p:nvGraphicFramePr>
+          <p:cNvPr id="439" name="Table 438">
+            <a:extLst>
+              <a:ext uri="{FF2B5EF4-FFF2-40B4-BE49-F238E27FC236}">
+                <a16:creationId xmlns:a16="http://schemas.microsoft.com/office/drawing/2014/main" id="{11249F44-109A-4AC0-BA32-39E0D4EA13A0}"/>
+              </a:ext>
+            </a:extLst>
+          </p:cNvPr>
+          <p:cNvGraphicFramePr>
+            <a:graphicFrameLocks noGrp="1"/>
+          </p:cNvGraphicFramePr>
+          <p:nvPr>
+            <p:extLst>
+              <p:ext uri="{D42A27DB-BD31-4B8C-83A1-F6EECF244321}">
+                <p14:modId xmlns:p14="http://schemas.microsoft.com/office/powerpoint/2010/main" val="3652906845"/>
+              </p:ext>
+            </p:extLst>
+          </p:nvPr>
+        </p:nvGraphicFramePr>
+        <p:xfrm>
+          <a:off x="320040" y="1565137"/>
+          <a:ext cx="7214616" cy="3700295"/>
+        </p:xfrm>
+        <a:graphic>
+          <a:graphicData uri="http://schemas.openxmlformats.org/drawingml/2006/table">
+            <a:tbl>
+              <a:tblPr firstRow="1" bandRow="1">
+                <a:tableStyleId>{5C22544A-7EE6-4342-B048-85BDC9FD1C3A}</a:tableStyleId>
+              </a:tblPr>
+              <a:tblGrid>
+                <a:gridCol w="2374264">
+                  <a:extLst>
+                    <a:ext uri="{9D8B030D-6E8A-4147-A177-3AD203B41FA5}">
+                      <a16:colId xmlns:a16="http://schemas.microsoft.com/office/drawing/2014/main" val="86848509"/>
+                    </a:ext>
+                  </a:extLst>
+                </a:gridCol>
+                <a:gridCol w="2466088">
+                  <a:extLst>
+                    <a:ext uri="{9D8B030D-6E8A-4147-A177-3AD203B41FA5}">
+                      <a16:colId xmlns:a16="http://schemas.microsoft.com/office/drawing/2014/main" val="3845058951"/>
+                    </a:ext>
+                  </a:extLst>
+                </a:gridCol>
+                <a:gridCol w="2374264">
+                  <a:extLst>
+                    <a:ext uri="{9D8B030D-6E8A-4147-A177-3AD203B41FA5}">
+                      <a16:colId xmlns:a16="http://schemas.microsoft.com/office/drawing/2014/main" val="3003178736"/>
+                    </a:ext>
+                  </a:extLst>
+                </a:gridCol>
+              </a:tblGrid>
+              <a:tr h="342044">
+                <a:tc>
+                  <a:txBody>
+                    <a:bodyPr/>
+                    <a:lstStyle/>
+                    <a:p>
+                      <a:pPr algn="l" rtl="0" fontAlgn="base"/>
+                      <a:r>
+                        <a:rPr lang="en-US" sz="1500" u="none" strike="noStrike">
+                          <a:effectLst/>
+                        </a:rPr>
+                        <a:t>Use Case</a:t>
+                      </a:r>
+                      <a:r>
+                        <a:rPr lang="en-US" sz="1500">
+                          <a:effectLst/>
+                        </a:rPr>
+                        <a:t> </a:t>
+                      </a:r>
+                      <a:endParaRPr lang="en-US" sz="1500" b="0" i="0">
+                        <a:effectLst/>
+                      </a:endParaRPr>
+                    </a:p>
+                  </a:txBody>
+                  <a:tcPr marL="77737" marR="77737" marT="38869" marB="38869"/>
+                </a:tc>
+                <a:tc>
+                  <a:txBody>
+                    <a:bodyPr/>
+                    <a:lstStyle/>
+                    <a:p>
+                      <a:pPr algn="l" rtl="0" fontAlgn="base"/>
+                      <a:r>
+                        <a:rPr lang="en-US" sz="1500" u="none" strike="noStrike">
+                          <a:effectLst/>
+                        </a:rPr>
+                        <a:t>Description</a:t>
+                      </a:r>
+                      <a:r>
+                        <a:rPr lang="en-US" sz="1500">
+                          <a:effectLst/>
+                        </a:rPr>
+                        <a:t> </a:t>
+                      </a:r>
+                      <a:endParaRPr lang="en-US" sz="1500" b="0" i="0">
+                        <a:effectLst/>
+                      </a:endParaRPr>
+                    </a:p>
+                  </a:txBody>
+                  <a:tcPr marL="77737" marR="77737" marT="38869" marB="38869"/>
+                </a:tc>
+                <a:tc>
+                  <a:txBody>
+                    <a:bodyPr/>
+                    <a:lstStyle/>
+                    <a:p>
+                      <a:pPr algn="l" rtl="0" fontAlgn="base"/>
+                      <a:r>
+                        <a:rPr lang="en-US" sz="1500" u="none" strike="noStrike">
+                          <a:effectLst/>
+                        </a:rPr>
+                        <a:t>Requirement satisfied</a:t>
+                      </a:r>
+                      <a:r>
+                        <a:rPr lang="en-US" sz="1500">
+                          <a:effectLst/>
+                        </a:rPr>
+                        <a:t> </a:t>
+                      </a:r>
+                      <a:endParaRPr lang="en-US" sz="1500" b="0" i="0">
+                        <a:effectLst/>
+                      </a:endParaRPr>
+                    </a:p>
+                  </a:txBody>
+                  <a:tcPr marL="77737" marR="77737" marT="38869" marB="38869"/>
+                </a:tc>
+                <a:extLst>
+                  <a:ext uri="{0D108BD9-81ED-4DB2-BD59-A6C34878D82A}">
+                    <a16:rowId xmlns:a16="http://schemas.microsoft.com/office/drawing/2014/main" val="873121889"/>
+                  </a:ext>
+                </a:extLst>
+              </a:tr>
+              <a:tr h="1041680">
+                <a:tc>
+                  <a:txBody>
+                    <a:bodyPr/>
+                    <a:lstStyle/>
+                    <a:p>
+                      <a:pPr algn="l" rtl="0" fontAlgn="base"/>
+                      <a:r>
+                        <a:rPr lang="en-US" sz="1500" u="none" strike="noStrike" err="1">
+                          <a:effectLst/>
+                        </a:rPr>
+                        <a:t>userProfile</a:t>
+                      </a:r>
+                      <a:r>
+                        <a:rPr lang="en-US" sz="1500">
+                          <a:effectLst/>
+                        </a:rPr>
+                        <a:t> </a:t>
+                      </a:r>
+                      <a:endParaRPr lang="en-US" sz="1500" b="0" i="0">
+                        <a:effectLst/>
+                      </a:endParaRPr>
+                    </a:p>
+                  </a:txBody>
+                  <a:tcPr marL="77737" marR="77737" marT="38869" marB="38869"/>
+                </a:tc>
+                <a:tc>
+                  <a:txBody>
+                    <a:bodyPr/>
+                    <a:lstStyle/>
+                    <a:p>
+                      <a:pPr algn="l" rtl="0" fontAlgn="base"/>
+                      <a:r>
+                        <a:rPr lang="en-US" sz="1500" u="none" strike="noStrike">
+                          <a:effectLst/>
+                        </a:rPr>
+                        <a:t>Allows user to create his/her personal profile and modify its access/information</a:t>
+                      </a:r>
+                      <a:r>
+                        <a:rPr lang="en-US" sz="1500">
+                          <a:effectLst/>
+                        </a:rPr>
+                        <a:t> </a:t>
+                      </a:r>
+                      <a:endParaRPr lang="en-US" sz="1500" b="0" i="0">
+                        <a:effectLst/>
+                      </a:endParaRPr>
+                    </a:p>
+                  </a:txBody>
+                  <a:tcPr marL="77737" marR="77737" marT="38869" marB="38869"/>
+                </a:tc>
+                <a:tc>
+                  <a:txBody>
+                    <a:bodyPr/>
+                    <a:lstStyle/>
+                    <a:p>
+                      <a:pPr algn="l" rtl="0" fontAlgn="base"/>
+                      <a:r>
+                        <a:rPr lang="en-US" sz="1500" u="none" strike="noStrike">
+                          <a:effectLst/>
+                        </a:rPr>
+                        <a:t>REQ-1</a:t>
+                      </a:r>
+                      <a:r>
+                        <a:rPr lang="en-US" sz="1500">
+                          <a:effectLst/>
+                        </a:rPr>
+                        <a:t> </a:t>
+                      </a:r>
+                      <a:endParaRPr lang="en-US" sz="1500" b="0" i="0">
+                        <a:effectLst/>
+                      </a:endParaRPr>
+                    </a:p>
+                  </a:txBody>
+                  <a:tcPr marL="77737" marR="77737" marT="38869" marB="38869"/>
+                </a:tc>
+                <a:extLst>
+                  <a:ext uri="{0D108BD9-81ED-4DB2-BD59-A6C34878D82A}">
+                    <a16:rowId xmlns:a16="http://schemas.microsoft.com/office/drawing/2014/main" val="1028127655"/>
+                  </a:ext>
+                </a:extLst>
+              </a:tr>
+              <a:tr h="1741315">
+                <a:tc>
+                  <a:txBody>
+                    <a:bodyPr/>
+                    <a:lstStyle/>
+                    <a:p>
+                      <a:pPr algn="l" rtl="0" fontAlgn="base"/>
+                      <a:r>
+                        <a:rPr lang="en-US" sz="1500" u="none" strike="noStrike">
+                          <a:effectLst/>
+                        </a:rPr>
+                        <a:t>Health care professional</a:t>
+                      </a:r>
+                      <a:r>
+                        <a:rPr lang="en-US" sz="1500">
+                          <a:effectLst/>
+                        </a:rPr>
+                        <a:t> </a:t>
+                      </a:r>
+                      <a:endParaRPr lang="en-US" sz="1500" b="0" i="0">
+                        <a:effectLst/>
+                      </a:endParaRPr>
+                    </a:p>
+                  </a:txBody>
+                  <a:tcPr marL="77737" marR="77737" marT="38869" marB="38869"/>
+                </a:tc>
+                <a:tc>
+                  <a:txBody>
+                    <a:bodyPr/>
+                    <a:lstStyle/>
+                    <a:p>
+                      <a:pPr algn="l" rtl="0" fontAlgn="base"/>
+                      <a:r>
+                        <a:rPr lang="en-US" sz="1500" u="none" strike="noStrike">
+                          <a:effectLst/>
+                        </a:rPr>
+                        <a:t>Allow health care professionals to monitor high risk patients, or patients with different disorders to make necessary changes to optimize health of patient.</a:t>
+                      </a:r>
+                      <a:r>
+                        <a:rPr lang="en-US" sz="1500">
+                          <a:effectLst/>
+                        </a:rPr>
+                        <a:t> </a:t>
+                      </a:r>
+                      <a:endParaRPr lang="en-US" sz="1500" b="0" i="0">
+                        <a:effectLst/>
+                      </a:endParaRPr>
+                    </a:p>
+                  </a:txBody>
+                  <a:tcPr marL="77737" marR="77737" marT="38869" marB="38869"/>
+                </a:tc>
+                <a:tc>
+                  <a:txBody>
+                    <a:bodyPr/>
+                    <a:lstStyle/>
+                    <a:p>
+                      <a:pPr algn="l" rtl="0" fontAlgn="base"/>
+                      <a:r>
+                        <a:rPr lang="en-US" sz="1500" u="none" strike="noStrike">
+                          <a:effectLst/>
+                        </a:rPr>
+                        <a:t>REQ-5</a:t>
+                      </a:r>
+                      <a:r>
+                        <a:rPr lang="en-US" sz="1500">
+                          <a:effectLst/>
+                        </a:rPr>
+                        <a:t> </a:t>
+                      </a:r>
+                      <a:endParaRPr lang="en-US" sz="1500" b="0" i="0">
+                        <a:effectLst/>
+                      </a:endParaRPr>
+                    </a:p>
+                  </a:txBody>
+                  <a:tcPr marL="77737" marR="77737" marT="38869" marB="38869"/>
+                </a:tc>
+                <a:extLst>
+                  <a:ext uri="{0D108BD9-81ED-4DB2-BD59-A6C34878D82A}">
+                    <a16:rowId xmlns:a16="http://schemas.microsoft.com/office/drawing/2014/main" val="2294722596"/>
+                  </a:ext>
+                </a:extLst>
+              </a:tr>
+              <a:tr h="575256">
+                <a:tc>
+                  <a:txBody>
+                    <a:bodyPr/>
+                    <a:lstStyle/>
+                    <a:p>
+                      <a:pPr algn="l" rtl="0" fontAlgn="base"/>
+                      <a:r>
+                        <a:rPr lang="en-US" sz="1500" u="none" strike="noStrike">
+                          <a:effectLst/>
+                        </a:rPr>
+                        <a:t>Healthcare professional</a:t>
+                      </a:r>
+                      <a:r>
+                        <a:rPr lang="en-US" sz="1500">
+                          <a:effectLst/>
+                        </a:rPr>
+                        <a:t> </a:t>
+                      </a:r>
+                      <a:endParaRPr lang="en-US" sz="1500" b="0" i="0">
+                        <a:effectLst/>
+                      </a:endParaRPr>
+                    </a:p>
+                  </a:txBody>
+                  <a:tcPr marL="77737" marR="77737" marT="38869" marB="38869"/>
+                </a:tc>
+                <a:tc>
+                  <a:txBody>
+                    <a:bodyPr/>
+                    <a:lstStyle/>
+                    <a:p>
+                      <a:pPr algn="l" rtl="0" fontAlgn="base"/>
+                      <a:r>
+                        <a:rPr lang="en-US" sz="1500" u="none" strike="noStrike">
+                          <a:effectLst/>
+                        </a:rPr>
+                        <a:t>Access vitals of patient for emergency treatment</a:t>
+                      </a:r>
+                      <a:r>
+                        <a:rPr lang="en-US" sz="1500">
+                          <a:effectLst/>
+                        </a:rPr>
+                        <a:t> </a:t>
+                      </a:r>
+                      <a:endParaRPr lang="en-US" sz="1500" b="0" i="0">
+                        <a:effectLst/>
+                      </a:endParaRPr>
+                    </a:p>
+                  </a:txBody>
+                  <a:tcPr marL="77737" marR="77737" marT="38869" marB="38869"/>
+                </a:tc>
+                <a:tc>
+                  <a:txBody>
+                    <a:bodyPr/>
+                    <a:lstStyle/>
+                    <a:p>
+                      <a:pPr algn="l" rtl="0" fontAlgn="base"/>
+                      <a:r>
+                        <a:rPr lang="en-US" sz="1500" u="none" strike="noStrike">
+                          <a:effectLst/>
+                        </a:rPr>
+                        <a:t>REQ-6</a:t>
+                      </a:r>
+                      <a:r>
+                        <a:rPr lang="en-US" sz="1500">
+                          <a:effectLst/>
+                        </a:rPr>
+                        <a:t> </a:t>
+                      </a:r>
+                      <a:endParaRPr lang="en-US" sz="1500" b="0" i="0">
+                        <a:effectLst/>
+                      </a:endParaRPr>
+                    </a:p>
+                  </a:txBody>
+                  <a:tcPr marL="77737" marR="77737" marT="38869" marB="38869"/>
+                </a:tc>
+                <a:extLst>
+                  <a:ext uri="{0D108BD9-81ED-4DB2-BD59-A6C34878D82A}">
+                    <a16:rowId xmlns:a16="http://schemas.microsoft.com/office/drawing/2014/main" val="1356553829"/>
+                  </a:ext>
+                </a:extLst>
+              </a:tr>
+            </a:tbl>
+          </a:graphicData>
+        </a:graphic>
+      </p:graphicFrame>
+    </p:spTree>
+    <p:extLst>
+      <p:ext uri="{BB962C8B-B14F-4D97-AF65-F5344CB8AC3E}">
+        <p14:creationId xmlns:p14="http://schemas.microsoft.com/office/powerpoint/2010/main" val="769158415"/>
+      </p:ext>
+    </p:extLst>
+  </p:cSld>
+  <p:clrMapOvr>
+    <a:masterClrMapping/>
+  </p:clrMapOvr>
+</p:sld>
+</file>
+
+<file path=ppt/slides/slide8.xml><?xml version="1.0" encoding="utf-8"?>
 <p:sld xmlns:a="http://schemas.openxmlformats.org/drawingml/2006/main" xmlns:r="http://schemas.openxmlformats.org/officeDocument/2006/relationships" xmlns:p="http://schemas.openxmlformats.org/presentationml/2006/main">
   <p:cSld>
     <p:bg>
@@ -26508,7 +30467,7 @@
                   <a:schemeClr val="accent4"/>
                 </a:solidFill>
               </a:rPr>
-              <a:t>Use Case Diagram</a:t>
+              <a:t>General Use Case Diagram</a:t>
             </a:r>
           </a:p>
         </p:txBody>
@@ -26553,7 +30512,7 @@
                   <a:spcPts val="600"/>
                 </a:spcAft>
               </a:pPr>
-              <a:t>6</a:t>
+              <a:t>8</a:t>
             </a:fld>
             <a:endParaRPr lang="en-US"/>
           </a:p>
@@ -26615,9 +30574,17 @@
 </p:sld>
 </file>
 
-<file path=ppt/slides/slide7.xml><?xml version="1.0" encoding="utf-8"?>
+<file path=ppt/slides/slide9.xml><?xml version="1.0" encoding="utf-8"?>
 <p:sld xmlns:a="http://schemas.openxmlformats.org/drawingml/2006/main" xmlns:r="http://schemas.openxmlformats.org/officeDocument/2006/relationships" xmlns:p="http://schemas.openxmlformats.org/presentationml/2006/main">
   <p:cSld>
+    <p:bg>
+      <p:bgPr>
+        <a:solidFill>
+          <a:schemeClr val="bg1"/>
+        </a:solidFill>
+        <a:effectLst/>
+      </p:bgPr>
+    </p:bg>
     <p:spTree>
       <p:nvGrpSpPr>
         <p:cNvPr id="1" name=""/>
@@ -26634,10 +30601,417 @@
       </p:grpSpPr>
       <p:sp>
         <p:nvSpPr>
-          <p:cNvPr id="2" name="Title 1">
+          <p:cNvPr id="32" name="Rectangle 6">
             <a:extLst>
               <a:ext uri="{FF2B5EF4-FFF2-40B4-BE49-F238E27FC236}">
-                <a16:creationId xmlns:a16="http://schemas.microsoft.com/office/drawing/2014/main" id="{66F5BB92-813C-4042-B316-05BBE4D46BC7}"/>
+                <a16:creationId xmlns:a16="http://schemas.microsoft.com/office/drawing/2014/main" id="{DA381740-063A-41A4-836D-85D14980EEF0}"/>
+              </a:ext>
+              <a:ext uri="{C183D7F6-B498-43B3-948B-1728B52AA6E4}">
+                <adec:decorative xmlns:adec="http://schemas.microsoft.com/office/drawing/2017/decorative" val="1"/>
+              </a:ext>
+            </a:extLst>
+          </p:cNvPr>
+          <p:cNvSpPr>
+            <a:spLocks noGrp="1" noRot="1" noChangeAspect="1" noMove="1" noResize="1" noEditPoints="1" noAdjustHandles="1" noChangeArrowheads="1" noChangeShapeType="1" noTextEdit="1"/>
+          </p:cNvSpPr>
+          <p:nvPr>
+            <p:extLst>
+              <p:ext uri="{386F3935-93C4-4BCD-93E2-E3B085C9AB24}">
+                <p16:designElem xmlns:p16="http://schemas.microsoft.com/office/powerpoint/2015/main" val="1"/>
+              </p:ext>
+            </p:extLst>
+          </p:nvPr>
+        </p:nvSpPr>
+        <p:spPr>
+          <a:xfrm>
+            <a:off x="838200" y="4736883"/>
+            <a:ext cx="4243589" cy="27432"/>
+          </a:xfrm>
+          <a:custGeom>
+            <a:avLst/>
+            <a:gdLst>
+              <a:gd name="connsiteX0" fmla="*/ 0 w 4243589"/>
+              <a:gd name="connsiteY0" fmla="*/ 0 h 27432"/>
+              <a:gd name="connsiteX1" fmla="*/ 563791 w 4243589"/>
+              <a:gd name="connsiteY1" fmla="*/ 0 h 27432"/>
+              <a:gd name="connsiteX2" fmla="*/ 1042710 w 4243589"/>
+              <a:gd name="connsiteY2" fmla="*/ 0 h 27432"/>
+              <a:gd name="connsiteX3" fmla="*/ 1564066 w 4243589"/>
+              <a:gd name="connsiteY3" fmla="*/ 0 h 27432"/>
+              <a:gd name="connsiteX4" fmla="*/ 2212729 w 4243589"/>
+              <a:gd name="connsiteY4" fmla="*/ 0 h 27432"/>
+              <a:gd name="connsiteX5" fmla="*/ 2776520 w 4243589"/>
+              <a:gd name="connsiteY5" fmla="*/ 0 h 27432"/>
+              <a:gd name="connsiteX6" fmla="*/ 3297875 w 4243589"/>
+              <a:gd name="connsiteY6" fmla="*/ 0 h 27432"/>
+              <a:gd name="connsiteX7" fmla="*/ 4243589 w 4243589"/>
+              <a:gd name="connsiteY7" fmla="*/ 0 h 27432"/>
+              <a:gd name="connsiteX8" fmla="*/ 4243589 w 4243589"/>
+              <a:gd name="connsiteY8" fmla="*/ 27432 h 27432"/>
+              <a:gd name="connsiteX9" fmla="*/ 3637362 w 4243589"/>
+              <a:gd name="connsiteY9" fmla="*/ 27432 h 27432"/>
+              <a:gd name="connsiteX10" fmla="*/ 3116007 w 4243589"/>
+              <a:gd name="connsiteY10" fmla="*/ 27432 h 27432"/>
+              <a:gd name="connsiteX11" fmla="*/ 2424908 w 4243589"/>
+              <a:gd name="connsiteY11" fmla="*/ 27432 h 27432"/>
+              <a:gd name="connsiteX12" fmla="*/ 1861117 w 4243589"/>
+              <a:gd name="connsiteY12" fmla="*/ 27432 h 27432"/>
+              <a:gd name="connsiteX13" fmla="*/ 1382198 w 4243589"/>
+              <a:gd name="connsiteY13" fmla="*/ 27432 h 27432"/>
+              <a:gd name="connsiteX14" fmla="*/ 733535 w 4243589"/>
+              <a:gd name="connsiteY14" fmla="*/ 27432 h 27432"/>
+              <a:gd name="connsiteX15" fmla="*/ 0 w 4243589"/>
+              <a:gd name="connsiteY15" fmla="*/ 27432 h 27432"/>
+              <a:gd name="connsiteX16" fmla="*/ 0 w 4243589"/>
+              <a:gd name="connsiteY16" fmla="*/ 0 h 27432"/>
+            </a:gdLst>
+            <a:ahLst/>
+            <a:cxnLst>
+              <a:cxn ang="0">
+                <a:pos x="connsiteX0" y="connsiteY0"/>
+              </a:cxn>
+              <a:cxn ang="0">
+                <a:pos x="connsiteX1" y="connsiteY1"/>
+              </a:cxn>
+              <a:cxn ang="0">
+                <a:pos x="connsiteX2" y="connsiteY2"/>
+              </a:cxn>
+              <a:cxn ang="0">
+                <a:pos x="connsiteX3" y="connsiteY3"/>
+              </a:cxn>
+              <a:cxn ang="0">
+                <a:pos x="connsiteX4" y="connsiteY4"/>
+              </a:cxn>
+              <a:cxn ang="0">
+                <a:pos x="connsiteX5" y="connsiteY5"/>
+              </a:cxn>
+              <a:cxn ang="0">
+                <a:pos x="connsiteX6" y="connsiteY6"/>
+              </a:cxn>
+              <a:cxn ang="0">
+                <a:pos x="connsiteX7" y="connsiteY7"/>
+              </a:cxn>
+              <a:cxn ang="0">
+                <a:pos x="connsiteX8" y="connsiteY8"/>
+              </a:cxn>
+              <a:cxn ang="0">
+                <a:pos x="connsiteX9" y="connsiteY9"/>
+              </a:cxn>
+              <a:cxn ang="0">
+                <a:pos x="connsiteX10" y="connsiteY10"/>
+              </a:cxn>
+              <a:cxn ang="0">
+                <a:pos x="connsiteX11" y="connsiteY11"/>
+              </a:cxn>
+              <a:cxn ang="0">
+                <a:pos x="connsiteX12" y="connsiteY12"/>
+              </a:cxn>
+              <a:cxn ang="0">
+                <a:pos x="connsiteX13" y="connsiteY13"/>
+              </a:cxn>
+              <a:cxn ang="0">
+                <a:pos x="connsiteX14" y="connsiteY14"/>
+              </a:cxn>
+              <a:cxn ang="0">
+                <a:pos x="connsiteX15" y="connsiteY15"/>
+              </a:cxn>
+              <a:cxn ang="0">
+                <a:pos x="connsiteX16" y="connsiteY16"/>
+              </a:cxn>
+            </a:cxnLst>
+            <a:rect l="l" t="t" r="r" b="b"/>
+            <a:pathLst>
+              <a:path w="4243589" h="27432" fill="none" extrusionOk="0">
+                <a:moveTo>
+                  <a:pt x="0" y="0"/>
+                </a:moveTo>
+                <a:cubicBezTo>
+                  <a:pt x="157351" y="-15653"/>
+                  <a:pt x="378877" y="-5828"/>
+                  <a:pt x="563791" y="0"/>
+                </a:cubicBezTo>
+                <a:cubicBezTo>
+                  <a:pt x="748705" y="5828"/>
+                  <a:pt x="905659" y="-5525"/>
+                  <a:pt x="1042710" y="0"/>
+                </a:cubicBezTo>
+                <a:cubicBezTo>
+                  <a:pt x="1179761" y="5525"/>
+                  <a:pt x="1356845" y="-21288"/>
+                  <a:pt x="1564066" y="0"/>
+                </a:cubicBezTo>
+                <a:cubicBezTo>
+                  <a:pt x="1771287" y="21288"/>
+                  <a:pt x="1912099" y="25135"/>
+                  <a:pt x="2212729" y="0"/>
+                </a:cubicBezTo>
+                <a:cubicBezTo>
+                  <a:pt x="2513359" y="-25135"/>
+                  <a:pt x="2514918" y="-27119"/>
+                  <a:pt x="2776520" y="0"/>
+                </a:cubicBezTo>
+                <a:cubicBezTo>
+                  <a:pt x="3038122" y="27119"/>
+                  <a:pt x="3178771" y="18116"/>
+                  <a:pt x="3297875" y="0"/>
+                </a:cubicBezTo>
+                <a:cubicBezTo>
+                  <a:pt x="3416980" y="-18116"/>
+                  <a:pt x="4012240" y="-40869"/>
+                  <a:pt x="4243589" y="0"/>
+                </a:cubicBezTo>
+                <a:cubicBezTo>
+                  <a:pt x="4242616" y="8304"/>
+                  <a:pt x="4243111" y="21512"/>
+                  <a:pt x="4243589" y="27432"/>
+                </a:cubicBezTo>
+                <a:cubicBezTo>
+                  <a:pt x="4112949" y="6289"/>
+                  <a:pt x="3928037" y="10975"/>
+                  <a:pt x="3637362" y="27432"/>
+                </a:cubicBezTo>
+                <a:cubicBezTo>
+                  <a:pt x="3346687" y="43889"/>
+                  <a:pt x="3254446" y="35813"/>
+                  <a:pt x="3116007" y="27432"/>
+                </a:cubicBezTo>
+                <a:cubicBezTo>
+                  <a:pt x="2977569" y="19051"/>
+                  <a:pt x="2620228" y="38017"/>
+                  <a:pt x="2424908" y="27432"/>
+                </a:cubicBezTo>
+                <a:cubicBezTo>
+                  <a:pt x="2229588" y="16847"/>
+                  <a:pt x="2088287" y="5290"/>
+                  <a:pt x="1861117" y="27432"/>
+                </a:cubicBezTo>
+                <a:cubicBezTo>
+                  <a:pt x="1633947" y="49574"/>
+                  <a:pt x="1502447" y="8273"/>
+                  <a:pt x="1382198" y="27432"/>
+                </a:cubicBezTo>
+                <a:cubicBezTo>
+                  <a:pt x="1261949" y="46591"/>
+                  <a:pt x="1045440" y="37497"/>
+                  <a:pt x="733535" y="27432"/>
+                </a:cubicBezTo>
+                <a:cubicBezTo>
+                  <a:pt x="421630" y="17367"/>
+                  <a:pt x="341257" y="-9215"/>
+                  <a:pt x="0" y="27432"/>
+                </a:cubicBezTo>
+                <a:cubicBezTo>
+                  <a:pt x="-1048" y="14992"/>
+                  <a:pt x="-1120" y="7447"/>
+                  <a:pt x="0" y="0"/>
+                </a:cubicBezTo>
+                <a:close/>
+              </a:path>
+              <a:path w="4243589" h="27432" stroke="0" extrusionOk="0">
+                <a:moveTo>
+                  <a:pt x="0" y="0"/>
+                </a:moveTo>
+                <a:cubicBezTo>
+                  <a:pt x="128164" y="17204"/>
+                  <a:pt x="312653" y="1129"/>
+                  <a:pt x="563791" y="0"/>
+                </a:cubicBezTo>
+                <a:cubicBezTo>
+                  <a:pt x="814929" y="-1129"/>
+                  <a:pt x="837271" y="8503"/>
+                  <a:pt x="1042710" y="0"/>
+                </a:cubicBezTo>
+                <a:cubicBezTo>
+                  <a:pt x="1248149" y="-8503"/>
+                  <a:pt x="1588432" y="-28862"/>
+                  <a:pt x="1733809" y="0"/>
+                </a:cubicBezTo>
+                <a:cubicBezTo>
+                  <a:pt x="1879186" y="28862"/>
+                  <a:pt x="2052815" y="5974"/>
+                  <a:pt x="2297600" y="0"/>
+                </a:cubicBezTo>
+                <a:cubicBezTo>
+                  <a:pt x="2542385" y="-5974"/>
+                  <a:pt x="2699960" y="-23550"/>
+                  <a:pt x="2861391" y="0"/>
+                </a:cubicBezTo>
+                <a:cubicBezTo>
+                  <a:pt x="3022822" y="23550"/>
+                  <a:pt x="3390411" y="25272"/>
+                  <a:pt x="3552490" y="0"/>
+                </a:cubicBezTo>
+                <a:cubicBezTo>
+                  <a:pt x="3714569" y="-25272"/>
+                  <a:pt x="3950585" y="-31327"/>
+                  <a:pt x="4243589" y="0"/>
+                </a:cubicBezTo>
+                <a:cubicBezTo>
+                  <a:pt x="4244074" y="9333"/>
+                  <a:pt x="4244867" y="19699"/>
+                  <a:pt x="4243589" y="27432"/>
+                </a:cubicBezTo>
+                <a:cubicBezTo>
+                  <a:pt x="4130424" y="7904"/>
+                  <a:pt x="3932803" y="51393"/>
+                  <a:pt x="3722234" y="27432"/>
+                </a:cubicBezTo>
+                <a:cubicBezTo>
+                  <a:pt x="3511665" y="3471"/>
+                  <a:pt x="3269903" y="55138"/>
+                  <a:pt x="3116007" y="27432"/>
+                </a:cubicBezTo>
+                <a:cubicBezTo>
+                  <a:pt x="2962111" y="-274"/>
+                  <a:pt x="2744280" y="32368"/>
+                  <a:pt x="2509780" y="27432"/>
+                </a:cubicBezTo>
+                <a:cubicBezTo>
+                  <a:pt x="2275280" y="22496"/>
+                  <a:pt x="2066059" y="52808"/>
+                  <a:pt x="1945989" y="27432"/>
+                </a:cubicBezTo>
+                <a:cubicBezTo>
+                  <a:pt x="1825919" y="2056"/>
+                  <a:pt x="1407329" y="21760"/>
+                  <a:pt x="1254890" y="27432"/>
+                </a:cubicBezTo>
+                <a:cubicBezTo>
+                  <a:pt x="1102451" y="33104"/>
+                  <a:pt x="837950" y="40817"/>
+                  <a:pt x="563791" y="27432"/>
+                </a:cubicBezTo>
+                <a:cubicBezTo>
+                  <a:pt x="289632" y="14047"/>
+                  <a:pt x="132768" y="16249"/>
+                  <a:pt x="0" y="27432"/>
+                </a:cubicBezTo>
+                <a:cubicBezTo>
+                  <a:pt x="211" y="18145"/>
+                  <a:pt x="120" y="6480"/>
+                  <a:pt x="0" y="0"/>
+                </a:cubicBezTo>
+                <a:close/>
+              </a:path>
+            </a:pathLst>
+          </a:custGeom>
+          <a:solidFill>
+            <a:schemeClr val="tx1"/>
+          </a:solidFill>
+          <a:ln w="38100" cap="rnd">
+            <a:solidFill>
+              <a:schemeClr val="tx1"/>
+            </a:solidFill>
+            <a:round/>
+            <a:extLst>
+              <a:ext uri="{C807C97D-BFC1-408E-A445-0C87EB9F89A2}">
+                <ask:lineSketchStyleProps xmlns:ask="http://schemas.microsoft.com/office/drawing/2018/sketchyshapes" sd="1219033472">
+                  <a:prstGeom prst="rect">
+                    <a:avLst/>
+                  </a:prstGeom>
+                  <ask:type>
+                    <ask:lineSketchFreehand/>
+                  </ask:type>
+                </ask:lineSketchStyleProps>
+              </a:ext>
+            </a:extLst>
+          </a:ln>
+        </p:spPr>
+        <p:style>
+          <a:lnRef idx="2">
+            <a:schemeClr val="accent1">
+              <a:shade val="50000"/>
+            </a:schemeClr>
+          </a:lnRef>
+          <a:fillRef idx="1">
+            <a:schemeClr val="accent1"/>
+          </a:fillRef>
+          <a:effectRef idx="0">
+            <a:schemeClr val="accent1"/>
+          </a:effectRef>
+          <a:fontRef idx="minor">
+            <a:schemeClr val="lt1"/>
+          </a:fontRef>
+        </p:style>
+        <p:txBody>
+          <a:bodyPr rtlCol="0" anchor="ctr"/>
+          <a:lstStyle/>
+          <a:p>
+            <a:pPr algn="ctr"/>
+            <a:endParaRPr lang="en-US">
+              <a:solidFill>
+                <a:schemeClr val="tx1"/>
+              </a:solidFill>
+            </a:endParaRPr>
+          </a:p>
+        </p:txBody>
+      </p:sp>
+      <p:sp useBgFill="1">
+        <p:nvSpPr>
+          <p:cNvPr id="34" name="Rectangle 33">
+            <a:extLst>
+              <a:ext uri="{FF2B5EF4-FFF2-40B4-BE49-F238E27FC236}">
+                <a16:creationId xmlns:a16="http://schemas.microsoft.com/office/drawing/2014/main" id="{BCED4D40-4B67-4331-AC48-79B82B4A47D8}"/>
+              </a:ext>
+              <a:ext uri="{C183D7F6-B498-43B3-948B-1728B52AA6E4}">
+                <adec:decorative xmlns:adec="http://schemas.microsoft.com/office/drawing/2017/decorative" val="1"/>
+              </a:ext>
+            </a:extLst>
+          </p:cNvPr>
+          <p:cNvSpPr>
+            <a:spLocks noGrp="1" noRot="1" noChangeAspect="1" noMove="1" noResize="1" noEditPoints="1" noAdjustHandles="1" noChangeArrowheads="1" noChangeShapeType="1" noTextEdit="1"/>
+          </p:cNvSpPr>
+          <p:nvPr>
+            <p:extLst>
+              <p:ext uri="{386F3935-93C4-4BCD-93E2-E3B085C9AB24}">
+                <p16:designElem xmlns:p16="http://schemas.microsoft.com/office/powerpoint/2015/main" val="1"/>
+              </p:ext>
+            </p:extLst>
+          </p:nvPr>
+        </p:nvSpPr>
+        <p:spPr>
+          <a:xfrm>
+            <a:off x="0" y="0"/>
+            <a:ext cx="12192000" cy="6858000"/>
+          </a:xfrm>
+          <a:prstGeom prst="rect">
+            <a:avLst/>
+          </a:prstGeom>
+          <a:ln>
+            <a:noFill/>
+          </a:ln>
+        </p:spPr>
+        <p:style>
+          <a:lnRef idx="2">
+            <a:schemeClr val="accent1">
+              <a:shade val="50000"/>
+            </a:schemeClr>
+          </a:lnRef>
+          <a:fillRef idx="1">
+            <a:schemeClr val="accent1"/>
+          </a:fillRef>
+          <a:effectRef idx="0">
+            <a:schemeClr val="accent1"/>
+          </a:effectRef>
+          <a:fontRef idx="minor">
+            <a:schemeClr val="lt1"/>
+          </a:fontRef>
+        </p:style>
+        <p:txBody>
+          <a:bodyPr rtlCol="0" anchor="ctr"/>
+          <a:lstStyle/>
+          <a:p>
+            <a:pPr algn="ctr"/>
+            <a:endParaRPr lang="en-US"/>
+          </a:p>
+        </p:txBody>
+      </p:sp>
+      <p:sp>
+        <p:nvSpPr>
+          <p:cNvPr id="4" name="Title 3">
+            <a:extLst>
+              <a:ext uri="{FF2B5EF4-FFF2-40B4-BE49-F238E27FC236}">
+                <a16:creationId xmlns:a16="http://schemas.microsoft.com/office/drawing/2014/main" id="{858C0DDC-D116-43DA-B0B5-A6A82668AD5D}"/>
               </a:ext>
             </a:extLst>
           </p:cNvPr>
@@ -26648,238 +31022,40 @@
             <p:ph type="title"/>
           </p:nvPr>
         </p:nvSpPr>
-        <p:spPr/>
+        <p:spPr>
+          <a:xfrm>
+            <a:off x="638881" y="323255"/>
+            <a:ext cx="10909640" cy="904970"/>
+          </a:xfrm>
+        </p:spPr>
         <p:txBody>
-          <a:bodyPr/>
+          <a:bodyPr vert="horz" lIns="91440" tIns="45720" rIns="91440" bIns="45720" rtlCol="0" anchor="ctr">
+            <a:normAutofit/>
+          </a:bodyPr>
           <a:lstStyle/>
           <a:p>
+            <a:pPr algn="ctr">
+              <a:lnSpc>
+                <a:spcPct val="90000"/>
+              </a:lnSpc>
+            </a:pPr>
             <a:r>
-              <a:rPr lang="en-US" dirty="0"/>
-              <a:t>Thank you</a:t>
-            </a:r>
-          </a:p>
-        </p:txBody>
-      </p:sp>
-      <p:pic>
-        <p:nvPicPr>
-          <p:cNvPr id="23" name="Online Image Placeholder 23" descr="User">
-            <a:extLst>
-              <a:ext uri="{FF2B5EF4-FFF2-40B4-BE49-F238E27FC236}">
-                <a16:creationId xmlns:a16="http://schemas.microsoft.com/office/drawing/2014/main" id="{B4D6CBD8-BAE2-4829-AC80-ACEA4658DDC9}"/>
-              </a:ext>
-            </a:extLst>
-          </p:cNvPr>
-          <p:cNvPicPr>
-            <a:picLocks noGrp="1" noChangeAspect="1"/>
-          </p:cNvPicPr>
-          <p:nvPr>
-            <p:ph type="pic" sz="quarter" idx="13"/>
-          </p:nvPr>
-        </p:nvPicPr>
-        <p:blipFill rotWithShape="1">
-          <a:blip r:embed="rId2">
-            <a:extLst>
-              <a:ext uri="{96DAC541-7B7A-43D3-8B79-37D633B846F1}">
-                <asvg:svgBlip xmlns:asvg="http://schemas.microsoft.com/office/drawing/2016/SVG/main" r:embed="rId3"/>
-              </a:ext>
-            </a:extLst>
-          </a:blip>
-          <a:srcRect/>
-          <a:stretch/>
-        </p:blipFill>
-        <p:spPr/>
-      </p:pic>
-      <p:sp>
-        <p:nvSpPr>
-          <p:cNvPr id="9" name="Text Placeholder 8">
-            <a:extLst>
-              <a:ext uri="{FF2B5EF4-FFF2-40B4-BE49-F238E27FC236}">
-                <a16:creationId xmlns:a16="http://schemas.microsoft.com/office/drawing/2014/main" id="{41690B51-B7AB-4D15-951F-60CB62BB8DCF}"/>
-              </a:ext>
-            </a:extLst>
-          </p:cNvPr>
-          <p:cNvSpPr>
-            <a:spLocks noGrp="1"/>
-          </p:cNvSpPr>
-          <p:nvPr>
-            <p:ph type="body" sz="quarter" idx="18"/>
-          </p:nvPr>
-        </p:nvSpPr>
-        <p:spPr/>
-        <p:txBody>
-          <a:bodyPr/>
-          <a:lstStyle/>
-          <a:p>
-            <a:r>
-              <a:rPr lang="en-US" dirty="0"/>
-              <a:t>Presenter name</a:t>
-            </a:r>
-          </a:p>
-          <a:p>
-            <a:endParaRPr lang="en-US" dirty="0"/>
-          </a:p>
-        </p:txBody>
-      </p:sp>
-      <p:pic>
-        <p:nvPicPr>
-          <p:cNvPr id="25" name="Online Image Placeholder 27" descr="Envelope">
-            <a:extLst>
-              <a:ext uri="{FF2B5EF4-FFF2-40B4-BE49-F238E27FC236}">
-                <a16:creationId xmlns:a16="http://schemas.microsoft.com/office/drawing/2014/main" id="{329FB706-264C-44A5-B17E-0D396F61AEF7}"/>
-              </a:ext>
-            </a:extLst>
-          </p:cNvPr>
-          <p:cNvPicPr>
-            <a:picLocks noGrp="1" noChangeAspect="1"/>
-          </p:cNvPicPr>
-          <p:nvPr>
-            <p:ph type="pic" sz="quarter" idx="15"/>
-          </p:nvPr>
-        </p:nvPicPr>
-        <p:blipFill rotWithShape="1">
-          <a:blip r:embed="rId4" cstate="screen">
-            <a:extLst>
-              <a:ext uri="{28A0092B-C50C-407E-A947-70E740481C1C}">
-                <a14:useLocalDpi xmlns:a14="http://schemas.microsoft.com/office/drawing/2010/main"/>
-              </a:ext>
-              <a:ext uri="{96DAC541-7B7A-43D3-8B79-37D633B846F1}">
-                <asvg:svgBlip xmlns:asvg="http://schemas.microsoft.com/office/drawing/2016/SVG/main" r:embed="rId5"/>
-              </a:ext>
-            </a:extLst>
-          </a:blip>
-          <a:srcRect/>
-          <a:stretch/>
-        </p:blipFill>
-        <p:spPr/>
-      </p:pic>
-      <p:sp>
-        <p:nvSpPr>
-          <p:cNvPr id="10" name="Text Placeholder 9">
-            <a:extLst>
-              <a:ext uri="{FF2B5EF4-FFF2-40B4-BE49-F238E27FC236}">
-                <a16:creationId xmlns:a16="http://schemas.microsoft.com/office/drawing/2014/main" id="{53C6B086-BC3B-4FE1-A23D-D1396E627EE6}"/>
-              </a:ext>
-            </a:extLst>
-          </p:cNvPr>
-          <p:cNvSpPr>
-            <a:spLocks noGrp="1"/>
-          </p:cNvSpPr>
-          <p:nvPr>
-            <p:ph type="body" sz="quarter" idx="20"/>
-          </p:nvPr>
-        </p:nvSpPr>
-        <p:spPr/>
-        <p:txBody>
-          <a:bodyPr/>
-          <a:lstStyle/>
-          <a:p>
-            <a:r>
-              <a:rPr lang="en-US" dirty="0"/>
-              <a:t>Email address</a:t>
-            </a:r>
-          </a:p>
-          <a:p>
-            <a:endParaRPr lang="en-US" dirty="0"/>
-          </a:p>
-        </p:txBody>
-      </p:sp>
-      <p:pic>
-        <p:nvPicPr>
-          <p:cNvPr id="27" name="Online Image Placeholder 11" descr="Monitor">
-            <a:extLst>
-              <a:ext uri="{FF2B5EF4-FFF2-40B4-BE49-F238E27FC236}">
-                <a16:creationId xmlns:a16="http://schemas.microsoft.com/office/drawing/2014/main" id="{6EC943CF-98BB-4FE5-A6A8-5371D13646A3}"/>
-              </a:ext>
-            </a:extLst>
-          </p:cNvPr>
-          <p:cNvPicPr>
-            <a:picLocks noGrp="1" noChangeAspect="1"/>
-          </p:cNvPicPr>
-          <p:nvPr>
-            <p:ph type="pic" sz="quarter" idx="17"/>
-          </p:nvPr>
-        </p:nvPicPr>
-        <p:blipFill rotWithShape="1">
-          <a:blip r:embed="rId6">
-            <a:extLst>
-              <a:ext uri="{28A0092B-C50C-407E-A947-70E740481C1C}">
-                <a14:useLocalDpi xmlns:a14="http://schemas.microsoft.com/office/drawing/2010/main"/>
-              </a:ext>
-              <a:ext uri="{96DAC541-7B7A-43D3-8B79-37D633B846F1}">
-                <asvg:svgBlip xmlns:asvg="http://schemas.microsoft.com/office/drawing/2016/SVG/main" r:embed="rId7"/>
-              </a:ext>
-            </a:extLst>
-          </a:blip>
-          <a:srcRect/>
-          <a:stretch/>
-        </p:blipFill>
-        <p:spPr/>
-      </p:pic>
-      <p:sp>
-        <p:nvSpPr>
-          <p:cNvPr id="11" name="Text Placeholder 10">
-            <a:extLst>
-              <a:ext uri="{FF2B5EF4-FFF2-40B4-BE49-F238E27FC236}">
-                <a16:creationId xmlns:a16="http://schemas.microsoft.com/office/drawing/2014/main" id="{1612A310-0919-4438-952C-499AC4A95E7A}"/>
-              </a:ext>
-            </a:extLst>
-          </p:cNvPr>
-          <p:cNvSpPr>
-            <a:spLocks noGrp="1"/>
-          </p:cNvSpPr>
-          <p:nvPr>
-            <p:ph type="body" sz="quarter" idx="22"/>
-          </p:nvPr>
-        </p:nvSpPr>
-        <p:spPr/>
-        <p:txBody>
-          <a:bodyPr/>
-          <a:lstStyle/>
-          <a:p>
-            <a:r>
-              <a:rPr lang="en-US" dirty="0"/>
-              <a:t>Website</a:t>
-            </a:r>
-          </a:p>
-          <a:p>
-            <a:endParaRPr lang="en-US" dirty="0"/>
-          </a:p>
-        </p:txBody>
-      </p:sp>
-      <p:sp>
-        <p:nvSpPr>
-          <p:cNvPr id="4" name="Footer Placeholder 3">
-            <a:extLst>
-              <a:ext uri="{FF2B5EF4-FFF2-40B4-BE49-F238E27FC236}">
-                <a16:creationId xmlns:a16="http://schemas.microsoft.com/office/drawing/2014/main" id="{8B357B38-EB06-465C-8F7E-F7E1E7079D1F}"/>
-              </a:ext>
-            </a:extLst>
-          </p:cNvPr>
-          <p:cNvSpPr>
-            <a:spLocks noGrp="1"/>
-          </p:cNvSpPr>
-          <p:nvPr>
-            <p:ph type="ftr" sz="quarter" idx="11"/>
-          </p:nvPr>
-        </p:nvSpPr>
-        <p:spPr/>
-        <p:txBody>
-          <a:bodyPr/>
-          <a:lstStyle/>
-          <a:p>
-            <a:r>
-              <a:rPr lang="en-US" dirty="0"/>
-              <a:t>Presentation Title</a:t>
+              <a:rPr lang="en-US" sz="5600" dirty="0">
+                <a:solidFill>
+                  <a:schemeClr val="accent4"/>
+                </a:solidFill>
+              </a:rPr>
+              <a:t>User Use Case Diagram</a:t>
             </a:r>
           </a:p>
         </p:txBody>
       </p:sp>
       <p:sp>
         <p:nvSpPr>
-          <p:cNvPr id="5" name="Slide Number Placeholder 4">
+          <p:cNvPr id="6" name="Slide Number Placeholder 5">
             <a:extLst>
               <a:ext uri="{FF2B5EF4-FFF2-40B4-BE49-F238E27FC236}">
-                <a16:creationId xmlns:a16="http://schemas.microsoft.com/office/drawing/2014/main" id="{763B58A6-180C-4F65-9C7E-460497F34301}"/>
+                <a16:creationId xmlns:a16="http://schemas.microsoft.com/office/drawing/2014/main" id="{D9E1B180-F4BB-46B9-937E-3469FC6819B6}"/>
               </a:ext>
             </a:extLst>
           </p:cNvPr>
@@ -26890,24 +31066,75 @@
             <p:ph type="sldNum" sz="quarter" idx="12"/>
           </p:nvPr>
         </p:nvSpPr>
-        <p:spPr/>
+        <p:spPr>
+          <a:xfrm>
+            <a:off x="8610600" y="136525"/>
+            <a:ext cx="2743200" cy="365125"/>
+          </a:xfrm>
+        </p:spPr>
         <p:txBody>
-          <a:bodyPr/>
+          <a:bodyPr vert="horz" lIns="91440" tIns="45720" rIns="91440" bIns="45720" rtlCol="0" anchor="ctr">
+            <a:normAutofit/>
+          </a:bodyPr>
           <a:lstStyle/>
           <a:p>
+            <a:pPr>
+              <a:spcAft>
+                <a:spcPts val="600"/>
+              </a:spcAft>
+            </a:pPr>
             <a:fld id="{2C18C1E5-FB55-42F5-BD6D-9CC153FCDBE6}" type="slidenum">
-              <a:rPr lang="en-US" smtClean="0"/>
-              <a:pPr/>
-              <a:t>7</a:t>
+              <a:rPr lang="en-US"/>
+              <a:pPr>
+                <a:spcAft>
+                  <a:spcPts val="600"/>
+                </a:spcAft>
+              </a:pPr>
+              <a:t>9</a:t>
             </a:fld>
-            <a:endParaRPr lang="en-US" dirty="0"/>
+            <a:endParaRPr lang="en-US"/>
           </a:p>
         </p:txBody>
       </p:sp>
+      <p:pic>
+        <p:nvPicPr>
+          <p:cNvPr id="2" name="Picture 2" descr="Diagram&#10;&#10;Description automatically generated">
+            <a:extLst>
+              <a:ext uri="{FF2B5EF4-FFF2-40B4-BE49-F238E27FC236}">
+                <a16:creationId xmlns:a16="http://schemas.microsoft.com/office/drawing/2014/main" id="{61193F8D-D36F-4C3E-BC4D-5742C76E6602}"/>
+              </a:ext>
+            </a:extLst>
+          </p:cNvPr>
+          <p:cNvPicPr>
+            <a:picLocks noChangeAspect="1"/>
+          </p:cNvPicPr>
+          <p:nvPr/>
+        </p:nvPicPr>
+        <p:blipFill>
+          <a:blip r:embed="rId2"/>
+          <a:stretch>
+            <a:fillRect/>
+          </a:stretch>
+        </p:blipFill>
+        <p:spPr>
+          <a:xfrm>
+            <a:off x="229891" y="1576844"/>
+            <a:ext cx="11732216" cy="5060412"/>
+          </a:xfrm>
+          <a:prstGeom prst="rect">
+            <a:avLst/>
+          </a:prstGeom>
+          <a:ln w="57150">
+            <a:solidFill>
+              <a:schemeClr val="tx1"/>
+            </a:solidFill>
+          </a:ln>
+        </p:spPr>
+      </p:pic>
     </p:spTree>
     <p:extLst>
       <p:ext uri="{BB962C8B-B14F-4D97-AF65-F5344CB8AC3E}">
-        <p14:creationId xmlns:p14="http://schemas.microsoft.com/office/powerpoint/2010/main" val="2151942242"/>
+        <p14:creationId xmlns:p14="http://schemas.microsoft.com/office/powerpoint/2010/main" val="700553062"/>
       </p:ext>
     </p:extLst>
   </p:cSld>
@@ -27709,15 +31936,6 @@
 </file>
 
 <file path=customXml/item1.xml><?xml version="1.0" encoding="utf-8"?>
-<p:properties xmlns:p="http://schemas.microsoft.com/office/2006/metadata/properties" xmlns:xsi="http://www.w3.org/2001/XMLSchema-instance" xmlns:pc="http://schemas.microsoft.com/office/infopath/2007/PartnerControls">
-  <documentManagement>
-    <Status xmlns="71af3243-3dd4-4a8d-8c0d-dd76da1f02a5">Not started</Status>
-    <MediaServiceKeyPoints xmlns="71af3243-3dd4-4a8d-8c0d-dd76da1f02a5" xsi:nil="true"/>
-  </documentManagement>
-</p:properties>
-</file>
-
-<file path=customXml/item2.xml><?xml version="1.0" encoding="utf-8"?>
 <ct:contentTypeSchema xmlns:ct="http://schemas.microsoft.com/office/2006/metadata/contentType" xmlns:ma="http://schemas.microsoft.com/office/2006/metadata/properties/metaAttributes" ct:_="" ma:_="" ma:contentTypeName="Document" ma:contentTypeID="0x01010079F111ED35F8CC479449609E8A0923A6" ma:contentTypeVersion="12" ma:contentTypeDescription="Create a new document." ma:contentTypeScope="" ma:versionID="426e97fa315356fffbdcd9876fe988c2">
   <xsd:schema xmlns:xsd="http://www.w3.org/2001/XMLSchema" xmlns:xs="http://www.w3.org/2001/XMLSchema" xmlns:p="http://schemas.microsoft.com/office/2006/metadata/properties" xmlns:ns2="71af3243-3dd4-4a8d-8c0d-dd76da1f02a5" xmlns:ns3="16c05727-aa75-4e4a-9b5f-8a80a1165891" targetNamespace="http://schemas.microsoft.com/office/2006/metadata/properties" ma:root="true" ma:fieldsID="14b8f0def80e6d70ce3def20c90759ae" ns2:_="" ns3:_="">
     <xsd:import namespace="71af3243-3dd4-4a8d-8c0d-dd76da1f02a5"/>
@@ -27938,6 +32156,15 @@
 </ct:contentTypeSchema>
 </file>
 
+<file path=customXml/item2.xml><?xml version="1.0" encoding="utf-8"?>
+<p:properties xmlns:p="http://schemas.microsoft.com/office/2006/metadata/properties" xmlns:xsi="http://www.w3.org/2001/XMLSchema-instance" xmlns:pc="http://schemas.microsoft.com/office/infopath/2007/PartnerControls">
+  <documentManagement>
+    <Status xmlns="71af3243-3dd4-4a8d-8c0d-dd76da1f02a5">Not started</Status>
+    <MediaServiceKeyPoints xmlns="71af3243-3dd4-4a8d-8c0d-dd76da1f02a5" xsi:nil="true"/>
+  </documentManagement>
+</p:properties>
+</file>
+
 <file path=customXml/item3.xml><?xml version="1.0" encoding="utf-8"?>
 <?mso-contentType ?>
 <FormTemplates xmlns="http://schemas.microsoft.com/sharepoint/v3/contenttype/forms">
@@ -27948,16 +32175,6 @@
 </file>
 
 <file path=customXml/itemProps1.xml><?xml version="1.0" encoding="utf-8"?>
-<ds:datastoreItem xmlns:ds="http://schemas.openxmlformats.org/officeDocument/2006/customXml" ds:itemID="{F2AD9EFA-E074-4C2F-8F25-BF862B8AB684}">
-  <ds:schemaRefs>
-    <ds:schemaRef ds:uri="http://schemas.microsoft.com/office/2006/metadata/properties"/>
-    <ds:schemaRef ds:uri="http://schemas.microsoft.com/office/infopath/2007/PartnerControls"/>
-    <ds:schemaRef ds:uri="71af3243-3dd4-4a8d-8c0d-dd76da1f02a5"/>
-  </ds:schemaRefs>
-</ds:datastoreItem>
-</file>
-
-<file path=customXml/itemProps2.xml><?xml version="1.0" encoding="utf-8"?>
 <ds:datastoreItem xmlns:ds="http://schemas.openxmlformats.org/officeDocument/2006/customXml" ds:itemID="{05A595FF-F2D2-434C-A89B-B6A4364C47AE}">
   <ds:schemaRefs>
     <ds:schemaRef ds:uri="http://schemas.microsoft.com/office/2006/metadata/contentType"/>
@@ -27976,6 +32193,16 @@
 </ds:datastoreItem>
 </file>
 
+<file path=customXml/itemProps2.xml><?xml version="1.0" encoding="utf-8"?>
+<ds:datastoreItem xmlns:ds="http://schemas.openxmlformats.org/officeDocument/2006/customXml" ds:itemID="{F2AD9EFA-E074-4C2F-8F25-BF862B8AB684}">
+  <ds:schemaRefs>
+    <ds:schemaRef ds:uri="http://schemas.microsoft.com/office/2006/metadata/properties"/>
+    <ds:schemaRef ds:uri="http://schemas.microsoft.com/office/infopath/2007/PartnerControls"/>
+    <ds:schemaRef ds:uri="71af3243-3dd4-4a8d-8c0d-dd76da1f02a5"/>
+  </ds:schemaRefs>
+</ds:datastoreItem>
+</file>
+
 <file path=customXml/itemProps3.xml><?xml version="1.0" encoding="utf-8"?>
 <ds:datastoreItem xmlns:ds="http://schemas.openxmlformats.org/officeDocument/2006/customXml" ds:itemID="{D8A49B05-820E-4F16-BCC1-12B2E13002E2}">
   <ds:schemaRefs>

--- a/CS2043Proj1.pptx
+++ b/CS2043Proj1.pptx
@@ -5,10 +5,10 @@
     <p:sldMasterId id="2147483720" r:id="rId4"/>
   </p:sldMasterIdLst>
   <p:notesMasterIdLst>
-    <p:notesMasterId r:id="rId15"/>
+    <p:notesMasterId r:id="rId16"/>
   </p:notesMasterIdLst>
   <p:handoutMasterIdLst>
-    <p:handoutMasterId r:id="rId16"/>
+    <p:handoutMasterId r:id="rId17"/>
   </p:handoutMasterIdLst>
   <p:sldIdLst>
     <p:sldId id="496" r:id="rId5"/>
@@ -18,9 +18,10 @@
     <p:sldId id="430" r:id="rId9"/>
     <p:sldId id="509" r:id="rId10"/>
     <p:sldId id="510" r:id="rId11"/>
-    <p:sldId id="498" r:id="rId12"/>
-    <p:sldId id="512" r:id="rId13"/>
-    <p:sldId id="506" r:id="rId14"/>
+    <p:sldId id="513" r:id="rId12"/>
+    <p:sldId id="498" r:id="rId13"/>
+    <p:sldId id="512" r:id="rId14"/>
+    <p:sldId id="506" r:id="rId15"/>
   </p:sldIdLst>
   <p:sldSz cx="12192000" cy="6858000"/>
   <p:notesSz cx="6858000" cy="9144000"/>
@@ -147,6 +148,9 @@
     <p1510:client id="{60C20DFD-674D-EBE4-51E0-EA4829983976}" v="1" dt="2020-11-25T16:37:26.780"/>
     <p1510:client id="{73A42634-5DA9-4FCF-9C28-7618FB25E4B4}" v="917" dt="2020-11-15T22:46:47.700"/>
     <p1510:client id="{7FF10797-17E2-634F-C0A2-BE5EF2503B62}" v="417" dt="2020-11-25T14:33:08.892"/>
+    <p1510:client id="{93F8806D-FA8D-8282-FBE2-FE8C03B9D959}" v="35" dt="2020-11-27T13:21:27.286"/>
+    <p1510:client id="{9CBE8223-5C37-05B1-214F-14C6C435A1C9}" v="77" dt="2020-11-27T13:08:05.693"/>
+    <p1510:client id="{A1744496-140B-8457-524E-E96AF610FE52}" v="19" dt="2020-11-25T19:38:28.351"/>
   </p1510:revLst>
 </p1510:revInfo>
 </file>
@@ -954,7 +958,6 @@
         <a:bodyPr/>
         <a:lstStyle/>
         <a:p>
-          <a:pPr rtl="0"/>
           <a:r>
             <a:rPr lang="en-US" dirty="0">
               <a:latin typeface="The Serif Hand Black"/>
@@ -1066,46 +1069,6 @@
         </a:p>
       </dgm:t>
     </dgm:pt>
-    <dgm:pt modelId="{2A59B58F-F66F-493D-89AE-EFD36665DE8D}">
-      <dgm:prSet phldr="0"/>
-      <dgm:spPr/>
-      <dgm:t>
-        <a:bodyPr/>
-        <a:lstStyle/>
-        <a:p>
-          <a:pPr rtl="0"/>
-          <a:r>
-            <a:rPr lang="en-US" dirty="0">
-              <a:latin typeface="The Serif Hand Black"/>
-            </a:rPr>
-            <a:t>Expectant mothers</a:t>
-          </a:r>
-          <a:endParaRPr lang="en-US" dirty="0"/>
-        </a:p>
-      </dgm:t>
-    </dgm:pt>
-    <dgm:pt modelId="{99634B93-B561-4BCD-863E-9134EBDE6A10}" type="parTrans" cxnId="{0EB825DA-ABE6-408E-941D-BC20DBF9A38F}">
-      <dgm:prSet/>
-      <dgm:spPr/>
-      <dgm:t>
-        <a:bodyPr/>
-        <a:lstStyle/>
-        <a:p>
-          <a:endParaRPr lang="en-US"/>
-        </a:p>
-      </dgm:t>
-    </dgm:pt>
-    <dgm:pt modelId="{D75D8B55-8729-47B3-8780-B1F93F950791}" type="sibTrans" cxnId="{0EB825DA-ABE6-408E-941D-BC20DBF9A38F}">
-      <dgm:prSet/>
-      <dgm:spPr/>
-      <dgm:t>
-        <a:bodyPr/>
-        <a:lstStyle/>
-        <a:p>
-          <a:endParaRPr lang="en-US"/>
-        </a:p>
-      </dgm:t>
-    </dgm:pt>
     <dgm:pt modelId="{D5E9335B-6DC0-4DED-80E5-6D21D1F26217}">
       <dgm:prSet phldr="0"/>
       <dgm:spPr/>
@@ -1201,6 +1164,31 @@
         </a:p>
       </dgm:t>
     </dgm:pt>
+    <dgm:pt modelId="{C8A3B625-2D33-46CA-96A4-B4FCBF54A46C}">
+      <dgm:prSet phldr="0"/>
+      <dgm:spPr/>
+      <dgm:t>
+        <a:bodyPr/>
+        <a:lstStyle/>
+        <a:p>
+          <a:pPr rtl="0"/>
+          <a:r>
+            <a:rPr lang="en-US" dirty="0">
+              <a:latin typeface="The Serif Hand Black"/>
+            </a:rPr>
+            <a:t>Health care professionals</a:t>
+          </a:r>
+        </a:p>
+      </dgm:t>
+    </dgm:pt>
+    <dgm:pt modelId="{9E83B12F-48CA-45DA-B397-B2085E90261C}" type="parTrans" cxnId="{2E67299C-B188-4752-B8E3-8C2908A633B2}">
+      <dgm:prSet/>
+      <dgm:spPr/>
+    </dgm:pt>
+    <dgm:pt modelId="{628B92D8-A2C6-4D82-A606-7F4A32296A1D}" type="sibTrans" cxnId="{2E67299C-B188-4752-B8E3-8C2908A633B2}">
+      <dgm:prSet/>
+      <dgm:spPr/>
+    </dgm:pt>
     <dgm:pt modelId="{4013E7A9-D588-492C-93A8-46CF453B07E3}" type="pres">
       <dgm:prSet presAssocID="{9CD03DC3-0C26-4C0D-88D6-79C22C82241B}" presName="linear" presStyleCnt="0">
         <dgm:presLayoutVars>
@@ -1210,8 +1198,21 @@
       </dgm:prSet>
       <dgm:spPr/>
     </dgm:pt>
+    <dgm:pt modelId="{E0A9E250-D83F-4767-B3F1-B2C5E38DC3CF}" type="pres">
+      <dgm:prSet presAssocID="{C8A3B625-2D33-46CA-96A4-B4FCBF54A46C}" presName="parentText" presStyleLbl="node1" presStyleIdx="0" presStyleCnt="7">
+        <dgm:presLayoutVars>
+          <dgm:chMax val="0"/>
+          <dgm:bulletEnabled val="1"/>
+        </dgm:presLayoutVars>
+      </dgm:prSet>
+      <dgm:spPr/>
+    </dgm:pt>
+    <dgm:pt modelId="{58FB0C54-392E-44E0-A4CA-FF1A48F0B74F}" type="pres">
+      <dgm:prSet presAssocID="{628B92D8-A2C6-4D82-A606-7F4A32296A1D}" presName="spacer" presStyleCnt="0"/>
+      <dgm:spPr/>
+    </dgm:pt>
     <dgm:pt modelId="{AD978AE7-3919-4BB8-A958-37E1660E5064}" type="pres">
-      <dgm:prSet presAssocID="{5C7825A3-3830-4DA7-B176-6F3A42936A96}" presName="parentText" presStyleLbl="node1" presStyleIdx="0" presStyleCnt="7">
+      <dgm:prSet presAssocID="{5C7825A3-3830-4DA7-B176-6F3A42936A96}" presName="parentText" presStyleLbl="node1" presStyleIdx="1" presStyleCnt="7">
         <dgm:presLayoutVars>
           <dgm:chMax val="0"/>
           <dgm:bulletEnabled val="1"/>
@@ -1224,7 +1225,7 @@
       <dgm:spPr/>
     </dgm:pt>
     <dgm:pt modelId="{DCF8B6F7-F033-4D55-9DA9-47372E7BD273}" type="pres">
-      <dgm:prSet presAssocID="{60CA4B89-2D4A-4C05-B5F5-AC007E36A34E}" presName="parentText" presStyleLbl="node1" presStyleIdx="1" presStyleCnt="7">
+      <dgm:prSet presAssocID="{60CA4B89-2D4A-4C05-B5F5-AC007E36A34E}" presName="parentText" presStyleLbl="node1" presStyleIdx="2" presStyleCnt="7">
         <dgm:presLayoutVars>
           <dgm:chMax val="0"/>
           <dgm:bulletEnabled val="1"/>
@@ -1237,7 +1238,7 @@
       <dgm:spPr/>
     </dgm:pt>
     <dgm:pt modelId="{4F9AE24B-02F6-47C8-ACC9-0E223B6C1745}" type="pres">
-      <dgm:prSet presAssocID="{2697911E-F31A-404D-A79C-DFC343EA4EF9}" presName="parentText" presStyleLbl="node1" presStyleIdx="2" presStyleCnt="7">
+      <dgm:prSet presAssocID="{2697911E-F31A-404D-A79C-DFC343EA4EF9}" presName="parentText" presStyleLbl="node1" presStyleIdx="3" presStyleCnt="7">
         <dgm:presLayoutVars>
           <dgm:chMax val="0"/>
           <dgm:bulletEnabled val="1"/>
@@ -1247,19 +1248,6 @@
     </dgm:pt>
     <dgm:pt modelId="{2CFE47A9-41C3-4435-B492-6A9D9DC16CB8}" type="pres">
       <dgm:prSet presAssocID="{16F1B38C-4E77-4B7C-B796-7C15266BA621}" presName="spacer" presStyleCnt="0"/>
-      <dgm:spPr/>
-    </dgm:pt>
-    <dgm:pt modelId="{E22AEB03-855B-47C9-A70A-A36692E921E8}" type="pres">
-      <dgm:prSet presAssocID="{2A59B58F-F66F-493D-89AE-EFD36665DE8D}" presName="parentText" presStyleLbl="node1" presStyleIdx="3" presStyleCnt="7">
-        <dgm:presLayoutVars>
-          <dgm:chMax val="0"/>
-          <dgm:bulletEnabled val="1"/>
-        </dgm:presLayoutVars>
-      </dgm:prSet>
-      <dgm:spPr/>
-    </dgm:pt>
-    <dgm:pt modelId="{78A26B52-EEE1-4DEA-AEC2-51D14FDA155E}" type="pres">
-      <dgm:prSet presAssocID="{D75D8B55-8729-47B3-8780-B1F93F950791}" presName="spacer" presStyleCnt="0"/>
       <dgm:spPr/>
     </dgm:pt>
     <dgm:pt modelId="{9EB3E4DB-3074-45D3-B383-E7414B55CF71}" type="pres">
@@ -1300,33 +1288,33 @@
   </dgm:ptLst>
   <dgm:cxnLst>
     <dgm:cxn modelId="{9AA38F03-CA40-4E24-98C9-4588739A894A}" srcId="{9CD03DC3-0C26-4C0D-88D6-79C22C82241B}" destId="{9FBC9704-A21E-452F-9F2C-7B29016FB771}" srcOrd="5" destOrd="0" parTransId="{2C6BDB1B-583E-4A4F-9EB0-1655D50D4FCF}" sibTransId="{10B4308B-9D0B-414D-A305-B4930D0410EF}"/>
-    <dgm:cxn modelId="{A3206111-145F-4E9B-8649-22192405512F}" type="presOf" srcId="{5C7825A3-3830-4DA7-B176-6F3A42936A96}" destId="{AD978AE7-3919-4BB8-A958-37E1660E5064}" srcOrd="0" destOrd="0" presId="urn:microsoft.com/office/officeart/2005/8/layout/vList2"/>
-    <dgm:cxn modelId="{71A58713-A8B7-4CEE-BED8-8756F6CE09B5}" type="presOf" srcId="{8FE6F6F5-8A0C-4E3A-B13B-B2BE9C81E4E8}" destId="{3160AC76-B538-4276-81EC-9BB4C1150022}" srcOrd="0" destOrd="0" presId="urn:microsoft.com/office/officeart/2005/8/layout/vList2"/>
-    <dgm:cxn modelId="{E40AC81D-A431-48C1-BA0D-946AF346A289}" type="presOf" srcId="{9FBC9704-A21E-452F-9F2C-7B29016FB771}" destId="{CAC7833A-3512-4EB7-AB55-28E84F3D529B}" srcOrd="0" destOrd="0" presId="urn:microsoft.com/office/officeart/2005/8/layout/vList2"/>
-    <dgm:cxn modelId="{36976F24-A022-41DE-9639-F08B9A0268AB}" srcId="{9CD03DC3-0C26-4C0D-88D6-79C22C82241B}" destId="{60CA4B89-2D4A-4C05-B5F5-AC007E36A34E}" srcOrd="1" destOrd="0" parTransId="{725FCF85-9C0F-4639-BA6F-E8BEA809FF24}" sibTransId="{4C2CD587-73A7-47DD-994B-BFC870273C1D}"/>
+    <dgm:cxn modelId="{6F126B0E-2D9C-492B-A5C3-82B1D7B4DACB}" type="presOf" srcId="{5C7825A3-3830-4DA7-B176-6F3A42936A96}" destId="{AD978AE7-3919-4BB8-A958-37E1660E5064}" srcOrd="0" destOrd="0" presId="urn:microsoft.com/office/officeart/2005/8/layout/vList2"/>
+    <dgm:cxn modelId="{F29D7F21-0071-4B53-96FD-8C7E71892C98}" type="presOf" srcId="{9FBC9704-A21E-452F-9F2C-7B29016FB771}" destId="{CAC7833A-3512-4EB7-AB55-28E84F3D529B}" srcOrd="0" destOrd="0" presId="urn:microsoft.com/office/officeart/2005/8/layout/vList2"/>
+    <dgm:cxn modelId="{36976F24-A022-41DE-9639-F08B9A0268AB}" srcId="{9CD03DC3-0C26-4C0D-88D6-79C22C82241B}" destId="{60CA4B89-2D4A-4C05-B5F5-AC007E36A34E}" srcOrd="2" destOrd="0" parTransId="{725FCF85-9C0F-4639-BA6F-E8BEA809FF24}" sibTransId="{4C2CD587-73A7-47DD-994B-BFC870273C1D}"/>
     <dgm:cxn modelId="{682A195C-4892-49DF-9FDB-97C374AF62F5}" srcId="{9CD03DC3-0C26-4C0D-88D6-79C22C82241B}" destId="{D5E9335B-6DC0-4DED-80E5-6D21D1F26217}" srcOrd="4" destOrd="0" parTransId="{FAFD2009-AD76-4400-85CD-E79712340F19}" sibTransId="{DCA929AE-1738-419B-AE50-2ED8A9B79A33}"/>
-    <dgm:cxn modelId="{83F01268-1AE4-4E1F-9162-B20104DF6110}" srcId="{9CD03DC3-0C26-4C0D-88D6-79C22C82241B}" destId="{5C7825A3-3830-4DA7-B176-6F3A42936A96}" srcOrd="0" destOrd="0" parTransId="{559F5AF2-322D-48BC-A187-2CCD651A73E6}" sibTransId="{F24FFD68-EC17-4298-AD52-5E27C04C2F0C}"/>
-    <dgm:cxn modelId="{8D32AF6E-0AFF-4A0C-8E3D-29BABC110B9C}" type="presOf" srcId="{2697911E-F31A-404D-A79C-DFC343EA4EF9}" destId="{4F9AE24B-02F6-47C8-ACC9-0E223B6C1745}" srcOrd="0" destOrd="0" presId="urn:microsoft.com/office/officeart/2005/8/layout/vList2"/>
-    <dgm:cxn modelId="{24CD4054-6C60-42FE-937A-0EAD19DAF2B7}" type="presOf" srcId="{2A59B58F-F66F-493D-89AE-EFD36665DE8D}" destId="{E22AEB03-855B-47C9-A70A-A36692E921E8}" srcOrd="0" destOrd="0" presId="urn:microsoft.com/office/officeart/2005/8/layout/vList2"/>
+    <dgm:cxn modelId="{0676B663-D257-4FEB-9986-08753BE5F462}" type="presOf" srcId="{8FE6F6F5-8A0C-4E3A-B13B-B2BE9C81E4E8}" destId="{3160AC76-B538-4276-81EC-9BB4C1150022}" srcOrd="0" destOrd="0" presId="urn:microsoft.com/office/officeart/2005/8/layout/vList2"/>
+    <dgm:cxn modelId="{83F01268-1AE4-4E1F-9162-B20104DF6110}" srcId="{9CD03DC3-0C26-4C0D-88D6-79C22C82241B}" destId="{5C7825A3-3830-4DA7-B176-6F3A42936A96}" srcOrd="1" destOrd="0" parTransId="{559F5AF2-322D-48BC-A187-2CCD651A73E6}" sibTransId="{F24FFD68-EC17-4298-AD52-5E27C04C2F0C}"/>
+    <dgm:cxn modelId="{CC173C4F-C58B-43DC-9DD4-3E7E2B77E6D6}" type="presOf" srcId="{2697911E-F31A-404D-A79C-DFC343EA4EF9}" destId="{4F9AE24B-02F6-47C8-ACC9-0E223B6C1745}" srcOrd="0" destOrd="0" presId="urn:microsoft.com/office/officeart/2005/8/layout/vList2"/>
     <dgm:cxn modelId="{BFEDFA76-DE08-40D3-A813-9720D3A40613}" srcId="{9CD03DC3-0C26-4C0D-88D6-79C22C82241B}" destId="{8FE6F6F5-8A0C-4E3A-B13B-B2BE9C81E4E8}" srcOrd="6" destOrd="0" parTransId="{C6FB9988-690C-4933-964C-210E2BD0F63B}" sibTransId="{B47780EE-BC5F-4A2B-AAE6-B1F12DE59A72}"/>
+    <dgm:cxn modelId="{604F609A-84BA-4954-8081-71D8DDB28004}" type="presOf" srcId="{60CA4B89-2D4A-4C05-B5F5-AC007E36A34E}" destId="{DCF8B6F7-F033-4D55-9DA9-47372E7BD273}" srcOrd="0" destOrd="0" presId="urn:microsoft.com/office/officeart/2005/8/layout/vList2"/>
+    <dgm:cxn modelId="{2E67299C-B188-4752-B8E3-8C2908A633B2}" srcId="{9CD03DC3-0C26-4C0D-88D6-79C22C82241B}" destId="{C8A3B625-2D33-46CA-96A4-B4FCBF54A46C}" srcOrd="0" destOrd="0" parTransId="{9E83B12F-48CA-45DA-B397-B2085E90261C}" sibTransId="{628B92D8-A2C6-4D82-A606-7F4A32296A1D}"/>
     <dgm:cxn modelId="{49E391AF-917F-4719-8A28-7F3FA6CC0F08}" type="presOf" srcId="{9CD03DC3-0C26-4C0D-88D6-79C22C82241B}" destId="{4013E7A9-D588-492C-93A8-46CF453B07E3}" srcOrd="0" destOrd="0" presId="urn:microsoft.com/office/officeart/2005/8/layout/vList2"/>
-    <dgm:cxn modelId="{674FEAC0-808D-4776-AD2A-EE991BF2DEEE}" type="presOf" srcId="{60CA4B89-2D4A-4C05-B5F5-AC007E36A34E}" destId="{DCF8B6F7-F033-4D55-9DA9-47372E7BD273}" srcOrd="0" destOrd="0" presId="urn:microsoft.com/office/officeart/2005/8/layout/vList2"/>
-    <dgm:cxn modelId="{CCDB67D9-8F9C-4C61-92B1-6DE660997B42}" type="presOf" srcId="{D5E9335B-6DC0-4DED-80E5-6D21D1F26217}" destId="{9EB3E4DB-3074-45D3-B383-E7414B55CF71}" srcOrd="0" destOrd="0" presId="urn:microsoft.com/office/officeart/2005/8/layout/vList2"/>
-    <dgm:cxn modelId="{0EB825DA-ABE6-408E-941D-BC20DBF9A38F}" srcId="{9CD03DC3-0C26-4C0D-88D6-79C22C82241B}" destId="{2A59B58F-F66F-493D-89AE-EFD36665DE8D}" srcOrd="3" destOrd="0" parTransId="{99634B93-B561-4BCD-863E-9134EBDE6A10}" sibTransId="{D75D8B55-8729-47B3-8780-B1F93F950791}"/>
-    <dgm:cxn modelId="{FA2151DB-6EAD-4741-B6CD-1B600AACB8CD}" srcId="{9CD03DC3-0C26-4C0D-88D6-79C22C82241B}" destId="{2697911E-F31A-404D-A79C-DFC343EA4EF9}" srcOrd="2" destOrd="0" parTransId="{266CBC39-E2AB-4925-A51E-5F5AF8FA6C7A}" sibTransId="{16F1B38C-4E77-4B7C-B796-7C15266BA621}"/>
-    <dgm:cxn modelId="{31CF139E-3B20-4233-BB25-E281DCDD09D9}" type="presParOf" srcId="{4013E7A9-D588-492C-93A8-46CF453B07E3}" destId="{AD978AE7-3919-4BB8-A958-37E1660E5064}" srcOrd="0" destOrd="0" presId="urn:microsoft.com/office/officeart/2005/8/layout/vList2"/>
-    <dgm:cxn modelId="{5BAB2841-E118-4F2A-9615-6A557E7EA73E}" type="presParOf" srcId="{4013E7A9-D588-492C-93A8-46CF453B07E3}" destId="{FE3A5BFC-59E7-4172-9E82-A2FB46433F82}" srcOrd="1" destOrd="0" presId="urn:microsoft.com/office/officeart/2005/8/layout/vList2"/>
-    <dgm:cxn modelId="{9BCA8C3E-E4A6-4254-A5BA-54F741511AAB}" type="presParOf" srcId="{4013E7A9-D588-492C-93A8-46CF453B07E3}" destId="{DCF8B6F7-F033-4D55-9DA9-47372E7BD273}" srcOrd="2" destOrd="0" presId="urn:microsoft.com/office/officeart/2005/8/layout/vList2"/>
-    <dgm:cxn modelId="{3868D301-8235-4C8D-AD86-9CAFD6A165CC}" type="presParOf" srcId="{4013E7A9-D588-492C-93A8-46CF453B07E3}" destId="{7DF0B73A-52A4-4F4D-B917-0F6AD91D1428}" srcOrd="3" destOrd="0" presId="urn:microsoft.com/office/officeart/2005/8/layout/vList2"/>
-    <dgm:cxn modelId="{ECC3DBAE-20C2-4CE9-86AF-C57AB9B35AC0}" type="presParOf" srcId="{4013E7A9-D588-492C-93A8-46CF453B07E3}" destId="{4F9AE24B-02F6-47C8-ACC9-0E223B6C1745}" srcOrd="4" destOrd="0" presId="urn:microsoft.com/office/officeart/2005/8/layout/vList2"/>
-    <dgm:cxn modelId="{8EF0C187-4748-4842-B1AF-AD6E1618B22C}" type="presParOf" srcId="{4013E7A9-D588-492C-93A8-46CF453B07E3}" destId="{2CFE47A9-41C3-4435-B492-6A9D9DC16CB8}" srcOrd="5" destOrd="0" presId="urn:microsoft.com/office/officeart/2005/8/layout/vList2"/>
-    <dgm:cxn modelId="{67CDC7C1-C384-41A9-B349-DE595FFFA547}" type="presParOf" srcId="{4013E7A9-D588-492C-93A8-46CF453B07E3}" destId="{E22AEB03-855B-47C9-A70A-A36692E921E8}" srcOrd="6" destOrd="0" presId="urn:microsoft.com/office/officeart/2005/8/layout/vList2"/>
-    <dgm:cxn modelId="{B3A4234F-60B4-4A50-8E35-4615E8996E56}" type="presParOf" srcId="{4013E7A9-D588-492C-93A8-46CF453B07E3}" destId="{78A26B52-EEE1-4DEA-AEC2-51D14FDA155E}" srcOrd="7" destOrd="0" presId="urn:microsoft.com/office/officeart/2005/8/layout/vList2"/>
-    <dgm:cxn modelId="{A4BD5F0E-44FD-42B2-AB8B-E081E44BD42C}" type="presParOf" srcId="{4013E7A9-D588-492C-93A8-46CF453B07E3}" destId="{9EB3E4DB-3074-45D3-B383-E7414B55CF71}" srcOrd="8" destOrd="0" presId="urn:microsoft.com/office/officeart/2005/8/layout/vList2"/>
-    <dgm:cxn modelId="{85F836CD-A410-43E9-B159-629DD32901A0}" type="presParOf" srcId="{4013E7A9-D588-492C-93A8-46CF453B07E3}" destId="{2F2D2B46-71DC-41F5-920B-688BCE8ABB0F}" srcOrd="9" destOrd="0" presId="urn:microsoft.com/office/officeart/2005/8/layout/vList2"/>
-    <dgm:cxn modelId="{5BFEE484-B05F-4CEA-94CD-4D26E35102EE}" type="presParOf" srcId="{4013E7A9-D588-492C-93A8-46CF453B07E3}" destId="{CAC7833A-3512-4EB7-AB55-28E84F3D529B}" srcOrd="10" destOrd="0" presId="urn:microsoft.com/office/officeart/2005/8/layout/vList2"/>
-    <dgm:cxn modelId="{B75DDF11-F590-43E9-BA31-93B894B9C0EA}" type="presParOf" srcId="{4013E7A9-D588-492C-93A8-46CF453B07E3}" destId="{35D55C8F-6D26-4B57-A65A-E6AD398CC905}" srcOrd="11" destOrd="0" presId="urn:microsoft.com/office/officeart/2005/8/layout/vList2"/>
-    <dgm:cxn modelId="{998F75A0-0A6A-4DFC-9918-98C286954A30}" type="presParOf" srcId="{4013E7A9-D588-492C-93A8-46CF453B07E3}" destId="{3160AC76-B538-4276-81EC-9BB4C1150022}" srcOrd="12" destOrd="0" presId="urn:microsoft.com/office/officeart/2005/8/layout/vList2"/>
+    <dgm:cxn modelId="{382127D8-E690-4D41-BFAC-2007BFB68FD4}" type="presOf" srcId="{D5E9335B-6DC0-4DED-80E5-6D21D1F26217}" destId="{9EB3E4DB-3074-45D3-B383-E7414B55CF71}" srcOrd="0" destOrd="0" presId="urn:microsoft.com/office/officeart/2005/8/layout/vList2"/>
+    <dgm:cxn modelId="{FA2151DB-6EAD-4741-B6CD-1B600AACB8CD}" srcId="{9CD03DC3-0C26-4C0D-88D6-79C22C82241B}" destId="{2697911E-F31A-404D-A79C-DFC343EA4EF9}" srcOrd="3" destOrd="0" parTransId="{266CBC39-E2AB-4925-A51E-5F5AF8FA6C7A}" sibTransId="{16F1B38C-4E77-4B7C-B796-7C15266BA621}"/>
+    <dgm:cxn modelId="{E43A24F6-5CDA-4760-A508-D36BA6FA3C5C}" type="presOf" srcId="{C8A3B625-2D33-46CA-96A4-B4FCBF54A46C}" destId="{E0A9E250-D83F-4767-B3F1-B2C5E38DC3CF}" srcOrd="0" destOrd="0" presId="urn:microsoft.com/office/officeart/2005/8/layout/vList2"/>
+    <dgm:cxn modelId="{A6312651-1EC2-467B-BF49-7C81679085AC}" type="presParOf" srcId="{4013E7A9-D588-492C-93A8-46CF453B07E3}" destId="{E0A9E250-D83F-4767-B3F1-B2C5E38DC3CF}" srcOrd="0" destOrd="0" presId="urn:microsoft.com/office/officeart/2005/8/layout/vList2"/>
+    <dgm:cxn modelId="{D39FA5BD-FFF0-446E-815E-C797ED22E823}" type="presParOf" srcId="{4013E7A9-D588-492C-93A8-46CF453B07E3}" destId="{58FB0C54-392E-44E0-A4CA-FF1A48F0B74F}" srcOrd="1" destOrd="0" presId="urn:microsoft.com/office/officeart/2005/8/layout/vList2"/>
+    <dgm:cxn modelId="{A09754EE-ED36-4616-ABE8-688B57964C26}" type="presParOf" srcId="{4013E7A9-D588-492C-93A8-46CF453B07E3}" destId="{AD978AE7-3919-4BB8-A958-37E1660E5064}" srcOrd="2" destOrd="0" presId="urn:microsoft.com/office/officeart/2005/8/layout/vList2"/>
+    <dgm:cxn modelId="{2789B08A-AAF9-4012-B28F-A040FDB663A2}" type="presParOf" srcId="{4013E7A9-D588-492C-93A8-46CF453B07E3}" destId="{FE3A5BFC-59E7-4172-9E82-A2FB46433F82}" srcOrd="3" destOrd="0" presId="urn:microsoft.com/office/officeart/2005/8/layout/vList2"/>
+    <dgm:cxn modelId="{094BCBAF-EAD5-49DB-B990-3820126A56BB}" type="presParOf" srcId="{4013E7A9-D588-492C-93A8-46CF453B07E3}" destId="{DCF8B6F7-F033-4D55-9DA9-47372E7BD273}" srcOrd="4" destOrd="0" presId="urn:microsoft.com/office/officeart/2005/8/layout/vList2"/>
+    <dgm:cxn modelId="{FBFD1568-572E-4932-B482-BD84A752C214}" type="presParOf" srcId="{4013E7A9-D588-492C-93A8-46CF453B07E3}" destId="{7DF0B73A-52A4-4F4D-B917-0F6AD91D1428}" srcOrd="5" destOrd="0" presId="urn:microsoft.com/office/officeart/2005/8/layout/vList2"/>
+    <dgm:cxn modelId="{4DE65261-590A-4C0F-B45E-438CE1403D24}" type="presParOf" srcId="{4013E7A9-D588-492C-93A8-46CF453B07E3}" destId="{4F9AE24B-02F6-47C8-ACC9-0E223B6C1745}" srcOrd="6" destOrd="0" presId="urn:microsoft.com/office/officeart/2005/8/layout/vList2"/>
+    <dgm:cxn modelId="{090BBFC7-C9BA-4607-BFC3-010A300094D3}" type="presParOf" srcId="{4013E7A9-D588-492C-93A8-46CF453B07E3}" destId="{2CFE47A9-41C3-4435-B492-6A9D9DC16CB8}" srcOrd="7" destOrd="0" presId="urn:microsoft.com/office/officeart/2005/8/layout/vList2"/>
+    <dgm:cxn modelId="{BCC7504D-EF0D-4533-BC4A-1687F5FA4F8D}" type="presParOf" srcId="{4013E7A9-D588-492C-93A8-46CF453B07E3}" destId="{9EB3E4DB-3074-45D3-B383-E7414B55CF71}" srcOrd="8" destOrd="0" presId="urn:microsoft.com/office/officeart/2005/8/layout/vList2"/>
+    <dgm:cxn modelId="{A0E9F224-2F0C-4E32-A9DB-7E40DB144ADD}" type="presParOf" srcId="{4013E7A9-D588-492C-93A8-46CF453B07E3}" destId="{2F2D2B46-71DC-41F5-920B-688BCE8ABB0F}" srcOrd="9" destOrd="0" presId="urn:microsoft.com/office/officeart/2005/8/layout/vList2"/>
+    <dgm:cxn modelId="{28E4A2C4-16EE-479F-81C7-C7461E8405B9}" type="presParOf" srcId="{4013E7A9-D588-492C-93A8-46CF453B07E3}" destId="{CAC7833A-3512-4EB7-AB55-28E84F3D529B}" srcOrd="10" destOrd="0" presId="urn:microsoft.com/office/officeart/2005/8/layout/vList2"/>
+    <dgm:cxn modelId="{9A4A6DDF-4B6E-4983-8EBF-A8A68A74C8AC}" type="presParOf" srcId="{4013E7A9-D588-492C-93A8-46CF453B07E3}" destId="{35D55C8F-6D26-4B57-A65A-E6AD398CC905}" srcOrd="11" destOrd="0" presId="urn:microsoft.com/office/officeart/2005/8/layout/vList2"/>
+    <dgm:cxn modelId="{26DCBA8C-98E4-450B-A3EB-B09834FDDC83}" type="presParOf" srcId="{4013E7A9-D588-492C-93A8-46CF453B07E3}" destId="{3160AC76-B538-4276-81EC-9BB4C1150022}" srcOrd="12" destOrd="0" presId="urn:microsoft.com/office/officeart/2005/8/layout/vList2"/>
   </dgm:cxnLst>
   <dgm:bg/>
   <dgm:whole/>
@@ -1346,7 +1334,7 @@
       <dsp:cNvGrpSpPr/>
     </dsp:nvGrpSpPr>
     <dsp:grpSpPr/>
-    <dsp:sp modelId="{AD978AE7-3919-4BB8-A958-37E1660E5064}">
+    <dsp:sp modelId="{E0A9E250-D83F-4767-B3F1-B2C5E38DC3CF}">
       <dsp:nvSpPr>
         <dsp:cNvPr id="0" name=""/>
         <dsp:cNvSpPr/>
@@ -1417,9 +1405,8 @@
             <a:rPr lang="en-US" sz="2900" kern="1200" dirty="0">
               <a:latin typeface="The Serif Hand Black"/>
             </a:rPr>
-            <a:t>Fitness motivated individuals</a:t>
+            <a:t>Health care professionals</a:t>
           </a:r>
-          <a:endParaRPr lang="en-US" sz="2900" kern="1200" dirty="0"/>
         </a:p>
       </dsp:txBody>
       <dsp:txXfrm>
@@ -1427,7 +1414,7 @@
         <a:ext cx="6832602" cy="627655"/>
       </dsp:txXfrm>
     </dsp:sp>
-    <dsp:sp modelId="{DCF8B6F7-F033-4D55-9DA9-47372E7BD273}">
+    <dsp:sp modelId="{AD978AE7-3919-4BB8-A958-37E1660E5064}">
       <dsp:nvSpPr>
         <dsp:cNvPr id="0" name=""/>
         <dsp:cNvSpPr/>
@@ -1498,7 +1485,7 @@
             <a:rPr lang="en-US" sz="2900" kern="1200" dirty="0">
               <a:latin typeface="The Serif Hand Black"/>
             </a:rPr>
-            <a:t>Diabetics</a:t>
+            <a:t>Fitness motivated individuals</a:t>
           </a:r>
           <a:endParaRPr lang="en-US" sz="2900" kern="1200" dirty="0"/>
         </a:p>
@@ -1508,7 +1495,7 @@
         <a:ext cx="6832602" cy="627655"/>
       </dsp:txXfrm>
     </dsp:sp>
-    <dsp:sp modelId="{4F9AE24B-02F6-47C8-ACC9-0E223B6C1745}">
+    <dsp:sp modelId="{DCF8B6F7-F033-4D55-9DA9-47372E7BD273}">
       <dsp:nvSpPr>
         <dsp:cNvPr id="0" name=""/>
         <dsp:cNvSpPr/>
@@ -1563,7 +1550,7 @@
         </a:bodyPr>
         <a:lstStyle/>
         <a:p>
-          <a:pPr marL="0" lvl="0" indent="0" algn="l" defTabSz="1289050" rtl="0">
+          <a:pPr marL="0" lvl="0" indent="0" algn="l" defTabSz="1289050">
             <a:lnSpc>
               <a:spcPct val="90000"/>
             </a:lnSpc>
@@ -1579,7 +1566,7 @@
             <a:rPr lang="en-US" sz="2900" kern="1200" dirty="0">
               <a:latin typeface="The Serif Hand Black"/>
             </a:rPr>
-            <a:t>Individuals with genetic disorders</a:t>
+            <a:t>Diabetics</a:t>
           </a:r>
           <a:endParaRPr lang="en-US" sz="2900" kern="1200" dirty="0"/>
         </a:p>
@@ -1589,7 +1576,7 @@
         <a:ext cx="6832602" cy="627655"/>
       </dsp:txXfrm>
     </dsp:sp>
-    <dsp:sp modelId="{E22AEB03-855B-47C9-A70A-A36692E921E8}">
+    <dsp:sp modelId="{4F9AE24B-02F6-47C8-ACC9-0E223B6C1745}">
       <dsp:nvSpPr>
         <dsp:cNvPr id="0" name=""/>
         <dsp:cNvSpPr/>
@@ -1660,7 +1647,7 @@
             <a:rPr lang="en-US" sz="2900" kern="1200" dirty="0">
               <a:latin typeface="The Serif Hand Black"/>
             </a:rPr>
-            <a:t>Expectant mothers</a:t>
+            <a:t>Individuals with genetic disorders</a:t>
           </a:r>
           <a:endParaRPr lang="en-US" sz="2900" kern="1200" dirty="0"/>
         </a:p>
@@ -3209,7 +3196,7 @@
           <a:p>
             <a:fld id="{544D676F-4DB5-46B8-8F00-05DB67D5471C}" type="datetimeFigureOut">
               <a:rPr lang="en-US" smtClean="0"/>
-              <a:t>11/25/2020</a:t>
+              <a:t>11/27/2020</a:t>
             </a:fld>
             <a:endParaRPr lang="en-US" dirty="0"/>
           </a:p>
@@ -3386,7 +3373,7 @@
           <a:p>
             <a:fld id="{887BE5AB-3192-4552-A220-BA06EA9D867F}" type="datetimeFigureOut">
               <a:rPr lang="en-US" smtClean="0"/>
-              <a:t>11/25/2020</a:t>
+              <a:t>11/27/2020</a:t>
             </a:fld>
             <a:endParaRPr lang="en-US" dirty="0"/>
           </a:p>
@@ -22628,6 +22615,576 @@
 <file path=ppt/slides/slide10.xml><?xml version="1.0" encoding="utf-8"?>
 <p:sld xmlns:a="http://schemas.openxmlformats.org/drawingml/2006/main" xmlns:r="http://schemas.openxmlformats.org/officeDocument/2006/relationships" xmlns:p="http://schemas.openxmlformats.org/presentationml/2006/main">
   <p:cSld>
+    <p:bg>
+      <p:bgPr>
+        <a:solidFill>
+          <a:schemeClr val="bg1"/>
+        </a:solidFill>
+        <a:effectLst/>
+      </p:bgPr>
+    </p:bg>
+    <p:spTree>
+      <p:nvGrpSpPr>
+        <p:cNvPr id="1" name=""/>
+        <p:cNvGrpSpPr/>
+        <p:nvPr/>
+      </p:nvGrpSpPr>
+      <p:grpSpPr>
+        <a:xfrm>
+          <a:off x="0" y="0"/>
+          <a:ext cx="0" cy="0"/>
+          <a:chOff x="0" y="0"/>
+          <a:chExt cx="0" cy="0"/>
+        </a:xfrm>
+      </p:grpSpPr>
+      <p:sp>
+        <p:nvSpPr>
+          <p:cNvPr id="32" name="Rectangle 6">
+            <a:extLst>
+              <a:ext uri="{FF2B5EF4-FFF2-40B4-BE49-F238E27FC236}">
+                <a16:creationId xmlns:a16="http://schemas.microsoft.com/office/drawing/2014/main" id="{DA381740-063A-41A4-836D-85D14980EEF0}"/>
+              </a:ext>
+              <a:ext uri="{C183D7F6-B498-43B3-948B-1728B52AA6E4}">
+                <adec:decorative xmlns:adec="http://schemas.microsoft.com/office/drawing/2017/decorative" val="1"/>
+              </a:ext>
+            </a:extLst>
+          </p:cNvPr>
+          <p:cNvSpPr>
+            <a:spLocks noGrp="1" noRot="1" noChangeAspect="1" noMove="1" noResize="1" noEditPoints="1" noAdjustHandles="1" noChangeArrowheads="1" noChangeShapeType="1" noTextEdit="1"/>
+          </p:cNvSpPr>
+          <p:nvPr>
+            <p:extLst>
+              <p:ext uri="{386F3935-93C4-4BCD-93E2-E3B085C9AB24}">
+                <p16:designElem xmlns:p16="http://schemas.microsoft.com/office/powerpoint/2015/main" val="1"/>
+              </p:ext>
+            </p:extLst>
+          </p:nvPr>
+        </p:nvSpPr>
+        <p:spPr>
+          <a:xfrm>
+            <a:off x="838200" y="4736883"/>
+            <a:ext cx="4243589" cy="27432"/>
+          </a:xfrm>
+          <a:custGeom>
+            <a:avLst/>
+            <a:gdLst>
+              <a:gd name="connsiteX0" fmla="*/ 0 w 4243589"/>
+              <a:gd name="connsiteY0" fmla="*/ 0 h 27432"/>
+              <a:gd name="connsiteX1" fmla="*/ 563791 w 4243589"/>
+              <a:gd name="connsiteY1" fmla="*/ 0 h 27432"/>
+              <a:gd name="connsiteX2" fmla="*/ 1042710 w 4243589"/>
+              <a:gd name="connsiteY2" fmla="*/ 0 h 27432"/>
+              <a:gd name="connsiteX3" fmla="*/ 1564066 w 4243589"/>
+              <a:gd name="connsiteY3" fmla="*/ 0 h 27432"/>
+              <a:gd name="connsiteX4" fmla="*/ 2212729 w 4243589"/>
+              <a:gd name="connsiteY4" fmla="*/ 0 h 27432"/>
+              <a:gd name="connsiteX5" fmla="*/ 2776520 w 4243589"/>
+              <a:gd name="connsiteY5" fmla="*/ 0 h 27432"/>
+              <a:gd name="connsiteX6" fmla="*/ 3297875 w 4243589"/>
+              <a:gd name="connsiteY6" fmla="*/ 0 h 27432"/>
+              <a:gd name="connsiteX7" fmla="*/ 4243589 w 4243589"/>
+              <a:gd name="connsiteY7" fmla="*/ 0 h 27432"/>
+              <a:gd name="connsiteX8" fmla="*/ 4243589 w 4243589"/>
+              <a:gd name="connsiteY8" fmla="*/ 27432 h 27432"/>
+              <a:gd name="connsiteX9" fmla="*/ 3637362 w 4243589"/>
+              <a:gd name="connsiteY9" fmla="*/ 27432 h 27432"/>
+              <a:gd name="connsiteX10" fmla="*/ 3116007 w 4243589"/>
+              <a:gd name="connsiteY10" fmla="*/ 27432 h 27432"/>
+              <a:gd name="connsiteX11" fmla="*/ 2424908 w 4243589"/>
+              <a:gd name="connsiteY11" fmla="*/ 27432 h 27432"/>
+              <a:gd name="connsiteX12" fmla="*/ 1861117 w 4243589"/>
+              <a:gd name="connsiteY12" fmla="*/ 27432 h 27432"/>
+              <a:gd name="connsiteX13" fmla="*/ 1382198 w 4243589"/>
+              <a:gd name="connsiteY13" fmla="*/ 27432 h 27432"/>
+              <a:gd name="connsiteX14" fmla="*/ 733535 w 4243589"/>
+              <a:gd name="connsiteY14" fmla="*/ 27432 h 27432"/>
+              <a:gd name="connsiteX15" fmla="*/ 0 w 4243589"/>
+              <a:gd name="connsiteY15" fmla="*/ 27432 h 27432"/>
+              <a:gd name="connsiteX16" fmla="*/ 0 w 4243589"/>
+              <a:gd name="connsiteY16" fmla="*/ 0 h 27432"/>
+            </a:gdLst>
+            <a:ahLst/>
+            <a:cxnLst>
+              <a:cxn ang="0">
+                <a:pos x="connsiteX0" y="connsiteY0"/>
+              </a:cxn>
+              <a:cxn ang="0">
+                <a:pos x="connsiteX1" y="connsiteY1"/>
+              </a:cxn>
+              <a:cxn ang="0">
+                <a:pos x="connsiteX2" y="connsiteY2"/>
+              </a:cxn>
+              <a:cxn ang="0">
+                <a:pos x="connsiteX3" y="connsiteY3"/>
+              </a:cxn>
+              <a:cxn ang="0">
+                <a:pos x="connsiteX4" y="connsiteY4"/>
+              </a:cxn>
+              <a:cxn ang="0">
+                <a:pos x="connsiteX5" y="connsiteY5"/>
+              </a:cxn>
+              <a:cxn ang="0">
+                <a:pos x="connsiteX6" y="connsiteY6"/>
+              </a:cxn>
+              <a:cxn ang="0">
+                <a:pos x="connsiteX7" y="connsiteY7"/>
+              </a:cxn>
+              <a:cxn ang="0">
+                <a:pos x="connsiteX8" y="connsiteY8"/>
+              </a:cxn>
+              <a:cxn ang="0">
+                <a:pos x="connsiteX9" y="connsiteY9"/>
+              </a:cxn>
+              <a:cxn ang="0">
+                <a:pos x="connsiteX10" y="connsiteY10"/>
+              </a:cxn>
+              <a:cxn ang="0">
+                <a:pos x="connsiteX11" y="connsiteY11"/>
+              </a:cxn>
+              <a:cxn ang="0">
+                <a:pos x="connsiteX12" y="connsiteY12"/>
+              </a:cxn>
+              <a:cxn ang="0">
+                <a:pos x="connsiteX13" y="connsiteY13"/>
+              </a:cxn>
+              <a:cxn ang="0">
+                <a:pos x="connsiteX14" y="connsiteY14"/>
+              </a:cxn>
+              <a:cxn ang="0">
+                <a:pos x="connsiteX15" y="connsiteY15"/>
+              </a:cxn>
+              <a:cxn ang="0">
+                <a:pos x="connsiteX16" y="connsiteY16"/>
+              </a:cxn>
+            </a:cxnLst>
+            <a:rect l="l" t="t" r="r" b="b"/>
+            <a:pathLst>
+              <a:path w="4243589" h="27432" fill="none" extrusionOk="0">
+                <a:moveTo>
+                  <a:pt x="0" y="0"/>
+                </a:moveTo>
+                <a:cubicBezTo>
+                  <a:pt x="157351" y="-15653"/>
+                  <a:pt x="378877" y="-5828"/>
+                  <a:pt x="563791" y="0"/>
+                </a:cubicBezTo>
+                <a:cubicBezTo>
+                  <a:pt x="748705" y="5828"/>
+                  <a:pt x="905659" y="-5525"/>
+                  <a:pt x="1042710" y="0"/>
+                </a:cubicBezTo>
+                <a:cubicBezTo>
+                  <a:pt x="1179761" y="5525"/>
+                  <a:pt x="1356845" y="-21288"/>
+                  <a:pt x="1564066" y="0"/>
+                </a:cubicBezTo>
+                <a:cubicBezTo>
+                  <a:pt x="1771287" y="21288"/>
+                  <a:pt x="1912099" y="25135"/>
+                  <a:pt x="2212729" y="0"/>
+                </a:cubicBezTo>
+                <a:cubicBezTo>
+                  <a:pt x="2513359" y="-25135"/>
+                  <a:pt x="2514918" y="-27119"/>
+                  <a:pt x="2776520" y="0"/>
+                </a:cubicBezTo>
+                <a:cubicBezTo>
+                  <a:pt x="3038122" y="27119"/>
+                  <a:pt x="3178771" y="18116"/>
+                  <a:pt x="3297875" y="0"/>
+                </a:cubicBezTo>
+                <a:cubicBezTo>
+                  <a:pt x="3416980" y="-18116"/>
+                  <a:pt x="4012240" y="-40869"/>
+                  <a:pt x="4243589" y="0"/>
+                </a:cubicBezTo>
+                <a:cubicBezTo>
+                  <a:pt x="4242616" y="8304"/>
+                  <a:pt x="4243111" y="21512"/>
+                  <a:pt x="4243589" y="27432"/>
+                </a:cubicBezTo>
+                <a:cubicBezTo>
+                  <a:pt x="4112949" y="6289"/>
+                  <a:pt x="3928037" y="10975"/>
+                  <a:pt x="3637362" y="27432"/>
+                </a:cubicBezTo>
+                <a:cubicBezTo>
+                  <a:pt x="3346687" y="43889"/>
+                  <a:pt x="3254446" y="35813"/>
+                  <a:pt x="3116007" y="27432"/>
+                </a:cubicBezTo>
+                <a:cubicBezTo>
+                  <a:pt x="2977569" y="19051"/>
+                  <a:pt x="2620228" y="38017"/>
+                  <a:pt x="2424908" y="27432"/>
+                </a:cubicBezTo>
+                <a:cubicBezTo>
+                  <a:pt x="2229588" y="16847"/>
+                  <a:pt x="2088287" y="5290"/>
+                  <a:pt x="1861117" y="27432"/>
+                </a:cubicBezTo>
+                <a:cubicBezTo>
+                  <a:pt x="1633947" y="49574"/>
+                  <a:pt x="1502447" y="8273"/>
+                  <a:pt x="1382198" y="27432"/>
+                </a:cubicBezTo>
+                <a:cubicBezTo>
+                  <a:pt x="1261949" y="46591"/>
+                  <a:pt x="1045440" y="37497"/>
+                  <a:pt x="733535" y="27432"/>
+                </a:cubicBezTo>
+                <a:cubicBezTo>
+                  <a:pt x="421630" y="17367"/>
+                  <a:pt x="341257" y="-9215"/>
+                  <a:pt x="0" y="27432"/>
+                </a:cubicBezTo>
+                <a:cubicBezTo>
+                  <a:pt x="-1048" y="14992"/>
+                  <a:pt x="-1120" y="7447"/>
+                  <a:pt x="0" y="0"/>
+                </a:cubicBezTo>
+                <a:close/>
+              </a:path>
+              <a:path w="4243589" h="27432" stroke="0" extrusionOk="0">
+                <a:moveTo>
+                  <a:pt x="0" y="0"/>
+                </a:moveTo>
+                <a:cubicBezTo>
+                  <a:pt x="128164" y="17204"/>
+                  <a:pt x="312653" y="1129"/>
+                  <a:pt x="563791" y="0"/>
+                </a:cubicBezTo>
+                <a:cubicBezTo>
+                  <a:pt x="814929" y="-1129"/>
+                  <a:pt x="837271" y="8503"/>
+                  <a:pt x="1042710" y="0"/>
+                </a:cubicBezTo>
+                <a:cubicBezTo>
+                  <a:pt x="1248149" y="-8503"/>
+                  <a:pt x="1588432" y="-28862"/>
+                  <a:pt x="1733809" y="0"/>
+                </a:cubicBezTo>
+                <a:cubicBezTo>
+                  <a:pt x="1879186" y="28862"/>
+                  <a:pt x="2052815" y="5974"/>
+                  <a:pt x="2297600" y="0"/>
+                </a:cubicBezTo>
+                <a:cubicBezTo>
+                  <a:pt x="2542385" y="-5974"/>
+                  <a:pt x="2699960" y="-23550"/>
+                  <a:pt x="2861391" y="0"/>
+                </a:cubicBezTo>
+                <a:cubicBezTo>
+                  <a:pt x="3022822" y="23550"/>
+                  <a:pt x="3390411" y="25272"/>
+                  <a:pt x="3552490" y="0"/>
+                </a:cubicBezTo>
+                <a:cubicBezTo>
+                  <a:pt x="3714569" y="-25272"/>
+                  <a:pt x="3950585" y="-31327"/>
+                  <a:pt x="4243589" y="0"/>
+                </a:cubicBezTo>
+                <a:cubicBezTo>
+                  <a:pt x="4244074" y="9333"/>
+                  <a:pt x="4244867" y="19699"/>
+                  <a:pt x="4243589" y="27432"/>
+                </a:cubicBezTo>
+                <a:cubicBezTo>
+                  <a:pt x="4130424" y="7904"/>
+                  <a:pt x="3932803" y="51393"/>
+                  <a:pt x="3722234" y="27432"/>
+                </a:cubicBezTo>
+                <a:cubicBezTo>
+                  <a:pt x="3511665" y="3471"/>
+                  <a:pt x="3269903" y="55138"/>
+                  <a:pt x="3116007" y="27432"/>
+                </a:cubicBezTo>
+                <a:cubicBezTo>
+                  <a:pt x="2962111" y="-274"/>
+                  <a:pt x="2744280" y="32368"/>
+                  <a:pt x="2509780" y="27432"/>
+                </a:cubicBezTo>
+                <a:cubicBezTo>
+                  <a:pt x="2275280" y="22496"/>
+                  <a:pt x="2066059" y="52808"/>
+                  <a:pt x="1945989" y="27432"/>
+                </a:cubicBezTo>
+                <a:cubicBezTo>
+                  <a:pt x="1825919" y="2056"/>
+                  <a:pt x="1407329" y="21760"/>
+                  <a:pt x="1254890" y="27432"/>
+                </a:cubicBezTo>
+                <a:cubicBezTo>
+                  <a:pt x="1102451" y="33104"/>
+                  <a:pt x="837950" y="40817"/>
+                  <a:pt x="563791" y="27432"/>
+                </a:cubicBezTo>
+                <a:cubicBezTo>
+                  <a:pt x="289632" y="14047"/>
+                  <a:pt x="132768" y="16249"/>
+                  <a:pt x="0" y="27432"/>
+                </a:cubicBezTo>
+                <a:cubicBezTo>
+                  <a:pt x="211" y="18145"/>
+                  <a:pt x="120" y="6480"/>
+                  <a:pt x="0" y="0"/>
+                </a:cubicBezTo>
+                <a:close/>
+              </a:path>
+            </a:pathLst>
+          </a:custGeom>
+          <a:solidFill>
+            <a:schemeClr val="tx1"/>
+          </a:solidFill>
+          <a:ln w="38100" cap="rnd">
+            <a:solidFill>
+              <a:schemeClr val="tx1"/>
+            </a:solidFill>
+            <a:round/>
+            <a:extLst>
+              <a:ext uri="{C807C97D-BFC1-408E-A445-0C87EB9F89A2}">
+                <ask:lineSketchStyleProps xmlns:ask="http://schemas.microsoft.com/office/drawing/2018/sketchyshapes" sd="1219033472">
+                  <a:prstGeom prst="rect">
+                    <a:avLst/>
+                  </a:prstGeom>
+                  <ask:type>
+                    <ask:lineSketchFreehand/>
+                  </ask:type>
+                </ask:lineSketchStyleProps>
+              </a:ext>
+            </a:extLst>
+          </a:ln>
+        </p:spPr>
+        <p:style>
+          <a:lnRef idx="2">
+            <a:schemeClr val="accent1">
+              <a:shade val="50000"/>
+            </a:schemeClr>
+          </a:lnRef>
+          <a:fillRef idx="1">
+            <a:schemeClr val="accent1"/>
+          </a:fillRef>
+          <a:effectRef idx="0">
+            <a:schemeClr val="accent1"/>
+          </a:effectRef>
+          <a:fontRef idx="minor">
+            <a:schemeClr val="lt1"/>
+          </a:fontRef>
+        </p:style>
+        <p:txBody>
+          <a:bodyPr rtlCol="0" anchor="ctr"/>
+          <a:lstStyle/>
+          <a:p>
+            <a:pPr algn="ctr"/>
+            <a:endParaRPr lang="en-US">
+              <a:solidFill>
+                <a:schemeClr val="tx1"/>
+              </a:solidFill>
+            </a:endParaRPr>
+          </a:p>
+        </p:txBody>
+      </p:sp>
+      <p:sp useBgFill="1">
+        <p:nvSpPr>
+          <p:cNvPr id="34" name="Rectangle 33">
+            <a:extLst>
+              <a:ext uri="{FF2B5EF4-FFF2-40B4-BE49-F238E27FC236}">
+                <a16:creationId xmlns:a16="http://schemas.microsoft.com/office/drawing/2014/main" id="{BCED4D40-4B67-4331-AC48-79B82B4A47D8}"/>
+              </a:ext>
+              <a:ext uri="{C183D7F6-B498-43B3-948B-1728B52AA6E4}">
+                <adec:decorative xmlns:adec="http://schemas.microsoft.com/office/drawing/2017/decorative" val="1"/>
+              </a:ext>
+            </a:extLst>
+          </p:cNvPr>
+          <p:cNvSpPr>
+            <a:spLocks noGrp="1" noRot="1" noChangeAspect="1" noMove="1" noResize="1" noEditPoints="1" noAdjustHandles="1" noChangeArrowheads="1" noChangeShapeType="1" noTextEdit="1"/>
+          </p:cNvSpPr>
+          <p:nvPr>
+            <p:extLst>
+              <p:ext uri="{386F3935-93C4-4BCD-93E2-E3B085C9AB24}">
+                <p16:designElem xmlns:p16="http://schemas.microsoft.com/office/powerpoint/2015/main" val="1"/>
+              </p:ext>
+            </p:extLst>
+          </p:nvPr>
+        </p:nvSpPr>
+        <p:spPr>
+          <a:xfrm>
+            <a:off x="0" y="0"/>
+            <a:ext cx="12192000" cy="6858000"/>
+          </a:xfrm>
+          <a:prstGeom prst="rect">
+            <a:avLst/>
+          </a:prstGeom>
+          <a:ln>
+            <a:noFill/>
+          </a:ln>
+        </p:spPr>
+        <p:style>
+          <a:lnRef idx="2">
+            <a:schemeClr val="accent1">
+              <a:shade val="50000"/>
+            </a:schemeClr>
+          </a:lnRef>
+          <a:fillRef idx="1">
+            <a:schemeClr val="accent1"/>
+          </a:fillRef>
+          <a:effectRef idx="0">
+            <a:schemeClr val="accent1"/>
+          </a:effectRef>
+          <a:fontRef idx="minor">
+            <a:schemeClr val="lt1"/>
+          </a:fontRef>
+        </p:style>
+        <p:txBody>
+          <a:bodyPr rtlCol="0" anchor="ctr"/>
+          <a:lstStyle/>
+          <a:p>
+            <a:pPr algn="ctr"/>
+            <a:endParaRPr lang="en-US"/>
+          </a:p>
+        </p:txBody>
+      </p:sp>
+      <p:sp>
+        <p:nvSpPr>
+          <p:cNvPr id="4" name="Title 3">
+            <a:extLst>
+              <a:ext uri="{FF2B5EF4-FFF2-40B4-BE49-F238E27FC236}">
+                <a16:creationId xmlns:a16="http://schemas.microsoft.com/office/drawing/2014/main" id="{858C0DDC-D116-43DA-B0B5-A6A82668AD5D}"/>
+              </a:ext>
+            </a:extLst>
+          </p:cNvPr>
+          <p:cNvSpPr>
+            <a:spLocks noGrp="1"/>
+          </p:cNvSpPr>
+          <p:nvPr>
+            <p:ph type="title"/>
+          </p:nvPr>
+        </p:nvSpPr>
+        <p:spPr>
+          <a:xfrm>
+            <a:off x="638881" y="323255"/>
+            <a:ext cx="10909640" cy="904970"/>
+          </a:xfrm>
+        </p:spPr>
+        <p:txBody>
+          <a:bodyPr vert="horz" lIns="91440" tIns="45720" rIns="91440" bIns="45720" rtlCol="0" anchor="ctr">
+            <a:normAutofit/>
+          </a:bodyPr>
+          <a:lstStyle/>
+          <a:p>
+            <a:pPr algn="ctr">
+              <a:lnSpc>
+                <a:spcPct val="90000"/>
+              </a:lnSpc>
+            </a:pPr>
+            <a:r>
+              <a:rPr lang="en-US" sz="5600" dirty="0">
+                <a:solidFill>
+                  <a:schemeClr val="accent4"/>
+                </a:solidFill>
+              </a:rPr>
+              <a:t>User Use Case Diagram</a:t>
+            </a:r>
+          </a:p>
+        </p:txBody>
+      </p:sp>
+      <p:sp>
+        <p:nvSpPr>
+          <p:cNvPr id="6" name="Slide Number Placeholder 5">
+            <a:extLst>
+              <a:ext uri="{FF2B5EF4-FFF2-40B4-BE49-F238E27FC236}">
+                <a16:creationId xmlns:a16="http://schemas.microsoft.com/office/drawing/2014/main" id="{D9E1B180-F4BB-46B9-937E-3469FC6819B6}"/>
+              </a:ext>
+            </a:extLst>
+          </p:cNvPr>
+          <p:cNvSpPr>
+            <a:spLocks noGrp="1"/>
+          </p:cNvSpPr>
+          <p:nvPr>
+            <p:ph type="sldNum" sz="quarter" idx="12"/>
+          </p:nvPr>
+        </p:nvSpPr>
+        <p:spPr>
+          <a:xfrm>
+            <a:off x="8610600" y="136525"/>
+            <a:ext cx="2743200" cy="365125"/>
+          </a:xfrm>
+        </p:spPr>
+        <p:txBody>
+          <a:bodyPr vert="horz" lIns="91440" tIns="45720" rIns="91440" bIns="45720" rtlCol="0" anchor="ctr">
+            <a:normAutofit/>
+          </a:bodyPr>
+          <a:lstStyle/>
+          <a:p>
+            <a:pPr>
+              <a:spcAft>
+                <a:spcPts val="600"/>
+              </a:spcAft>
+            </a:pPr>
+            <a:fld id="{2C18C1E5-FB55-42F5-BD6D-9CC153FCDBE6}" type="slidenum">
+              <a:rPr lang="en-US"/>
+              <a:pPr>
+                <a:spcAft>
+                  <a:spcPts val="600"/>
+                </a:spcAft>
+              </a:pPr>
+              <a:t>10</a:t>
+            </a:fld>
+            <a:endParaRPr lang="en-US"/>
+          </a:p>
+        </p:txBody>
+      </p:sp>
+      <p:pic>
+        <p:nvPicPr>
+          <p:cNvPr id="2" name="Picture 2" descr="Diagram&#10;&#10;Description automatically generated">
+            <a:extLst>
+              <a:ext uri="{FF2B5EF4-FFF2-40B4-BE49-F238E27FC236}">
+                <a16:creationId xmlns:a16="http://schemas.microsoft.com/office/drawing/2014/main" id="{61193F8D-D36F-4C3E-BC4D-5742C76E6602}"/>
+              </a:ext>
+            </a:extLst>
+          </p:cNvPr>
+          <p:cNvPicPr>
+            <a:picLocks noChangeAspect="1"/>
+          </p:cNvPicPr>
+          <p:nvPr/>
+        </p:nvPicPr>
+        <p:blipFill>
+          <a:blip r:embed="rId2"/>
+          <a:stretch>
+            <a:fillRect/>
+          </a:stretch>
+        </p:blipFill>
+        <p:spPr>
+          <a:xfrm>
+            <a:off x="229891" y="1576844"/>
+            <a:ext cx="11732216" cy="5060412"/>
+          </a:xfrm>
+          <a:prstGeom prst="rect">
+            <a:avLst/>
+          </a:prstGeom>
+          <a:ln w="57150">
+            <a:solidFill>
+              <a:schemeClr val="tx1"/>
+            </a:solidFill>
+          </a:ln>
+        </p:spPr>
+      </p:pic>
+    </p:spTree>
+    <p:extLst>
+      <p:ext uri="{BB962C8B-B14F-4D97-AF65-F5344CB8AC3E}">
+        <p14:creationId xmlns:p14="http://schemas.microsoft.com/office/powerpoint/2010/main" val="700553062"/>
+      </p:ext>
+    </p:extLst>
+  </p:cSld>
+  <p:clrMapOvr>
+    <a:masterClrMapping/>
+  </p:clrMapOvr>
+</p:sld>
+</file>
+
+<file path=ppt/slides/slide11.xml><?xml version="1.0" encoding="utf-8"?>
+<p:sld xmlns:a="http://schemas.openxmlformats.org/drawingml/2006/main" xmlns:r="http://schemas.openxmlformats.org/officeDocument/2006/relationships" xmlns:p="http://schemas.openxmlformats.org/presentationml/2006/main" show="0">
+  <p:cSld>
     <p:spTree>
       <p:nvGrpSpPr>
         <p:cNvPr id="1" name=""/>
@@ -22908,7 +23465,7 @@
             <a:fld id="{2C18C1E5-FB55-42F5-BD6D-9CC153FCDBE6}" type="slidenum">
               <a:rPr lang="en-US" smtClean="0"/>
               <a:pPr/>
-              <a:t>10</a:t>
+              <a:t>11</a:t>
             </a:fld>
             <a:endParaRPr lang="en-US" dirty="0"/>
           </a:p>
@@ -22928,7 +23485,7 @@
 </file>
 
 <file path=ppt/slides/slide2.xml><?xml version="1.0" encoding="utf-8"?>
-<p:sld xmlns:a="http://schemas.openxmlformats.org/drawingml/2006/main" xmlns:r="http://schemas.openxmlformats.org/officeDocument/2006/relationships" xmlns:p="http://schemas.openxmlformats.org/presentationml/2006/main">
+<p:sld xmlns:a="http://schemas.openxmlformats.org/drawingml/2006/main" xmlns:r="http://schemas.openxmlformats.org/officeDocument/2006/relationships" xmlns:p="http://schemas.openxmlformats.org/presentationml/2006/main" show="0">
   <p:cSld>
     <p:spTree>
       <p:nvGrpSpPr>
@@ -23309,7 +23866,12 @@
             <p:ph type="body" idx="1"/>
           </p:nvPr>
         </p:nvSpPr>
-        <p:spPr/>
+        <p:spPr>
+          <a:xfrm>
+            <a:off x="839788" y="2204066"/>
+            <a:ext cx="5157787" cy="823912"/>
+          </a:xfrm>
+        </p:spPr>
         <p:txBody>
           <a:bodyPr/>
           <a:lstStyle/>
@@ -23337,10 +23899,15 @@
             <p:ph sz="half" idx="2"/>
           </p:nvPr>
         </p:nvSpPr>
-        <p:spPr/>
+        <p:spPr>
+          <a:xfrm>
+            <a:off x="839788" y="3023740"/>
+            <a:ext cx="5157787" cy="2572645"/>
+          </a:xfrm>
+        </p:spPr>
         <p:txBody>
           <a:bodyPr vert="horz" lIns="91440" tIns="45720" rIns="91440" bIns="45720" rtlCol="0" anchor="t">
-            <a:normAutofit/>
+            <a:noAutofit/>
           </a:bodyPr>
           <a:lstStyle/>
           <a:p>
@@ -23348,13 +23915,27 @@
               <a:buNone/>
             </a:pPr>
             <a:r>
-              <a:rPr lang="en-US" dirty="0">
+              <a:rPr lang="en-US" sz="1800" dirty="0">
                 <a:ea typeface="+mn-lt"/>
                 <a:cs typeface="+mn-lt"/>
               </a:rPr>
-              <a:t>Person who would purchase device and upload personal data to be monitored and measured to be used for self-improvement and medical treatments. User can create account to assess own data. Client would need to own a smart watch for measuring vitals and recording physical data</a:t>
+              <a:t>Client – Upon purchasing a wearable device (</a:t>
             </a:r>
-            <a:endParaRPr lang="en-US"/>
+            <a:r>
+              <a:rPr lang="en-US" sz="1800" dirty="0" err="1">
+                <a:ea typeface="+mn-lt"/>
+                <a:cs typeface="+mn-lt"/>
+              </a:rPr>
+              <a:t>eg.smart</a:t>
+            </a:r>
+            <a:r>
+              <a:rPr lang="en-US" sz="1800" dirty="0">
+                <a:ea typeface="+mn-lt"/>
+                <a:cs typeface="+mn-lt"/>
+              </a:rPr>
+              <a:t> watch) user will upload personal data to be monitored and measured for self-improvement, health monitoring and medical analysis. User will be identified through a unique identification number and password to create account and assess own data. The wearable device will measure vitals and record physical data. There will be different options for users to subscribe to. High risk individuals such as diabetics or those with genetic disorders will be able to have their data closely monitored by their health care provider and have automatic alerts if vitals reports are concerning. In the event of a medical emergency, a health care professional will be able to access data off of the users device such as vitals, medical history, medications, allergies and blood type. Those wishing to have guidance for self improvement will subscribe to coaches for fitness and nutrition. Through that they will submit reports to have analyzed then receive feedback and modifications from their coaches. </a:t>
+            </a:r>
+            <a:endParaRPr lang="en-US" sz="1800" dirty="0"/>
           </a:p>
           <a:p>
             <a:pPr lvl="0"/>
@@ -23381,7 +23962,12 @@
             <p:ph type="body" sz="quarter" idx="3"/>
           </p:nvPr>
         </p:nvSpPr>
-        <p:spPr/>
+        <p:spPr>
+          <a:xfrm>
+            <a:off x="6133454" y="2204066"/>
+            <a:ext cx="5183188" cy="823912"/>
+          </a:xfrm>
+        </p:spPr>
         <p:txBody>
           <a:bodyPr/>
           <a:lstStyle/>
@@ -23409,10 +23995,15 @@
             <p:ph sz="quarter" idx="4"/>
           </p:nvPr>
         </p:nvSpPr>
-        <p:spPr/>
+        <p:spPr>
+          <a:xfrm>
+            <a:off x="6172200" y="3023740"/>
+            <a:ext cx="5183188" cy="2572645"/>
+          </a:xfrm>
+        </p:spPr>
         <p:txBody>
           <a:bodyPr vert="horz" lIns="91440" tIns="45720" rIns="91440" bIns="45720" rtlCol="0" anchor="t">
-            <a:normAutofit/>
+            <a:noAutofit/>
           </a:bodyPr>
           <a:lstStyle/>
           <a:p>
@@ -23420,13 +24011,13 @@
               <a:buNone/>
             </a:pPr>
             <a:r>
-              <a:rPr lang="en-US" dirty="0">
+              <a:rPr lang="en-US" sz="1800" dirty="0">
                 <a:ea typeface="+mn-lt"/>
                 <a:cs typeface="+mn-lt"/>
               </a:rPr>
-              <a:t>Website and app connected personal device. Device will measure physical data and store it with the client’s profile accessible through a website. User friendly interface for client to upload and monitor data. Interface for healthcare professionals to connect to in the evet of urgent medical care. It is required to keep medical information and personal information separate.</a:t>
+              <a:t>System – Website and app connected to user's wearable device. Device will measure physical data and store it with the client’s profile accessible through a website. User friendly interface for client to upload and monitor data. Interface for healthcare professionals to connect to in the event of urgent medical care. Available connection for fitness and nutrition coaches to check progress and submit changes to recommendations. System will notify health care professionals of changes that may be concerning. Alerts will be issued to user if blood sugars or heart rates are at dangerous levels. It is required to keep medical information and personal information separate.</a:t>
             </a:r>
-            <a:endParaRPr lang="en-US" dirty="0"/>
+            <a:endParaRPr lang="en-US" sz="1800" dirty="0"/>
           </a:p>
         </p:txBody>
       </p:sp>
@@ -24231,53 +24822,6 @@
           <a:p>
             <a:pPr algn="ctr"/>
             <a:endParaRPr lang="en-US"/>
-          </a:p>
-        </p:txBody>
-      </p:sp>
-      <p:sp>
-        <p:nvSpPr>
-          <p:cNvPr id="5" name="Footer Placeholder 4">
-            <a:extLst>
-              <a:ext uri="{FF2B5EF4-FFF2-40B4-BE49-F238E27FC236}">
-                <a16:creationId xmlns:a16="http://schemas.microsoft.com/office/drawing/2014/main" id="{13E18432-CFA9-4F2E-902D-95B380693D0C}"/>
-              </a:ext>
-            </a:extLst>
-          </p:cNvPr>
-          <p:cNvSpPr>
-            <a:spLocks noGrp="1"/>
-          </p:cNvSpPr>
-          <p:nvPr>
-            <p:ph type="ftr" sz="quarter" idx="11"/>
-          </p:nvPr>
-        </p:nvSpPr>
-        <p:spPr>
-          <a:xfrm>
-            <a:off x="817613" y="6356350"/>
-            <a:ext cx="3493008" cy="365125"/>
-          </a:xfrm>
-        </p:spPr>
-        <p:txBody>
-          <a:bodyPr vert="horz" lIns="91440" tIns="45720" rIns="91440" bIns="45720" rtlCol="0" anchor="ctr">
-            <a:normAutofit/>
-          </a:bodyPr>
-          <a:lstStyle/>
-          <a:p>
-            <a:pPr>
-              <a:spcAft>
-                <a:spcPts val="600"/>
-              </a:spcAft>
-            </a:pPr>
-            <a:r>
-              <a:rPr lang="en-US" kern="1200">
-                <a:solidFill>
-                  <a:schemeClr val="tx1"/>
-                </a:solidFill>
-                <a:latin typeface="+mn-lt"/>
-                <a:ea typeface="+mn-ea"/>
-                <a:cs typeface="+mn-cs"/>
-              </a:rPr>
-              <a:t>Presentation Title</a:t>
-            </a:r>
           </a:p>
         </p:txBody>
       </p:sp>
@@ -30023,6 +30567,1333 @@
       </p:grpSpPr>
       <p:sp>
         <p:nvSpPr>
+          <p:cNvPr id="78" name="Rectangle 6">
+            <a:extLst>
+              <a:ext uri="{FF2B5EF4-FFF2-40B4-BE49-F238E27FC236}">
+                <a16:creationId xmlns:a16="http://schemas.microsoft.com/office/drawing/2014/main" id="{DA381740-063A-41A4-836D-85D14980EEF0}"/>
+              </a:ext>
+              <a:ext uri="{C183D7F6-B498-43B3-948B-1728B52AA6E4}">
+                <adec:decorative xmlns:adec="http://schemas.microsoft.com/office/drawing/2017/decorative" val="1"/>
+              </a:ext>
+            </a:extLst>
+          </p:cNvPr>
+          <p:cNvSpPr>
+            <a:spLocks noGrp="1" noRot="1" noChangeAspect="1" noMove="1" noResize="1" noEditPoints="1" noAdjustHandles="1" noChangeArrowheads="1" noChangeShapeType="1" noTextEdit="1"/>
+          </p:cNvSpPr>
+          <p:nvPr>
+            <p:extLst>
+              <p:ext uri="{386F3935-93C4-4BCD-93E2-E3B085C9AB24}">
+                <p16:designElem xmlns:p16="http://schemas.microsoft.com/office/powerpoint/2015/main" val="1"/>
+              </p:ext>
+            </p:extLst>
+          </p:nvPr>
+        </p:nvSpPr>
+        <p:spPr>
+          <a:xfrm>
+            <a:off x="838200" y="4736883"/>
+            <a:ext cx="4243589" cy="27432"/>
+          </a:xfrm>
+          <a:custGeom>
+            <a:avLst/>
+            <a:gdLst>
+              <a:gd name="connsiteX0" fmla="*/ 0 w 4243589"/>
+              <a:gd name="connsiteY0" fmla="*/ 0 h 27432"/>
+              <a:gd name="connsiteX1" fmla="*/ 563791 w 4243589"/>
+              <a:gd name="connsiteY1" fmla="*/ 0 h 27432"/>
+              <a:gd name="connsiteX2" fmla="*/ 1042710 w 4243589"/>
+              <a:gd name="connsiteY2" fmla="*/ 0 h 27432"/>
+              <a:gd name="connsiteX3" fmla="*/ 1564066 w 4243589"/>
+              <a:gd name="connsiteY3" fmla="*/ 0 h 27432"/>
+              <a:gd name="connsiteX4" fmla="*/ 2212729 w 4243589"/>
+              <a:gd name="connsiteY4" fmla="*/ 0 h 27432"/>
+              <a:gd name="connsiteX5" fmla="*/ 2776520 w 4243589"/>
+              <a:gd name="connsiteY5" fmla="*/ 0 h 27432"/>
+              <a:gd name="connsiteX6" fmla="*/ 3297875 w 4243589"/>
+              <a:gd name="connsiteY6" fmla="*/ 0 h 27432"/>
+              <a:gd name="connsiteX7" fmla="*/ 4243589 w 4243589"/>
+              <a:gd name="connsiteY7" fmla="*/ 0 h 27432"/>
+              <a:gd name="connsiteX8" fmla="*/ 4243589 w 4243589"/>
+              <a:gd name="connsiteY8" fmla="*/ 27432 h 27432"/>
+              <a:gd name="connsiteX9" fmla="*/ 3637362 w 4243589"/>
+              <a:gd name="connsiteY9" fmla="*/ 27432 h 27432"/>
+              <a:gd name="connsiteX10" fmla="*/ 3116007 w 4243589"/>
+              <a:gd name="connsiteY10" fmla="*/ 27432 h 27432"/>
+              <a:gd name="connsiteX11" fmla="*/ 2424908 w 4243589"/>
+              <a:gd name="connsiteY11" fmla="*/ 27432 h 27432"/>
+              <a:gd name="connsiteX12" fmla="*/ 1861117 w 4243589"/>
+              <a:gd name="connsiteY12" fmla="*/ 27432 h 27432"/>
+              <a:gd name="connsiteX13" fmla="*/ 1382198 w 4243589"/>
+              <a:gd name="connsiteY13" fmla="*/ 27432 h 27432"/>
+              <a:gd name="connsiteX14" fmla="*/ 733535 w 4243589"/>
+              <a:gd name="connsiteY14" fmla="*/ 27432 h 27432"/>
+              <a:gd name="connsiteX15" fmla="*/ 0 w 4243589"/>
+              <a:gd name="connsiteY15" fmla="*/ 27432 h 27432"/>
+              <a:gd name="connsiteX16" fmla="*/ 0 w 4243589"/>
+              <a:gd name="connsiteY16" fmla="*/ 0 h 27432"/>
+            </a:gdLst>
+            <a:ahLst/>
+            <a:cxnLst>
+              <a:cxn ang="0">
+                <a:pos x="connsiteX0" y="connsiteY0"/>
+              </a:cxn>
+              <a:cxn ang="0">
+                <a:pos x="connsiteX1" y="connsiteY1"/>
+              </a:cxn>
+              <a:cxn ang="0">
+                <a:pos x="connsiteX2" y="connsiteY2"/>
+              </a:cxn>
+              <a:cxn ang="0">
+                <a:pos x="connsiteX3" y="connsiteY3"/>
+              </a:cxn>
+              <a:cxn ang="0">
+                <a:pos x="connsiteX4" y="connsiteY4"/>
+              </a:cxn>
+              <a:cxn ang="0">
+                <a:pos x="connsiteX5" y="connsiteY5"/>
+              </a:cxn>
+              <a:cxn ang="0">
+                <a:pos x="connsiteX6" y="connsiteY6"/>
+              </a:cxn>
+              <a:cxn ang="0">
+                <a:pos x="connsiteX7" y="connsiteY7"/>
+              </a:cxn>
+              <a:cxn ang="0">
+                <a:pos x="connsiteX8" y="connsiteY8"/>
+              </a:cxn>
+              <a:cxn ang="0">
+                <a:pos x="connsiteX9" y="connsiteY9"/>
+              </a:cxn>
+              <a:cxn ang="0">
+                <a:pos x="connsiteX10" y="connsiteY10"/>
+              </a:cxn>
+              <a:cxn ang="0">
+                <a:pos x="connsiteX11" y="connsiteY11"/>
+              </a:cxn>
+              <a:cxn ang="0">
+                <a:pos x="connsiteX12" y="connsiteY12"/>
+              </a:cxn>
+              <a:cxn ang="0">
+                <a:pos x="connsiteX13" y="connsiteY13"/>
+              </a:cxn>
+              <a:cxn ang="0">
+                <a:pos x="connsiteX14" y="connsiteY14"/>
+              </a:cxn>
+              <a:cxn ang="0">
+                <a:pos x="connsiteX15" y="connsiteY15"/>
+              </a:cxn>
+              <a:cxn ang="0">
+                <a:pos x="connsiteX16" y="connsiteY16"/>
+              </a:cxn>
+            </a:cxnLst>
+            <a:rect l="l" t="t" r="r" b="b"/>
+            <a:pathLst>
+              <a:path w="4243589" h="27432" fill="none" extrusionOk="0">
+                <a:moveTo>
+                  <a:pt x="0" y="0"/>
+                </a:moveTo>
+                <a:cubicBezTo>
+                  <a:pt x="157351" y="-15653"/>
+                  <a:pt x="378877" y="-5828"/>
+                  <a:pt x="563791" y="0"/>
+                </a:cubicBezTo>
+                <a:cubicBezTo>
+                  <a:pt x="748705" y="5828"/>
+                  <a:pt x="905659" y="-5525"/>
+                  <a:pt x="1042710" y="0"/>
+                </a:cubicBezTo>
+                <a:cubicBezTo>
+                  <a:pt x="1179761" y="5525"/>
+                  <a:pt x="1356845" y="-21288"/>
+                  <a:pt x="1564066" y="0"/>
+                </a:cubicBezTo>
+                <a:cubicBezTo>
+                  <a:pt x="1771287" y="21288"/>
+                  <a:pt x="1912099" y="25135"/>
+                  <a:pt x="2212729" y="0"/>
+                </a:cubicBezTo>
+                <a:cubicBezTo>
+                  <a:pt x="2513359" y="-25135"/>
+                  <a:pt x="2514918" y="-27119"/>
+                  <a:pt x="2776520" y="0"/>
+                </a:cubicBezTo>
+                <a:cubicBezTo>
+                  <a:pt x="3038122" y="27119"/>
+                  <a:pt x="3178771" y="18116"/>
+                  <a:pt x="3297875" y="0"/>
+                </a:cubicBezTo>
+                <a:cubicBezTo>
+                  <a:pt x="3416980" y="-18116"/>
+                  <a:pt x="4012240" y="-40869"/>
+                  <a:pt x="4243589" y="0"/>
+                </a:cubicBezTo>
+                <a:cubicBezTo>
+                  <a:pt x="4242616" y="8304"/>
+                  <a:pt x="4243111" y="21512"/>
+                  <a:pt x="4243589" y="27432"/>
+                </a:cubicBezTo>
+                <a:cubicBezTo>
+                  <a:pt x="4112949" y="6289"/>
+                  <a:pt x="3928037" y="10975"/>
+                  <a:pt x="3637362" y="27432"/>
+                </a:cubicBezTo>
+                <a:cubicBezTo>
+                  <a:pt x="3346687" y="43889"/>
+                  <a:pt x="3254446" y="35813"/>
+                  <a:pt x="3116007" y="27432"/>
+                </a:cubicBezTo>
+                <a:cubicBezTo>
+                  <a:pt x="2977569" y="19051"/>
+                  <a:pt x="2620228" y="38017"/>
+                  <a:pt x="2424908" y="27432"/>
+                </a:cubicBezTo>
+                <a:cubicBezTo>
+                  <a:pt x="2229588" y="16847"/>
+                  <a:pt x="2088287" y="5290"/>
+                  <a:pt x="1861117" y="27432"/>
+                </a:cubicBezTo>
+                <a:cubicBezTo>
+                  <a:pt x="1633947" y="49574"/>
+                  <a:pt x="1502447" y="8273"/>
+                  <a:pt x="1382198" y="27432"/>
+                </a:cubicBezTo>
+                <a:cubicBezTo>
+                  <a:pt x="1261949" y="46591"/>
+                  <a:pt x="1045440" y="37497"/>
+                  <a:pt x="733535" y="27432"/>
+                </a:cubicBezTo>
+                <a:cubicBezTo>
+                  <a:pt x="421630" y="17367"/>
+                  <a:pt x="341257" y="-9215"/>
+                  <a:pt x="0" y="27432"/>
+                </a:cubicBezTo>
+                <a:cubicBezTo>
+                  <a:pt x="-1048" y="14992"/>
+                  <a:pt x="-1120" y="7447"/>
+                  <a:pt x="0" y="0"/>
+                </a:cubicBezTo>
+                <a:close/>
+              </a:path>
+              <a:path w="4243589" h="27432" stroke="0" extrusionOk="0">
+                <a:moveTo>
+                  <a:pt x="0" y="0"/>
+                </a:moveTo>
+                <a:cubicBezTo>
+                  <a:pt x="128164" y="17204"/>
+                  <a:pt x="312653" y="1129"/>
+                  <a:pt x="563791" y="0"/>
+                </a:cubicBezTo>
+                <a:cubicBezTo>
+                  <a:pt x="814929" y="-1129"/>
+                  <a:pt x="837271" y="8503"/>
+                  <a:pt x="1042710" y="0"/>
+                </a:cubicBezTo>
+                <a:cubicBezTo>
+                  <a:pt x="1248149" y="-8503"/>
+                  <a:pt x="1588432" y="-28862"/>
+                  <a:pt x="1733809" y="0"/>
+                </a:cubicBezTo>
+                <a:cubicBezTo>
+                  <a:pt x="1879186" y="28862"/>
+                  <a:pt x="2052815" y="5974"/>
+                  <a:pt x="2297600" y="0"/>
+                </a:cubicBezTo>
+                <a:cubicBezTo>
+                  <a:pt x="2542385" y="-5974"/>
+                  <a:pt x="2699960" y="-23550"/>
+                  <a:pt x="2861391" y="0"/>
+                </a:cubicBezTo>
+                <a:cubicBezTo>
+                  <a:pt x="3022822" y="23550"/>
+                  <a:pt x="3390411" y="25272"/>
+                  <a:pt x="3552490" y="0"/>
+                </a:cubicBezTo>
+                <a:cubicBezTo>
+                  <a:pt x="3714569" y="-25272"/>
+                  <a:pt x="3950585" y="-31327"/>
+                  <a:pt x="4243589" y="0"/>
+                </a:cubicBezTo>
+                <a:cubicBezTo>
+                  <a:pt x="4244074" y="9333"/>
+                  <a:pt x="4244867" y="19699"/>
+                  <a:pt x="4243589" y="27432"/>
+                </a:cubicBezTo>
+                <a:cubicBezTo>
+                  <a:pt x="4130424" y="7904"/>
+                  <a:pt x="3932803" y="51393"/>
+                  <a:pt x="3722234" y="27432"/>
+                </a:cubicBezTo>
+                <a:cubicBezTo>
+                  <a:pt x="3511665" y="3471"/>
+                  <a:pt x="3269903" y="55138"/>
+                  <a:pt x="3116007" y="27432"/>
+                </a:cubicBezTo>
+                <a:cubicBezTo>
+                  <a:pt x="2962111" y="-274"/>
+                  <a:pt x="2744280" y="32368"/>
+                  <a:pt x="2509780" y="27432"/>
+                </a:cubicBezTo>
+                <a:cubicBezTo>
+                  <a:pt x="2275280" y="22496"/>
+                  <a:pt x="2066059" y="52808"/>
+                  <a:pt x="1945989" y="27432"/>
+                </a:cubicBezTo>
+                <a:cubicBezTo>
+                  <a:pt x="1825919" y="2056"/>
+                  <a:pt x="1407329" y="21760"/>
+                  <a:pt x="1254890" y="27432"/>
+                </a:cubicBezTo>
+                <a:cubicBezTo>
+                  <a:pt x="1102451" y="33104"/>
+                  <a:pt x="837950" y="40817"/>
+                  <a:pt x="563791" y="27432"/>
+                </a:cubicBezTo>
+                <a:cubicBezTo>
+                  <a:pt x="289632" y="14047"/>
+                  <a:pt x="132768" y="16249"/>
+                  <a:pt x="0" y="27432"/>
+                </a:cubicBezTo>
+                <a:cubicBezTo>
+                  <a:pt x="211" y="18145"/>
+                  <a:pt x="120" y="6480"/>
+                  <a:pt x="0" y="0"/>
+                </a:cubicBezTo>
+                <a:close/>
+              </a:path>
+            </a:pathLst>
+          </a:custGeom>
+          <a:solidFill>
+            <a:schemeClr val="tx1"/>
+          </a:solidFill>
+          <a:ln w="38100" cap="rnd">
+            <a:solidFill>
+              <a:schemeClr val="tx1"/>
+            </a:solidFill>
+            <a:round/>
+            <a:extLst>
+              <a:ext uri="{C807C97D-BFC1-408E-A445-0C87EB9F89A2}">
+                <ask:lineSketchStyleProps xmlns:ask="http://schemas.microsoft.com/office/drawing/2018/sketchyshapes" sd="1219033472">
+                  <a:prstGeom prst="rect">
+                    <a:avLst/>
+                  </a:prstGeom>
+                  <ask:type>
+                    <ask:lineSketchFreehand/>
+                  </ask:type>
+                </ask:lineSketchStyleProps>
+              </a:ext>
+            </a:extLst>
+          </a:ln>
+        </p:spPr>
+        <p:style>
+          <a:lnRef idx="2">
+            <a:schemeClr val="accent1">
+              <a:shade val="50000"/>
+            </a:schemeClr>
+          </a:lnRef>
+          <a:fillRef idx="1">
+            <a:schemeClr val="accent1"/>
+          </a:fillRef>
+          <a:effectRef idx="0">
+            <a:schemeClr val="accent1"/>
+          </a:effectRef>
+          <a:fontRef idx="minor">
+            <a:schemeClr val="lt1"/>
+          </a:fontRef>
+        </p:style>
+        <p:txBody>
+          <a:bodyPr rtlCol="0" anchor="ctr"/>
+          <a:lstStyle/>
+          <a:p>
+            <a:pPr algn="ctr"/>
+            <a:endParaRPr lang="en-US">
+              <a:solidFill>
+                <a:schemeClr val="tx1"/>
+              </a:solidFill>
+            </a:endParaRPr>
+          </a:p>
+        </p:txBody>
+      </p:sp>
+      <p:sp useBgFill="1">
+        <p:nvSpPr>
+          <p:cNvPr id="80" name="Rectangle 79">
+            <a:extLst>
+              <a:ext uri="{FF2B5EF4-FFF2-40B4-BE49-F238E27FC236}">
+                <a16:creationId xmlns:a16="http://schemas.microsoft.com/office/drawing/2014/main" id="{93245F62-CCC4-49E4-B95B-EA6C1E790510}"/>
+              </a:ext>
+              <a:ext uri="{C183D7F6-B498-43B3-948B-1728B52AA6E4}">
+                <adec:decorative xmlns:adec="http://schemas.microsoft.com/office/drawing/2017/decorative" val="1"/>
+              </a:ext>
+            </a:extLst>
+          </p:cNvPr>
+          <p:cNvSpPr>
+            <a:spLocks noGrp="1" noRot="1" noChangeAspect="1" noMove="1" noResize="1" noEditPoints="1" noAdjustHandles="1" noChangeArrowheads="1" noChangeShapeType="1" noTextEdit="1"/>
+          </p:cNvSpPr>
+          <p:nvPr>
+            <p:extLst>
+              <p:ext uri="{386F3935-93C4-4BCD-93E2-E3B085C9AB24}">
+                <p16:designElem xmlns:p16="http://schemas.microsoft.com/office/powerpoint/2015/main" val="1"/>
+              </p:ext>
+            </p:extLst>
+          </p:nvPr>
+        </p:nvSpPr>
+        <p:spPr>
+          <a:xfrm>
+            <a:off x="0" y="0"/>
+            <a:ext cx="12192000" cy="6858000"/>
+          </a:xfrm>
+          <a:prstGeom prst="rect">
+            <a:avLst/>
+          </a:prstGeom>
+          <a:ln>
+            <a:noFill/>
+          </a:ln>
+        </p:spPr>
+        <p:style>
+          <a:lnRef idx="2">
+            <a:schemeClr val="accent1">
+              <a:shade val="50000"/>
+            </a:schemeClr>
+          </a:lnRef>
+          <a:fillRef idx="1">
+            <a:schemeClr val="accent1"/>
+          </a:fillRef>
+          <a:effectRef idx="0">
+            <a:schemeClr val="accent1"/>
+          </a:effectRef>
+          <a:fontRef idx="minor">
+            <a:schemeClr val="lt1"/>
+          </a:fontRef>
+        </p:style>
+        <p:txBody>
+          <a:bodyPr rtlCol="0" anchor="ctr"/>
+          <a:lstStyle/>
+          <a:p>
+            <a:pPr algn="ctr"/>
+            <a:endParaRPr lang="en-US"/>
+          </a:p>
+        </p:txBody>
+      </p:sp>
+      <p:sp>
+        <p:nvSpPr>
+          <p:cNvPr id="2" name="Title 1">
+            <a:extLst>
+              <a:ext uri="{FF2B5EF4-FFF2-40B4-BE49-F238E27FC236}">
+                <a16:creationId xmlns:a16="http://schemas.microsoft.com/office/drawing/2014/main" id="{6D64A1D1-DD07-4DD2-A527-4B1F52D6AB78}"/>
+              </a:ext>
+            </a:extLst>
+          </p:cNvPr>
+          <p:cNvSpPr>
+            <a:spLocks noGrp="1"/>
+          </p:cNvSpPr>
+          <p:nvPr>
+            <p:ph type="title"/>
+          </p:nvPr>
+        </p:nvSpPr>
+        <p:spPr>
+          <a:xfrm>
+            <a:off x="638882" y="4636507"/>
+            <a:ext cx="10909640" cy="1687814"/>
+          </a:xfrm>
+        </p:spPr>
+        <p:txBody>
+          <a:bodyPr vert="horz" lIns="91440" tIns="45720" rIns="91440" bIns="45720" rtlCol="0" anchor="b">
+            <a:normAutofit/>
+          </a:bodyPr>
+          <a:lstStyle/>
+          <a:p>
+            <a:pPr algn="ctr"/>
+            <a:r>
+              <a:rPr lang="en-US" sz="5400" dirty="0"/>
+              <a:t>Class Diagram</a:t>
+            </a:r>
+          </a:p>
+        </p:txBody>
+      </p:sp>
+      <p:sp>
+        <p:nvSpPr>
+          <p:cNvPr id="6" name="Slide Number Placeholder 5">
+            <a:extLst>
+              <a:ext uri="{FF2B5EF4-FFF2-40B4-BE49-F238E27FC236}">
+                <a16:creationId xmlns:a16="http://schemas.microsoft.com/office/drawing/2014/main" id="{082C8496-0D63-4559-BFA5-683F5780142B}"/>
+              </a:ext>
+            </a:extLst>
+          </p:cNvPr>
+          <p:cNvSpPr>
+            <a:spLocks noGrp="1"/>
+          </p:cNvSpPr>
+          <p:nvPr>
+            <p:ph type="sldNum" sz="quarter" idx="12"/>
+          </p:nvPr>
+        </p:nvSpPr>
+        <p:spPr>
+          <a:xfrm>
+            <a:off x="8610600" y="6356350"/>
+            <a:ext cx="2743200" cy="365125"/>
+          </a:xfrm>
+        </p:spPr>
+        <p:txBody>
+          <a:bodyPr vert="horz" lIns="91440" tIns="45720" rIns="91440" bIns="45720" rtlCol="0" anchor="ctr">
+            <a:normAutofit/>
+          </a:bodyPr>
+          <a:lstStyle/>
+          <a:p>
+            <a:pPr>
+              <a:spcAft>
+                <a:spcPts val="600"/>
+              </a:spcAft>
+            </a:pPr>
+            <a:fld id="{2C18C1E5-FB55-42F5-BD6D-9CC153FCDBE6}" type="slidenum">
+              <a:rPr lang="en-US">
+                <a:solidFill>
+                  <a:schemeClr val="tx1"/>
+                </a:solidFill>
+              </a:rPr>
+              <a:pPr>
+                <a:spcAft>
+                  <a:spcPts val="600"/>
+                </a:spcAft>
+              </a:pPr>
+              <a:t>8</a:t>
+            </a:fld>
+            <a:endParaRPr lang="en-US">
+              <a:solidFill>
+                <a:schemeClr val="tx1"/>
+              </a:solidFill>
+            </a:endParaRPr>
+          </a:p>
+        </p:txBody>
+      </p:sp>
+      <p:pic>
+        <p:nvPicPr>
+          <p:cNvPr id="36" name="Picture 36" descr="Diagram&#10;&#10;Description automatically generated">
+            <a:extLst>
+              <a:ext uri="{FF2B5EF4-FFF2-40B4-BE49-F238E27FC236}">
+                <a16:creationId xmlns:a16="http://schemas.microsoft.com/office/drawing/2014/main" id="{00CB7EFF-3D8D-4D45-880C-CF5BAA4361C9}"/>
+              </a:ext>
+            </a:extLst>
+          </p:cNvPr>
+          <p:cNvPicPr>
+            <a:picLocks noChangeAspect="1"/>
+          </p:cNvPicPr>
+          <p:nvPr/>
+        </p:nvPicPr>
+        <p:blipFill rotWithShape="1">
+          <a:blip r:embed="rId2"/>
+          <a:srcRect b="2174"/>
+          <a:stretch/>
+        </p:blipFill>
+        <p:spPr>
+          <a:xfrm>
+            <a:off x="1133454" y="-364059"/>
+            <a:ext cx="9933408" cy="5581889"/>
+          </a:xfrm>
+          <a:prstGeom prst="rect">
+            <a:avLst/>
+          </a:prstGeom>
+        </p:spPr>
+      </p:pic>
+      <p:sp>
+        <p:nvSpPr>
+          <p:cNvPr id="82" name="Rectangle 6">
+            <a:extLst>
+              <a:ext uri="{FF2B5EF4-FFF2-40B4-BE49-F238E27FC236}">
+                <a16:creationId xmlns:a16="http://schemas.microsoft.com/office/drawing/2014/main" id="{E6C0DD6B-6AA3-448F-9B99-8386295BC1B4}"/>
+              </a:ext>
+              <a:ext uri="{C183D7F6-B498-43B3-948B-1728B52AA6E4}">
+                <adec:decorative xmlns:adec="http://schemas.microsoft.com/office/drawing/2017/decorative" val="1"/>
+              </a:ext>
+            </a:extLst>
+          </p:cNvPr>
+          <p:cNvSpPr>
+            <a:spLocks noGrp="1" noRot="1" noChangeAspect="1" noMove="1" noResize="1" noEditPoints="1" noAdjustHandles="1" noChangeArrowheads="1" noChangeShapeType="1" noTextEdit="1"/>
+          </p:cNvSpPr>
+          <p:nvPr>
+            <p:extLst>
+              <p:ext uri="{386F3935-93C4-4BCD-93E2-E3B085C9AB24}">
+                <p16:designElem xmlns:p16="http://schemas.microsoft.com/office/powerpoint/2015/main" val="1"/>
+              </p:ext>
+            </p:extLst>
+          </p:nvPr>
+        </p:nvSpPr>
+        <p:spPr>
+          <a:xfrm>
+            <a:off x="3807702" y="5509052"/>
+            <a:ext cx="4572000" cy="27432"/>
+          </a:xfrm>
+          <a:custGeom>
+            <a:avLst/>
+            <a:gdLst>
+              <a:gd name="connsiteX0" fmla="*/ 0 w 4572000"/>
+              <a:gd name="connsiteY0" fmla="*/ 0 h 27432"/>
+              <a:gd name="connsiteX1" fmla="*/ 607423 w 4572000"/>
+              <a:gd name="connsiteY1" fmla="*/ 0 h 27432"/>
+              <a:gd name="connsiteX2" fmla="*/ 1123406 w 4572000"/>
+              <a:gd name="connsiteY2" fmla="*/ 0 h 27432"/>
+              <a:gd name="connsiteX3" fmla="*/ 1685109 w 4572000"/>
+              <a:gd name="connsiteY3" fmla="*/ 0 h 27432"/>
+              <a:gd name="connsiteX4" fmla="*/ 2383971 w 4572000"/>
+              <a:gd name="connsiteY4" fmla="*/ 0 h 27432"/>
+              <a:gd name="connsiteX5" fmla="*/ 2991394 w 4572000"/>
+              <a:gd name="connsiteY5" fmla="*/ 0 h 27432"/>
+              <a:gd name="connsiteX6" fmla="*/ 3553097 w 4572000"/>
+              <a:gd name="connsiteY6" fmla="*/ 0 h 27432"/>
+              <a:gd name="connsiteX7" fmla="*/ 4572000 w 4572000"/>
+              <a:gd name="connsiteY7" fmla="*/ 0 h 27432"/>
+              <a:gd name="connsiteX8" fmla="*/ 4572000 w 4572000"/>
+              <a:gd name="connsiteY8" fmla="*/ 27432 h 27432"/>
+              <a:gd name="connsiteX9" fmla="*/ 3918857 w 4572000"/>
+              <a:gd name="connsiteY9" fmla="*/ 27432 h 27432"/>
+              <a:gd name="connsiteX10" fmla="*/ 3357154 w 4572000"/>
+              <a:gd name="connsiteY10" fmla="*/ 27432 h 27432"/>
+              <a:gd name="connsiteX11" fmla="*/ 2612571 w 4572000"/>
+              <a:gd name="connsiteY11" fmla="*/ 27432 h 27432"/>
+              <a:gd name="connsiteX12" fmla="*/ 2005149 w 4572000"/>
+              <a:gd name="connsiteY12" fmla="*/ 27432 h 27432"/>
+              <a:gd name="connsiteX13" fmla="*/ 1489166 w 4572000"/>
+              <a:gd name="connsiteY13" fmla="*/ 27432 h 27432"/>
+              <a:gd name="connsiteX14" fmla="*/ 790303 w 4572000"/>
+              <a:gd name="connsiteY14" fmla="*/ 27432 h 27432"/>
+              <a:gd name="connsiteX15" fmla="*/ 0 w 4572000"/>
+              <a:gd name="connsiteY15" fmla="*/ 27432 h 27432"/>
+              <a:gd name="connsiteX16" fmla="*/ 0 w 4572000"/>
+              <a:gd name="connsiteY16" fmla="*/ 0 h 27432"/>
+            </a:gdLst>
+            <a:ahLst/>
+            <a:cxnLst>
+              <a:cxn ang="0">
+                <a:pos x="connsiteX0" y="connsiteY0"/>
+              </a:cxn>
+              <a:cxn ang="0">
+                <a:pos x="connsiteX1" y="connsiteY1"/>
+              </a:cxn>
+              <a:cxn ang="0">
+                <a:pos x="connsiteX2" y="connsiteY2"/>
+              </a:cxn>
+              <a:cxn ang="0">
+                <a:pos x="connsiteX3" y="connsiteY3"/>
+              </a:cxn>
+              <a:cxn ang="0">
+                <a:pos x="connsiteX4" y="connsiteY4"/>
+              </a:cxn>
+              <a:cxn ang="0">
+                <a:pos x="connsiteX5" y="connsiteY5"/>
+              </a:cxn>
+              <a:cxn ang="0">
+                <a:pos x="connsiteX6" y="connsiteY6"/>
+              </a:cxn>
+              <a:cxn ang="0">
+                <a:pos x="connsiteX7" y="connsiteY7"/>
+              </a:cxn>
+              <a:cxn ang="0">
+                <a:pos x="connsiteX8" y="connsiteY8"/>
+              </a:cxn>
+              <a:cxn ang="0">
+                <a:pos x="connsiteX9" y="connsiteY9"/>
+              </a:cxn>
+              <a:cxn ang="0">
+                <a:pos x="connsiteX10" y="connsiteY10"/>
+              </a:cxn>
+              <a:cxn ang="0">
+                <a:pos x="connsiteX11" y="connsiteY11"/>
+              </a:cxn>
+              <a:cxn ang="0">
+                <a:pos x="connsiteX12" y="connsiteY12"/>
+              </a:cxn>
+              <a:cxn ang="0">
+                <a:pos x="connsiteX13" y="connsiteY13"/>
+              </a:cxn>
+              <a:cxn ang="0">
+                <a:pos x="connsiteX14" y="connsiteY14"/>
+              </a:cxn>
+              <a:cxn ang="0">
+                <a:pos x="connsiteX15" y="connsiteY15"/>
+              </a:cxn>
+              <a:cxn ang="0">
+                <a:pos x="connsiteX16" y="connsiteY16"/>
+              </a:cxn>
+            </a:cxnLst>
+            <a:rect l="l" t="t" r="r" b="b"/>
+            <a:pathLst>
+              <a:path w="4572000" h="27432" fill="none" extrusionOk="0">
+                <a:moveTo>
+                  <a:pt x="0" y="0"/>
+                </a:moveTo>
+                <a:cubicBezTo>
+                  <a:pt x="150397" y="-23421"/>
+                  <a:pt x="474161" y="9174"/>
+                  <a:pt x="607423" y="0"/>
+                </a:cubicBezTo>
+                <a:cubicBezTo>
+                  <a:pt x="740685" y="-9174"/>
+                  <a:pt x="868821" y="-4258"/>
+                  <a:pt x="1123406" y="0"/>
+                </a:cubicBezTo>
+                <a:cubicBezTo>
+                  <a:pt x="1377991" y="4258"/>
+                  <a:pt x="1567664" y="-12410"/>
+                  <a:pt x="1685109" y="0"/>
+                </a:cubicBezTo>
+                <a:cubicBezTo>
+                  <a:pt x="1802554" y="12410"/>
+                  <a:pt x="2193086" y="-14353"/>
+                  <a:pt x="2383971" y="0"/>
+                </a:cubicBezTo>
+                <a:cubicBezTo>
+                  <a:pt x="2574856" y="14353"/>
+                  <a:pt x="2697477" y="-26142"/>
+                  <a:pt x="2991394" y="0"/>
+                </a:cubicBezTo>
+                <a:cubicBezTo>
+                  <a:pt x="3285311" y="26142"/>
+                  <a:pt x="3423667" y="26544"/>
+                  <a:pt x="3553097" y="0"/>
+                </a:cubicBezTo>
+                <a:cubicBezTo>
+                  <a:pt x="3682527" y="-26544"/>
+                  <a:pt x="4344147" y="50350"/>
+                  <a:pt x="4572000" y="0"/>
+                </a:cubicBezTo>
+                <a:cubicBezTo>
+                  <a:pt x="4571027" y="8304"/>
+                  <a:pt x="4571522" y="21512"/>
+                  <a:pt x="4572000" y="27432"/>
+                </a:cubicBezTo>
+                <a:cubicBezTo>
+                  <a:pt x="4438349" y="5490"/>
+                  <a:pt x="4090129" y="31231"/>
+                  <a:pt x="3918857" y="27432"/>
+                </a:cubicBezTo>
+                <a:cubicBezTo>
+                  <a:pt x="3747585" y="23633"/>
+                  <a:pt x="3498826" y="6883"/>
+                  <a:pt x="3357154" y="27432"/>
+                </a:cubicBezTo>
+                <a:cubicBezTo>
+                  <a:pt x="3215482" y="47981"/>
+                  <a:pt x="2784289" y="56849"/>
+                  <a:pt x="2612571" y="27432"/>
+                </a:cubicBezTo>
+                <a:cubicBezTo>
+                  <a:pt x="2440853" y="-1985"/>
+                  <a:pt x="2261292" y="25951"/>
+                  <a:pt x="2005149" y="27432"/>
+                </a:cubicBezTo>
+                <a:cubicBezTo>
+                  <a:pt x="1749006" y="28913"/>
+                  <a:pt x="1700078" y="34342"/>
+                  <a:pt x="1489166" y="27432"/>
+                </a:cubicBezTo>
+                <a:cubicBezTo>
+                  <a:pt x="1278254" y="20522"/>
+                  <a:pt x="1077188" y="56916"/>
+                  <a:pt x="790303" y="27432"/>
+                </a:cubicBezTo>
+                <a:cubicBezTo>
+                  <a:pt x="503418" y="-2052"/>
+                  <a:pt x="359168" y="57044"/>
+                  <a:pt x="0" y="27432"/>
+                </a:cubicBezTo>
+                <a:cubicBezTo>
+                  <a:pt x="-1048" y="14992"/>
+                  <a:pt x="-1120" y="7447"/>
+                  <a:pt x="0" y="0"/>
+                </a:cubicBezTo>
+                <a:close/>
+              </a:path>
+              <a:path w="4572000" h="27432" stroke="0" extrusionOk="0">
+                <a:moveTo>
+                  <a:pt x="0" y="0"/>
+                </a:moveTo>
+                <a:cubicBezTo>
+                  <a:pt x="155698" y="6780"/>
+                  <a:pt x="465972" y="13197"/>
+                  <a:pt x="607423" y="0"/>
+                </a:cubicBezTo>
+                <a:cubicBezTo>
+                  <a:pt x="748874" y="-13197"/>
+                  <a:pt x="1014133" y="22994"/>
+                  <a:pt x="1123406" y="0"/>
+                </a:cubicBezTo>
+                <a:cubicBezTo>
+                  <a:pt x="1232679" y="-22994"/>
+                  <a:pt x="1639431" y="-2997"/>
+                  <a:pt x="1867989" y="0"/>
+                </a:cubicBezTo>
+                <a:cubicBezTo>
+                  <a:pt x="2096547" y="2997"/>
+                  <a:pt x="2265668" y="29557"/>
+                  <a:pt x="2475411" y="0"/>
+                </a:cubicBezTo>
+                <a:cubicBezTo>
+                  <a:pt x="2685154" y="-29557"/>
+                  <a:pt x="2951491" y="73"/>
+                  <a:pt x="3082834" y="0"/>
+                </a:cubicBezTo>
+                <a:cubicBezTo>
+                  <a:pt x="3214177" y="-73"/>
+                  <a:pt x="3641000" y="-33478"/>
+                  <a:pt x="3827417" y="0"/>
+                </a:cubicBezTo>
+                <a:cubicBezTo>
+                  <a:pt x="4013834" y="33478"/>
+                  <a:pt x="4345917" y="14255"/>
+                  <a:pt x="4572000" y="0"/>
+                </a:cubicBezTo>
+                <a:cubicBezTo>
+                  <a:pt x="4572485" y="9333"/>
+                  <a:pt x="4573278" y="19699"/>
+                  <a:pt x="4572000" y="27432"/>
+                </a:cubicBezTo>
+                <a:cubicBezTo>
+                  <a:pt x="4318030" y="43025"/>
+                  <a:pt x="4161104" y="34314"/>
+                  <a:pt x="4010297" y="27432"/>
+                </a:cubicBezTo>
+                <a:cubicBezTo>
+                  <a:pt x="3859490" y="20550"/>
+                  <a:pt x="3592529" y="6613"/>
+                  <a:pt x="3357154" y="27432"/>
+                </a:cubicBezTo>
+                <a:cubicBezTo>
+                  <a:pt x="3121779" y="48251"/>
+                  <a:pt x="2884285" y="3780"/>
+                  <a:pt x="2704011" y="27432"/>
+                </a:cubicBezTo>
+                <a:cubicBezTo>
+                  <a:pt x="2523737" y="51084"/>
+                  <a:pt x="2295944" y="32081"/>
+                  <a:pt x="2096589" y="27432"/>
+                </a:cubicBezTo>
+                <a:cubicBezTo>
+                  <a:pt x="1897234" y="22783"/>
+                  <a:pt x="1623782" y="52518"/>
+                  <a:pt x="1352006" y="27432"/>
+                </a:cubicBezTo>
+                <a:cubicBezTo>
+                  <a:pt x="1080230" y="2346"/>
+                  <a:pt x="869959" y="12864"/>
+                  <a:pt x="607423" y="27432"/>
+                </a:cubicBezTo>
+                <a:cubicBezTo>
+                  <a:pt x="344887" y="42000"/>
+                  <a:pt x="188100" y="40051"/>
+                  <a:pt x="0" y="27432"/>
+                </a:cubicBezTo>
+                <a:cubicBezTo>
+                  <a:pt x="211" y="18145"/>
+                  <a:pt x="120" y="6480"/>
+                  <a:pt x="0" y="0"/>
+                </a:cubicBezTo>
+                <a:close/>
+              </a:path>
+            </a:pathLst>
+          </a:custGeom>
+          <a:solidFill>
+            <a:srgbClr val="0ABEE4"/>
+          </a:solidFill>
+          <a:ln w="38100" cap="rnd">
+            <a:solidFill>
+              <a:srgbClr val="0ABEE4"/>
+            </a:solidFill>
+            <a:round/>
+            <a:extLst>
+              <a:ext uri="{C807C97D-BFC1-408E-A445-0C87EB9F89A2}">
+                <ask:lineSketchStyleProps xmlns:ask="http://schemas.microsoft.com/office/drawing/2018/sketchyshapes" sd="1219033472">
+                  <a:prstGeom prst="rect">
+                    <a:avLst/>
+                  </a:prstGeom>
+                  <ask:type>
+                    <ask:lineSketchFreehand/>
+                  </ask:type>
+                </ask:lineSketchStyleProps>
+              </a:ext>
+            </a:extLst>
+          </a:ln>
+        </p:spPr>
+        <p:style>
+          <a:lnRef idx="2">
+            <a:schemeClr val="accent1">
+              <a:shade val="50000"/>
+            </a:schemeClr>
+          </a:lnRef>
+          <a:fillRef idx="1">
+            <a:schemeClr val="accent1"/>
+          </a:fillRef>
+          <a:effectRef idx="0">
+            <a:schemeClr val="accent1"/>
+          </a:effectRef>
+          <a:fontRef idx="minor">
+            <a:schemeClr val="lt1"/>
+          </a:fontRef>
+        </p:style>
+        <p:txBody>
+          <a:bodyPr rtlCol="0" anchor="ctr"/>
+          <a:lstStyle/>
+          <a:p>
+            <a:pPr algn="ctr"/>
+            <a:endParaRPr lang="en-US"/>
+          </a:p>
+        </p:txBody>
+      </p:sp>
+      <p:sp>
+        <p:nvSpPr>
+          <p:cNvPr id="84" name="Date Placeholder 26">
+            <a:extLst>
+              <a:ext uri="{FF2B5EF4-FFF2-40B4-BE49-F238E27FC236}">
+                <a16:creationId xmlns:a16="http://schemas.microsoft.com/office/drawing/2014/main" id="{F28B82B1-E269-4325-A665-6CFE5DEE5DE5}"/>
+              </a:ext>
+              <a:ext uri="{C183D7F6-B498-43B3-948B-1728B52AA6E4}">
+                <adec:decorative xmlns:adec="http://schemas.microsoft.com/office/drawing/2017/decorative" val="1"/>
+              </a:ext>
+            </a:extLst>
+          </p:cNvPr>
+          <p:cNvSpPr txBox="1">
+            <a:spLocks noGrp="1" noRot="1" noChangeAspect="1" noMove="1" noResize="1" noEditPoints="1" noAdjustHandles="1" noChangeArrowheads="1" noChangeShapeType="1" noTextEdit="1"/>
+          </p:cNvSpPr>
+          <p:nvPr>
+            <p:extLst>
+              <p:ext uri="{386F3935-93C4-4BCD-93E2-E3B085C9AB24}">
+                <p16:designElem xmlns:p16="http://schemas.microsoft.com/office/powerpoint/2015/main" val="1"/>
+              </p:ext>
+            </p:extLst>
+          </p:nvPr>
+        </p:nvSpPr>
+        <p:spPr>
+          <a:xfrm>
+            <a:off x="838200" y="6356350"/>
+            <a:ext cx="2743200" cy="365125"/>
+          </a:xfrm>
+          <a:prstGeom prst="rect">
+            <a:avLst/>
+          </a:prstGeom>
+        </p:spPr>
+        <p:txBody>
+          <a:bodyPr vert="horz" lIns="91440" tIns="45720" rIns="91440" bIns="45720" rtlCol="0" anchor="ctr"/>
+          <a:lstStyle>
+            <a:defPPr>
+              <a:defRPr lang="en-US"/>
+            </a:defPPr>
+            <a:lvl1pPr marL="0" algn="l" defTabSz="914400" rtl="0" eaLnBrk="1" latinLnBrk="0" hangingPunct="1">
+              <a:defRPr sz="1600" kern="1200">
+                <a:solidFill>
+                  <a:schemeClr val="tx1">
+                    <a:tint val="75000"/>
+                  </a:schemeClr>
+                </a:solidFill>
+                <a:latin typeface="+mn-lt"/>
+                <a:ea typeface="+mn-ea"/>
+                <a:cs typeface="+mn-cs"/>
+              </a:defRPr>
+            </a:lvl1pPr>
+            <a:lvl2pPr marL="457200" algn="l" defTabSz="914400" rtl="0" eaLnBrk="1" latinLnBrk="0" hangingPunct="1">
+              <a:defRPr sz="1800" kern="1200">
+                <a:solidFill>
+                  <a:schemeClr val="tx1"/>
+                </a:solidFill>
+                <a:latin typeface="+mn-lt"/>
+                <a:ea typeface="+mn-ea"/>
+                <a:cs typeface="+mn-cs"/>
+              </a:defRPr>
+            </a:lvl2pPr>
+            <a:lvl3pPr marL="914400" algn="l" defTabSz="914400" rtl="0" eaLnBrk="1" latinLnBrk="0" hangingPunct="1">
+              <a:defRPr sz="1800" kern="1200">
+                <a:solidFill>
+                  <a:schemeClr val="tx1"/>
+                </a:solidFill>
+                <a:latin typeface="+mn-lt"/>
+                <a:ea typeface="+mn-ea"/>
+                <a:cs typeface="+mn-cs"/>
+              </a:defRPr>
+            </a:lvl3pPr>
+            <a:lvl4pPr marL="1371600" algn="l" defTabSz="914400" rtl="0" eaLnBrk="1" latinLnBrk="0" hangingPunct="1">
+              <a:defRPr sz="1800" kern="1200">
+                <a:solidFill>
+                  <a:schemeClr val="tx1"/>
+                </a:solidFill>
+                <a:latin typeface="+mn-lt"/>
+                <a:ea typeface="+mn-ea"/>
+                <a:cs typeface="+mn-cs"/>
+              </a:defRPr>
+            </a:lvl4pPr>
+            <a:lvl5pPr marL="1828800" algn="l" defTabSz="914400" rtl="0" eaLnBrk="1" latinLnBrk="0" hangingPunct="1">
+              <a:defRPr sz="1800" kern="1200">
+                <a:solidFill>
+                  <a:schemeClr val="tx1"/>
+                </a:solidFill>
+                <a:latin typeface="+mn-lt"/>
+                <a:ea typeface="+mn-ea"/>
+                <a:cs typeface="+mn-cs"/>
+              </a:defRPr>
+            </a:lvl5pPr>
+            <a:lvl6pPr marL="2286000" algn="l" defTabSz="914400" rtl="0" eaLnBrk="1" latinLnBrk="0" hangingPunct="1">
+              <a:defRPr sz="1800" kern="1200">
+                <a:solidFill>
+                  <a:schemeClr val="tx1"/>
+                </a:solidFill>
+                <a:latin typeface="+mn-lt"/>
+                <a:ea typeface="+mn-ea"/>
+                <a:cs typeface="+mn-cs"/>
+              </a:defRPr>
+            </a:lvl6pPr>
+            <a:lvl7pPr marL="2743200" algn="l" defTabSz="914400" rtl="0" eaLnBrk="1" latinLnBrk="0" hangingPunct="1">
+              <a:defRPr sz="1800" kern="1200">
+                <a:solidFill>
+                  <a:schemeClr val="tx1"/>
+                </a:solidFill>
+                <a:latin typeface="+mn-lt"/>
+                <a:ea typeface="+mn-ea"/>
+                <a:cs typeface="+mn-cs"/>
+              </a:defRPr>
+            </a:lvl7pPr>
+            <a:lvl8pPr marL="3200400" algn="l" defTabSz="914400" rtl="0" eaLnBrk="1" latinLnBrk="0" hangingPunct="1">
+              <a:defRPr sz="1800" kern="1200">
+                <a:solidFill>
+                  <a:schemeClr val="tx1"/>
+                </a:solidFill>
+                <a:latin typeface="+mn-lt"/>
+                <a:ea typeface="+mn-ea"/>
+                <a:cs typeface="+mn-cs"/>
+              </a:defRPr>
+            </a:lvl8pPr>
+            <a:lvl9pPr marL="3657600" algn="l" defTabSz="914400" rtl="0" eaLnBrk="1" latinLnBrk="0" hangingPunct="1">
+              <a:defRPr sz="1800" kern="1200">
+                <a:solidFill>
+                  <a:schemeClr val="tx1"/>
+                </a:solidFill>
+                <a:latin typeface="+mn-lt"/>
+                <a:ea typeface="+mn-ea"/>
+                <a:cs typeface="+mn-cs"/>
+              </a:defRPr>
+            </a:lvl9pPr>
+          </a:lstStyle>
+          <a:p>
+            <a:endParaRPr lang="en-US" dirty="0">
+              <a:solidFill>
+                <a:schemeClr val="tx1"/>
+              </a:solidFill>
+            </a:endParaRPr>
+          </a:p>
+        </p:txBody>
+      </p:sp>
+      <p:sp>
+        <p:nvSpPr>
+          <p:cNvPr id="86" name="Footer Placeholder 27">
+            <a:extLst>
+              <a:ext uri="{FF2B5EF4-FFF2-40B4-BE49-F238E27FC236}">
+                <a16:creationId xmlns:a16="http://schemas.microsoft.com/office/drawing/2014/main" id="{7C700527-76FD-4DF4-A597-6F5E089CA0C2}"/>
+              </a:ext>
+              <a:ext uri="{C183D7F6-B498-43B3-948B-1728B52AA6E4}">
+                <adec:decorative xmlns:adec="http://schemas.microsoft.com/office/drawing/2017/decorative" val="1"/>
+              </a:ext>
+            </a:extLst>
+          </p:cNvPr>
+          <p:cNvSpPr txBox="1">
+            <a:spLocks noGrp="1" noRot="1" noChangeAspect="1" noMove="1" noResize="1" noEditPoints="1" noAdjustHandles="1" noChangeArrowheads="1" noChangeShapeType="1" noTextEdit="1"/>
+          </p:cNvSpPr>
+          <p:nvPr>
+            <p:extLst>
+              <p:ext uri="{386F3935-93C4-4BCD-93E2-E3B085C9AB24}">
+                <p16:designElem xmlns:p16="http://schemas.microsoft.com/office/powerpoint/2015/main" val="1"/>
+              </p:ext>
+            </p:extLst>
+          </p:nvPr>
+        </p:nvSpPr>
+        <p:spPr>
+          <a:xfrm>
+            <a:off x="4038600" y="6356350"/>
+            <a:ext cx="4114800" cy="365125"/>
+          </a:xfrm>
+          <a:prstGeom prst="rect">
+            <a:avLst/>
+          </a:prstGeom>
+        </p:spPr>
+        <p:txBody>
+          <a:bodyPr vert="horz" lIns="91440" tIns="45720" rIns="91440" bIns="45720" rtlCol="0" anchor="ctr"/>
+          <a:lstStyle>
+            <a:defPPr>
+              <a:defRPr lang="en-US"/>
+            </a:defPPr>
+            <a:lvl1pPr marL="0" algn="ctr" defTabSz="914400" rtl="0" eaLnBrk="1" latinLnBrk="0" hangingPunct="1">
+              <a:defRPr sz="1600" kern="1200">
+                <a:solidFill>
+                  <a:schemeClr val="tx1">
+                    <a:tint val="75000"/>
+                  </a:schemeClr>
+                </a:solidFill>
+                <a:latin typeface="+mn-lt"/>
+                <a:ea typeface="+mn-ea"/>
+                <a:cs typeface="+mn-cs"/>
+              </a:defRPr>
+            </a:lvl1pPr>
+            <a:lvl2pPr marL="457200" algn="l" defTabSz="914400" rtl="0" eaLnBrk="1" latinLnBrk="0" hangingPunct="1">
+              <a:defRPr sz="1800" kern="1200">
+                <a:solidFill>
+                  <a:schemeClr val="tx1"/>
+                </a:solidFill>
+                <a:latin typeface="+mn-lt"/>
+                <a:ea typeface="+mn-ea"/>
+                <a:cs typeface="+mn-cs"/>
+              </a:defRPr>
+            </a:lvl2pPr>
+            <a:lvl3pPr marL="914400" algn="l" defTabSz="914400" rtl="0" eaLnBrk="1" latinLnBrk="0" hangingPunct="1">
+              <a:defRPr sz="1800" kern="1200">
+                <a:solidFill>
+                  <a:schemeClr val="tx1"/>
+                </a:solidFill>
+                <a:latin typeface="+mn-lt"/>
+                <a:ea typeface="+mn-ea"/>
+                <a:cs typeface="+mn-cs"/>
+              </a:defRPr>
+            </a:lvl3pPr>
+            <a:lvl4pPr marL="1371600" algn="l" defTabSz="914400" rtl="0" eaLnBrk="1" latinLnBrk="0" hangingPunct="1">
+              <a:defRPr sz="1800" kern="1200">
+                <a:solidFill>
+                  <a:schemeClr val="tx1"/>
+                </a:solidFill>
+                <a:latin typeface="+mn-lt"/>
+                <a:ea typeface="+mn-ea"/>
+                <a:cs typeface="+mn-cs"/>
+              </a:defRPr>
+            </a:lvl4pPr>
+            <a:lvl5pPr marL="1828800" algn="l" defTabSz="914400" rtl="0" eaLnBrk="1" latinLnBrk="0" hangingPunct="1">
+              <a:defRPr sz="1800" kern="1200">
+                <a:solidFill>
+                  <a:schemeClr val="tx1"/>
+                </a:solidFill>
+                <a:latin typeface="+mn-lt"/>
+                <a:ea typeface="+mn-ea"/>
+                <a:cs typeface="+mn-cs"/>
+              </a:defRPr>
+            </a:lvl5pPr>
+            <a:lvl6pPr marL="2286000" algn="l" defTabSz="914400" rtl="0" eaLnBrk="1" latinLnBrk="0" hangingPunct="1">
+              <a:defRPr sz="1800" kern="1200">
+                <a:solidFill>
+                  <a:schemeClr val="tx1"/>
+                </a:solidFill>
+                <a:latin typeface="+mn-lt"/>
+                <a:ea typeface="+mn-ea"/>
+                <a:cs typeface="+mn-cs"/>
+              </a:defRPr>
+            </a:lvl6pPr>
+            <a:lvl7pPr marL="2743200" algn="l" defTabSz="914400" rtl="0" eaLnBrk="1" latinLnBrk="0" hangingPunct="1">
+              <a:defRPr sz="1800" kern="1200">
+                <a:solidFill>
+                  <a:schemeClr val="tx1"/>
+                </a:solidFill>
+                <a:latin typeface="+mn-lt"/>
+                <a:ea typeface="+mn-ea"/>
+                <a:cs typeface="+mn-cs"/>
+              </a:defRPr>
+            </a:lvl7pPr>
+            <a:lvl8pPr marL="3200400" algn="l" defTabSz="914400" rtl="0" eaLnBrk="1" latinLnBrk="0" hangingPunct="1">
+              <a:defRPr sz="1800" kern="1200">
+                <a:solidFill>
+                  <a:schemeClr val="tx1"/>
+                </a:solidFill>
+                <a:latin typeface="+mn-lt"/>
+                <a:ea typeface="+mn-ea"/>
+                <a:cs typeface="+mn-cs"/>
+              </a:defRPr>
+            </a:lvl8pPr>
+            <a:lvl9pPr marL="3657600" algn="l" defTabSz="914400" rtl="0" eaLnBrk="1" latinLnBrk="0" hangingPunct="1">
+              <a:defRPr sz="1800" kern="1200">
+                <a:solidFill>
+                  <a:schemeClr val="tx1"/>
+                </a:solidFill>
+                <a:latin typeface="+mn-lt"/>
+                <a:ea typeface="+mn-ea"/>
+                <a:cs typeface="+mn-cs"/>
+              </a:defRPr>
+            </a:lvl9pPr>
+          </a:lstStyle>
+          <a:p>
+            <a:endParaRPr lang="en-US" dirty="0">
+              <a:solidFill>
+                <a:schemeClr val="tx1"/>
+              </a:solidFill>
+            </a:endParaRPr>
+          </a:p>
+        </p:txBody>
+      </p:sp>
+      <p:sp>
+        <p:nvSpPr>
+          <p:cNvPr id="88" name="Slide Number Placeholder 28">
+            <a:extLst>
+              <a:ext uri="{FF2B5EF4-FFF2-40B4-BE49-F238E27FC236}">
+                <a16:creationId xmlns:a16="http://schemas.microsoft.com/office/drawing/2014/main" id="{B5EA49A9-01EB-4D60-A392-7DC9B625D67D}"/>
+              </a:ext>
+              <a:ext uri="{C183D7F6-B498-43B3-948B-1728B52AA6E4}">
+                <adec:decorative xmlns:adec="http://schemas.microsoft.com/office/drawing/2017/decorative" val="1"/>
+              </a:ext>
+            </a:extLst>
+          </p:cNvPr>
+          <p:cNvSpPr txBox="1">
+            <a:spLocks noGrp="1" noRot="1" noChangeAspect="1" noMove="1" noResize="1" noEditPoints="1" noAdjustHandles="1" noChangeArrowheads="1" noChangeShapeType="1" noTextEdit="1"/>
+          </p:cNvSpPr>
+          <p:nvPr>
+            <p:extLst>
+              <p:ext uri="{386F3935-93C4-4BCD-93E2-E3B085C9AB24}">
+                <p16:designElem xmlns:p16="http://schemas.microsoft.com/office/powerpoint/2015/main" val="1"/>
+              </p:ext>
+            </p:extLst>
+          </p:nvPr>
+        </p:nvSpPr>
+        <p:spPr>
+          <a:xfrm>
+            <a:off x="8610600" y="6356350"/>
+            <a:ext cx="2743200" cy="365125"/>
+          </a:xfrm>
+          <a:prstGeom prst="rect">
+            <a:avLst/>
+          </a:prstGeom>
+        </p:spPr>
+        <p:txBody>
+          <a:bodyPr vert="horz" lIns="91440" tIns="45720" rIns="91440" bIns="45720" rtlCol="0" anchor="ctr"/>
+          <a:lstStyle>
+            <a:defPPr>
+              <a:defRPr lang="en-US"/>
+            </a:defPPr>
+            <a:lvl1pPr marL="0" algn="r" defTabSz="914400" rtl="0" eaLnBrk="1" latinLnBrk="0" hangingPunct="1">
+              <a:defRPr sz="1600" kern="1200">
+                <a:solidFill>
+                  <a:schemeClr val="tx1">
+                    <a:tint val="75000"/>
+                  </a:schemeClr>
+                </a:solidFill>
+                <a:latin typeface="+mn-lt"/>
+                <a:ea typeface="+mn-ea"/>
+                <a:cs typeface="+mn-cs"/>
+              </a:defRPr>
+            </a:lvl1pPr>
+            <a:lvl2pPr marL="457200" algn="l" defTabSz="914400" rtl="0" eaLnBrk="1" latinLnBrk="0" hangingPunct="1">
+              <a:defRPr sz="1800" kern="1200">
+                <a:solidFill>
+                  <a:schemeClr val="tx1"/>
+                </a:solidFill>
+                <a:latin typeface="+mn-lt"/>
+                <a:ea typeface="+mn-ea"/>
+                <a:cs typeface="+mn-cs"/>
+              </a:defRPr>
+            </a:lvl2pPr>
+            <a:lvl3pPr marL="914400" algn="l" defTabSz="914400" rtl="0" eaLnBrk="1" latinLnBrk="0" hangingPunct="1">
+              <a:defRPr sz="1800" kern="1200">
+                <a:solidFill>
+                  <a:schemeClr val="tx1"/>
+                </a:solidFill>
+                <a:latin typeface="+mn-lt"/>
+                <a:ea typeface="+mn-ea"/>
+                <a:cs typeface="+mn-cs"/>
+              </a:defRPr>
+            </a:lvl3pPr>
+            <a:lvl4pPr marL="1371600" algn="l" defTabSz="914400" rtl="0" eaLnBrk="1" latinLnBrk="0" hangingPunct="1">
+              <a:defRPr sz="1800" kern="1200">
+                <a:solidFill>
+                  <a:schemeClr val="tx1"/>
+                </a:solidFill>
+                <a:latin typeface="+mn-lt"/>
+                <a:ea typeface="+mn-ea"/>
+                <a:cs typeface="+mn-cs"/>
+              </a:defRPr>
+            </a:lvl4pPr>
+            <a:lvl5pPr marL="1828800" algn="l" defTabSz="914400" rtl="0" eaLnBrk="1" latinLnBrk="0" hangingPunct="1">
+              <a:defRPr sz="1800" kern="1200">
+                <a:solidFill>
+                  <a:schemeClr val="tx1"/>
+                </a:solidFill>
+                <a:latin typeface="+mn-lt"/>
+                <a:ea typeface="+mn-ea"/>
+                <a:cs typeface="+mn-cs"/>
+              </a:defRPr>
+            </a:lvl5pPr>
+            <a:lvl6pPr marL="2286000" algn="l" defTabSz="914400" rtl="0" eaLnBrk="1" latinLnBrk="0" hangingPunct="1">
+              <a:defRPr sz="1800" kern="1200">
+                <a:solidFill>
+                  <a:schemeClr val="tx1"/>
+                </a:solidFill>
+                <a:latin typeface="+mn-lt"/>
+                <a:ea typeface="+mn-ea"/>
+                <a:cs typeface="+mn-cs"/>
+              </a:defRPr>
+            </a:lvl6pPr>
+            <a:lvl7pPr marL="2743200" algn="l" defTabSz="914400" rtl="0" eaLnBrk="1" latinLnBrk="0" hangingPunct="1">
+              <a:defRPr sz="1800" kern="1200">
+                <a:solidFill>
+                  <a:schemeClr val="tx1"/>
+                </a:solidFill>
+                <a:latin typeface="+mn-lt"/>
+                <a:ea typeface="+mn-ea"/>
+                <a:cs typeface="+mn-cs"/>
+              </a:defRPr>
+            </a:lvl7pPr>
+            <a:lvl8pPr marL="3200400" algn="l" defTabSz="914400" rtl="0" eaLnBrk="1" latinLnBrk="0" hangingPunct="1">
+              <a:defRPr sz="1800" kern="1200">
+                <a:solidFill>
+                  <a:schemeClr val="tx1"/>
+                </a:solidFill>
+                <a:latin typeface="+mn-lt"/>
+                <a:ea typeface="+mn-ea"/>
+                <a:cs typeface="+mn-cs"/>
+              </a:defRPr>
+            </a:lvl8pPr>
+            <a:lvl9pPr marL="3657600" algn="l" defTabSz="914400" rtl="0" eaLnBrk="1" latinLnBrk="0" hangingPunct="1">
+              <a:defRPr sz="1800" kern="1200">
+                <a:solidFill>
+                  <a:schemeClr val="tx1"/>
+                </a:solidFill>
+                <a:latin typeface="+mn-lt"/>
+                <a:ea typeface="+mn-ea"/>
+                <a:cs typeface="+mn-cs"/>
+              </a:defRPr>
+            </a:lvl9pPr>
+          </a:lstStyle>
+          <a:p>
+            <a:endParaRPr lang="en-US" dirty="0">
+              <a:solidFill>
+                <a:schemeClr val="tx1"/>
+              </a:solidFill>
+            </a:endParaRPr>
+          </a:p>
+        </p:txBody>
+      </p:sp>
+    </p:spTree>
+    <p:extLst>
+      <p:ext uri="{BB962C8B-B14F-4D97-AF65-F5344CB8AC3E}">
+        <p14:creationId xmlns:p14="http://schemas.microsoft.com/office/powerpoint/2010/main" val="3526131452"/>
+      </p:ext>
+    </p:extLst>
+  </p:cSld>
+  <p:clrMapOvr>
+    <a:masterClrMapping/>
+  </p:clrMapOvr>
+</p:sld>
+</file>
+
+<file path=ppt/slides/slide9.xml><?xml version="1.0" encoding="utf-8"?>
+<p:sld xmlns:a="http://schemas.openxmlformats.org/drawingml/2006/main" xmlns:r="http://schemas.openxmlformats.org/officeDocument/2006/relationships" xmlns:p="http://schemas.openxmlformats.org/presentationml/2006/main">
+  <p:cSld>
+    <p:bg>
+      <p:bgPr>
+        <a:solidFill>
+          <a:schemeClr val="bg1"/>
+        </a:solidFill>
+        <a:effectLst/>
+      </p:bgPr>
+    </p:bg>
+    <p:spTree>
+      <p:nvGrpSpPr>
+        <p:cNvPr id="1" name=""/>
+        <p:cNvGrpSpPr/>
+        <p:nvPr/>
+      </p:nvGrpSpPr>
+      <p:grpSpPr>
+        <a:xfrm>
+          <a:off x="0" y="0"/>
+          <a:ext cx="0" cy="0"/>
+          <a:chOff x="0" y="0"/>
+          <a:chExt cx="0" cy="0"/>
+        </a:xfrm>
+      </p:grpSpPr>
+      <p:sp>
+        <p:nvSpPr>
           <p:cNvPr id="32" name="Rectangle 6">
             <a:extLst>
               <a:ext uri="{FF2B5EF4-FFF2-40B4-BE49-F238E27FC236}">
@@ -30512,7 +32383,7 @@
                   <a:spcPts val="600"/>
                 </a:spcAft>
               </a:pPr>
-              <a:t>8</a:t>
+              <a:t>9</a:t>
             </a:fld>
             <a:endParaRPr lang="en-US"/>
           </a:p>
@@ -30565,576 +32436,6 @@
     <p:extLst>
       <p:ext uri="{BB962C8B-B14F-4D97-AF65-F5344CB8AC3E}">
         <p14:creationId xmlns:p14="http://schemas.microsoft.com/office/powerpoint/2010/main" val="1795373339"/>
-      </p:ext>
-    </p:extLst>
-  </p:cSld>
-  <p:clrMapOvr>
-    <a:masterClrMapping/>
-  </p:clrMapOvr>
-</p:sld>
-</file>
-
-<file path=ppt/slides/slide9.xml><?xml version="1.0" encoding="utf-8"?>
-<p:sld xmlns:a="http://schemas.openxmlformats.org/drawingml/2006/main" xmlns:r="http://schemas.openxmlformats.org/officeDocument/2006/relationships" xmlns:p="http://schemas.openxmlformats.org/presentationml/2006/main">
-  <p:cSld>
-    <p:bg>
-      <p:bgPr>
-        <a:solidFill>
-          <a:schemeClr val="bg1"/>
-        </a:solidFill>
-        <a:effectLst/>
-      </p:bgPr>
-    </p:bg>
-    <p:spTree>
-      <p:nvGrpSpPr>
-        <p:cNvPr id="1" name=""/>
-        <p:cNvGrpSpPr/>
-        <p:nvPr/>
-      </p:nvGrpSpPr>
-      <p:grpSpPr>
-        <a:xfrm>
-          <a:off x="0" y="0"/>
-          <a:ext cx="0" cy="0"/>
-          <a:chOff x="0" y="0"/>
-          <a:chExt cx="0" cy="0"/>
-        </a:xfrm>
-      </p:grpSpPr>
-      <p:sp>
-        <p:nvSpPr>
-          <p:cNvPr id="32" name="Rectangle 6">
-            <a:extLst>
-              <a:ext uri="{FF2B5EF4-FFF2-40B4-BE49-F238E27FC236}">
-                <a16:creationId xmlns:a16="http://schemas.microsoft.com/office/drawing/2014/main" id="{DA381740-063A-41A4-836D-85D14980EEF0}"/>
-              </a:ext>
-              <a:ext uri="{C183D7F6-B498-43B3-948B-1728B52AA6E4}">
-                <adec:decorative xmlns:adec="http://schemas.microsoft.com/office/drawing/2017/decorative" val="1"/>
-              </a:ext>
-            </a:extLst>
-          </p:cNvPr>
-          <p:cNvSpPr>
-            <a:spLocks noGrp="1" noRot="1" noChangeAspect="1" noMove="1" noResize="1" noEditPoints="1" noAdjustHandles="1" noChangeArrowheads="1" noChangeShapeType="1" noTextEdit="1"/>
-          </p:cNvSpPr>
-          <p:nvPr>
-            <p:extLst>
-              <p:ext uri="{386F3935-93C4-4BCD-93E2-E3B085C9AB24}">
-                <p16:designElem xmlns:p16="http://schemas.microsoft.com/office/powerpoint/2015/main" val="1"/>
-              </p:ext>
-            </p:extLst>
-          </p:nvPr>
-        </p:nvSpPr>
-        <p:spPr>
-          <a:xfrm>
-            <a:off x="838200" y="4736883"/>
-            <a:ext cx="4243589" cy="27432"/>
-          </a:xfrm>
-          <a:custGeom>
-            <a:avLst/>
-            <a:gdLst>
-              <a:gd name="connsiteX0" fmla="*/ 0 w 4243589"/>
-              <a:gd name="connsiteY0" fmla="*/ 0 h 27432"/>
-              <a:gd name="connsiteX1" fmla="*/ 563791 w 4243589"/>
-              <a:gd name="connsiteY1" fmla="*/ 0 h 27432"/>
-              <a:gd name="connsiteX2" fmla="*/ 1042710 w 4243589"/>
-              <a:gd name="connsiteY2" fmla="*/ 0 h 27432"/>
-              <a:gd name="connsiteX3" fmla="*/ 1564066 w 4243589"/>
-              <a:gd name="connsiteY3" fmla="*/ 0 h 27432"/>
-              <a:gd name="connsiteX4" fmla="*/ 2212729 w 4243589"/>
-              <a:gd name="connsiteY4" fmla="*/ 0 h 27432"/>
-              <a:gd name="connsiteX5" fmla="*/ 2776520 w 4243589"/>
-              <a:gd name="connsiteY5" fmla="*/ 0 h 27432"/>
-              <a:gd name="connsiteX6" fmla="*/ 3297875 w 4243589"/>
-              <a:gd name="connsiteY6" fmla="*/ 0 h 27432"/>
-              <a:gd name="connsiteX7" fmla="*/ 4243589 w 4243589"/>
-              <a:gd name="connsiteY7" fmla="*/ 0 h 27432"/>
-              <a:gd name="connsiteX8" fmla="*/ 4243589 w 4243589"/>
-              <a:gd name="connsiteY8" fmla="*/ 27432 h 27432"/>
-              <a:gd name="connsiteX9" fmla="*/ 3637362 w 4243589"/>
-              <a:gd name="connsiteY9" fmla="*/ 27432 h 27432"/>
-              <a:gd name="connsiteX10" fmla="*/ 3116007 w 4243589"/>
-              <a:gd name="connsiteY10" fmla="*/ 27432 h 27432"/>
-              <a:gd name="connsiteX11" fmla="*/ 2424908 w 4243589"/>
-              <a:gd name="connsiteY11" fmla="*/ 27432 h 27432"/>
-              <a:gd name="connsiteX12" fmla="*/ 1861117 w 4243589"/>
-              <a:gd name="connsiteY12" fmla="*/ 27432 h 27432"/>
-              <a:gd name="connsiteX13" fmla="*/ 1382198 w 4243589"/>
-              <a:gd name="connsiteY13" fmla="*/ 27432 h 27432"/>
-              <a:gd name="connsiteX14" fmla="*/ 733535 w 4243589"/>
-              <a:gd name="connsiteY14" fmla="*/ 27432 h 27432"/>
-              <a:gd name="connsiteX15" fmla="*/ 0 w 4243589"/>
-              <a:gd name="connsiteY15" fmla="*/ 27432 h 27432"/>
-              <a:gd name="connsiteX16" fmla="*/ 0 w 4243589"/>
-              <a:gd name="connsiteY16" fmla="*/ 0 h 27432"/>
-            </a:gdLst>
-            <a:ahLst/>
-            <a:cxnLst>
-              <a:cxn ang="0">
-                <a:pos x="connsiteX0" y="connsiteY0"/>
-              </a:cxn>
-              <a:cxn ang="0">
-                <a:pos x="connsiteX1" y="connsiteY1"/>
-              </a:cxn>
-              <a:cxn ang="0">
-                <a:pos x="connsiteX2" y="connsiteY2"/>
-              </a:cxn>
-              <a:cxn ang="0">
-                <a:pos x="connsiteX3" y="connsiteY3"/>
-              </a:cxn>
-              <a:cxn ang="0">
-                <a:pos x="connsiteX4" y="connsiteY4"/>
-              </a:cxn>
-              <a:cxn ang="0">
-                <a:pos x="connsiteX5" y="connsiteY5"/>
-              </a:cxn>
-              <a:cxn ang="0">
-                <a:pos x="connsiteX6" y="connsiteY6"/>
-              </a:cxn>
-              <a:cxn ang="0">
-                <a:pos x="connsiteX7" y="connsiteY7"/>
-              </a:cxn>
-              <a:cxn ang="0">
-                <a:pos x="connsiteX8" y="connsiteY8"/>
-              </a:cxn>
-              <a:cxn ang="0">
-                <a:pos x="connsiteX9" y="connsiteY9"/>
-              </a:cxn>
-              <a:cxn ang="0">
-                <a:pos x="connsiteX10" y="connsiteY10"/>
-              </a:cxn>
-              <a:cxn ang="0">
-                <a:pos x="connsiteX11" y="connsiteY11"/>
-              </a:cxn>
-              <a:cxn ang="0">
-                <a:pos x="connsiteX12" y="connsiteY12"/>
-              </a:cxn>
-              <a:cxn ang="0">
-                <a:pos x="connsiteX13" y="connsiteY13"/>
-              </a:cxn>
-              <a:cxn ang="0">
-                <a:pos x="connsiteX14" y="connsiteY14"/>
-              </a:cxn>
-              <a:cxn ang="0">
-                <a:pos x="connsiteX15" y="connsiteY15"/>
-              </a:cxn>
-              <a:cxn ang="0">
-                <a:pos x="connsiteX16" y="connsiteY16"/>
-              </a:cxn>
-            </a:cxnLst>
-            <a:rect l="l" t="t" r="r" b="b"/>
-            <a:pathLst>
-              <a:path w="4243589" h="27432" fill="none" extrusionOk="0">
-                <a:moveTo>
-                  <a:pt x="0" y="0"/>
-                </a:moveTo>
-                <a:cubicBezTo>
-                  <a:pt x="157351" y="-15653"/>
-                  <a:pt x="378877" y="-5828"/>
-                  <a:pt x="563791" y="0"/>
-                </a:cubicBezTo>
-                <a:cubicBezTo>
-                  <a:pt x="748705" y="5828"/>
-                  <a:pt x="905659" y="-5525"/>
-                  <a:pt x="1042710" y="0"/>
-                </a:cubicBezTo>
-                <a:cubicBezTo>
-                  <a:pt x="1179761" y="5525"/>
-                  <a:pt x="1356845" y="-21288"/>
-                  <a:pt x="1564066" y="0"/>
-                </a:cubicBezTo>
-                <a:cubicBezTo>
-                  <a:pt x="1771287" y="21288"/>
-                  <a:pt x="1912099" y="25135"/>
-                  <a:pt x="2212729" y="0"/>
-                </a:cubicBezTo>
-                <a:cubicBezTo>
-                  <a:pt x="2513359" y="-25135"/>
-                  <a:pt x="2514918" y="-27119"/>
-                  <a:pt x="2776520" y="0"/>
-                </a:cubicBezTo>
-                <a:cubicBezTo>
-                  <a:pt x="3038122" y="27119"/>
-                  <a:pt x="3178771" y="18116"/>
-                  <a:pt x="3297875" y="0"/>
-                </a:cubicBezTo>
-                <a:cubicBezTo>
-                  <a:pt x="3416980" y="-18116"/>
-                  <a:pt x="4012240" y="-40869"/>
-                  <a:pt x="4243589" y="0"/>
-                </a:cubicBezTo>
-                <a:cubicBezTo>
-                  <a:pt x="4242616" y="8304"/>
-                  <a:pt x="4243111" y="21512"/>
-                  <a:pt x="4243589" y="27432"/>
-                </a:cubicBezTo>
-                <a:cubicBezTo>
-                  <a:pt x="4112949" y="6289"/>
-                  <a:pt x="3928037" y="10975"/>
-                  <a:pt x="3637362" y="27432"/>
-                </a:cubicBezTo>
-                <a:cubicBezTo>
-                  <a:pt x="3346687" y="43889"/>
-                  <a:pt x="3254446" y="35813"/>
-                  <a:pt x="3116007" y="27432"/>
-                </a:cubicBezTo>
-                <a:cubicBezTo>
-                  <a:pt x="2977569" y="19051"/>
-                  <a:pt x="2620228" y="38017"/>
-                  <a:pt x="2424908" y="27432"/>
-                </a:cubicBezTo>
-                <a:cubicBezTo>
-                  <a:pt x="2229588" y="16847"/>
-                  <a:pt x="2088287" y="5290"/>
-                  <a:pt x="1861117" y="27432"/>
-                </a:cubicBezTo>
-                <a:cubicBezTo>
-                  <a:pt x="1633947" y="49574"/>
-                  <a:pt x="1502447" y="8273"/>
-                  <a:pt x="1382198" y="27432"/>
-                </a:cubicBezTo>
-                <a:cubicBezTo>
-                  <a:pt x="1261949" y="46591"/>
-                  <a:pt x="1045440" y="37497"/>
-                  <a:pt x="733535" y="27432"/>
-                </a:cubicBezTo>
-                <a:cubicBezTo>
-                  <a:pt x="421630" y="17367"/>
-                  <a:pt x="341257" y="-9215"/>
-                  <a:pt x="0" y="27432"/>
-                </a:cubicBezTo>
-                <a:cubicBezTo>
-                  <a:pt x="-1048" y="14992"/>
-                  <a:pt x="-1120" y="7447"/>
-                  <a:pt x="0" y="0"/>
-                </a:cubicBezTo>
-                <a:close/>
-              </a:path>
-              <a:path w="4243589" h="27432" stroke="0" extrusionOk="0">
-                <a:moveTo>
-                  <a:pt x="0" y="0"/>
-                </a:moveTo>
-                <a:cubicBezTo>
-                  <a:pt x="128164" y="17204"/>
-                  <a:pt x="312653" y="1129"/>
-                  <a:pt x="563791" y="0"/>
-                </a:cubicBezTo>
-                <a:cubicBezTo>
-                  <a:pt x="814929" y="-1129"/>
-                  <a:pt x="837271" y="8503"/>
-                  <a:pt x="1042710" y="0"/>
-                </a:cubicBezTo>
-                <a:cubicBezTo>
-                  <a:pt x="1248149" y="-8503"/>
-                  <a:pt x="1588432" y="-28862"/>
-                  <a:pt x="1733809" y="0"/>
-                </a:cubicBezTo>
-                <a:cubicBezTo>
-                  <a:pt x="1879186" y="28862"/>
-                  <a:pt x="2052815" y="5974"/>
-                  <a:pt x="2297600" y="0"/>
-                </a:cubicBezTo>
-                <a:cubicBezTo>
-                  <a:pt x="2542385" y="-5974"/>
-                  <a:pt x="2699960" y="-23550"/>
-                  <a:pt x="2861391" y="0"/>
-                </a:cubicBezTo>
-                <a:cubicBezTo>
-                  <a:pt x="3022822" y="23550"/>
-                  <a:pt x="3390411" y="25272"/>
-                  <a:pt x="3552490" y="0"/>
-                </a:cubicBezTo>
-                <a:cubicBezTo>
-                  <a:pt x="3714569" y="-25272"/>
-                  <a:pt x="3950585" y="-31327"/>
-                  <a:pt x="4243589" y="0"/>
-                </a:cubicBezTo>
-                <a:cubicBezTo>
-                  <a:pt x="4244074" y="9333"/>
-                  <a:pt x="4244867" y="19699"/>
-                  <a:pt x="4243589" y="27432"/>
-                </a:cubicBezTo>
-                <a:cubicBezTo>
-                  <a:pt x="4130424" y="7904"/>
-                  <a:pt x="3932803" y="51393"/>
-                  <a:pt x="3722234" y="27432"/>
-                </a:cubicBezTo>
-                <a:cubicBezTo>
-                  <a:pt x="3511665" y="3471"/>
-                  <a:pt x="3269903" y="55138"/>
-                  <a:pt x="3116007" y="27432"/>
-                </a:cubicBezTo>
-                <a:cubicBezTo>
-                  <a:pt x="2962111" y="-274"/>
-                  <a:pt x="2744280" y="32368"/>
-                  <a:pt x="2509780" y="27432"/>
-                </a:cubicBezTo>
-                <a:cubicBezTo>
-                  <a:pt x="2275280" y="22496"/>
-                  <a:pt x="2066059" y="52808"/>
-                  <a:pt x="1945989" y="27432"/>
-                </a:cubicBezTo>
-                <a:cubicBezTo>
-                  <a:pt x="1825919" y="2056"/>
-                  <a:pt x="1407329" y="21760"/>
-                  <a:pt x="1254890" y="27432"/>
-                </a:cubicBezTo>
-                <a:cubicBezTo>
-                  <a:pt x="1102451" y="33104"/>
-                  <a:pt x="837950" y="40817"/>
-                  <a:pt x="563791" y="27432"/>
-                </a:cubicBezTo>
-                <a:cubicBezTo>
-                  <a:pt x="289632" y="14047"/>
-                  <a:pt x="132768" y="16249"/>
-                  <a:pt x="0" y="27432"/>
-                </a:cubicBezTo>
-                <a:cubicBezTo>
-                  <a:pt x="211" y="18145"/>
-                  <a:pt x="120" y="6480"/>
-                  <a:pt x="0" y="0"/>
-                </a:cubicBezTo>
-                <a:close/>
-              </a:path>
-            </a:pathLst>
-          </a:custGeom>
-          <a:solidFill>
-            <a:schemeClr val="tx1"/>
-          </a:solidFill>
-          <a:ln w="38100" cap="rnd">
-            <a:solidFill>
-              <a:schemeClr val="tx1"/>
-            </a:solidFill>
-            <a:round/>
-            <a:extLst>
-              <a:ext uri="{C807C97D-BFC1-408E-A445-0C87EB9F89A2}">
-                <ask:lineSketchStyleProps xmlns:ask="http://schemas.microsoft.com/office/drawing/2018/sketchyshapes" sd="1219033472">
-                  <a:prstGeom prst="rect">
-                    <a:avLst/>
-                  </a:prstGeom>
-                  <ask:type>
-                    <ask:lineSketchFreehand/>
-                  </ask:type>
-                </ask:lineSketchStyleProps>
-              </a:ext>
-            </a:extLst>
-          </a:ln>
-        </p:spPr>
-        <p:style>
-          <a:lnRef idx="2">
-            <a:schemeClr val="accent1">
-              <a:shade val="50000"/>
-            </a:schemeClr>
-          </a:lnRef>
-          <a:fillRef idx="1">
-            <a:schemeClr val="accent1"/>
-          </a:fillRef>
-          <a:effectRef idx="0">
-            <a:schemeClr val="accent1"/>
-          </a:effectRef>
-          <a:fontRef idx="minor">
-            <a:schemeClr val="lt1"/>
-          </a:fontRef>
-        </p:style>
-        <p:txBody>
-          <a:bodyPr rtlCol="0" anchor="ctr"/>
-          <a:lstStyle/>
-          <a:p>
-            <a:pPr algn="ctr"/>
-            <a:endParaRPr lang="en-US">
-              <a:solidFill>
-                <a:schemeClr val="tx1"/>
-              </a:solidFill>
-            </a:endParaRPr>
-          </a:p>
-        </p:txBody>
-      </p:sp>
-      <p:sp useBgFill="1">
-        <p:nvSpPr>
-          <p:cNvPr id="34" name="Rectangle 33">
-            <a:extLst>
-              <a:ext uri="{FF2B5EF4-FFF2-40B4-BE49-F238E27FC236}">
-                <a16:creationId xmlns:a16="http://schemas.microsoft.com/office/drawing/2014/main" id="{BCED4D40-4B67-4331-AC48-79B82B4A47D8}"/>
-              </a:ext>
-              <a:ext uri="{C183D7F6-B498-43B3-948B-1728B52AA6E4}">
-                <adec:decorative xmlns:adec="http://schemas.microsoft.com/office/drawing/2017/decorative" val="1"/>
-              </a:ext>
-            </a:extLst>
-          </p:cNvPr>
-          <p:cNvSpPr>
-            <a:spLocks noGrp="1" noRot="1" noChangeAspect="1" noMove="1" noResize="1" noEditPoints="1" noAdjustHandles="1" noChangeArrowheads="1" noChangeShapeType="1" noTextEdit="1"/>
-          </p:cNvSpPr>
-          <p:nvPr>
-            <p:extLst>
-              <p:ext uri="{386F3935-93C4-4BCD-93E2-E3B085C9AB24}">
-                <p16:designElem xmlns:p16="http://schemas.microsoft.com/office/powerpoint/2015/main" val="1"/>
-              </p:ext>
-            </p:extLst>
-          </p:nvPr>
-        </p:nvSpPr>
-        <p:spPr>
-          <a:xfrm>
-            <a:off x="0" y="0"/>
-            <a:ext cx="12192000" cy="6858000"/>
-          </a:xfrm>
-          <a:prstGeom prst="rect">
-            <a:avLst/>
-          </a:prstGeom>
-          <a:ln>
-            <a:noFill/>
-          </a:ln>
-        </p:spPr>
-        <p:style>
-          <a:lnRef idx="2">
-            <a:schemeClr val="accent1">
-              <a:shade val="50000"/>
-            </a:schemeClr>
-          </a:lnRef>
-          <a:fillRef idx="1">
-            <a:schemeClr val="accent1"/>
-          </a:fillRef>
-          <a:effectRef idx="0">
-            <a:schemeClr val="accent1"/>
-          </a:effectRef>
-          <a:fontRef idx="minor">
-            <a:schemeClr val="lt1"/>
-          </a:fontRef>
-        </p:style>
-        <p:txBody>
-          <a:bodyPr rtlCol="0" anchor="ctr"/>
-          <a:lstStyle/>
-          <a:p>
-            <a:pPr algn="ctr"/>
-            <a:endParaRPr lang="en-US"/>
-          </a:p>
-        </p:txBody>
-      </p:sp>
-      <p:sp>
-        <p:nvSpPr>
-          <p:cNvPr id="4" name="Title 3">
-            <a:extLst>
-              <a:ext uri="{FF2B5EF4-FFF2-40B4-BE49-F238E27FC236}">
-                <a16:creationId xmlns:a16="http://schemas.microsoft.com/office/drawing/2014/main" id="{858C0DDC-D116-43DA-B0B5-A6A82668AD5D}"/>
-              </a:ext>
-            </a:extLst>
-          </p:cNvPr>
-          <p:cNvSpPr>
-            <a:spLocks noGrp="1"/>
-          </p:cNvSpPr>
-          <p:nvPr>
-            <p:ph type="title"/>
-          </p:nvPr>
-        </p:nvSpPr>
-        <p:spPr>
-          <a:xfrm>
-            <a:off x="638881" y="323255"/>
-            <a:ext cx="10909640" cy="904970"/>
-          </a:xfrm>
-        </p:spPr>
-        <p:txBody>
-          <a:bodyPr vert="horz" lIns="91440" tIns="45720" rIns="91440" bIns="45720" rtlCol="0" anchor="ctr">
-            <a:normAutofit/>
-          </a:bodyPr>
-          <a:lstStyle/>
-          <a:p>
-            <a:pPr algn="ctr">
-              <a:lnSpc>
-                <a:spcPct val="90000"/>
-              </a:lnSpc>
-            </a:pPr>
-            <a:r>
-              <a:rPr lang="en-US" sz="5600" dirty="0">
-                <a:solidFill>
-                  <a:schemeClr val="accent4"/>
-                </a:solidFill>
-              </a:rPr>
-              <a:t>User Use Case Diagram</a:t>
-            </a:r>
-          </a:p>
-        </p:txBody>
-      </p:sp>
-      <p:sp>
-        <p:nvSpPr>
-          <p:cNvPr id="6" name="Slide Number Placeholder 5">
-            <a:extLst>
-              <a:ext uri="{FF2B5EF4-FFF2-40B4-BE49-F238E27FC236}">
-                <a16:creationId xmlns:a16="http://schemas.microsoft.com/office/drawing/2014/main" id="{D9E1B180-F4BB-46B9-937E-3469FC6819B6}"/>
-              </a:ext>
-            </a:extLst>
-          </p:cNvPr>
-          <p:cNvSpPr>
-            <a:spLocks noGrp="1"/>
-          </p:cNvSpPr>
-          <p:nvPr>
-            <p:ph type="sldNum" sz="quarter" idx="12"/>
-          </p:nvPr>
-        </p:nvSpPr>
-        <p:spPr>
-          <a:xfrm>
-            <a:off x="8610600" y="136525"/>
-            <a:ext cx="2743200" cy="365125"/>
-          </a:xfrm>
-        </p:spPr>
-        <p:txBody>
-          <a:bodyPr vert="horz" lIns="91440" tIns="45720" rIns="91440" bIns="45720" rtlCol="0" anchor="ctr">
-            <a:normAutofit/>
-          </a:bodyPr>
-          <a:lstStyle/>
-          <a:p>
-            <a:pPr>
-              <a:spcAft>
-                <a:spcPts val="600"/>
-              </a:spcAft>
-            </a:pPr>
-            <a:fld id="{2C18C1E5-FB55-42F5-BD6D-9CC153FCDBE6}" type="slidenum">
-              <a:rPr lang="en-US"/>
-              <a:pPr>
-                <a:spcAft>
-                  <a:spcPts val="600"/>
-                </a:spcAft>
-              </a:pPr>
-              <a:t>9</a:t>
-            </a:fld>
-            <a:endParaRPr lang="en-US"/>
-          </a:p>
-        </p:txBody>
-      </p:sp>
-      <p:pic>
-        <p:nvPicPr>
-          <p:cNvPr id="2" name="Picture 2" descr="Diagram&#10;&#10;Description automatically generated">
-            <a:extLst>
-              <a:ext uri="{FF2B5EF4-FFF2-40B4-BE49-F238E27FC236}">
-                <a16:creationId xmlns:a16="http://schemas.microsoft.com/office/drawing/2014/main" id="{61193F8D-D36F-4C3E-BC4D-5742C76E6602}"/>
-              </a:ext>
-            </a:extLst>
-          </p:cNvPr>
-          <p:cNvPicPr>
-            <a:picLocks noChangeAspect="1"/>
-          </p:cNvPicPr>
-          <p:nvPr/>
-        </p:nvPicPr>
-        <p:blipFill>
-          <a:blip r:embed="rId2"/>
-          <a:stretch>
-            <a:fillRect/>
-          </a:stretch>
-        </p:blipFill>
-        <p:spPr>
-          <a:xfrm>
-            <a:off x="229891" y="1576844"/>
-            <a:ext cx="11732216" cy="5060412"/>
-          </a:xfrm>
-          <a:prstGeom prst="rect">
-            <a:avLst/>
-          </a:prstGeom>
-          <a:ln w="57150">
-            <a:solidFill>
-              <a:schemeClr val="tx1"/>
-            </a:solidFill>
-          </a:ln>
-        </p:spPr>
-      </p:pic>
-    </p:spTree>
-    <p:extLst>
-      <p:ext uri="{BB962C8B-B14F-4D97-AF65-F5344CB8AC3E}">
-        <p14:creationId xmlns:p14="http://schemas.microsoft.com/office/powerpoint/2010/main" val="700553062"/>
       </p:ext>
     </p:extLst>
   </p:cSld>
@@ -31936,6 +33237,15 @@
 </file>
 
 <file path=customXml/item1.xml><?xml version="1.0" encoding="utf-8"?>
+<p:properties xmlns:p="http://schemas.microsoft.com/office/2006/metadata/properties" xmlns:xsi="http://www.w3.org/2001/XMLSchema-instance" xmlns:pc="http://schemas.microsoft.com/office/infopath/2007/PartnerControls">
+  <documentManagement>
+    <Status xmlns="71af3243-3dd4-4a8d-8c0d-dd76da1f02a5">Not started</Status>
+    <MediaServiceKeyPoints xmlns="71af3243-3dd4-4a8d-8c0d-dd76da1f02a5" xsi:nil="true"/>
+  </documentManagement>
+</p:properties>
+</file>
+
+<file path=customXml/item2.xml><?xml version="1.0" encoding="utf-8"?>
 <ct:contentTypeSchema xmlns:ct="http://schemas.microsoft.com/office/2006/metadata/contentType" xmlns:ma="http://schemas.microsoft.com/office/2006/metadata/properties/metaAttributes" ct:_="" ma:_="" ma:contentTypeName="Document" ma:contentTypeID="0x01010079F111ED35F8CC479449609E8A0923A6" ma:contentTypeVersion="12" ma:contentTypeDescription="Create a new document." ma:contentTypeScope="" ma:versionID="426e97fa315356fffbdcd9876fe988c2">
   <xsd:schema xmlns:xsd="http://www.w3.org/2001/XMLSchema" xmlns:xs="http://www.w3.org/2001/XMLSchema" xmlns:p="http://schemas.microsoft.com/office/2006/metadata/properties" xmlns:ns2="71af3243-3dd4-4a8d-8c0d-dd76da1f02a5" xmlns:ns3="16c05727-aa75-4e4a-9b5f-8a80a1165891" targetNamespace="http://schemas.microsoft.com/office/2006/metadata/properties" ma:root="true" ma:fieldsID="14b8f0def80e6d70ce3def20c90759ae" ns2:_="" ns3:_="">
     <xsd:import namespace="71af3243-3dd4-4a8d-8c0d-dd76da1f02a5"/>
@@ -32156,15 +33466,6 @@
 </ct:contentTypeSchema>
 </file>
 
-<file path=customXml/item2.xml><?xml version="1.0" encoding="utf-8"?>
-<p:properties xmlns:p="http://schemas.microsoft.com/office/2006/metadata/properties" xmlns:xsi="http://www.w3.org/2001/XMLSchema-instance" xmlns:pc="http://schemas.microsoft.com/office/infopath/2007/PartnerControls">
-  <documentManagement>
-    <Status xmlns="71af3243-3dd4-4a8d-8c0d-dd76da1f02a5">Not started</Status>
-    <MediaServiceKeyPoints xmlns="71af3243-3dd4-4a8d-8c0d-dd76da1f02a5" xsi:nil="true"/>
-  </documentManagement>
-</p:properties>
-</file>
-
 <file path=customXml/item3.xml><?xml version="1.0" encoding="utf-8"?>
 <?mso-contentType ?>
 <FormTemplates xmlns="http://schemas.microsoft.com/sharepoint/v3/contenttype/forms">
@@ -32175,6 +33476,16 @@
 </file>
 
 <file path=customXml/itemProps1.xml><?xml version="1.0" encoding="utf-8"?>
+<ds:datastoreItem xmlns:ds="http://schemas.openxmlformats.org/officeDocument/2006/customXml" ds:itemID="{F2AD9EFA-E074-4C2F-8F25-BF862B8AB684}">
+  <ds:schemaRefs>
+    <ds:schemaRef ds:uri="http://schemas.microsoft.com/office/2006/metadata/properties"/>
+    <ds:schemaRef ds:uri="http://schemas.microsoft.com/office/infopath/2007/PartnerControls"/>
+    <ds:schemaRef ds:uri="71af3243-3dd4-4a8d-8c0d-dd76da1f02a5"/>
+  </ds:schemaRefs>
+</ds:datastoreItem>
+</file>
+
+<file path=customXml/itemProps2.xml><?xml version="1.0" encoding="utf-8"?>
 <ds:datastoreItem xmlns:ds="http://schemas.openxmlformats.org/officeDocument/2006/customXml" ds:itemID="{05A595FF-F2D2-434C-A89B-B6A4364C47AE}">
   <ds:schemaRefs>
     <ds:schemaRef ds:uri="http://schemas.microsoft.com/office/2006/metadata/contentType"/>
@@ -32193,16 +33504,6 @@
 </ds:datastoreItem>
 </file>
 
-<file path=customXml/itemProps2.xml><?xml version="1.0" encoding="utf-8"?>
-<ds:datastoreItem xmlns:ds="http://schemas.openxmlformats.org/officeDocument/2006/customXml" ds:itemID="{F2AD9EFA-E074-4C2F-8F25-BF862B8AB684}">
-  <ds:schemaRefs>
-    <ds:schemaRef ds:uri="http://schemas.microsoft.com/office/2006/metadata/properties"/>
-    <ds:schemaRef ds:uri="http://schemas.microsoft.com/office/infopath/2007/PartnerControls"/>
-    <ds:schemaRef ds:uri="71af3243-3dd4-4a8d-8c0d-dd76da1f02a5"/>
-  </ds:schemaRefs>
-</ds:datastoreItem>
-</file>
-
 <file path=customXml/itemProps3.xml><?xml version="1.0" encoding="utf-8"?>
 <ds:datastoreItem xmlns:ds="http://schemas.openxmlformats.org/officeDocument/2006/customXml" ds:itemID="{D8A49B05-820E-4F16-BCC1-12B2E13002E2}">
   <ds:schemaRefs>

--- a/CS2043Proj1.pptx
+++ b/CS2043Proj1.pptx
@@ -5,10 +5,10 @@
     <p:sldMasterId id="2147483720" r:id="rId4"/>
   </p:sldMasterIdLst>
   <p:notesMasterIdLst>
-    <p:notesMasterId r:id="rId23"/>
+    <p:notesMasterId r:id="rId24"/>
   </p:notesMasterIdLst>
   <p:handoutMasterIdLst>
-    <p:handoutMasterId r:id="rId24"/>
+    <p:handoutMasterId r:id="rId25"/>
   </p:handoutMasterIdLst>
   <p:sldIdLst>
     <p:sldId id="496" r:id="rId5"/>
@@ -20,15 +20,16 @@
     <p:sldId id="509" r:id="rId11"/>
     <p:sldId id="510" r:id="rId12"/>
     <p:sldId id="513" r:id="rId13"/>
-    <p:sldId id="498" r:id="rId14"/>
-    <p:sldId id="512" r:id="rId15"/>
-    <p:sldId id="520" r:id="rId16"/>
-    <p:sldId id="521" r:id="rId17"/>
-    <p:sldId id="519" r:id="rId18"/>
-    <p:sldId id="517" r:id="rId19"/>
-    <p:sldId id="518" r:id="rId20"/>
-    <p:sldId id="516" r:id="rId21"/>
-    <p:sldId id="506" r:id="rId22"/>
+    <p:sldId id="522" r:id="rId14"/>
+    <p:sldId id="498" r:id="rId15"/>
+    <p:sldId id="512" r:id="rId16"/>
+    <p:sldId id="520" r:id="rId17"/>
+    <p:sldId id="521" r:id="rId18"/>
+    <p:sldId id="519" r:id="rId19"/>
+    <p:sldId id="517" r:id="rId20"/>
+    <p:sldId id="518" r:id="rId21"/>
+    <p:sldId id="516" r:id="rId22"/>
+    <p:sldId id="506" r:id="rId23"/>
   </p:sldIdLst>
   <p:sldSz cx="12192000" cy="6858000"/>
   <p:notesSz cx="6858000" cy="9144000"/>
@@ -152,15 +153,19 @@
 <file path=ppt/revisionInfo.xml><?xml version="1.0" encoding="utf-8"?>
 <p1510:revInfo xmlns:a="http://schemas.openxmlformats.org/drawingml/2006/main" xmlns:r="http://schemas.openxmlformats.org/officeDocument/2006/relationships" xmlns:p1510="http://schemas.microsoft.com/office/powerpoint/2015/10/main">
   <p1510:revLst>
+    <p1510:client id="{3001313F-007F-B4A8-8084-09849CE857FA}" v="5" dt="2020-12-09T13:02:29.144"/>
     <p1510:client id="{60C20DFD-674D-EBE4-51E0-EA4829983976}" v="1" dt="2020-11-25T16:37:26.780"/>
     <p1510:client id="{6BDC2148-1737-4A83-8AC3-1CCCAB3A40C5}" v="16" dt="2020-12-06T16:54:11.791"/>
     <p1510:client id="{73A42634-5DA9-4FCF-9C28-7618FB25E4B4}" v="917" dt="2020-11-15T22:46:47.700"/>
+    <p1510:client id="{781FBEBA-3AA2-56D4-D8F7-957CE062CD18}" v="455" dt="2020-12-09T03:20:29.539"/>
     <p1510:client id="{7FF10797-17E2-634F-C0A2-BE5EF2503B62}" v="417" dt="2020-11-25T14:33:08.892"/>
+    <p1510:client id="{931F8619-B8B6-66B6-2D9A-66738F93B4DB}" v="123" dt="2020-12-09T02:54:24.725"/>
     <p1510:client id="{93F8806D-FA8D-8282-FBE2-FE8C03B9D959}" v="35" dt="2020-11-27T13:21:27.286"/>
     <p1510:client id="{9CBE8223-5C37-05B1-214F-14C6C435A1C9}" v="77" dt="2020-11-27T13:08:05.693"/>
     <p1510:client id="{A1744496-140B-8457-524E-E96AF610FE52}" v="19" dt="2020-11-25T19:38:28.351"/>
     <p1510:client id="{D150B460-85EF-42C3-A06F-80CDCEE93EDB}" v="3111" dt="2020-12-06T17:04:22.764"/>
     <p1510:client id="{E409847C-AE86-B066-974C-8EA11199DF8D}" v="207" dt="2020-12-07T17:40:24.391"/>
+    <p1510:client id="{E81177B9-1E9D-83D9-A8BB-20A346B6AD06}" v="8" dt="2020-12-08T16:47:10.948"/>
     <p1510:client id="{F502001D-F767-4ACD-8F7A-16FA6091D405}" v="115" dt="2020-12-06T19:06:17.684"/>
   </p1510:revLst>
 </p1510:revInfo>
@@ -3062,7 +3067,7 @@
         <a:lstStyle/>
         <a:p>
           <a:r>
-            <a:rPr lang="en-US">
+            <a:rPr lang="en-US" dirty="0">
               <a:latin typeface="The Hand Black"/>
             </a:rPr>
             <a:t>Test connectivity and functionally of each use case</a:t>
@@ -3100,7 +3105,7 @@
         <a:lstStyle/>
         <a:p>
           <a:r>
-            <a:rPr lang="en-US">
+            <a:rPr lang="en-US" dirty="0">
               <a:latin typeface="The Hand Black"/>
             </a:rPr>
             <a:t>Check encapsulation by attempting to access medical information from coach perspective</a:t>
@@ -3138,7 +3143,7 @@
         <a:lstStyle/>
         <a:p>
           <a:r>
-            <a:rPr lang="en-US">
+            <a:rPr lang="en-US" dirty="0">
               <a:latin typeface="The Hand Black"/>
             </a:rPr>
             <a:t>Ensure client is able to access multiple recommendations and requirements at the same time</a:t>
@@ -3177,10 +3182,10 @@
         <a:p>
           <a:pPr rtl="0"/>
           <a:r>
-            <a:rPr lang="en-US">
+            <a:rPr lang="en-US" dirty="0">
               <a:latin typeface="The Hand Black"/>
             </a:rPr>
-            <a:t>Input altered data from external monitors to verify the systems changes in real time</a:t>
+            <a:t>Input altered data from external monitors to verify the systems displays changes in real time</a:t>
           </a:r>
         </a:p>
       </dgm:t>
@@ -3215,7 +3220,7 @@
         <a:lstStyle/>
         <a:p>
           <a:r>
-            <a:rPr lang="en-US">
+            <a:rPr lang="en-US" dirty="0">
               <a:latin typeface="The Hand Black"/>
             </a:rPr>
             <a:t>Monitor healthy client with a duplicate account to ensure there are no discrepancies between accounts</a:t>
@@ -3572,7 +3577,7 @@
 <dgm:dataModel xmlns:dgm="http://schemas.openxmlformats.org/drawingml/2006/diagram" xmlns:a="http://schemas.openxmlformats.org/drawingml/2006/main">
   <dgm:ptLst>
     <dgm:pt modelId="{50FC15F8-F686-4E30-879D-01E809F7FBA6}" type="doc">
-      <dgm:prSet loTypeId="urn:microsoft.com/office/officeart/2016/7/layout/LinearBlockProcessNumbered" loCatId="process" qsTypeId="urn:microsoft.com/office/officeart/2005/8/quickstyle/simple1" qsCatId="simple" csTypeId="urn:microsoft.com/office/officeart/2005/8/colors/colorful5" csCatId="colorful"/>
+      <dgm:prSet loTypeId="urn:microsoft.com/office/officeart/2016/7/layout/LinearBlockProcessNumbered" loCatId="process" qsTypeId="urn:microsoft.com/office/officeart/2005/8/quickstyle/simple1" qsCatId="simple" csTypeId="urn:microsoft.com/office/officeart/2005/8/colors/colorful5" csCatId="colorful" phldr="1"/>
       <dgm:spPr/>
       <dgm:t>
         <a:bodyPr/>
@@ -3589,11 +3594,12 @@
         <a:bodyPr/>
         <a:lstStyle/>
         <a:p>
+          <a:pPr rtl="0"/>
           <a:r>
-            <a:rPr lang="en-US">
+            <a:rPr lang="en-US" dirty="0">
               <a:latin typeface="The Hand Black"/>
             </a:rPr>
-            <a:t>Consulting professionals to determine estimated development costs</a:t>
+            <a:t>Enlisting guidance from professionals to determine estimated development costs</a:t>
           </a:r>
         </a:p>
       </dgm:t>
@@ -3631,7 +3637,7 @@
         <a:lstStyle/>
         <a:p>
           <a:r>
-            <a:rPr lang="en-US">
+            <a:rPr lang="en-US" dirty="0">
               <a:latin typeface="The Hand Black"/>
             </a:rPr>
             <a:t>Expanding classes to include various types of health care professionals with different requirements</a:t>
@@ -3671,11 +3677,12 @@
         <a:bodyPr/>
         <a:lstStyle/>
         <a:p>
+          <a:pPr rtl="0"/>
           <a:r>
-            <a:rPr lang="en-US">
+            <a:rPr lang="en-US" dirty="0">
               <a:latin typeface="The Hand Black"/>
             </a:rPr>
-            <a:t>Consulting with health care professionals to determine the most affective user interface for their applications</a:t>
+            <a:t>Consulting with health care professionals and coaches to determine the most affective user interface for their applications</a:t>
           </a:r>
         </a:p>
       </dgm:t>
@@ -3692,7 +3699,7 @@
       </dgm:t>
     </dgm:pt>
     <dgm:pt modelId="{80B82F27-5035-4612-91A0-2C8E4AE5BF78}" type="sibTrans" cxnId="{1EF37222-F27F-494B-B2A3-AE58D77ECAD7}">
-      <dgm:prSet phldrT="03" phldr="0"/>
+      <dgm:prSet phldrT="04" phldr="0"/>
       <dgm:spPr/>
       <dgm:t>
         <a:bodyPr/>
@@ -3700,7 +3707,7 @@
         <a:p>
           <a:r>
             <a:rPr lang="en-US"/>
-            <a:t>03</a:t>
+            <a:t>04</a:t>
           </a:r>
         </a:p>
       </dgm:t>
@@ -3713,7 +3720,7 @@
         <a:lstStyle/>
         <a:p>
           <a:r>
-            <a:rPr lang="en-US">
+            <a:rPr lang="en-US" dirty="0">
               <a:latin typeface="The Hand Black"/>
             </a:rPr>
             <a:t>Implementing a functioning system to subject to rigorous testing</a:t>
@@ -3733,7 +3740,7 @@
       </dgm:t>
     </dgm:pt>
     <dgm:pt modelId="{B9B6DD6C-D83B-44BA-B2C9-9900613FAB89}" type="sibTrans" cxnId="{2F1C62B7-14B0-4D81-8927-F56CDD917CF1}">
-      <dgm:prSet phldrT="04" phldr="0"/>
+      <dgm:prSet phldrT="05" phldr="0"/>
       <dgm:spPr/>
       <dgm:t>
         <a:bodyPr/>
@@ -3741,7 +3748,42 @@
         <a:p>
           <a:r>
             <a:rPr lang="en-US"/>
-            <a:t>04</a:t>
+            <a:t>05</a:t>
+          </a:r>
+        </a:p>
+      </dgm:t>
+    </dgm:pt>
+    <dgm:pt modelId="{0D9C57B3-6119-4972-9551-DA76DA4BF205}">
+      <dgm:prSet phldr="0"/>
+      <dgm:spPr/>
+      <dgm:t>
+        <a:bodyPr/>
+        <a:lstStyle/>
+        <a:p>
+          <a:pPr rtl="0"/>
+          <a:r>
+            <a:rPr lang="en-US" dirty="0">
+              <a:latin typeface="The Hand Black"/>
+            </a:rPr>
+            <a:t>Meeting with representatives who have developed physical monitoring devices</a:t>
+          </a:r>
+        </a:p>
+      </dgm:t>
+    </dgm:pt>
+    <dgm:pt modelId="{08E5861F-7A64-4926-A4AA-DECC9DDE4D17}" type="parTrans" cxnId="{3B0D2984-FE41-41AD-91D0-94EDF6DE14D7}">
+      <dgm:prSet/>
+      <dgm:spPr/>
+    </dgm:pt>
+    <dgm:pt modelId="{28671649-C553-4CC2-83F9-670DD32C80C1}" type="sibTrans" cxnId="{3B0D2984-FE41-41AD-91D0-94EDF6DE14D7}">
+      <dgm:prSet phldrT="03" phldr="0"/>
+      <dgm:spPr/>
+      <dgm:t>
+        <a:bodyPr/>
+        <a:lstStyle/>
+        <a:p>
+          <a:r>
+            <a:rPr lang="en-US"/>
+            <a:t>03</a:t>
           </a:r>
         </a:p>
       </dgm:t>
@@ -3764,11 +3806,11 @@
       <dgm:spPr/>
     </dgm:pt>
     <dgm:pt modelId="{1CA4554C-643E-4489-B58A-4C19826C6760}" type="pres">
-      <dgm:prSet presAssocID="{59F9D078-9B4C-46EF-8947-615B03296A6C}" presName="bgRect" presStyleLbl="alignNode1" presStyleIdx="0" presStyleCnt="4"/>
+      <dgm:prSet presAssocID="{59F9D078-9B4C-46EF-8947-615B03296A6C}" presName="bgRect" presStyleLbl="alignNode1" presStyleIdx="0" presStyleCnt="5"/>
       <dgm:spPr/>
     </dgm:pt>
     <dgm:pt modelId="{5B3296BF-09C7-4B1A-8F4A-390783467803}" type="pres">
-      <dgm:prSet presAssocID="{8B8B4AB5-2597-4E89-98A1-4B9D3E834410}" presName="sibTransNodeRect" presStyleLbl="alignNode1" presStyleIdx="0" presStyleCnt="4">
+      <dgm:prSet presAssocID="{8B8B4AB5-2597-4E89-98A1-4B9D3E834410}" presName="sibTransNodeRect" presStyleLbl="alignNode1" presStyleIdx="0" presStyleCnt="5">
         <dgm:presLayoutVars>
           <dgm:chMax val="0"/>
           <dgm:bulletEnabled val="1"/>
@@ -3777,7 +3819,7 @@
       <dgm:spPr/>
     </dgm:pt>
     <dgm:pt modelId="{2AB7A791-E817-4970-9E35-CA4BA72133C3}" type="pres">
-      <dgm:prSet presAssocID="{59F9D078-9B4C-46EF-8947-615B03296A6C}" presName="nodeRect" presStyleLbl="alignNode1" presStyleIdx="0" presStyleCnt="4">
+      <dgm:prSet presAssocID="{59F9D078-9B4C-46EF-8947-615B03296A6C}" presName="nodeRect" presStyleLbl="alignNode1" presStyleIdx="0" presStyleCnt="5">
         <dgm:presLayoutVars>
           <dgm:bulletEnabled val="1"/>
         </dgm:presLayoutVars>
@@ -3797,11 +3839,11 @@
       <dgm:spPr/>
     </dgm:pt>
     <dgm:pt modelId="{F6AAEBC7-102D-48F3-A85F-16E3E399129C}" type="pres">
-      <dgm:prSet presAssocID="{6CB2B725-C400-498F-B71B-E85A8C8A0610}" presName="bgRect" presStyleLbl="alignNode1" presStyleIdx="1" presStyleCnt="4"/>
+      <dgm:prSet presAssocID="{6CB2B725-C400-498F-B71B-E85A8C8A0610}" presName="bgRect" presStyleLbl="alignNode1" presStyleIdx="1" presStyleCnt="5"/>
       <dgm:spPr/>
     </dgm:pt>
     <dgm:pt modelId="{83946DF6-D6D3-43A1-9C3B-EEAA602EDEE3}" type="pres">
-      <dgm:prSet presAssocID="{0A0F3FAF-EB71-4B4F-ACF0-91DEDE52F7F9}" presName="sibTransNodeRect" presStyleLbl="alignNode1" presStyleIdx="1" presStyleCnt="4">
+      <dgm:prSet presAssocID="{0A0F3FAF-EB71-4B4F-ACF0-91DEDE52F7F9}" presName="sibTransNodeRect" presStyleLbl="alignNode1" presStyleIdx="1" presStyleCnt="5">
         <dgm:presLayoutVars>
           <dgm:chMax val="0"/>
           <dgm:bulletEnabled val="1"/>
@@ -3810,7 +3852,7 @@
       <dgm:spPr/>
     </dgm:pt>
     <dgm:pt modelId="{9218525C-A48B-4FC0-BF89-AC316BB962BF}" type="pres">
-      <dgm:prSet presAssocID="{6CB2B725-C400-498F-B71B-E85A8C8A0610}" presName="nodeRect" presStyleLbl="alignNode1" presStyleIdx="1" presStyleCnt="4">
+      <dgm:prSet presAssocID="{6CB2B725-C400-498F-B71B-E85A8C8A0610}" presName="nodeRect" presStyleLbl="alignNode1" presStyleIdx="1" presStyleCnt="5">
         <dgm:presLayoutVars>
           <dgm:bulletEnabled val="1"/>
         </dgm:presLayoutVars>
@@ -3819,6 +3861,39 @@
     </dgm:pt>
     <dgm:pt modelId="{DBD4172A-DB59-459A-9AE8-B76976CC3C0F}" type="pres">
       <dgm:prSet presAssocID="{0A0F3FAF-EB71-4B4F-ACF0-91DEDE52F7F9}" presName="sibTrans" presStyleCnt="0"/>
+      <dgm:spPr/>
+    </dgm:pt>
+    <dgm:pt modelId="{9BEC94D7-2E64-4693-A1FE-B4F12501F783}" type="pres">
+      <dgm:prSet presAssocID="{0D9C57B3-6119-4972-9551-DA76DA4BF205}" presName="compositeNode" presStyleCnt="0">
+        <dgm:presLayoutVars>
+          <dgm:bulletEnabled val="1"/>
+        </dgm:presLayoutVars>
+      </dgm:prSet>
+      <dgm:spPr/>
+    </dgm:pt>
+    <dgm:pt modelId="{0753D590-F1F2-4A1F-8D8D-758F7E7578A0}" type="pres">
+      <dgm:prSet presAssocID="{0D9C57B3-6119-4972-9551-DA76DA4BF205}" presName="bgRect" presStyleLbl="alignNode1" presStyleIdx="2" presStyleCnt="5"/>
+      <dgm:spPr/>
+    </dgm:pt>
+    <dgm:pt modelId="{B7FE45FA-3DC6-4CBD-9918-CE71FE0B9EDE}" type="pres">
+      <dgm:prSet presAssocID="{28671649-C553-4CC2-83F9-670DD32C80C1}" presName="sibTransNodeRect" presStyleLbl="alignNode1" presStyleIdx="2" presStyleCnt="5">
+        <dgm:presLayoutVars>
+          <dgm:chMax val="0"/>
+          <dgm:bulletEnabled val="1"/>
+        </dgm:presLayoutVars>
+      </dgm:prSet>
+      <dgm:spPr/>
+    </dgm:pt>
+    <dgm:pt modelId="{8E53006D-8741-458E-8DDE-EAAE635AAB71}" type="pres">
+      <dgm:prSet presAssocID="{0D9C57B3-6119-4972-9551-DA76DA4BF205}" presName="nodeRect" presStyleLbl="alignNode1" presStyleIdx="2" presStyleCnt="5">
+        <dgm:presLayoutVars>
+          <dgm:bulletEnabled val="1"/>
+        </dgm:presLayoutVars>
+      </dgm:prSet>
+      <dgm:spPr/>
+    </dgm:pt>
+    <dgm:pt modelId="{AAA32CC9-3514-4BF9-99E9-7B17473E93C0}" type="pres">
+      <dgm:prSet presAssocID="{28671649-C553-4CC2-83F9-670DD32C80C1}" presName="sibTrans" presStyleCnt="0"/>
       <dgm:spPr/>
     </dgm:pt>
     <dgm:pt modelId="{305DD606-0E2A-4109-9EE5-B5BBA05E6B56}" type="pres">
@@ -3830,11 +3905,11 @@
       <dgm:spPr/>
     </dgm:pt>
     <dgm:pt modelId="{93DD9CD3-5885-4671-B9A9-437C4FEE80F1}" type="pres">
-      <dgm:prSet presAssocID="{C4E9AFB5-CF8C-4ED7-B959-7D6CF74C2C4E}" presName="bgRect" presStyleLbl="alignNode1" presStyleIdx="2" presStyleCnt="4"/>
+      <dgm:prSet presAssocID="{C4E9AFB5-CF8C-4ED7-B959-7D6CF74C2C4E}" presName="bgRect" presStyleLbl="alignNode1" presStyleIdx="3" presStyleCnt="5"/>
       <dgm:spPr/>
     </dgm:pt>
     <dgm:pt modelId="{B802498E-AB98-4308-A565-CA99A00B0410}" type="pres">
-      <dgm:prSet presAssocID="{80B82F27-5035-4612-91A0-2C8E4AE5BF78}" presName="sibTransNodeRect" presStyleLbl="alignNode1" presStyleIdx="2" presStyleCnt="4">
+      <dgm:prSet presAssocID="{80B82F27-5035-4612-91A0-2C8E4AE5BF78}" presName="sibTransNodeRect" presStyleLbl="alignNode1" presStyleIdx="3" presStyleCnt="5">
         <dgm:presLayoutVars>
           <dgm:chMax val="0"/>
           <dgm:bulletEnabled val="1"/>
@@ -3843,7 +3918,7 @@
       <dgm:spPr/>
     </dgm:pt>
     <dgm:pt modelId="{920A2484-35C1-4B13-B907-6B4A8A004C27}" type="pres">
-      <dgm:prSet presAssocID="{C4E9AFB5-CF8C-4ED7-B959-7D6CF74C2C4E}" presName="nodeRect" presStyleLbl="alignNode1" presStyleIdx="2" presStyleCnt="4">
+      <dgm:prSet presAssocID="{C4E9AFB5-CF8C-4ED7-B959-7D6CF74C2C4E}" presName="nodeRect" presStyleLbl="alignNode1" presStyleIdx="3" presStyleCnt="5">
         <dgm:presLayoutVars>
           <dgm:bulletEnabled val="1"/>
         </dgm:presLayoutVars>
@@ -3863,11 +3938,11 @@
       <dgm:spPr/>
     </dgm:pt>
     <dgm:pt modelId="{40FB3E3A-AD4F-4558-B1BF-242B9A7678AB}" type="pres">
-      <dgm:prSet presAssocID="{FF89649E-7EF6-432D-A06A-5BE70F99C51F}" presName="bgRect" presStyleLbl="alignNode1" presStyleIdx="3" presStyleCnt="4"/>
+      <dgm:prSet presAssocID="{FF89649E-7EF6-432D-A06A-5BE70F99C51F}" presName="bgRect" presStyleLbl="alignNode1" presStyleIdx="4" presStyleCnt="5"/>
       <dgm:spPr/>
     </dgm:pt>
     <dgm:pt modelId="{7A5E55FC-6ACF-4E1A-AC2B-D7C905393817}" type="pres">
-      <dgm:prSet presAssocID="{B9B6DD6C-D83B-44BA-B2C9-9900613FAB89}" presName="sibTransNodeRect" presStyleLbl="alignNode1" presStyleIdx="3" presStyleCnt="4">
+      <dgm:prSet presAssocID="{B9B6DD6C-D83B-44BA-B2C9-9900613FAB89}" presName="sibTransNodeRect" presStyleLbl="alignNode1" presStyleIdx="4" presStyleCnt="5">
         <dgm:presLayoutVars>
           <dgm:chMax val="0"/>
           <dgm:bulletEnabled val="1"/>
@@ -3876,7 +3951,7 @@
       <dgm:spPr/>
     </dgm:pt>
     <dgm:pt modelId="{1B9F7D44-7A63-43DB-9E31-BC2EA4473504}" type="pres">
-      <dgm:prSet presAssocID="{FF89649E-7EF6-432D-A06A-5BE70F99C51F}" presName="nodeRect" presStyleLbl="alignNode1" presStyleIdx="3" presStyleCnt="4">
+      <dgm:prSet presAssocID="{FF89649E-7EF6-432D-A06A-5BE70F99C51F}" presName="nodeRect" presStyleLbl="alignNode1" presStyleIdx="4" presStyleCnt="5">
         <dgm:presLayoutVars>
           <dgm:bulletEnabled val="1"/>
         </dgm:presLayoutVars>
@@ -3885,42 +3960,51 @@
     </dgm:pt>
   </dgm:ptLst>
   <dgm:cxnLst>
+    <dgm:cxn modelId="{BC64A415-D0E4-4645-8D83-99B53C1D59A4}" type="presOf" srcId="{0D9C57B3-6119-4972-9551-DA76DA4BF205}" destId="{0753D590-F1F2-4A1F-8D8D-758F7E7578A0}" srcOrd="0" destOrd="0" presId="urn:microsoft.com/office/officeart/2016/7/layout/LinearBlockProcessNumbered"/>
     <dgm:cxn modelId="{FE1C7021-8856-43A6-8555-9E5BB6CF62EF}" srcId="{50FC15F8-F686-4E30-879D-01E809F7FBA6}" destId="{6CB2B725-C400-498F-B71B-E85A8C8A0610}" srcOrd="1" destOrd="0" parTransId="{410D9F6A-821B-4A5F-8A26-D05101D98C9C}" sibTransId="{0A0F3FAF-EB71-4B4F-ACF0-91DEDE52F7F9}"/>
-    <dgm:cxn modelId="{1EF37222-F27F-494B-B2A3-AE58D77ECAD7}" srcId="{50FC15F8-F686-4E30-879D-01E809F7FBA6}" destId="{C4E9AFB5-CF8C-4ED7-B959-7D6CF74C2C4E}" srcOrd="2" destOrd="0" parTransId="{BD98F92A-6734-4CBE-8ED7-9A64B238080E}" sibTransId="{80B82F27-5035-4612-91A0-2C8E4AE5BF78}"/>
-    <dgm:cxn modelId="{22D82435-8670-4450-B080-164960D3E2DF}" type="presOf" srcId="{6CB2B725-C400-498F-B71B-E85A8C8A0610}" destId="{F6AAEBC7-102D-48F3-A85F-16E3E399129C}" srcOrd="0" destOrd="0" presId="urn:microsoft.com/office/officeart/2016/7/layout/LinearBlockProcessNumbered"/>
-    <dgm:cxn modelId="{EF7A673F-90B0-455F-B062-D92A742A7246}" type="presOf" srcId="{FF89649E-7EF6-432D-A06A-5BE70F99C51F}" destId="{40FB3E3A-AD4F-4558-B1BF-242B9A7678AB}" srcOrd="0" destOrd="0" presId="urn:microsoft.com/office/officeart/2016/7/layout/LinearBlockProcessNumbered"/>
-    <dgm:cxn modelId="{8B3BA265-CF37-432A-9CD9-75F257135156}" type="presOf" srcId="{59F9D078-9B4C-46EF-8947-615B03296A6C}" destId="{2AB7A791-E817-4970-9E35-CA4BA72133C3}" srcOrd="1" destOrd="0" presId="urn:microsoft.com/office/officeart/2016/7/layout/LinearBlockProcessNumbered"/>
-    <dgm:cxn modelId="{1412426F-EB91-4D01-B61F-0D29428CCEAC}" type="presOf" srcId="{8B8B4AB5-2597-4E89-98A1-4B9D3E834410}" destId="{5B3296BF-09C7-4B1A-8F4A-390783467803}" srcOrd="0" destOrd="0" presId="urn:microsoft.com/office/officeart/2016/7/layout/LinearBlockProcessNumbered"/>
-    <dgm:cxn modelId="{5EC73A71-348F-49B3-A4BF-AB80E69FA5DE}" type="presOf" srcId="{59F9D078-9B4C-46EF-8947-615B03296A6C}" destId="{1CA4554C-643E-4489-B58A-4C19826C6760}" srcOrd="0" destOrd="0" presId="urn:microsoft.com/office/officeart/2016/7/layout/LinearBlockProcessNumbered"/>
-    <dgm:cxn modelId="{8F77B47F-2B8A-4EA7-82FE-3602ABCD445A}" type="presOf" srcId="{80B82F27-5035-4612-91A0-2C8E4AE5BF78}" destId="{B802498E-AB98-4308-A565-CA99A00B0410}" srcOrd="0" destOrd="0" presId="urn:microsoft.com/office/officeart/2016/7/layout/LinearBlockProcessNumbered"/>
-    <dgm:cxn modelId="{D1DB5A8F-14B5-482C-939A-60CAAC2D56D6}" type="presOf" srcId="{C4E9AFB5-CF8C-4ED7-B959-7D6CF74C2C4E}" destId="{920A2484-35C1-4B13-B907-6B4A8A004C27}" srcOrd="1" destOrd="0" presId="urn:microsoft.com/office/officeart/2016/7/layout/LinearBlockProcessNumbered"/>
-    <dgm:cxn modelId="{820455A4-786A-4E57-A72D-C00052366F5D}" type="presOf" srcId="{FF89649E-7EF6-432D-A06A-5BE70F99C51F}" destId="{1B9F7D44-7A63-43DB-9E31-BC2EA4473504}" srcOrd="1" destOrd="0" presId="urn:microsoft.com/office/officeart/2016/7/layout/LinearBlockProcessNumbered"/>
+    <dgm:cxn modelId="{1EF37222-F27F-494B-B2A3-AE58D77ECAD7}" srcId="{50FC15F8-F686-4E30-879D-01E809F7FBA6}" destId="{C4E9AFB5-CF8C-4ED7-B959-7D6CF74C2C4E}" srcOrd="3" destOrd="0" parTransId="{BD98F92A-6734-4CBE-8ED7-9A64B238080E}" sibTransId="{80B82F27-5035-4612-91A0-2C8E4AE5BF78}"/>
+    <dgm:cxn modelId="{C28CC435-E726-4589-8161-1948B20D0A4B}" type="presOf" srcId="{0A0F3FAF-EB71-4B4F-ACF0-91DEDE52F7F9}" destId="{83946DF6-D6D3-43A1-9C3B-EEAA602EDEE3}" srcOrd="0" destOrd="0" presId="urn:microsoft.com/office/officeart/2016/7/layout/LinearBlockProcessNumbered"/>
+    <dgm:cxn modelId="{9168EB3E-46A6-462A-BB5C-FB679EAC0056}" type="presOf" srcId="{FF89649E-7EF6-432D-A06A-5BE70F99C51F}" destId="{40FB3E3A-AD4F-4558-B1BF-242B9A7678AB}" srcOrd="0" destOrd="0" presId="urn:microsoft.com/office/officeart/2016/7/layout/LinearBlockProcessNumbered"/>
+    <dgm:cxn modelId="{3C18C05D-2A1D-4913-9B10-270676EBA1B9}" type="presOf" srcId="{28671649-C553-4CC2-83F9-670DD32C80C1}" destId="{B7FE45FA-3DC6-4CBD-9918-CE71FE0B9EDE}" srcOrd="0" destOrd="0" presId="urn:microsoft.com/office/officeart/2016/7/layout/LinearBlockProcessNumbered"/>
+    <dgm:cxn modelId="{1D857263-AB51-4F19-91DB-491B57C706DA}" type="presOf" srcId="{59F9D078-9B4C-46EF-8947-615B03296A6C}" destId="{1CA4554C-643E-4489-B58A-4C19826C6760}" srcOrd="0" destOrd="0" presId="urn:microsoft.com/office/officeart/2016/7/layout/LinearBlockProcessNumbered"/>
+    <dgm:cxn modelId="{3EB7794C-008D-4E97-8048-45C52240FB38}" type="presOf" srcId="{C4E9AFB5-CF8C-4ED7-B959-7D6CF74C2C4E}" destId="{93DD9CD3-5885-4671-B9A9-437C4FEE80F1}" srcOrd="0" destOrd="0" presId="urn:microsoft.com/office/officeart/2016/7/layout/LinearBlockProcessNumbered"/>
+    <dgm:cxn modelId="{6A9A6752-202A-4F0D-A702-08FFA6FA616C}" type="presOf" srcId="{6CB2B725-C400-498F-B71B-E85A8C8A0610}" destId="{9218525C-A48B-4FC0-BF89-AC316BB962BF}" srcOrd="1" destOrd="0" presId="urn:microsoft.com/office/officeart/2016/7/layout/LinearBlockProcessNumbered"/>
+    <dgm:cxn modelId="{1F81DA73-58AD-49C5-A3EE-48738D33F0A4}" type="presOf" srcId="{80B82F27-5035-4612-91A0-2C8E4AE5BF78}" destId="{B802498E-AB98-4308-A565-CA99A00B0410}" srcOrd="0" destOrd="0" presId="urn:microsoft.com/office/officeart/2016/7/layout/LinearBlockProcessNumbered"/>
+    <dgm:cxn modelId="{30FA0E82-E137-4B21-9401-0EE4B07399BA}" type="presOf" srcId="{C4E9AFB5-CF8C-4ED7-B959-7D6CF74C2C4E}" destId="{920A2484-35C1-4B13-B907-6B4A8A004C27}" srcOrd="1" destOrd="0" presId="urn:microsoft.com/office/officeart/2016/7/layout/LinearBlockProcessNumbered"/>
+    <dgm:cxn modelId="{3B0D2984-FE41-41AD-91D0-94EDF6DE14D7}" srcId="{50FC15F8-F686-4E30-879D-01E809F7FBA6}" destId="{0D9C57B3-6119-4972-9551-DA76DA4BF205}" srcOrd="2" destOrd="0" parTransId="{08E5861F-7A64-4926-A4AA-DECC9DDE4D17}" sibTransId="{28671649-C553-4CC2-83F9-670DD32C80C1}"/>
+    <dgm:cxn modelId="{3DA0AE9F-823A-40A9-9FAA-19AB300B9680}" type="presOf" srcId="{0D9C57B3-6119-4972-9551-DA76DA4BF205}" destId="{8E53006D-8741-458E-8DDE-EAAE635AAB71}" srcOrd="1" destOrd="0" presId="urn:microsoft.com/office/officeart/2016/7/layout/LinearBlockProcessNumbered"/>
     <dgm:cxn modelId="{B5E8C4A6-5E39-4E43-87FD-64992CF63B41}" type="presOf" srcId="{50FC15F8-F686-4E30-879D-01E809F7FBA6}" destId="{714D9C7B-79AF-441A-8787-11665EE38048}" srcOrd="0" destOrd="0" presId="urn:microsoft.com/office/officeart/2016/7/layout/LinearBlockProcessNumbered"/>
+    <dgm:cxn modelId="{BA0EC7AB-3D50-4B60-B411-6A0B397C1552}" type="presOf" srcId="{8B8B4AB5-2597-4E89-98A1-4B9D3E834410}" destId="{5B3296BF-09C7-4B1A-8F4A-390783467803}" srcOrd="0" destOrd="0" presId="urn:microsoft.com/office/officeart/2016/7/layout/LinearBlockProcessNumbered"/>
     <dgm:cxn modelId="{94B2D1B6-DD8B-4527-B719-438FF7D1DAB4}" srcId="{50FC15F8-F686-4E30-879D-01E809F7FBA6}" destId="{59F9D078-9B4C-46EF-8947-615B03296A6C}" srcOrd="0" destOrd="0" parTransId="{2629EB58-70C7-41E5-94CF-45E24A0C345A}" sibTransId="{8B8B4AB5-2597-4E89-98A1-4B9D3E834410}"/>
-    <dgm:cxn modelId="{2F1C62B7-14B0-4D81-8927-F56CDD917CF1}" srcId="{50FC15F8-F686-4E30-879D-01E809F7FBA6}" destId="{FF89649E-7EF6-432D-A06A-5BE70F99C51F}" srcOrd="3" destOrd="0" parTransId="{C8923975-D4B4-42A2-B7C4-2041F1D7EFF7}" sibTransId="{B9B6DD6C-D83B-44BA-B2C9-9900613FAB89}"/>
-    <dgm:cxn modelId="{1E49D1B9-90C6-4D9D-AB1B-2C86B33086D1}" type="presOf" srcId="{C4E9AFB5-CF8C-4ED7-B959-7D6CF74C2C4E}" destId="{93DD9CD3-5885-4671-B9A9-437C4FEE80F1}" srcOrd="0" destOrd="0" presId="urn:microsoft.com/office/officeart/2016/7/layout/LinearBlockProcessNumbered"/>
-    <dgm:cxn modelId="{957CC5CF-2DA3-493B-8BFD-B2DCE69D2BE9}" type="presOf" srcId="{B9B6DD6C-D83B-44BA-B2C9-9900613FAB89}" destId="{7A5E55FC-6ACF-4E1A-AC2B-D7C905393817}" srcOrd="0" destOrd="0" presId="urn:microsoft.com/office/officeart/2016/7/layout/LinearBlockProcessNumbered"/>
-    <dgm:cxn modelId="{2094CBD1-42B8-4E71-BF78-82CED656C580}" type="presOf" srcId="{6CB2B725-C400-498F-B71B-E85A8C8A0610}" destId="{9218525C-A48B-4FC0-BF89-AC316BB962BF}" srcOrd="1" destOrd="0" presId="urn:microsoft.com/office/officeart/2016/7/layout/LinearBlockProcessNumbered"/>
-    <dgm:cxn modelId="{B0F8A7DD-EA82-4756-9F12-640FC1FFBDE5}" type="presOf" srcId="{0A0F3FAF-EB71-4B4F-ACF0-91DEDE52F7F9}" destId="{83946DF6-D6D3-43A1-9C3B-EEAA602EDEE3}" srcOrd="0" destOrd="0" presId="urn:microsoft.com/office/officeart/2016/7/layout/LinearBlockProcessNumbered"/>
-    <dgm:cxn modelId="{AA03ECB0-A98A-4573-8DE8-FE952651EDEE}" type="presParOf" srcId="{714D9C7B-79AF-441A-8787-11665EE38048}" destId="{F65A1995-7AF5-4619-9BF7-6494945BFC5D}" srcOrd="0" destOrd="0" presId="urn:microsoft.com/office/officeart/2016/7/layout/LinearBlockProcessNumbered"/>
-    <dgm:cxn modelId="{D54B658E-DFE2-46D9-90A9-EB6EFF519C48}" type="presParOf" srcId="{F65A1995-7AF5-4619-9BF7-6494945BFC5D}" destId="{1CA4554C-643E-4489-B58A-4C19826C6760}" srcOrd="0" destOrd="0" presId="urn:microsoft.com/office/officeart/2016/7/layout/LinearBlockProcessNumbered"/>
-    <dgm:cxn modelId="{EBD91DE0-86E9-4C75-BE62-4FE81DE53B6E}" type="presParOf" srcId="{F65A1995-7AF5-4619-9BF7-6494945BFC5D}" destId="{5B3296BF-09C7-4B1A-8F4A-390783467803}" srcOrd="1" destOrd="0" presId="urn:microsoft.com/office/officeart/2016/7/layout/LinearBlockProcessNumbered"/>
-    <dgm:cxn modelId="{55C738B2-136D-4869-9178-CD1082AC64B0}" type="presParOf" srcId="{F65A1995-7AF5-4619-9BF7-6494945BFC5D}" destId="{2AB7A791-E817-4970-9E35-CA4BA72133C3}" srcOrd="2" destOrd="0" presId="urn:microsoft.com/office/officeart/2016/7/layout/LinearBlockProcessNumbered"/>
-    <dgm:cxn modelId="{7052327E-39B0-44CF-A1DD-A6EB3660954B}" type="presParOf" srcId="{714D9C7B-79AF-441A-8787-11665EE38048}" destId="{F41E814D-057E-4C2C-9618-A7874DCB8577}" srcOrd="1" destOrd="0" presId="urn:microsoft.com/office/officeart/2016/7/layout/LinearBlockProcessNumbered"/>
-    <dgm:cxn modelId="{FC7B919F-F21B-4130-84A0-9E4EDD9383D6}" type="presParOf" srcId="{714D9C7B-79AF-441A-8787-11665EE38048}" destId="{335A99C9-3201-45AF-A7BD-E98A6E6C25F6}" srcOrd="2" destOrd="0" presId="urn:microsoft.com/office/officeart/2016/7/layout/LinearBlockProcessNumbered"/>
-    <dgm:cxn modelId="{11D70FDF-4868-4F09-802C-AAAD58D38849}" type="presParOf" srcId="{335A99C9-3201-45AF-A7BD-E98A6E6C25F6}" destId="{F6AAEBC7-102D-48F3-A85F-16E3E399129C}" srcOrd="0" destOrd="0" presId="urn:microsoft.com/office/officeart/2016/7/layout/LinearBlockProcessNumbered"/>
-    <dgm:cxn modelId="{EB6279A9-143B-4DBA-8325-FBAA3661AA49}" type="presParOf" srcId="{335A99C9-3201-45AF-A7BD-E98A6E6C25F6}" destId="{83946DF6-D6D3-43A1-9C3B-EEAA602EDEE3}" srcOrd="1" destOrd="0" presId="urn:microsoft.com/office/officeart/2016/7/layout/LinearBlockProcessNumbered"/>
-    <dgm:cxn modelId="{569E91F0-A8E3-4C30-8305-E83CEC365C5B}" type="presParOf" srcId="{335A99C9-3201-45AF-A7BD-E98A6E6C25F6}" destId="{9218525C-A48B-4FC0-BF89-AC316BB962BF}" srcOrd="2" destOrd="0" presId="urn:microsoft.com/office/officeart/2016/7/layout/LinearBlockProcessNumbered"/>
-    <dgm:cxn modelId="{5C354A33-19AC-4AEB-9BDE-A98C1B70C305}" type="presParOf" srcId="{714D9C7B-79AF-441A-8787-11665EE38048}" destId="{DBD4172A-DB59-459A-9AE8-B76976CC3C0F}" srcOrd="3" destOrd="0" presId="urn:microsoft.com/office/officeart/2016/7/layout/LinearBlockProcessNumbered"/>
-    <dgm:cxn modelId="{0593370C-98B9-4717-83F9-22A96A581BD8}" type="presParOf" srcId="{714D9C7B-79AF-441A-8787-11665EE38048}" destId="{305DD606-0E2A-4109-9EE5-B5BBA05E6B56}" srcOrd="4" destOrd="0" presId="urn:microsoft.com/office/officeart/2016/7/layout/LinearBlockProcessNumbered"/>
-    <dgm:cxn modelId="{CB791720-3FA9-4024-A632-4B36D4BE109D}" type="presParOf" srcId="{305DD606-0E2A-4109-9EE5-B5BBA05E6B56}" destId="{93DD9CD3-5885-4671-B9A9-437C4FEE80F1}" srcOrd="0" destOrd="0" presId="urn:microsoft.com/office/officeart/2016/7/layout/LinearBlockProcessNumbered"/>
-    <dgm:cxn modelId="{98EF7F7E-65A5-452D-8187-D80CDD1F1A64}" type="presParOf" srcId="{305DD606-0E2A-4109-9EE5-B5BBA05E6B56}" destId="{B802498E-AB98-4308-A565-CA99A00B0410}" srcOrd="1" destOrd="0" presId="urn:microsoft.com/office/officeart/2016/7/layout/LinearBlockProcessNumbered"/>
-    <dgm:cxn modelId="{C9F3D90B-2C11-4FED-BC06-B3E238F93118}" type="presParOf" srcId="{305DD606-0E2A-4109-9EE5-B5BBA05E6B56}" destId="{920A2484-35C1-4B13-B907-6B4A8A004C27}" srcOrd="2" destOrd="0" presId="urn:microsoft.com/office/officeart/2016/7/layout/LinearBlockProcessNumbered"/>
-    <dgm:cxn modelId="{F03F4F09-E6BC-4D6A-BEBA-56A0CE6E8D55}" type="presParOf" srcId="{714D9C7B-79AF-441A-8787-11665EE38048}" destId="{47DB26C9-C919-4C62-84E7-90D2DEB65E42}" srcOrd="5" destOrd="0" presId="urn:microsoft.com/office/officeart/2016/7/layout/LinearBlockProcessNumbered"/>
-    <dgm:cxn modelId="{8B840093-3CEA-4A46-9272-0C9F09BDA3F7}" type="presParOf" srcId="{714D9C7B-79AF-441A-8787-11665EE38048}" destId="{C5187511-E7CD-4937-86B3-A4378F28F6FA}" srcOrd="6" destOrd="0" presId="urn:microsoft.com/office/officeart/2016/7/layout/LinearBlockProcessNumbered"/>
-    <dgm:cxn modelId="{C17D82D8-C584-475A-8B25-AD0D25F6D084}" type="presParOf" srcId="{C5187511-E7CD-4937-86B3-A4378F28F6FA}" destId="{40FB3E3A-AD4F-4558-B1BF-242B9A7678AB}" srcOrd="0" destOrd="0" presId="urn:microsoft.com/office/officeart/2016/7/layout/LinearBlockProcessNumbered"/>
-    <dgm:cxn modelId="{8A39FB4D-4752-44BD-B352-F4F2E6CA51C4}" type="presParOf" srcId="{C5187511-E7CD-4937-86B3-A4378F28F6FA}" destId="{7A5E55FC-6ACF-4E1A-AC2B-D7C905393817}" srcOrd="1" destOrd="0" presId="urn:microsoft.com/office/officeart/2016/7/layout/LinearBlockProcessNumbered"/>
-    <dgm:cxn modelId="{A431F1A3-74FD-4C93-A446-C53B31A1707A}" type="presParOf" srcId="{C5187511-E7CD-4937-86B3-A4378F28F6FA}" destId="{1B9F7D44-7A63-43DB-9E31-BC2EA4473504}" srcOrd="2" destOrd="0" presId="urn:microsoft.com/office/officeart/2016/7/layout/LinearBlockProcessNumbered"/>
+    <dgm:cxn modelId="{2F1C62B7-14B0-4D81-8927-F56CDD917CF1}" srcId="{50FC15F8-F686-4E30-879D-01E809F7FBA6}" destId="{FF89649E-7EF6-432D-A06A-5BE70F99C51F}" srcOrd="4" destOrd="0" parTransId="{C8923975-D4B4-42A2-B7C4-2041F1D7EFF7}" sibTransId="{B9B6DD6C-D83B-44BA-B2C9-9900613FAB89}"/>
+    <dgm:cxn modelId="{D1379ED5-5581-4AA5-B924-D4A8850FAADD}" type="presOf" srcId="{B9B6DD6C-D83B-44BA-B2C9-9900613FAB89}" destId="{7A5E55FC-6ACF-4E1A-AC2B-D7C905393817}" srcOrd="0" destOrd="0" presId="urn:microsoft.com/office/officeart/2016/7/layout/LinearBlockProcessNumbered"/>
+    <dgm:cxn modelId="{653EE5D5-3AF0-4EFF-86B7-3C718944251E}" type="presOf" srcId="{59F9D078-9B4C-46EF-8947-615B03296A6C}" destId="{2AB7A791-E817-4970-9E35-CA4BA72133C3}" srcOrd="1" destOrd="0" presId="urn:microsoft.com/office/officeart/2016/7/layout/LinearBlockProcessNumbered"/>
+    <dgm:cxn modelId="{5204E9F4-884A-4300-8B8A-DC45E6AC71A5}" type="presOf" srcId="{6CB2B725-C400-498F-B71B-E85A8C8A0610}" destId="{F6AAEBC7-102D-48F3-A85F-16E3E399129C}" srcOrd="0" destOrd="0" presId="urn:microsoft.com/office/officeart/2016/7/layout/LinearBlockProcessNumbered"/>
+    <dgm:cxn modelId="{41EE1BFB-7DB2-421D-8C69-61FF6D26B5DA}" type="presOf" srcId="{FF89649E-7EF6-432D-A06A-5BE70F99C51F}" destId="{1B9F7D44-7A63-43DB-9E31-BC2EA4473504}" srcOrd="1" destOrd="0" presId="urn:microsoft.com/office/officeart/2016/7/layout/LinearBlockProcessNumbered"/>
+    <dgm:cxn modelId="{C82AB199-35B1-4BB1-9803-5663702F1A5F}" type="presParOf" srcId="{714D9C7B-79AF-441A-8787-11665EE38048}" destId="{F65A1995-7AF5-4619-9BF7-6494945BFC5D}" srcOrd="0" destOrd="0" presId="urn:microsoft.com/office/officeart/2016/7/layout/LinearBlockProcessNumbered"/>
+    <dgm:cxn modelId="{43F43779-6379-4701-8968-6BFE1CF107CE}" type="presParOf" srcId="{F65A1995-7AF5-4619-9BF7-6494945BFC5D}" destId="{1CA4554C-643E-4489-B58A-4C19826C6760}" srcOrd="0" destOrd="0" presId="urn:microsoft.com/office/officeart/2016/7/layout/LinearBlockProcessNumbered"/>
+    <dgm:cxn modelId="{293D352E-49EE-4D6E-BBF1-2146745F3BAE}" type="presParOf" srcId="{F65A1995-7AF5-4619-9BF7-6494945BFC5D}" destId="{5B3296BF-09C7-4B1A-8F4A-390783467803}" srcOrd="1" destOrd="0" presId="urn:microsoft.com/office/officeart/2016/7/layout/LinearBlockProcessNumbered"/>
+    <dgm:cxn modelId="{8397249F-E80D-403F-AE24-55FE3AFBB328}" type="presParOf" srcId="{F65A1995-7AF5-4619-9BF7-6494945BFC5D}" destId="{2AB7A791-E817-4970-9E35-CA4BA72133C3}" srcOrd="2" destOrd="0" presId="urn:microsoft.com/office/officeart/2016/7/layout/LinearBlockProcessNumbered"/>
+    <dgm:cxn modelId="{005403C1-3146-41E5-B63E-2ECD8CA5AFED}" type="presParOf" srcId="{714D9C7B-79AF-441A-8787-11665EE38048}" destId="{F41E814D-057E-4C2C-9618-A7874DCB8577}" srcOrd="1" destOrd="0" presId="urn:microsoft.com/office/officeart/2016/7/layout/LinearBlockProcessNumbered"/>
+    <dgm:cxn modelId="{ECB801CE-AEC7-4A78-B14B-165A87DDE135}" type="presParOf" srcId="{714D9C7B-79AF-441A-8787-11665EE38048}" destId="{335A99C9-3201-45AF-A7BD-E98A6E6C25F6}" srcOrd="2" destOrd="0" presId="urn:microsoft.com/office/officeart/2016/7/layout/LinearBlockProcessNumbered"/>
+    <dgm:cxn modelId="{A8127136-7DD6-456E-9608-EAD1A2BC47C8}" type="presParOf" srcId="{335A99C9-3201-45AF-A7BD-E98A6E6C25F6}" destId="{F6AAEBC7-102D-48F3-A85F-16E3E399129C}" srcOrd="0" destOrd="0" presId="urn:microsoft.com/office/officeart/2016/7/layout/LinearBlockProcessNumbered"/>
+    <dgm:cxn modelId="{8DAEE7D4-72B6-49EB-B8B3-99CC8C728A0C}" type="presParOf" srcId="{335A99C9-3201-45AF-A7BD-E98A6E6C25F6}" destId="{83946DF6-D6D3-43A1-9C3B-EEAA602EDEE3}" srcOrd="1" destOrd="0" presId="urn:microsoft.com/office/officeart/2016/7/layout/LinearBlockProcessNumbered"/>
+    <dgm:cxn modelId="{CC97AB50-B3B6-433E-B2F6-6B04216F948C}" type="presParOf" srcId="{335A99C9-3201-45AF-A7BD-E98A6E6C25F6}" destId="{9218525C-A48B-4FC0-BF89-AC316BB962BF}" srcOrd="2" destOrd="0" presId="urn:microsoft.com/office/officeart/2016/7/layout/LinearBlockProcessNumbered"/>
+    <dgm:cxn modelId="{BFAFD870-821C-425C-8C58-BD0423CF1A58}" type="presParOf" srcId="{714D9C7B-79AF-441A-8787-11665EE38048}" destId="{DBD4172A-DB59-459A-9AE8-B76976CC3C0F}" srcOrd="3" destOrd="0" presId="urn:microsoft.com/office/officeart/2016/7/layout/LinearBlockProcessNumbered"/>
+    <dgm:cxn modelId="{14A71F2A-6C9E-4CA2-A9CE-685D84F6EB38}" type="presParOf" srcId="{714D9C7B-79AF-441A-8787-11665EE38048}" destId="{9BEC94D7-2E64-4693-A1FE-B4F12501F783}" srcOrd="4" destOrd="0" presId="urn:microsoft.com/office/officeart/2016/7/layout/LinearBlockProcessNumbered"/>
+    <dgm:cxn modelId="{93B399BD-165F-4071-B8D9-144EC464125B}" type="presParOf" srcId="{9BEC94D7-2E64-4693-A1FE-B4F12501F783}" destId="{0753D590-F1F2-4A1F-8D8D-758F7E7578A0}" srcOrd="0" destOrd="0" presId="urn:microsoft.com/office/officeart/2016/7/layout/LinearBlockProcessNumbered"/>
+    <dgm:cxn modelId="{224059FF-CA21-4607-AB5F-780D933EEE37}" type="presParOf" srcId="{9BEC94D7-2E64-4693-A1FE-B4F12501F783}" destId="{B7FE45FA-3DC6-4CBD-9918-CE71FE0B9EDE}" srcOrd="1" destOrd="0" presId="urn:microsoft.com/office/officeart/2016/7/layout/LinearBlockProcessNumbered"/>
+    <dgm:cxn modelId="{008A19A7-8331-4C67-B8D3-2A05744EF81E}" type="presParOf" srcId="{9BEC94D7-2E64-4693-A1FE-B4F12501F783}" destId="{8E53006D-8741-458E-8DDE-EAAE635AAB71}" srcOrd="2" destOrd="0" presId="urn:microsoft.com/office/officeart/2016/7/layout/LinearBlockProcessNumbered"/>
+    <dgm:cxn modelId="{871764CD-06C0-4416-8ACA-F99D5756BF42}" type="presParOf" srcId="{714D9C7B-79AF-441A-8787-11665EE38048}" destId="{AAA32CC9-3514-4BF9-99E9-7B17473E93C0}" srcOrd="5" destOrd="0" presId="urn:microsoft.com/office/officeart/2016/7/layout/LinearBlockProcessNumbered"/>
+    <dgm:cxn modelId="{429156E8-80A2-4705-A665-AF5C135460D0}" type="presParOf" srcId="{714D9C7B-79AF-441A-8787-11665EE38048}" destId="{305DD606-0E2A-4109-9EE5-B5BBA05E6B56}" srcOrd="6" destOrd="0" presId="urn:microsoft.com/office/officeart/2016/7/layout/LinearBlockProcessNumbered"/>
+    <dgm:cxn modelId="{4C8B0500-E13F-4657-B116-401284D5BE1A}" type="presParOf" srcId="{305DD606-0E2A-4109-9EE5-B5BBA05E6B56}" destId="{93DD9CD3-5885-4671-B9A9-437C4FEE80F1}" srcOrd="0" destOrd="0" presId="urn:microsoft.com/office/officeart/2016/7/layout/LinearBlockProcessNumbered"/>
+    <dgm:cxn modelId="{7B5CD178-80CB-4FC3-B471-8C294F9CAB44}" type="presParOf" srcId="{305DD606-0E2A-4109-9EE5-B5BBA05E6B56}" destId="{B802498E-AB98-4308-A565-CA99A00B0410}" srcOrd="1" destOrd="0" presId="urn:microsoft.com/office/officeart/2016/7/layout/LinearBlockProcessNumbered"/>
+    <dgm:cxn modelId="{5313A423-B1BE-49A3-AA24-50BF4D843D56}" type="presParOf" srcId="{305DD606-0E2A-4109-9EE5-B5BBA05E6B56}" destId="{920A2484-35C1-4B13-B907-6B4A8A004C27}" srcOrd="2" destOrd="0" presId="urn:microsoft.com/office/officeart/2016/7/layout/LinearBlockProcessNumbered"/>
+    <dgm:cxn modelId="{ED9912C3-EC68-41E9-81F6-71FCB4F87224}" type="presParOf" srcId="{714D9C7B-79AF-441A-8787-11665EE38048}" destId="{47DB26C9-C919-4C62-84E7-90D2DEB65E42}" srcOrd="7" destOrd="0" presId="urn:microsoft.com/office/officeart/2016/7/layout/LinearBlockProcessNumbered"/>
+    <dgm:cxn modelId="{C293A346-C164-4CD9-B3B0-F1CCB8C444E3}" type="presParOf" srcId="{714D9C7B-79AF-441A-8787-11665EE38048}" destId="{C5187511-E7CD-4937-86B3-A4378F28F6FA}" srcOrd="8" destOrd="0" presId="urn:microsoft.com/office/officeart/2016/7/layout/LinearBlockProcessNumbered"/>
+    <dgm:cxn modelId="{81474E7C-7CCB-481F-8158-5F7F62965A58}" type="presParOf" srcId="{C5187511-E7CD-4937-86B3-A4378F28F6FA}" destId="{40FB3E3A-AD4F-4558-B1BF-242B9A7678AB}" srcOrd="0" destOrd="0" presId="urn:microsoft.com/office/officeart/2016/7/layout/LinearBlockProcessNumbered"/>
+    <dgm:cxn modelId="{8D610D38-B091-462A-8A7C-A6D0D4DE8D83}" type="presParOf" srcId="{C5187511-E7CD-4937-86B3-A4378F28F6FA}" destId="{7A5E55FC-6ACF-4E1A-AC2B-D7C905393817}" srcOrd="1" destOrd="0" presId="urn:microsoft.com/office/officeart/2016/7/layout/LinearBlockProcessNumbered"/>
+    <dgm:cxn modelId="{69BB33A6-101B-4545-9E34-E63FEBDAEB1A}" type="presParOf" srcId="{C5187511-E7CD-4937-86B3-A4378F28F6FA}" destId="{1B9F7D44-7A63-43DB-9E31-BC2EA4473504}" srcOrd="2" destOrd="0" presId="urn:microsoft.com/office/officeart/2016/7/layout/LinearBlockProcessNumbered"/>
   </dgm:cxnLst>
   <dgm:bg/>
   <dgm:whole/>
@@ -4657,7 +4741,7 @@
             <a:buNone/>
           </a:pPr>
           <a:r>
-            <a:rPr lang="en-US" sz="1900" kern="1200">
+            <a:rPr lang="en-US" sz="1900" kern="1200" dirty="0">
               <a:latin typeface="The Hand Black"/>
             </a:rPr>
             <a:t>Test connectivity and functionally of each use case</a:t>
@@ -4811,7 +4895,7 @@
             <a:buNone/>
           </a:pPr>
           <a:r>
-            <a:rPr lang="en-US" sz="1900" kern="1200">
+            <a:rPr lang="en-US" sz="1900" kern="1200" dirty="0">
               <a:latin typeface="The Hand Black"/>
             </a:rPr>
             <a:t>Check encapsulation by attempting to access medical information from coach perspective</a:t>
@@ -4965,7 +5049,7 @@
             <a:buNone/>
           </a:pPr>
           <a:r>
-            <a:rPr lang="en-US" sz="1900" kern="1200">
+            <a:rPr lang="en-US" sz="1900" kern="1200" dirty="0">
               <a:latin typeface="The Hand Black"/>
             </a:rPr>
             <a:t>Ensure client is able to access multiple recommendations and requirements at the same time</a:t>
@@ -5119,10 +5203,10 @@
             <a:buNone/>
           </a:pPr>
           <a:r>
-            <a:rPr lang="en-US" sz="1900" kern="1200">
+            <a:rPr lang="en-US" sz="1900" kern="1200" dirty="0">
               <a:latin typeface="The Hand Black"/>
             </a:rPr>
-            <a:t>Input altered data from external monitors to verify the systems changes in real time</a:t>
+            <a:t>Input altered data from external monitors to verify the systems displays changes in real time</a:t>
           </a:r>
         </a:p>
       </dsp:txBody>
@@ -5273,7 +5357,7 @@
             <a:buNone/>
           </a:pPr>
           <a:r>
-            <a:rPr lang="en-US" sz="1900" kern="1200">
+            <a:rPr lang="en-US" sz="1900" kern="1200" dirty="0">
               <a:latin typeface="The Hand Black"/>
             </a:rPr>
             <a:t>Monitor healthy client with a duplicate account to ensure there are no discrepancies between accounts</a:t>
@@ -5304,8 +5388,8 @@
       </dsp:nvSpPr>
       <dsp:spPr>
         <a:xfrm>
-          <a:off x="205" y="488655"/>
-          <a:ext cx="2479997" cy="2975996"/>
+          <a:off x="6315" y="792108"/>
+          <a:ext cx="1974242" cy="2369090"/>
         </a:xfrm>
         <a:prstGeom prst="rect">
           <a:avLst/>
@@ -5347,12 +5431,12 @@
         </a:fontRef>
       </dsp:style>
       <dsp:txBody>
-        <a:bodyPr spcFirstLastPara="0" vert="horz" wrap="square" lIns="244969" tIns="0" rIns="244969" bIns="330200" numCol="1" spcCol="1270" anchor="t" anchorCtr="0">
+        <a:bodyPr spcFirstLastPara="0" vert="horz" wrap="square" lIns="195011" tIns="0" rIns="195011" bIns="330200" numCol="1" spcCol="1270" anchor="t" anchorCtr="0">
           <a:noAutofit/>
         </a:bodyPr>
         <a:lstStyle/>
         <a:p>
-          <a:pPr marL="0" lvl="0" indent="0" algn="l" defTabSz="933450">
+          <a:pPr marL="0" lvl="0" indent="0" algn="l" defTabSz="666750" rtl="0">
             <a:lnSpc>
               <a:spcPct val="90000"/>
             </a:lnSpc>
@@ -5365,16 +5449,16 @@
             <a:buNone/>
           </a:pPr>
           <a:r>
-            <a:rPr lang="en-US" sz="2100" kern="1200">
+            <a:rPr lang="en-US" sz="1500" kern="1200" dirty="0">
               <a:latin typeface="The Hand Black"/>
             </a:rPr>
-            <a:t>Consulting professionals to determine estimated development costs</a:t>
+            <a:t>Enlisting guidance from professionals to determine estimated development costs</a:t>
           </a:r>
         </a:p>
       </dsp:txBody>
       <dsp:txXfrm>
-        <a:off x="205" y="1679053"/>
-        <a:ext cx="2479997" cy="1785598"/>
+        <a:off x="6315" y="1739744"/>
+        <a:ext cx="1974242" cy="1421454"/>
       </dsp:txXfrm>
     </dsp:sp>
     <dsp:sp modelId="{5B3296BF-09C7-4B1A-8F4A-390783467803}">
@@ -5384,8 +5468,8 @@
       </dsp:nvSpPr>
       <dsp:spPr>
         <a:xfrm>
-          <a:off x="205" y="488655"/>
-          <a:ext cx="2479997" cy="1190398"/>
+          <a:off x="6315" y="792108"/>
+          <a:ext cx="1974242" cy="947636"/>
         </a:xfrm>
         <a:prstGeom prst="rect">
           <a:avLst/>
@@ -5414,12 +5498,12 @@
         </a:fontRef>
       </dsp:style>
       <dsp:txBody>
-        <a:bodyPr spcFirstLastPara="0" vert="horz" wrap="square" lIns="244969" tIns="165100" rIns="244969" bIns="165100" numCol="1" spcCol="1270" anchor="ctr" anchorCtr="0">
+        <a:bodyPr spcFirstLastPara="0" vert="horz" wrap="square" lIns="195011" tIns="165100" rIns="195011" bIns="165100" numCol="1" spcCol="1270" anchor="ctr" anchorCtr="0">
           <a:noAutofit/>
         </a:bodyPr>
         <a:lstStyle/>
         <a:p>
-          <a:pPr marL="0" lvl="0" indent="0" algn="l" defTabSz="2755900">
+          <a:pPr marL="0" lvl="0" indent="0" algn="l" defTabSz="2000250">
             <a:lnSpc>
               <a:spcPct val="90000"/>
             </a:lnSpc>
@@ -5432,14 +5516,14 @@
             <a:buNone/>
           </a:pPr>
           <a:r>
-            <a:rPr lang="en-US" sz="6200" kern="1200"/>
+            <a:rPr lang="en-US" sz="4500" kern="1200"/>
             <a:t>01</a:t>
           </a:r>
         </a:p>
       </dsp:txBody>
       <dsp:txXfrm>
-        <a:off x="205" y="488655"/>
-        <a:ext cx="2479997" cy="1190398"/>
+        <a:off x="6315" y="792108"/>
+        <a:ext cx="1974242" cy="947636"/>
       </dsp:txXfrm>
     </dsp:sp>
     <dsp:sp modelId="{F6AAEBC7-102D-48F3-A85F-16E3E399129C}">
@@ -5449,26 +5533,26 @@
       </dsp:nvSpPr>
       <dsp:spPr>
         <a:xfrm>
-          <a:off x="2678602" y="488655"/>
-          <a:ext cx="2479997" cy="2975996"/>
+          <a:off x="2138497" y="792108"/>
+          <a:ext cx="1974242" cy="2369090"/>
         </a:xfrm>
         <a:prstGeom prst="rect">
           <a:avLst/>
         </a:prstGeom>
         <a:solidFill>
           <a:schemeClr val="accent5">
-            <a:hueOff val="5803288"/>
-            <a:satOff val="2564"/>
-            <a:lumOff val="-2811"/>
+            <a:hueOff val="4352466"/>
+            <a:satOff val="1923"/>
+            <a:lumOff val="-2108"/>
             <a:alphaOff val="0"/>
           </a:schemeClr>
         </a:solidFill>
         <a:ln w="12700" cap="flat" cmpd="sng" algn="ctr">
           <a:solidFill>
             <a:schemeClr val="accent5">
-              <a:hueOff val="5803288"/>
-              <a:satOff val="2564"/>
-              <a:lumOff val="-2811"/>
+              <a:hueOff val="4352466"/>
+              <a:satOff val="1923"/>
+              <a:lumOff val="-2108"/>
               <a:alphaOff val="0"/>
             </a:schemeClr>
           </a:solidFill>
@@ -5492,12 +5576,12 @@
         </a:fontRef>
       </dsp:style>
       <dsp:txBody>
-        <a:bodyPr spcFirstLastPara="0" vert="horz" wrap="square" lIns="244969" tIns="0" rIns="244969" bIns="330200" numCol="1" spcCol="1270" anchor="t" anchorCtr="0">
+        <a:bodyPr spcFirstLastPara="0" vert="horz" wrap="square" lIns="195011" tIns="0" rIns="195011" bIns="330200" numCol="1" spcCol="1270" anchor="t" anchorCtr="0">
           <a:noAutofit/>
         </a:bodyPr>
         <a:lstStyle/>
         <a:p>
-          <a:pPr marL="0" lvl="0" indent="0" algn="l" defTabSz="933450">
+          <a:pPr marL="0" lvl="0" indent="0" algn="l" defTabSz="666750">
             <a:lnSpc>
               <a:spcPct val="90000"/>
             </a:lnSpc>
@@ -5510,7 +5594,7 @@
             <a:buNone/>
           </a:pPr>
           <a:r>
-            <a:rPr lang="en-US" sz="2100" kern="1200">
+            <a:rPr lang="en-US" sz="1500" kern="1200" dirty="0">
               <a:latin typeface="The Hand Black"/>
             </a:rPr>
             <a:t>Expanding classes to include various types of health care professionals with different requirements</a:t>
@@ -5518,8 +5602,8 @@
         </a:p>
       </dsp:txBody>
       <dsp:txXfrm>
-        <a:off x="2678602" y="1679053"/>
-        <a:ext cx="2479997" cy="1785598"/>
+        <a:off x="2138497" y="1739744"/>
+        <a:ext cx="1974242" cy="1421454"/>
       </dsp:txXfrm>
     </dsp:sp>
     <dsp:sp modelId="{83946DF6-D6D3-43A1-9C3B-EEAA602EDEE3}">
@@ -5529,8 +5613,8 @@
       </dsp:nvSpPr>
       <dsp:spPr>
         <a:xfrm>
-          <a:off x="2678602" y="488655"/>
-          <a:ext cx="2479997" cy="1190398"/>
+          <a:off x="2138497" y="792108"/>
+          <a:ext cx="1974242" cy="947636"/>
         </a:xfrm>
         <a:prstGeom prst="rect">
           <a:avLst/>
@@ -5559,12 +5643,12 @@
         </a:fontRef>
       </dsp:style>
       <dsp:txBody>
-        <a:bodyPr spcFirstLastPara="0" vert="horz" wrap="square" lIns="244969" tIns="165100" rIns="244969" bIns="165100" numCol="1" spcCol="1270" anchor="ctr" anchorCtr="0">
+        <a:bodyPr spcFirstLastPara="0" vert="horz" wrap="square" lIns="195011" tIns="165100" rIns="195011" bIns="165100" numCol="1" spcCol="1270" anchor="ctr" anchorCtr="0">
           <a:noAutofit/>
         </a:bodyPr>
         <a:lstStyle/>
         <a:p>
-          <a:pPr marL="0" lvl="0" indent="0" algn="l" defTabSz="2755900">
+          <a:pPr marL="0" lvl="0" indent="0" algn="l" defTabSz="2000250">
             <a:lnSpc>
               <a:spcPct val="90000"/>
             </a:lnSpc>
@@ -5577,43 +5661,43 @@
             <a:buNone/>
           </a:pPr>
           <a:r>
-            <a:rPr lang="en-US" sz="6200" kern="1200"/>
+            <a:rPr lang="en-US" sz="4500" kern="1200"/>
             <a:t>02</a:t>
           </a:r>
         </a:p>
       </dsp:txBody>
       <dsp:txXfrm>
-        <a:off x="2678602" y="488655"/>
-        <a:ext cx="2479997" cy="1190398"/>
+        <a:off x="2138497" y="792108"/>
+        <a:ext cx="1974242" cy="947636"/>
       </dsp:txXfrm>
     </dsp:sp>
-    <dsp:sp modelId="{93DD9CD3-5885-4671-B9A9-437C4FEE80F1}">
+    <dsp:sp modelId="{0753D590-F1F2-4A1F-8D8D-758F7E7578A0}">
       <dsp:nvSpPr>
         <dsp:cNvPr id="0" name=""/>
         <dsp:cNvSpPr/>
       </dsp:nvSpPr>
       <dsp:spPr>
         <a:xfrm>
-          <a:off x="5356999" y="488655"/>
-          <a:ext cx="2479997" cy="2975996"/>
+          <a:off x="4270678" y="792108"/>
+          <a:ext cx="1974242" cy="2369090"/>
         </a:xfrm>
         <a:prstGeom prst="rect">
           <a:avLst/>
         </a:prstGeom>
         <a:solidFill>
           <a:schemeClr val="accent5">
-            <a:hueOff val="11606576"/>
-            <a:satOff val="5128"/>
-            <a:lumOff val="-5621"/>
+            <a:hueOff val="8704932"/>
+            <a:satOff val="3846"/>
+            <a:lumOff val="-4216"/>
             <a:alphaOff val="0"/>
           </a:schemeClr>
         </a:solidFill>
         <a:ln w="12700" cap="flat" cmpd="sng" algn="ctr">
           <a:solidFill>
             <a:schemeClr val="accent5">
-              <a:hueOff val="11606576"/>
-              <a:satOff val="5128"/>
-              <a:lumOff val="-5621"/>
+              <a:hueOff val="8704932"/>
+              <a:satOff val="3846"/>
+              <a:lumOff val="-4216"/>
               <a:alphaOff val="0"/>
             </a:schemeClr>
           </a:solidFill>
@@ -5637,12 +5721,12 @@
         </a:fontRef>
       </dsp:style>
       <dsp:txBody>
-        <a:bodyPr spcFirstLastPara="0" vert="horz" wrap="square" lIns="244969" tIns="0" rIns="244969" bIns="330200" numCol="1" spcCol="1270" anchor="t" anchorCtr="0">
+        <a:bodyPr spcFirstLastPara="0" vert="horz" wrap="square" lIns="195011" tIns="0" rIns="195011" bIns="330200" numCol="1" spcCol="1270" anchor="t" anchorCtr="0">
           <a:noAutofit/>
         </a:bodyPr>
         <a:lstStyle/>
         <a:p>
-          <a:pPr marL="0" lvl="0" indent="0" algn="l" defTabSz="933450">
+          <a:pPr marL="0" lvl="0" indent="0" algn="l" defTabSz="666750" rtl="0">
             <a:lnSpc>
               <a:spcPct val="90000"/>
             </a:lnSpc>
@@ -5655,27 +5739,27 @@
             <a:buNone/>
           </a:pPr>
           <a:r>
-            <a:rPr lang="en-US" sz="2100" kern="1200">
+            <a:rPr lang="en-US" sz="1500" kern="1200" dirty="0">
               <a:latin typeface="The Hand Black"/>
             </a:rPr>
-            <a:t>Consulting with health care professionals to determine the most affective user interface for their applications</a:t>
+            <a:t>Meeting with representatives who have developed physical monitoring devices</a:t>
           </a:r>
         </a:p>
       </dsp:txBody>
       <dsp:txXfrm>
-        <a:off x="5356999" y="1679053"/>
-        <a:ext cx="2479997" cy="1785598"/>
+        <a:off x="4270678" y="1739744"/>
+        <a:ext cx="1974242" cy="1421454"/>
       </dsp:txXfrm>
     </dsp:sp>
-    <dsp:sp modelId="{B802498E-AB98-4308-A565-CA99A00B0410}">
+    <dsp:sp modelId="{B7FE45FA-3DC6-4CBD-9918-CE71FE0B9EDE}">
       <dsp:nvSpPr>
         <dsp:cNvPr id="0" name=""/>
         <dsp:cNvSpPr/>
       </dsp:nvSpPr>
       <dsp:spPr>
         <a:xfrm>
-          <a:off x="5356999" y="488655"/>
-          <a:ext cx="2479997" cy="1190398"/>
+          <a:off x="4270678" y="792108"/>
+          <a:ext cx="1974242" cy="947636"/>
         </a:xfrm>
         <a:prstGeom prst="rect">
           <a:avLst/>
@@ -5704,12 +5788,12 @@
         </a:fontRef>
       </dsp:style>
       <dsp:txBody>
-        <a:bodyPr spcFirstLastPara="0" vert="horz" wrap="square" lIns="244969" tIns="165100" rIns="244969" bIns="165100" numCol="1" spcCol="1270" anchor="ctr" anchorCtr="0">
+        <a:bodyPr spcFirstLastPara="0" vert="horz" wrap="square" lIns="195011" tIns="165100" rIns="195011" bIns="165100" numCol="1" spcCol="1270" anchor="ctr" anchorCtr="0">
           <a:noAutofit/>
         </a:bodyPr>
         <a:lstStyle/>
         <a:p>
-          <a:pPr marL="0" lvl="0" indent="0" algn="l" defTabSz="2755900">
+          <a:pPr marL="0" lvl="0" indent="0" algn="l" defTabSz="2000250">
             <a:lnSpc>
               <a:spcPct val="90000"/>
             </a:lnSpc>
@@ -5722,14 +5806,159 @@
             <a:buNone/>
           </a:pPr>
           <a:r>
-            <a:rPr lang="en-US" sz="6200" kern="1200"/>
+            <a:rPr lang="en-US" sz="4500" kern="1200"/>
             <a:t>03</a:t>
           </a:r>
         </a:p>
       </dsp:txBody>
       <dsp:txXfrm>
-        <a:off x="5356999" y="488655"/>
-        <a:ext cx="2479997" cy="1190398"/>
+        <a:off x="4270678" y="792108"/>
+        <a:ext cx="1974242" cy="947636"/>
+      </dsp:txXfrm>
+    </dsp:sp>
+    <dsp:sp modelId="{93DD9CD3-5885-4671-B9A9-437C4FEE80F1}">
+      <dsp:nvSpPr>
+        <dsp:cNvPr id="0" name=""/>
+        <dsp:cNvSpPr/>
+      </dsp:nvSpPr>
+      <dsp:spPr>
+        <a:xfrm>
+          <a:off x="6402860" y="792108"/>
+          <a:ext cx="1974242" cy="2369090"/>
+        </a:xfrm>
+        <a:prstGeom prst="rect">
+          <a:avLst/>
+        </a:prstGeom>
+        <a:solidFill>
+          <a:schemeClr val="accent5">
+            <a:hueOff val="13057397"/>
+            <a:satOff val="5769"/>
+            <a:lumOff val="-6324"/>
+            <a:alphaOff val="0"/>
+          </a:schemeClr>
+        </a:solidFill>
+        <a:ln w="12700" cap="flat" cmpd="sng" algn="ctr">
+          <a:solidFill>
+            <a:schemeClr val="accent5">
+              <a:hueOff val="13057397"/>
+              <a:satOff val="5769"/>
+              <a:lumOff val="-6324"/>
+              <a:alphaOff val="0"/>
+            </a:schemeClr>
+          </a:solidFill>
+          <a:prstDash val="solid"/>
+          <a:miter lim="800000"/>
+        </a:ln>
+        <a:effectLst/>
+      </dsp:spPr>
+      <dsp:style>
+        <a:lnRef idx="2">
+          <a:scrgbClr r="0" g="0" b="0"/>
+        </a:lnRef>
+        <a:fillRef idx="1">
+          <a:scrgbClr r="0" g="0" b="0"/>
+        </a:fillRef>
+        <a:effectRef idx="0">
+          <a:scrgbClr r="0" g="0" b="0"/>
+        </a:effectRef>
+        <a:fontRef idx="minor">
+          <a:schemeClr val="lt1"/>
+        </a:fontRef>
+      </dsp:style>
+      <dsp:txBody>
+        <a:bodyPr spcFirstLastPara="0" vert="horz" wrap="square" lIns="195011" tIns="0" rIns="195011" bIns="330200" numCol="1" spcCol="1270" anchor="t" anchorCtr="0">
+          <a:noAutofit/>
+        </a:bodyPr>
+        <a:lstStyle/>
+        <a:p>
+          <a:pPr marL="0" lvl="0" indent="0" algn="l" defTabSz="666750" rtl="0">
+            <a:lnSpc>
+              <a:spcPct val="90000"/>
+            </a:lnSpc>
+            <a:spcBef>
+              <a:spcPct val="0"/>
+            </a:spcBef>
+            <a:spcAft>
+              <a:spcPct val="35000"/>
+            </a:spcAft>
+            <a:buNone/>
+          </a:pPr>
+          <a:r>
+            <a:rPr lang="en-US" sz="1500" kern="1200" dirty="0">
+              <a:latin typeface="The Hand Black"/>
+            </a:rPr>
+            <a:t>Consulting with health care professionals and coaches to determine the most affective user interface for their applications</a:t>
+          </a:r>
+        </a:p>
+      </dsp:txBody>
+      <dsp:txXfrm>
+        <a:off x="6402860" y="1739744"/>
+        <a:ext cx="1974242" cy="1421454"/>
+      </dsp:txXfrm>
+    </dsp:sp>
+    <dsp:sp modelId="{B802498E-AB98-4308-A565-CA99A00B0410}">
+      <dsp:nvSpPr>
+        <dsp:cNvPr id="0" name=""/>
+        <dsp:cNvSpPr/>
+      </dsp:nvSpPr>
+      <dsp:spPr>
+        <a:xfrm>
+          <a:off x="6402860" y="792108"/>
+          <a:ext cx="1974242" cy="947636"/>
+        </a:xfrm>
+        <a:prstGeom prst="rect">
+          <a:avLst/>
+        </a:prstGeom>
+        <a:noFill/>
+        <a:ln w="12700" cap="flat" cmpd="sng" algn="ctr">
+          <a:noFill/>
+          <a:prstDash val="solid"/>
+          <a:miter lim="800000"/>
+        </a:ln>
+        <a:effectLst/>
+        <a:sp3d/>
+      </dsp:spPr>
+      <dsp:style>
+        <a:lnRef idx="2">
+          <a:scrgbClr r="0" g="0" b="0"/>
+        </a:lnRef>
+        <a:fillRef idx="1">
+          <a:scrgbClr r="0" g="0" b="0"/>
+        </a:fillRef>
+        <a:effectRef idx="0">
+          <a:scrgbClr r="0" g="0" b="0"/>
+        </a:effectRef>
+        <a:fontRef idx="minor">
+          <a:schemeClr val="lt1"/>
+        </a:fontRef>
+      </dsp:style>
+      <dsp:txBody>
+        <a:bodyPr spcFirstLastPara="0" vert="horz" wrap="square" lIns="195011" tIns="165100" rIns="195011" bIns="165100" numCol="1" spcCol="1270" anchor="ctr" anchorCtr="0">
+          <a:noAutofit/>
+        </a:bodyPr>
+        <a:lstStyle/>
+        <a:p>
+          <a:pPr marL="0" lvl="0" indent="0" algn="l" defTabSz="2000250">
+            <a:lnSpc>
+              <a:spcPct val="90000"/>
+            </a:lnSpc>
+            <a:spcBef>
+              <a:spcPct val="0"/>
+            </a:spcBef>
+            <a:spcAft>
+              <a:spcPct val="35000"/>
+            </a:spcAft>
+            <a:buNone/>
+          </a:pPr>
+          <a:r>
+            <a:rPr lang="en-US" sz="4500" kern="1200"/>
+            <a:t>04</a:t>
+          </a:r>
+        </a:p>
+      </dsp:txBody>
+      <dsp:txXfrm>
+        <a:off x="6402860" y="792108"/>
+        <a:ext cx="1974242" cy="947636"/>
       </dsp:txXfrm>
     </dsp:sp>
     <dsp:sp modelId="{40FB3E3A-AD4F-4558-B1BF-242B9A7678AB}">
@@ -5739,8 +5968,8 @@
       </dsp:nvSpPr>
       <dsp:spPr>
         <a:xfrm>
-          <a:off x="8035397" y="488655"/>
-          <a:ext cx="2479997" cy="2975996"/>
+          <a:off x="8535042" y="792108"/>
+          <a:ext cx="1974242" cy="2369090"/>
         </a:xfrm>
         <a:prstGeom prst="rect">
           <a:avLst/>
@@ -5782,12 +6011,12 @@
         </a:fontRef>
       </dsp:style>
       <dsp:txBody>
-        <a:bodyPr spcFirstLastPara="0" vert="horz" wrap="square" lIns="244969" tIns="0" rIns="244969" bIns="330200" numCol="1" spcCol="1270" anchor="t" anchorCtr="0">
+        <a:bodyPr spcFirstLastPara="0" vert="horz" wrap="square" lIns="195011" tIns="0" rIns="195011" bIns="330200" numCol="1" spcCol="1270" anchor="t" anchorCtr="0">
           <a:noAutofit/>
         </a:bodyPr>
         <a:lstStyle/>
         <a:p>
-          <a:pPr marL="0" lvl="0" indent="0" algn="l" defTabSz="933450">
+          <a:pPr marL="0" lvl="0" indent="0" algn="l" defTabSz="666750">
             <a:lnSpc>
               <a:spcPct val="90000"/>
             </a:lnSpc>
@@ -5800,7 +6029,7 @@
             <a:buNone/>
           </a:pPr>
           <a:r>
-            <a:rPr lang="en-US" sz="2100" kern="1200">
+            <a:rPr lang="en-US" sz="1500" kern="1200" dirty="0">
               <a:latin typeface="The Hand Black"/>
             </a:rPr>
             <a:t>Implementing a functioning system to subject to rigorous testing</a:t>
@@ -5808,8 +6037,8 @@
         </a:p>
       </dsp:txBody>
       <dsp:txXfrm>
-        <a:off x="8035397" y="1679053"/>
-        <a:ext cx="2479997" cy="1785598"/>
+        <a:off x="8535042" y="1739744"/>
+        <a:ext cx="1974242" cy="1421454"/>
       </dsp:txXfrm>
     </dsp:sp>
     <dsp:sp modelId="{7A5E55FC-6ACF-4E1A-AC2B-D7C905393817}">
@@ -5819,8 +6048,8 @@
       </dsp:nvSpPr>
       <dsp:spPr>
         <a:xfrm>
-          <a:off x="8035397" y="488655"/>
-          <a:ext cx="2479997" cy="1190398"/>
+          <a:off x="8535042" y="792108"/>
+          <a:ext cx="1974242" cy="947636"/>
         </a:xfrm>
         <a:prstGeom prst="rect">
           <a:avLst/>
@@ -5849,12 +6078,12 @@
         </a:fontRef>
       </dsp:style>
       <dsp:txBody>
-        <a:bodyPr spcFirstLastPara="0" vert="horz" wrap="square" lIns="244969" tIns="165100" rIns="244969" bIns="165100" numCol="1" spcCol="1270" anchor="ctr" anchorCtr="0">
+        <a:bodyPr spcFirstLastPara="0" vert="horz" wrap="square" lIns="195011" tIns="165100" rIns="195011" bIns="165100" numCol="1" spcCol="1270" anchor="ctr" anchorCtr="0">
           <a:noAutofit/>
         </a:bodyPr>
         <a:lstStyle/>
         <a:p>
-          <a:pPr marL="0" lvl="0" indent="0" algn="l" defTabSz="2755900">
+          <a:pPr marL="0" lvl="0" indent="0" algn="l" defTabSz="2000250">
             <a:lnSpc>
               <a:spcPct val="90000"/>
             </a:lnSpc>
@@ -5867,14 +6096,14 @@
             <a:buNone/>
           </a:pPr>
           <a:r>
-            <a:rPr lang="en-US" sz="6200" kern="1200"/>
-            <a:t>04</a:t>
+            <a:rPr lang="en-US" sz="4500" kern="1200"/>
+            <a:t>05</a:t>
           </a:r>
         </a:p>
       </dsp:txBody>
       <dsp:txXfrm>
-        <a:off x="8035397" y="488655"/>
-        <a:ext cx="2479997" cy="1190398"/>
+        <a:off x="8535042" y="792108"/>
+        <a:ext cx="1974242" cy="947636"/>
       </dsp:txXfrm>
     </dsp:sp>
   </dsp:spTree>
@@ -9804,7 +10033,7 @@
           <a:p>
             <a:fld id="{544D676F-4DB5-46B8-8F00-05DB67D5471C}" type="datetimeFigureOut">
               <a:rPr lang="en-US" smtClean="0"/>
-              <a:t>12/7/2020</a:t>
+              <a:t>12/9/2020</a:t>
             </a:fld>
             <a:endParaRPr lang="en-US"/>
           </a:p>
@@ -9915,6 +10144,34 @@
           <inkml:channelProperty channel="F" name="resolution" value="0" units="1/dev"/>
         </inkml:channelProperties>
       </inkml:inkSource>
+      <inkml:timestamp xml:id="ts0" timeString="2020-12-09T02:56:39.587"/>
+    </inkml:context>
+    <inkml:brush xml:id="br0">
+      <inkml:brushProperty name="width" value="0.1" units="cm"/>
+      <inkml:brushProperty name="height" value="0.1" units="cm"/>
+      <inkml:brushProperty name="color" value="#FFFFFF"/>
+    </inkml:brush>
+  </inkml:definitions>
+  <inkml:trace contextRef="#ctx0" brushRef="#br0">1 0 128,'0'6'0</inkml:trace>
+</inkml:ink>
+</file>
+
+<file path=ppt/ink/ink2.xml><?xml version="1.0" encoding="utf-8"?>
+<inkml:ink xmlns:inkml="http://www.w3.org/2003/InkML">
+  <inkml:definitions>
+    <inkml:context xml:id="ctx0">
+      <inkml:inkSource xml:id="inkSrc0">
+        <inkml:traceFormat>
+          <inkml:channel name="X" type="integer" min="-2.14748E9" max="2.14748E9" units="cm"/>
+          <inkml:channel name="Y" type="integer" min="-2.14748E9" max="2.14748E9" units="cm"/>
+          <inkml:channel name="F" type="integer" max="32767" units="dev"/>
+        </inkml:traceFormat>
+        <inkml:channelProperties>
+          <inkml:channelProperty channel="X" name="resolution" value="1000" units="1/cm"/>
+          <inkml:channelProperty channel="Y" name="resolution" value="1000" units="1/cm"/>
+          <inkml:channelProperty channel="F" name="resolution" value="0" units="1/dev"/>
+        </inkml:channelProperties>
+      </inkml:inkSource>
       <inkml:timestamp xml:id="ts0" timeString="2020-12-06T16:08:22.458"/>
     </inkml:context>
     <inkml:brush xml:id="br0">
@@ -10009,7 +10266,7 @@
           <a:p>
             <a:fld id="{887BE5AB-3192-4552-A220-BA06EA9D867F}" type="datetimeFigureOut">
               <a:rPr lang="en-US" smtClean="0"/>
-              <a:t>12/7/2020</a:t>
+              <a:t>12/9/2020</a:t>
             </a:fld>
             <a:endParaRPr lang="en-US"/>
           </a:p>
@@ -29275,6 +29532,1304 @@
       </p:grpSpPr>
       <p:sp>
         <p:nvSpPr>
+          <p:cNvPr id="10" name="Rectangle 7">
+            <a:extLst>
+              <a:ext uri="{FF2B5EF4-FFF2-40B4-BE49-F238E27FC236}">
+                <a16:creationId xmlns:a16="http://schemas.microsoft.com/office/drawing/2014/main" id="{EBDD1931-9E86-4402-9A68-33A2D9EFB198}"/>
+              </a:ext>
+              <a:ext uri="{C183D7F6-B498-43B3-948B-1728B52AA6E4}">
+                <adec:decorative xmlns:adec="http://schemas.microsoft.com/office/drawing/2017/decorative" val="1"/>
+              </a:ext>
+            </a:extLst>
+          </p:cNvPr>
+          <p:cNvSpPr>
+            <a:spLocks noGrp="1" noRot="1" noChangeAspect="1" noMove="1" noResize="1" noEditPoints="1" noAdjustHandles="1" noChangeArrowheads="1" noChangeShapeType="1" noTextEdit="1"/>
+          </p:cNvSpPr>
+          <p:nvPr>
+            <p:extLst>
+              <p:ext uri="{386F3935-93C4-4BCD-93E2-E3B085C9AB24}">
+                <p16:designElem xmlns:p16="http://schemas.microsoft.com/office/powerpoint/2015/main" val="1"/>
+              </p:ext>
+            </p:extLst>
+          </p:nvPr>
+        </p:nvSpPr>
+        <p:spPr>
+          <a:xfrm>
+            <a:off x="838199" y="1709928"/>
+            <a:ext cx="10515600" cy="27432"/>
+          </a:xfrm>
+          <a:custGeom>
+            <a:avLst/>
+            <a:gdLst>
+              <a:gd name="connsiteX0" fmla="*/ 0 w 10515600"/>
+              <a:gd name="connsiteY0" fmla="*/ 0 h 27432"/>
+              <a:gd name="connsiteX1" fmla="*/ 446913 w 10515600"/>
+              <a:gd name="connsiteY1" fmla="*/ 0 h 27432"/>
+              <a:gd name="connsiteX2" fmla="*/ 1104138 w 10515600"/>
+              <a:gd name="connsiteY2" fmla="*/ 0 h 27432"/>
+              <a:gd name="connsiteX3" fmla="*/ 1866519 w 10515600"/>
+              <a:gd name="connsiteY3" fmla="*/ 0 h 27432"/>
+              <a:gd name="connsiteX4" fmla="*/ 2208276 w 10515600"/>
+              <a:gd name="connsiteY4" fmla="*/ 0 h 27432"/>
+              <a:gd name="connsiteX5" fmla="*/ 2550033 w 10515600"/>
+              <a:gd name="connsiteY5" fmla="*/ 0 h 27432"/>
+              <a:gd name="connsiteX6" fmla="*/ 3417570 w 10515600"/>
+              <a:gd name="connsiteY6" fmla="*/ 0 h 27432"/>
+              <a:gd name="connsiteX7" fmla="*/ 4074795 w 10515600"/>
+              <a:gd name="connsiteY7" fmla="*/ 0 h 27432"/>
+              <a:gd name="connsiteX8" fmla="*/ 4416552 w 10515600"/>
+              <a:gd name="connsiteY8" fmla="*/ 0 h 27432"/>
+              <a:gd name="connsiteX9" fmla="*/ 5073777 w 10515600"/>
+              <a:gd name="connsiteY9" fmla="*/ 0 h 27432"/>
+              <a:gd name="connsiteX10" fmla="*/ 5941314 w 10515600"/>
+              <a:gd name="connsiteY10" fmla="*/ 0 h 27432"/>
+              <a:gd name="connsiteX11" fmla="*/ 6493383 w 10515600"/>
+              <a:gd name="connsiteY11" fmla="*/ 0 h 27432"/>
+              <a:gd name="connsiteX12" fmla="*/ 7045452 w 10515600"/>
+              <a:gd name="connsiteY12" fmla="*/ 0 h 27432"/>
+              <a:gd name="connsiteX13" fmla="*/ 7702677 w 10515600"/>
+              <a:gd name="connsiteY13" fmla="*/ 0 h 27432"/>
+              <a:gd name="connsiteX14" fmla="*/ 8465058 w 10515600"/>
+              <a:gd name="connsiteY14" fmla="*/ 0 h 27432"/>
+              <a:gd name="connsiteX15" fmla="*/ 9227439 w 10515600"/>
+              <a:gd name="connsiteY15" fmla="*/ 0 h 27432"/>
+              <a:gd name="connsiteX16" fmla="*/ 10515600 w 10515600"/>
+              <a:gd name="connsiteY16" fmla="*/ 0 h 27432"/>
+              <a:gd name="connsiteX17" fmla="*/ 10515600 w 10515600"/>
+              <a:gd name="connsiteY17" fmla="*/ 27432 h 27432"/>
+              <a:gd name="connsiteX18" fmla="*/ 10068687 w 10515600"/>
+              <a:gd name="connsiteY18" fmla="*/ 27432 h 27432"/>
+              <a:gd name="connsiteX19" fmla="*/ 9201150 w 10515600"/>
+              <a:gd name="connsiteY19" fmla="*/ 27432 h 27432"/>
+              <a:gd name="connsiteX20" fmla="*/ 8543925 w 10515600"/>
+              <a:gd name="connsiteY20" fmla="*/ 27432 h 27432"/>
+              <a:gd name="connsiteX21" fmla="*/ 8202168 w 10515600"/>
+              <a:gd name="connsiteY21" fmla="*/ 27432 h 27432"/>
+              <a:gd name="connsiteX22" fmla="*/ 7544943 w 10515600"/>
+              <a:gd name="connsiteY22" fmla="*/ 27432 h 27432"/>
+              <a:gd name="connsiteX23" fmla="*/ 6992874 w 10515600"/>
+              <a:gd name="connsiteY23" fmla="*/ 27432 h 27432"/>
+              <a:gd name="connsiteX24" fmla="*/ 6440805 w 10515600"/>
+              <a:gd name="connsiteY24" fmla="*/ 27432 h 27432"/>
+              <a:gd name="connsiteX25" fmla="*/ 5888736 w 10515600"/>
+              <a:gd name="connsiteY25" fmla="*/ 27432 h 27432"/>
+              <a:gd name="connsiteX26" fmla="*/ 5336667 w 10515600"/>
+              <a:gd name="connsiteY26" fmla="*/ 27432 h 27432"/>
+              <a:gd name="connsiteX27" fmla="*/ 4574286 w 10515600"/>
+              <a:gd name="connsiteY27" fmla="*/ 27432 h 27432"/>
+              <a:gd name="connsiteX28" fmla="*/ 3917061 w 10515600"/>
+              <a:gd name="connsiteY28" fmla="*/ 27432 h 27432"/>
+              <a:gd name="connsiteX29" fmla="*/ 3575304 w 10515600"/>
+              <a:gd name="connsiteY29" fmla="*/ 27432 h 27432"/>
+              <a:gd name="connsiteX30" fmla="*/ 3023235 w 10515600"/>
+              <a:gd name="connsiteY30" fmla="*/ 27432 h 27432"/>
+              <a:gd name="connsiteX31" fmla="*/ 2260854 w 10515600"/>
+              <a:gd name="connsiteY31" fmla="*/ 27432 h 27432"/>
+              <a:gd name="connsiteX32" fmla="*/ 1813941 w 10515600"/>
+              <a:gd name="connsiteY32" fmla="*/ 27432 h 27432"/>
+              <a:gd name="connsiteX33" fmla="*/ 946404 w 10515600"/>
+              <a:gd name="connsiteY33" fmla="*/ 27432 h 27432"/>
+              <a:gd name="connsiteX34" fmla="*/ 0 w 10515600"/>
+              <a:gd name="connsiteY34" fmla="*/ 27432 h 27432"/>
+              <a:gd name="connsiteX35" fmla="*/ 0 w 10515600"/>
+              <a:gd name="connsiteY35" fmla="*/ 0 h 27432"/>
+            </a:gdLst>
+            <a:ahLst/>
+            <a:cxnLst>
+              <a:cxn ang="0">
+                <a:pos x="connsiteX0" y="connsiteY0"/>
+              </a:cxn>
+              <a:cxn ang="0">
+                <a:pos x="connsiteX1" y="connsiteY1"/>
+              </a:cxn>
+              <a:cxn ang="0">
+                <a:pos x="connsiteX2" y="connsiteY2"/>
+              </a:cxn>
+              <a:cxn ang="0">
+                <a:pos x="connsiteX3" y="connsiteY3"/>
+              </a:cxn>
+              <a:cxn ang="0">
+                <a:pos x="connsiteX4" y="connsiteY4"/>
+              </a:cxn>
+              <a:cxn ang="0">
+                <a:pos x="connsiteX5" y="connsiteY5"/>
+              </a:cxn>
+              <a:cxn ang="0">
+                <a:pos x="connsiteX6" y="connsiteY6"/>
+              </a:cxn>
+              <a:cxn ang="0">
+                <a:pos x="connsiteX7" y="connsiteY7"/>
+              </a:cxn>
+              <a:cxn ang="0">
+                <a:pos x="connsiteX8" y="connsiteY8"/>
+              </a:cxn>
+              <a:cxn ang="0">
+                <a:pos x="connsiteX9" y="connsiteY9"/>
+              </a:cxn>
+              <a:cxn ang="0">
+                <a:pos x="connsiteX10" y="connsiteY10"/>
+              </a:cxn>
+              <a:cxn ang="0">
+                <a:pos x="connsiteX11" y="connsiteY11"/>
+              </a:cxn>
+              <a:cxn ang="0">
+                <a:pos x="connsiteX12" y="connsiteY12"/>
+              </a:cxn>
+              <a:cxn ang="0">
+                <a:pos x="connsiteX13" y="connsiteY13"/>
+              </a:cxn>
+              <a:cxn ang="0">
+                <a:pos x="connsiteX14" y="connsiteY14"/>
+              </a:cxn>
+              <a:cxn ang="0">
+                <a:pos x="connsiteX15" y="connsiteY15"/>
+              </a:cxn>
+              <a:cxn ang="0">
+                <a:pos x="connsiteX16" y="connsiteY16"/>
+              </a:cxn>
+              <a:cxn ang="0">
+                <a:pos x="connsiteX17" y="connsiteY17"/>
+              </a:cxn>
+              <a:cxn ang="0">
+                <a:pos x="connsiteX18" y="connsiteY18"/>
+              </a:cxn>
+              <a:cxn ang="0">
+                <a:pos x="connsiteX19" y="connsiteY19"/>
+              </a:cxn>
+              <a:cxn ang="0">
+                <a:pos x="connsiteX20" y="connsiteY20"/>
+              </a:cxn>
+              <a:cxn ang="0">
+                <a:pos x="connsiteX21" y="connsiteY21"/>
+              </a:cxn>
+              <a:cxn ang="0">
+                <a:pos x="connsiteX22" y="connsiteY22"/>
+              </a:cxn>
+              <a:cxn ang="0">
+                <a:pos x="connsiteX23" y="connsiteY23"/>
+              </a:cxn>
+              <a:cxn ang="0">
+                <a:pos x="connsiteX24" y="connsiteY24"/>
+              </a:cxn>
+              <a:cxn ang="0">
+                <a:pos x="connsiteX25" y="connsiteY25"/>
+              </a:cxn>
+              <a:cxn ang="0">
+                <a:pos x="connsiteX26" y="connsiteY26"/>
+              </a:cxn>
+              <a:cxn ang="0">
+                <a:pos x="connsiteX27" y="connsiteY27"/>
+              </a:cxn>
+              <a:cxn ang="0">
+                <a:pos x="connsiteX28" y="connsiteY28"/>
+              </a:cxn>
+              <a:cxn ang="0">
+                <a:pos x="connsiteX29" y="connsiteY29"/>
+              </a:cxn>
+              <a:cxn ang="0">
+                <a:pos x="connsiteX30" y="connsiteY30"/>
+              </a:cxn>
+              <a:cxn ang="0">
+                <a:pos x="connsiteX31" y="connsiteY31"/>
+              </a:cxn>
+              <a:cxn ang="0">
+                <a:pos x="connsiteX32" y="connsiteY32"/>
+              </a:cxn>
+              <a:cxn ang="0">
+                <a:pos x="connsiteX33" y="connsiteY33"/>
+              </a:cxn>
+              <a:cxn ang="0">
+                <a:pos x="connsiteX34" y="connsiteY34"/>
+              </a:cxn>
+              <a:cxn ang="0">
+                <a:pos x="connsiteX35" y="connsiteY35"/>
+              </a:cxn>
+            </a:cxnLst>
+            <a:rect l="l" t="t" r="r" b="b"/>
+            <a:pathLst>
+              <a:path w="10515600" h="27432" fill="none" extrusionOk="0">
+                <a:moveTo>
+                  <a:pt x="0" y="0"/>
+                </a:moveTo>
+                <a:cubicBezTo>
+                  <a:pt x="119693" y="-14343"/>
+                  <a:pt x="253007" y="-7583"/>
+                  <a:pt x="446913" y="0"/>
+                </a:cubicBezTo>
+                <a:cubicBezTo>
+                  <a:pt x="640819" y="7583"/>
+                  <a:pt x="841419" y="-7067"/>
+                  <a:pt x="1104138" y="0"/>
+                </a:cubicBezTo>
+                <a:cubicBezTo>
+                  <a:pt x="1366858" y="7067"/>
+                  <a:pt x="1495525" y="1255"/>
+                  <a:pt x="1866519" y="0"/>
+                </a:cubicBezTo>
+                <a:cubicBezTo>
+                  <a:pt x="2237513" y="-1255"/>
+                  <a:pt x="2043820" y="12003"/>
+                  <a:pt x="2208276" y="0"/>
+                </a:cubicBezTo>
+                <a:cubicBezTo>
+                  <a:pt x="2372732" y="-12003"/>
+                  <a:pt x="2419452" y="9887"/>
+                  <a:pt x="2550033" y="0"/>
+                </a:cubicBezTo>
+                <a:cubicBezTo>
+                  <a:pt x="2680614" y="-9887"/>
+                  <a:pt x="3098156" y="3827"/>
+                  <a:pt x="3417570" y="0"/>
+                </a:cubicBezTo>
+                <a:cubicBezTo>
+                  <a:pt x="3736984" y="-3827"/>
+                  <a:pt x="3916040" y="-6233"/>
+                  <a:pt x="4074795" y="0"/>
+                </a:cubicBezTo>
+                <a:cubicBezTo>
+                  <a:pt x="4233551" y="6233"/>
+                  <a:pt x="4279253" y="5661"/>
+                  <a:pt x="4416552" y="0"/>
+                </a:cubicBezTo>
+                <a:cubicBezTo>
+                  <a:pt x="4553851" y="-5661"/>
+                  <a:pt x="4915758" y="26022"/>
+                  <a:pt x="5073777" y="0"/>
+                </a:cubicBezTo>
+                <a:cubicBezTo>
+                  <a:pt x="5231797" y="-26022"/>
+                  <a:pt x="5612089" y="32230"/>
+                  <a:pt x="5941314" y="0"/>
+                </a:cubicBezTo>
+                <a:cubicBezTo>
+                  <a:pt x="6270539" y="-32230"/>
+                  <a:pt x="6313600" y="3064"/>
+                  <a:pt x="6493383" y="0"/>
+                </a:cubicBezTo>
+                <a:cubicBezTo>
+                  <a:pt x="6673166" y="-3064"/>
+                  <a:pt x="6902474" y="-21096"/>
+                  <a:pt x="7045452" y="0"/>
+                </a:cubicBezTo>
+                <a:cubicBezTo>
+                  <a:pt x="7188430" y="21096"/>
+                  <a:pt x="7478162" y="17386"/>
+                  <a:pt x="7702677" y="0"/>
+                </a:cubicBezTo>
+                <a:cubicBezTo>
+                  <a:pt x="7927192" y="-17386"/>
+                  <a:pt x="8295683" y="-35143"/>
+                  <a:pt x="8465058" y="0"/>
+                </a:cubicBezTo>
+                <a:cubicBezTo>
+                  <a:pt x="8634433" y="35143"/>
+                  <a:pt x="8927835" y="4103"/>
+                  <a:pt x="9227439" y="0"/>
+                </a:cubicBezTo>
+                <a:cubicBezTo>
+                  <a:pt x="9527043" y="-4103"/>
+                  <a:pt x="10105355" y="-17535"/>
+                  <a:pt x="10515600" y="0"/>
+                </a:cubicBezTo>
+                <a:cubicBezTo>
+                  <a:pt x="10515789" y="12323"/>
+                  <a:pt x="10515633" y="14639"/>
+                  <a:pt x="10515600" y="27432"/>
+                </a:cubicBezTo>
+                <a:cubicBezTo>
+                  <a:pt x="10343646" y="15282"/>
+                  <a:pt x="10223667" y="31057"/>
+                  <a:pt x="10068687" y="27432"/>
+                </a:cubicBezTo>
+                <a:cubicBezTo>
+                  <a:pt x="9913707" y="23807"/>
+                  <a:pt x="9512455" y="4101"/>
+                  <a:pt x="9201150" y="27432"/>
+                </a:cubicBezTo>
+                <a:cubicBezTo>
+                  <a:pt x="8889845" y="50763"/>
+                  <a:pt x="8866277" y="3158"/>
+                  <a:pt x="8543925" y="27432"/>
+                </a:cubicBezTo>
+                <a:cubicBezTo>
+                  <a:pt x="8221573" y="51706"/>
+                  <a:pt x="8288348" y="37286"/>
+                  <a:pt x="8202168" y="27432"/>
+                </a:cubicBezTo>
+                <a:cubicBezTo>
+                  <a:pt x="8115988" y="17578"/>
+                  <a:pt x="7797033" y="6631"/>
+                  <a:pt x="7544943" y="27432"/>
+                </a:cubicBezTo>
+                <a:cubicBezTo>
+                  <a:pt x="7292854" y="48233"/>
+                  <a:pt x="7108060" y="41767"/>
+                  <a:pt x="6992874" y="27432"/>
+                </a:cubicBezTo>
+                <a:cubicBezTo>
+                  <a:pt x="6877688" y="13097"/>
+                  <a:pt x="6668930" y="7947"/>
+                  <a:pt x="6440805" y="27432"/>
+                </a:cubicBezTo>
+                <a:cubicBezTo>
+                  <a:pt x="6212680" y="46917"/>
+                  <a:pt x="6027476" y="35225"/>
+                  <a:pt x="5888736" y="27432"/>
+                </a:cubicBezTo>
+                <a:cubicBezTo>
+                  <a:pt x="5749996" y="19639"/>
+                  <a:pt x="5574559" y="43627"/>
+                  <a:pt x="5336667" y="27432"/>
+                </a:cubicBezTo>
+                <a:cubicBezTo>
+                  <a:pt x="5098775" y="11237"/>
+                  <a:pt x="4837534" y="41882"/>
+                  <a:pt x="4574286" y="27432"/>
+                </a:cubicBezTo>
+                <a:cubicBezTo>
+                  <a:pt x="4311038" y="12982"/>
+                  <a:pt x="4126419" y="26678"/>
+                  <a:pt x="3917061" y="27432"/>
+                </a:cubicBezTo>
+                <a:cubicBezTo>
+                  <a:pt x="3707704" y="28186"/>
+                  <a:pt x="3657291" y="40087"/>
+                  <a:pt x="3575304" y="27432"/>
+                </a:cubicBezTo>
+                <a:cubicBezTo>
+                  <a:pt x="3493317" y="14777"/>
+                  <a:pt x="3185226" y="45867"/>
+                  <a:pt x="3023235" y="27432"/>
+                </a:cubicBezTo>
+                <a:cubicBezTo>
+                  <a:pt x="2861244" y="8997"/>
+                  <a:pt x="2597085" y="35801"/>
+                  <a:pt x="2260854" y="27432"/>
+                </a:cubicBezTo>
+                <a:cubicBezTo>
+                  <a:pt x="1924623" y="19063"/>
+                  <a:pt x="1996678" y="15705"/>
+                  <a:pt x="1813941" y="27432"/>
+                </a:cubicBezTo>
+                <a:cubicBezTo>
+                  <a:pt x="1631204" y="39159"/>
+                  <a:pt x="1187542" y="49167"/>
+                  <a:pt x="946404" y="27432"/>
+                </a:cubicBezTo>
+                <a:cubicBezTo>
+                  <a:pt x="705266" y="5697"/>
+                  <a:pt x="404743" y="28229"/>
+                  <a:pt x="0" y="27432"/>
+                </a:cubicBezTo>
+                <a:cubicBezTo>
+                  <a:pt x="244" y="15297"/>
+                  <a:pt x="645" y="7129"/>
+                  <a:pt x="0" y="0"/>
+                </a:cubicBezTo>
+                <a:close/>
+              </a:path>
+              <a:path w="10515600" h="27432" stroke="0" extrusionOk="0">
+                <a:moveTo>
+                  <a:pt x="0" y="0"/>
+                </a:moveTo>
+                <a:cubicBezTo>
+                  <a:pt x="230793" y="14353"/>
+                  <a:pt x="332416" y="21392"/>
+                  <a:pt x="552069" y="0"/>
+                </a:cubicBezTo>
+                <a:cubicBezTo>
+                  <a:pt x="771722" y="-21392"/>
+                  <a:pt x="761737" y="-14337"/>
+                  <a:pt x="893826" y="0"/>
+                </a:cubicBezTo>
+                <a:cubicBezTo>
+                  <a:pt x="1025915" y="14337"/>
+                  <a:pt x="1441584" y="-15498"/>
+                  <a:pt x="1761363" y="0"/>
+                </a:cubicBezTo>
+                <a:cubicBezTo>
+                  <a:pt x="2081142" y="15498"/>
+                  <a:pt x="2111503" y="7278"/>
+                  <a:pt x="2313432" y="0"/>
+                </a:cubicBezTo>
+                <a:cubicBezTo>
+                  <a:pt x="2515361" y="-7278"/>
+                  <a:pt x="2743584" y="-17845"/>
+                  <a:pt x="2865501" y="0"/>
+                </a:cubicBezTo>
+                <a:cubicBezTo>
+                  <a:pt x="2987418" y="17845"/>
+                  <a:pt x="3345183" y="8208"/>
+                  <a:pt x="3733038" y="0"/>
+                </a:cubicBezTo>
+                <a:cubicBezTo>
+                  <a:pt x="4120893" y="-8208"/>
+                  <a:pt x="4009066" y="-3159"/>
+                  <a:pt x="4179951" y="0"/>
+                </a:cubicBezTo>
+                <a:cubicBezTo>
+                  <a:pt x="4350836" y="3159"/>
+                  <a:pt x="4735020" y="17517"/>
+                  <a:pt x="5047488" y="0"/>
+                </a:cubicBezTo>
+                <a:cubicBezTo>
+                  <a:pt x="5359956" y="-17517"/>
+                  <a:pt x="5662148" y="-17777"/>
+                  <a:pt x="5915025" y="0"/>
+                </a:cubicBezTo>
+                <a:cubicBezTo>
+                  <a:pt x="6167902" y="17777"/>
+                  <a:pt x="6308797" y="30350"/>
+                  <a:pt x="6572250" y="0"/>
+                </a:cubicBezTo>
+                <a:cubicBezTo>
+                  <a:pt x="6835703" y="-30350"/>
+                  <a:pt x="7107419" y="-9627"/>
+                  <a:pt x="7439787" y="0"/>
+                </a:cubicBezTo>
+                <a:cubicBezTo>
+                  <a:pt x="7772155" y="9627"/>
+                  <a:pt x="7844034" y="-9098"/>
+                  <a:pt x="7991856" y="0"/>
+                </a:cubicBezTo>
+                <a:cubicBezTo>
+                  <a:pt x="8139678" y="9098"/>
+                  <a:pt x="8289889" y="-20239"/>
+                  <a:pt x="8543925" y="0"/>
+                </a:cubicBezTo>
+                <a:cubicBezTo>
+                  <a:pt x="8797961" y="20239"/>
+                  <a:pt x="8994198" y="29575"/>
+                  <a:pt x="9306306" y="0"/>
+                </a:cubicBezTo>
+                <a:cubicBezTo>
+                  <a:pt x="9618414" y="-29575"/>
+                  <a:pt x="9739118" y="-23835"/>
+                  <a:pt x="9858375" y="0"/>
+                </a:cubicBezTo>
+                <a:cubicBezTo>
+                  <a:pt x="9977632" y="23835"/>
+                  <a:pt x="10370488" y="-4069"/>
+                  <a:pt x="10515600" y="0"/>
+                </a:cubicBezTo>
+                <a:cubicBezTo>
+                  <a:pt x="10515650" y="5798"/>
+                  <a:pt x="10515903" y="19375"/>
+                  <a:pt x="10515600" y="27432"/>
+                </a:cubicBezTo>
+                <a:cubicBezTo>
+                  <a:pt x="10304538" y="42307"/>
+                  <a:pt x="10069280" y="3335"/>
+                  <a:pt x="9753219" y="27432"/>
+                </a:cubicBezTo>
+                <a:cubicBezTo>
+                  <a:pt x="9437158" y="51529"/>
+                  <a:pt x="9488415" y="23852"/>
+                  <a:pt x="9411462" y="27432"/>
+                </a:cubicBezTo>
+                <a:cubicBezTo>
+                  <a:pt x="9334509" y="31012"/>
+                  <a:pt x="9183755" y="44107"/>
+                  <a:pt x="8964549" y="27432"/>
+                </a:cubicBezTo>
+                <a:cubicBezTo>
+                  <a:pt x="8745343" y="10757"/>
+                  <a:pt x="8279150" y="61693"/>
+                  <a:pt x="8097012" y="27432"/>
+                </a:cubicBezTo>
+                <a:cubicBezTo>
+                  <a:pt x="7914874" y="-6829"/>
+                  <a:pt x="7608717" y="59556"/>
+                  <a:pt x="7439787" y="27432"/>
+                </a:cubicBezTo>
+                <a:cubicBezTo>
+                  <a:pt x="7270858" y="-4692"/>
+                  <a:pt x="7154492" y="27026"/>
+                  <a:pt x="6992874" y="27432"/>
+                </a:cubicBezTo>
+                <a:cubicBezTo>
+                  <a:pt x="6831256" y="27838"/>
+                  <a:pt x="6536817" y="51174"/>
+                  <a:pt x="6335649" y="27432"/>
+                </a:cubicBezTo>
+                <a:cubicBezTo>
+                  <a:pt x="6134481" y="3690"/>
+                  <a:pt x="6097824" y="11070"/>
+                  <a:pt x="5993892" y="27432"/>
+                </a:cubicBezTo>
+                <a:cubicBezTo>
+                  <a:pt x="5889960" y="43794"/>
+                  <a:pt x="5793821" y="34098"/>
+                  <a:pt x="5652135" y="27432"/>
+                </a:cubicBezTo>
+                <a:cubicBezTo>
+                  <a:pt x="5510449" y="20766"/>
+                  <a:pt x="5168382" y="-3650"/>
+                  <a:pt x="4994910" y="27432"/>
+                </a:cubicBezTo>
+                <a:cubicBezTo>
+                  <a:pt x="4821439" y="58514"/>
+                  <a:pt x="4653937" y="21362"/>
+                  <a:pt x="4547997" y="27432"/>
+                </a:cubicBezTo>
+                <a:cubicBezTo>
+                  <a:pt x="4442057" y="33502"/>
+                  <a:pt x="4153363" y="33024"/>
+                  <a:pt x="3785616" y="27432"/>
+                </a:cubicBezTo>
+                <a:cubicBezTo>
+                  <a:pt x="3417869" y="21840"/>
+                  <a:pt x="3544908" y="29840"/>
+                  <a:pt x="3338703" y="27432"/>
+                </a:cubicBezTo>
+                <a:cubicBezTo>
+                  <a:pt x="3132498" y="25024"/>
+                  <a:pt x="2782152" y="45947"/>
+                  <a:pt x="2576322" y="27432"/>
+                </a:cubicBezTo>
+                <a:cubicBezTo>
+                  <a:pt x="2370492" y="8917"/>
+                  <a:pt x="2347214" y="14129"/>
+                  <a:pt x="2234565" y="27432"/>
+                </a:cubicBezTo>
+                <a:cubicBezTo>
+                  <a:pt x="2121916" y="40735"/>
+                  <a:pt x="1785921" y="49081"/>
+                  <a:pt x="1472184" y="27432"/>
+                </a:cubicBezTo>
+                <a:cubicBezTo>
+                  <a:pt x="1158447" y="5783"/>
+                  <a:pt x="1203910" y="37937"/>
+                  <a:pt x="1025271" y="27432"/>
+                </a:cubicBezTo>
+                <a:cubicBezTo>
+                  <a:pt x="846632" y="16927"/>
+                  <a:pt x="846577" y="17996"/>
+                  <a:pt x="683514" y="27432"/>
+                </a:cubicBezTo>
+                <a:cubicBezTo>
+                  <a:pt x="520451" y="36868"/>
+                  <a:pt x="320799" y="46677"/>
+                  <a:pt x="0" y="27432"/>
+                </a:cubicBezTo>
+                <a:cubicBezTo>
+                  <a:pt x="-510" y="19859"/>
+                  <a:pt x="-1106" y="11474"/>
+                  <a:pt x="0" y="0"/>
+                </a:cubicBezTo>
+                <a:close/>
+              </a:path>
+            </a:pathLst>
+          </a:custGeom>
+          <a:solidFill>
+            <a:schemeClr val="tx1"/>
+          </a:solidFill>
+          <a:ln w="38100" cap="rnd">
+            <a:solidFill>
+              <a:schemeClr val="tx1"/>
+            </a:solidFill>
+            <a:round/>
+            <a:extLst>
+              <a:ext uri="{C807C97D-BFC1-408E-A445-0C87EB9F89A2}">
+                <ask:lineSketchStyleProps xmlns:ask="http://schemas.microsoft.com/office/drawing/2018/sketchyshapes" sd="1219033472">
+                  <a:prstGeom prst="rect">
+                    <a:avLst/>
+                  </a:prstGeom>
+                  <ask:type>
+                    <ask:lineSketchFreehand/>
+                  </ask:type>
+                </ask:lineSketchStyleProps>
+              </a:ext>
+            </a:extLst>
+          </a:ln>
+        </p:spPr>
+        <p:style>
+          <a:lnRef idx="2">
+            <a:schemeClr val="accent1">
+              <a:shade val="50000"/>
+            </a:schemeClr>
+          </a:lnRef>
+          <a:fillRef idx="1">
+            <a:schemeClr val="accent1"/>
+          </a:fillRef>
+          <a:effectRef idx="0">
+            <a:schemeClr val="accent1"/>
+          </a:effectRef>
+          <a:fontRef idx="minor">
+            <a:schemeClr val="lt1"/>
+          </a:fontRef>
+        </p:style>
+        <p:txBody>
+          <a:bodyPr rtlCol="0" anchor="ctr"/>
+          <a:lstStyle/>
+          <a:p>
+            <a:pPr algn="ctr"/>
+            <a:endParaRPr lang="en-US">
+              <a:solidFill>
+                <a:schemeClr val="tx1"/>
+              </a:solidFill>
+            </a:endParaRPr>
+          </a:p>
+        </p:txBody>
+      </p:sp>
+      <p:sp useBgFill="1">
+        <p:nvSpPr>
+          <p:cNvPr id="12" name="Rectangle 11">
+            <a:extLst>
+              <a:ext uri="{FF2B5EF4-FFF2-40B4-BE49-F238E27FC236}">
+                <a16:creationId xmlns:a16="http://schemas.microsoft.com/office/drawing/2014/main" id="{2B97F24A-32CE-4C1C-A50D-3016B394DCFB}"/>
+              </a:ext>
+              <a:ext uri="{C183D7F6-B498-43B3-948B-1728B52AA6E4}">
+                <adec:decorative xmlns:adec="http://schemas.microsoft.com/office/drawing/2017/decorative" val="1"/>
+              </a:ext>
+            </a:extLst>
+          </p:cNvPr>
+          <p:cNvSpPr>
+            <a:spLocks noGrp="1" noRot="1" noChangeAspect="1" noMove="1" noResize="1" noEditPoints="1" noAdjustHandles="1" noChangeArrowheads="1" noChangeShapeType="1" noTextEdit="1"/>
+          </p:cNvSpPr>
+          <p:nvPr>
+            <p:extLst>
+              <p:ext uri="{386F3935-93C4-4BCD-93E2-E3B085C9AB24}">
+                <p16:designElem xmlns:p16="http://schemas.microsoft.com/office/powerpoint/2015/main" val="1"/>
+              </p:ext>
+            </p:extLst>
+          </p:nvPr>
+        </p:nvSpPr>
+        <p:spPr>
+          <a:xfrm>
+            <a:off x="0" y="0"/>
+            <a:ext cx="12192000" cy="6858000"/>
+          </a:xfrm>
+          <a:prstGeom prst="rect">
+            <a:avLst/>
+          </a:prstGeom>
+          <a:ln>
+            <a:noFill/>
+          </a:ln>
+        </p:spPr>
+        <p:style>
+          <a:lnRef idx="2">
+            <a:schemeClr val="accent1">
+              <a:shade val="50000"/>
+            </a:schemeClr>
+          </a:lnRef>
+          <a:fillRef idx="1">
+            <a:schemeClr val="accent1"/>
+          </a:fillRef>
+          <a:effectRef idx="0">
+            <a:schemeClr val="accent1"/>
+          </a:effectRef>
+          <a:fontRef idx="minor">
+            <a:schemeClr val="lt1"/>
+          </a:fontRef>
+        </p:style>
+        <p:txBody>
+          <a:bodyPr rtlCol="0" anchor="ctr"/>
+          <a:lstStyle/>
+          <a:p>
+            <a:pPr algn="ctr"/>
+            <a:endParaRPr lang="en-US"/>
+          </a:p>
+        </p:txBody>
+      </p:sp>
+      <p:sp>
+        <p:nvSpPr>
+          <p:cNvPr id="5" name="TextBox 4">
+            <a:extLst>
+              <a:ext uri="{FF2B5EF4-FFF2-40B4-BE49-F238E27FC236}">
+                <a16:creationId xmlns:a16="http://schemas.microsoft.com/office/drawing/2014/main" id="{5DFA6A26-3DCA-4AE8-A5EB-40FF5E9D68F8}"/>
+              </a:ext>
+            </a:extLst>
+          </p:cNvPr>
+          <p:cNvSpPr txBox="1"/>
+          <p:nvPr/>
+        </p:nvSpPr>
+        <p:spPr>
+          <a:xfrm>
+            <a:off x="630936" y="639520"/>
+            <a:ext cx="3429000" cy="1719072"/>
+          </a:xfrm>
+          <a:prstGeom prst="rect">
+            <a:avLst/>
+          </a:prstGeom>
+        </p:spPr>
+        <p:txBody>
+          <a:bodyPr rot="0" spcFirstLastPara="0" vertOverflow="overflow" horzOverflow="overflow" vert="horz" lIns="91440" tIns="45720" rIns="91440" bIns="45720" numCol="1" spcCol="0" rtlCol="0" fromWordArt="0" anchor="b" anchorCtr="0" forceAA="0" compatLnSpc="1">
+            <a:prstTxWarp prst="textNoShape">
+              <a:avLst/>
+            </a:prstTxWarp>
+            <a:normAutofit/>
+          </a:bodyPr>
+          <a:lstStyle/>
+          <a:p>
+            <a:pPr>
+              <a:lnSpc>
+                <a:spcPct val="90000"/>
+              </a:lnSpc>
+              <a:spcBef>
+                <a:spcPct val="0"/>
+              </a:spcBef>
+              <a:spcAft>
+                <a:spcPts val="600"/>
+              </a:spcAft>
+            </a:pPr>
+            <a:r>
+              <a:rPr lang="en-US" sz="5400">
+                <a:latin typeface="+mj-lt"/>
+                <a:ea typeface="+mj-ea"/>
+                <a:cs typeface="+mj-cs"/>
+              </a:rPr>
+              <a:t>Communication between users</a:t>
+            </a:r>
+          </a:p>
+        </p:txBody>
+      </p:sp>
+      <p:sp>
+        <p:nvSpPr>
+          <p:cNvPr id="14" name="Rectangle 6">
+            <a:extLst>
+              <a:ext uri="{FF2B5EF4-FFF2-40B4-BE49-F238E27FC236}">
+                <a16:creationId xmlns:a16="http://schemas.microsoft.com/office/drawing/2014/main" id="{3CE8AF5E-D374-4CF1-90CC-35CF73B81C3E}"/>
+              </a:ext>
+              <a:ext uri="{C183D7F6-B498-43B3-948B-1728B52AA6E4}">
+                <adec:decorative xmlns:adec="http://schemas.microsoft.com/office/drawing/2017/decorative" val="1"/>
+              </a:ext>
+            </a:extLst>
+          </p:cNvPr>
+          <p:cNvSpPr>
+            <a:spLocks noGrp="1" noRot="1" noChangeAspect="1" noMove="1" noResize="1" noEditPoints="1" noAdjustHandles="1" noChangeArrowheads="1" noChangeShapeType="1" noTextEdit="1"/>
+          </p:cNvSpPr>
+          <p:nvPr>
+            <p:extLst>
+              <p:ext uri="{386F3935-93C4-4BCD-93E2-E3B085C9AB24}">
+                <p16:designElem xmlns:p16="http://schemas.microsoft.com/office/powerpoint/2015/main" val="1"/>
+              </p:ext>
+            </p:extLst>
+          </p:nvPr>
+        </p:nvSpPr>
+        <p:spPr>
+          <a:xfrm>
+            <a:off x="679084" y="2532888"/>
+            <a:ext cx="3291840" cy="18288"/>
+          </a:xfrm>
+          <a:custGeom>
+            <a:avLst/>
+            <a:gdLst>
+              <a:gd name="connsiteX0" fmla="*/ 0 w 3291840"/>
+              <a:gd name="connsiteY0" fmla="*/ 0 h 18288"/>
+              <a:gd name="connsiteX1" fmla="*/ 625450 w 3291840"/>
+              <a:gd name="connsiteY1" fmla="*/ 0 h 18288"/>
+              <a:gd name="connsiteX2" fmla="*/ 1283818 w 3291840"/>
+              <a:gd name="connsiteY2" fmla="*/ 0 h 18288"/>
+              <a:gd name="connsiteX3" fmla="*/ 1975104 w 3291840"/>
+              <a:gd name="connsiteY3" fmla="*/ 0 h 18288"/>
+              <a:gd name="connsiteX4" fmla="*/ 2666390 w 3291840"/>
+              <a:gd name="connsiteY4" fmla="*/ 0 h 18288"/>
+              <a:gd name="connsiteX5" fmla="*/ 3291840 w 3291840"/>
+              <a:gd name="connsiteY5" fmla="*/ 0 h 18288"/>
+              <a:gd name="connsiteX6" fmla="*/ 3291840 w 3291840"/>
+              <a:gd name="connsiteY6" fmla="*/ 18288 h 18288"/>
+              <a:gd name="connsiteX7" fmla="*/ 2567635 w 3291840"/>
+              <a:gd name="connsiteY7" fmla="*/ 18288 h 18288"/>
+              <a:gd name="connsiteX8" fmla="*/ 1843430 w 3291840"/>
+              <a:gd name="connsiteY8" fmla="*/ 18288 h 18288"/>
+              <a:gd name="connsiteX9" fmla="*/ 1185062 w 3291840"/>
+              <a:gd name="connsiteY9" fmla="*/ 18288 h 18288"/>
+              <a:gd name="connsiteX10" fmla="*/ 0 w 3291840"/>
+              <a:gd name="connsiteY10" fmla="*/ 18288 h 18288"/>
+              <a:gd name="connsiteX11" fmla="*/ 0 w 3291840"/>
+              <a:gd name="connsiteY11" fmla="*/ 0 h 18288"/>
+            </a:gdLst>
+            <a:ahLst/>
+            <a:cxnLst>
+              <a:cxn ang="0">
+                <a:pos x="connsiteX0" y="connsiteY0"/>
+              </a:cxn>
+              <a:cxn ang="0">
+                <a:pos x="connsiteX1" y="connsiteY1"/>
+              </a:cxn>
+              <a:cxn ang="0">
+                <a:pos x="connsiteX2" y="connsiteY2"/>
+              </a:cxn>
+              <a:cxn ang="0">
+                <a:pos x="connsiteX3" y="connsiteY3"/>
+              </a:cxn>
+              <a:cxn ang="0">
+                <a:pos x="connsiteX4" y="connsiteY4"/>
+              </a:cxn>
+              <a:cxn ang="0">
+                <a:pos x="connsiteX5" y="connsiteY5"/>
+              </a:cxn>
+              <a:cxn ang="0">
+                <a:pos x="connsiteX6" y="connsiteY6"/>
+              </a:cxn>
+              <a:cxn ang="0">
+                <a:pos x="connsiteX7" y="connsiteY7"/>
+              </a:cxn>
+              <a:cxn ang="0">
+                <a:pos x="connsiteX8" y="connsiteY8"/>
+              </a:cxn>
+              <a:cxn ang="0">
+                <a:pos x="connsiteX9" y="connsiteY9"/>
+              </a:cxn>
+              <a:cxn ang="0">
+                <a:pos x="connsiteX10" y="connsiteY10"/>
+              </a:cxn>
+              <a:cxn ang="0">
+                <a:pos x="connsiteX11" y="connsiteY11"/>
+              </a:cxn>
+            </a:cxnLst>
+            <a:rect l="l" t="t" r="r" b="b"/>
+            <a:pathLst>
+              <a:path w="3291840" h="18288" fill="none" extrusionOk="0">
+                <a:moveTo>
+                  <a:pt x="0" y="0"/>
+                </a:moveTo>
+                <a:cubicBezTo>
+                  <a:pt x="173613" y="5552"/>
+                  <a:pt x="489242" y="1770"/>
+                  <a:pt x="625450" y="0"/>
+                </a:cubicBezTo>
+                <a:cubicBezTo>
+                  <a:pt x="761658" y="-1770"/>
+                  <a:pt x="1015131" y="32079"/>
+                  <a:pt x="1283818" y="0"/>
+                </a:cubicBezTo>
+                <a:cubicBezTo>
+                  <a:pt x="1552505" y="-32079"/>
+                  <a:pt x="1752773" y="10771"/>
+                  <a:pt x="1975104" y="0"/>
+                </a:cubicBezTo>
+                <a:cubicBezTo>
+                  <a:pt x="2197435" y="-10771"/>
+                  <a:pt x="2433070" y="21341"/>
+                  <a:pt x="2666390" y="0"/>
+                </a:cubicBezTo>
+                <a:cubicBezTo>
+                  <a:pt x="2899710" y="-21341"/>
+                  <a:pt x="3028437" y="16612"/>
+                  <a:pt x="3291840" y="0"/>
+                </a:cubicBezTo>
+                <a:cubicBezTo>
+                  <a:pt x="3291131" y="8157"/>
+                  <a:pt x="3291427" y="12125"/>
+                  <a:pt x="3291840" y="18288"/>
+                </a:cubicBezTo>
+                <a:cubicBezTo>
+                  <a:pt x="3043276" y="37868"/>
+                  <a:pt x="2921041" y="-12908"/>
+                  <a:pt x="2567635" y="18288"/>
+                </a:cubicBezTo>
+                <a:cubicBezTo>
+                  <a:pt x="2214230" y="49484"/>
+                  <a:pt x="2189623" y="-13019"/>
+                  <a:pt x="1843430" y="18288"/>
+                </a:cubicBezTo>
+                <a:cubicBezTo>
+                  <a:pt x="1497237" y="49595"/>
+                  <a:pt x="1492584" y="29180"/>
+                  <a:pt x="1185062" y="18288"/>
+                </a:cubicBezTo>
+                <a:cubicBezTo>
+                  <a:pt x="877540" y="7396"/>
+                  <a:pt x="313238" y="46443"/>
+                  <a:pt x="0" y="18288"/>
+                </a:cubicBezTo>
+                <a:cubicBezTo>
+                  <a:pt x="-46" y="12483"/>
+                  <a:pt x="-203" y="6491"/>
+                  <a:pt x="0" y="0"/>
+                </a:cubicBezTo>
+                <a:close/>
+              </a:path>
+              <a:path w="3291840" h="18288" stroke="0" extrusionOk="0">
+                <a:moveTo>
+                  <a:pt x="0" y="0"/>
+                </a:moveTo>
+                <a:cubicBezTo>
+                  <a:pt x="281971" y="23935"/>
+                  <a:pt x="485873" y="-14021"/>
+                  <a:pt x="625450" y="0"/>
+                </a:cubicBezTo>
+                <a:cubicBezTo>
+                  <a:pt x="765027" y="14021"/>
+                  <a:pt x="1048900" y="27914"/>
+                  <a:pt x="1185062" y="0"/>
+                </a:cubicBezTo>
+                <a:cubicBezTo>
+                  <a:pt x="1321224" y="-27914"/>
+                  <a:pt x="1648252" y="-3988"/>
+                  <a:pt x="1909267" y="0"/>
+                </a:cubicBezTo>
+                <a:cubicBezTo>
+                  <a:pt x="2170282" y="3988"/>
+                  <a:pt x="2301957" y="25891"/>
+                  <a:pt x="2534717" y="0"/>
+                </a:cubicBezTo>
+                <a:cubicBezTo>
+                  <a:pt x="2767477" y="-25891"/>
+                  <a:pt x="3078800" y="21500"/>
+                  <a:pt x="3291840" y="0"/>
+                </a:cubicBezTo>
+                <a:cubicBezTo>
+                  <a:pt x="3291576" y="4493"/>
+                  <a:pt x="3292224" y="9472"/>
+                  <a:pt x="3291840" y="18288"/>
+                </a:cubicBezTo>
+                <a:cubicBezTo>
+                  <a:pt x="3120474" y="15714"/>
+                  <a:pt x="2816568" y="4633"/>
+                  <a:pt x="2633472" y="18288"/>
+                </a:cubicBezTo>
+                <a:cubicBezTo>
+                  <a:pt x="2450376" y="31943"/>
+                  <a:pt x="2160769" y="37350"/>
+                  <a:pt x="1909267" y="18288"/>
+                </a:cubicBezTo>
+                <a:cubicBezTo>
+                  <a:pt x="1657765" y="-774"/>
+                  <a:pt x="1623992" y="9648"/>
+                  <a:pt x="1349654" y="18288"/>
+                </a:cubicBezTo>
+                <a:cubicBezTo>
+                  <a:pt x="1075316" y="26928"/>
+                  <a:pt x="833426" y="34181"/>
+                  <a:pt x="691286" y="18288"/>
+                </a:cubicBezTo>
+                <a:cubicBezTo>
+                  <a:pt x="549146" y="2395"/>
+                  <a:pt x="342011" y="24201"/>
+                  <a:pt x="0" y="18288"/>
+                </a:cubicBezTo>
+                <a:cubicBezTo>
+                  <a:pt x="843" y="9577"/>
+                  <a:pt x="371" y="6900"/>
+                  <a:pt x="0" y="0"/>
+                </a:cubicBezTo>
+                <a:close/>
+              </a:path>
+            </a:pathLst>
+          </a:custGeom>
+          <a:solidFill>
+            <a:schemeClr val="accent1"/>
+          </a:solidFill>
+          <a:ln w="38100" cap="rnd">
+            <a:solidFill>
+              <a:schemeClr val="accent1"/>
+            </a:solidFill>
+            <a:round/>
+            <a:extLst>
+              <a:ext uri="{C807C97D-BFC1-408E-A445-0C87EB9F89A2}">
+                <ask:lineSketchStyleProps xmlns:ask="http://schemas.microsoft.com/office/drawing/2018/sketchyshapes" sd="1219033472">
+                  <a:prstGeom prst="rect">
+                    <a:avLst/>
+                  </a:prstGeom>
+                  <ask:type>
+                    <ask:lineSketchFreehand/>
+                  </ask:type>
+                </ask:lineSketchStyleProps>
+              </a:ext>
+            </a:extLst>
+          </a:ln>
+        </p:spPr>
+        <p:style>
+          <a:lnRef idx="2">
+            <a:schemeClr val="accent1">
+              <a:shade val="50000"/>
+            </a:schemeClr>
+          </a:lnRef>
+          <a:fillRef idx="1">
+            <a:schemeClr val="accent1"/>
+          </a:fillRef>
+          <a:effectRef idx="0">
+            <a:schemeClr val="accent1"/>
+          </a:effectRef>
+          <a:fontRef idx="minor">
+            <a:schemeClr val="lt1"/>
+          </a:fontRef>
+        </p:style>
+        <p:txBody>
+          <a:bodyPr rtlCol="0" anchor="ctr"/>
+          <a:lstStyle/>
+          <a:p>
+            <a:pPr algn="ctr"/>
+            <a:endParaRPr lang="en-US"/>
+          </a:p>
+        </p:txBody>
+      </p:sp>
+      <p:sp>
+        <p:nvSpPr>
+          <p:cNvPr id="2" name="TextBox 1">
+            <a:extLst>
+              <a:ext uri="{FF2B5EF4-FFF2-40B4-BE49-F238E27FC236}">
+                <a16:creationId xmlns:a16="http://schemas.microsoft.com/office/drawing/2014/main" id="{7DE8C482-B4A9-4FEF-913E-6F1D48A3D42B}"/>
+              </a:ext>
+            </a:extLst>
+          </p:cNvPr>
+          <p:cNvSpPr txBox="1"/>
+          <p:nvPr/>
+        </p:nvSpPr>
+        <p:spPr>
+          <a:xfrm>
+            <a:off x="630936" y="2807208"/>
+            <a:ext cx="3466170" cy="3615151"/>
+          </a:xfrm>
+          <a:prstGeom prst="rect">
+            <a:avLst/>
+          </a:prstGeom>
+        </p:spPr>
+        <p:txBody>
+          <a:bodyPr rot="0" spcFirstLastPara="0" vertOverflow="overflow" horzOverflow="overflow" vert="horz" lIns="91440" tIns="45720" rIns="91440" bIns="45720" numCol="1" spcCol="0" rtlCol="0" fromWordArt="0" anchor="t" anchorCtr="0" forceAA="0" compatLnSpc="1">
+            <a:prstTxWarp prst="textNoShape">
+              <a:avLst/>
+            </a:prstTxWarp>
+            <a:noAutofit/>
+          </a:bodyPr>
+          <a:lstStyle/>
+          <a:p>
+            <a:pPr indent="-228600">
+              <a:spcAft>
+                <a:spcPts val="600"/>
+              </a:spcAft>
+              <a:buFont typeface="Arial" panose="020B0604020202020204" pitchFamily="34" charset="0"/>
+              <a:buChar char="•"/>
+            </a:pPr>
+            <a:r>
+              <a:rPr lang="en-US" dirty="0"/>
+              <a:t>A socket represents a connection for communication between two users . Multiple individuals in client/server or distributed systems can simultaneously communicate with a single Web server.  Multiple sockets are required to do this. The socket's flow of events starts with a connection-oriented client-to-server model, the socket on the server process waits for requests from a client. To do this, the server first establishes (binds) an address that clients can use to find the server. When the address is established, the server waits for clients to request a service. The client-to-server data exchange takes place when a client connects to the server through a socket. The server performs the client's request and sends the reply back to the client.</a:t>
+            </a:r>
+          </a:p>
+        </p:txBody>
+      </p:sp>
+      <p:sp>
+        <p:nvSpPr>
+          <p:cNvPr id="3" name="Slide Number Placeholder 2">
+            <a:extLst>
+              <a:ext uri="{FF2B5EF4-FFF2-40B4-BE49-F238E27FC236}">
+                <a16:creationId xmlns:a16="http://schemas.microsoft.com/office/drawing/2014/main" id="{6E7966F5-83E8-44F0-BD2F-A2B22A3A6109}"/>
+              </a:ext>
+            </a:extLst>
+          </p:cNvPr>
+          <p:cNvSpPr>
+            <a:spLocks noGrp="1"/>
+          </p:cNvSpPr>
+          <p:nvPr>
+            <p:ph type="sldNum" sz="quarter" idx="12"/>
+          </p:nvPr>
+        </p:nvSpPr>
+        <p:spPr>
+          <a:xfrm>
+            <a:off x="9729216" y="6356350"/>
+            <a:ext cx="1828800" cy="365125"/>
+          </a:xfrm>
+        </p:spPr>
+        <p:txBody>
+          <a:bodyPr vert="horz" lIns="91440" tIns="45720" rIns="91440" bIns="45720" rtlCol="0" anchor="ctr">
+            <a:normAutofit/>
+          </a:bodyPr>
+          <a:lstStyle/>
+          <a:p>
+            <a:pPr>
+              <a:spcAft>
+                <a:spcPts val="600"/>
+              </a:spcAft>
+            </a:pPr>
+            <a:fld id="{2C18C1E5-FB55-42F5-BD6D-9CC153FCDBE6}" type="slidenum">
+              <a:rPr lang="en-US" smtClean="0"/>
+              <a:pPr>
+                <a:spcAft>
+                  <a:spcPts val="600"/>
+                </a:spcAft>
+              </a:pPr>
+              <a:t>10</a:t>
+            </a:fld>
+            <a:endParaRPr lang="en-US"/>
+          </a:p>
+        </p:txBody>
+      </p:sp>
+      <mc:AlternateContent xmlns:mc="http://schemas.openxmlformats.org/markup-compatibility/2006" xmlns:p14="http://schemas.microsoft.com/office/powerpoint/2010/main">
+        <mc:Choice Requires="p14">
+          <p:contentPart p14:bwMode="auto" r:id="rId2">
+            <p14:nvContentPartPr>
+              <p14:cNvPr id="16" name="Ink 15">
+                <a:extLst>
+                  <a:ext uri="{FF2B5EF4-FFF2-40B4-BE49-F238E27FC236}">
+                    <a16:creationId xmlns:a16="http://schemas.microsoft.com/office/drawing/2014/main" id="{070477C5-0410-4E4F-97A1-F84C2465C187}"/>
+                  </a:ext>
+                  <a:ext uri="{C183D7F6-B498-43B3-948B-1728B52AA6E4}">
+                    <adec:decorative xmlns:adec="http://schemas.microsoft.com/office/drawing/2017/decorative" val="1"/>
+                  </a:ext>
+                </a:extLst>
+              </p14:cNvPr>
+              <p14:cNvContentPartPr>
+                <a14:cpLocks xmlns:a14="http://schemas.microsoft.com/office/drawing/2010/main" noGrp="1" noRot="1" noChangeAspect="1" noMove="1" noResize="1" noEditPoints="1" noAdjustHandles="1" noChangeArrowheads="1" noChangeShapeType="1"/>
+              </p14:cNvContentPartPr>
+              <p14:nvPr>
+                <p:extLst>
+                  <p:ext uri="{386F3935-93C4-4BCD-93E2-E3B085C9AB24}">
+                    <p16:designElem xmlns:p16="http://schemas.microsoft.com/office/powerpoint/2015/main" val="1"/>
+                  </p:ext>
+                </p:extLst>
+              </p14:nvPr>
+            </p14:nvContentPartPr>
+            <p14:xfrm>
+              <a:off x="5755403" y="1971579"/>
+              <a:ext cx="360" cy="2160"/>
+            </p14:xfrm>
+          </p:contentPart>
+        </mc:Choice>
+        <mc:Fallback xmlns="">
+          <p:pic>
+            <p:nvPicPr>
+              <p:cNvPr id="16" name="Ink 15">
+                <a:extLst>
+                  <a:ext uri="{FF2B5EF4-FFF2-40B4-BE49-F238E27FC236}">
+                    <a16:creationId xmlns:a16="http://schemas.microsoft.com/office/drawing/2014/main" id="{070477C5-0410-4E4F-97A1-F84C2465C187}"/>
+                  </a:ext>
+                  <a:ext uri="{C183D7F6-B498-43B3-948B-1728B52AA6E4}">
+                    <adec:decorative xmlns:adec="http://schemas.microsoft.com/office/drawing/2017/decorative" val="1"/>
+                  </a:ext>
+                </a:extLst>
+              </p:cNvPr>
+              <p:cNvPicPr>
+                <a:picLocks noGrp="1" noRot="1" noChangeAspect="1" noMove="1" noResize="1" noEditPoints="1" noAdjustHandles="1" noChangeArrowheads="1" noChangeShapeType="1"/>
+              </p:cNvPicPr>
+              <p:nvPr/>
+            </p:nvPicPr>
+            <p:blipFill>
+              <a:blip r:embed="rId3"/>
+              <a:stretch>
+                <a:fillRect/>
+              </a:stretch>
+            </p:blipFill>
+            <p:spPr>
+              <a:xfrm>
+                <a:off x="5737403" y="1956150"/>
+                <a:ext cx="36000" cy="32709"/>
+              </a:xfrm>
+              <a:prstGeom prst="rect">
+                <a:avLst/>
+              </a:prstGeom>
+            </p:spPr>
+          </p:pic>
+        </mc:Fallback>
+      </mc:AlternateContent>
+      <p:pic>
+        <p:nvPicPr>
+          <p:cNvPr id="4" name="Picture 4" descr="Diagram&#10;&#10;Description automatically generated">
+            <a:extLst>
+              <a:ext uri="{FF2B5EF4-FFF2-40B4-BE49-F238E27FC236}">
+                <a16:creationId xmlns:a16="http://schemas.microsoft.com/office/drawing/2014/main" id="{29FD0F4E-42C8-4735-AB78-E40DD4A79EAB}"/>
+              </a:ext>
+            </a:extLst>
+          </p:cNvPr>
+          <p:cNvPicPr>
+            <a:picLocks noChangeAspect="1"/>
+          </p:cNvPicPr>
+          <p:nvPr/>
+        </p:nvPicPr>
+        <p:blipFill>
+          <a:blip r:embed="rId4"/>
+          <a:stretch>
+            <a:fillRect/>
+          </a:stretch>
+        </p:blipFill>
+        <p:spPr>
+          <a:xfrm>
+            <a:off x="4654296" y="1133513"/>
+            <a:ext cx="6903720" cy="4590974"/>
+          </a:xfrm>
+          <a:prstGeom prst="rect">
+            <a:avLst/>
+          </a:prstGeom>
+        </p:spPr>
+      </p:pic>
+      <p:sp>
+        <p:nvSpPr>
+          <p:cNvPr id="6" name="TextBox 5">
+            <a:extLst>
+              <a:ext uri="{FF2B5EF4-FFF2-40B4-BE49-F238E27FC236}">
+                <a16:creationId xmlns:a16="http://schemas.microsoft.com/office/drawing/2014/main" id="{0BAD2000-9E01-40C5-8F8A-E82099AD7DCD}"/>
+              </a:ext>
+            </a:extLst>
+          </p:cNvPr>
+          <p:cNvSpPr txBox="1"/>
+          <p:nvPr/>
+        </p:nvSpPr>
+        <p:spPr>
+          <a:xfrm>
+            <a:off x="7357715" y="6214714"/>
+            <a:ext cx="4425175" cy="246221"/>
+          </a:xfrm>
+          <a:prstGeom prst="rect">
+            <a:avLst/>
+          </a:prstGeom>
+          <a:noFill/>
+        </p:spPr>
+        <p:txBody>
+          <a:bodyPr rot="0" spcFirstLastPara="0" vertOverflow="overflow" horzOverflow="overflow" vert="horz" wrap="square" lIns="91440" tIns="45720" rIns="91440" bIns="45720" numCol="1" spcCol="0" rtlCol="0" fromWordArt="0" anchor="t" anchorCtr="0" forceAA="0" compatLnSpc="1">
+            <a:prstTxWarp prst="textNoShape">
+              <a:avLst/>
+            </a:prstTxWarp>
+            <a:spAutoFit/>
+          </a:bodyPr>
+          <a:lstStyle/>
+          <a:p>
+            <a:r>
+              <a:rPr lang="en-US" sz="1000" dirty="0"/>
+              <a:t>Image: </a:t>
+            </a:r>
+            <a:r>
+              <a:rPr lang="en-US" sz="1000" dirty="0">
+                <a:ea typeface="+mn-lt"/>
+                <a:cs typeface="+mn-lt"/>
+              </a:rPr>
+              <a:t>https://world4java.wordpress.com/2014/02/28/socket-programming/</a:t>
+            </a:r>
+            <a:endParaRPr lang="en-US" sz="1000" dirty="0"/>
+          </a:p>
+        </p:txBody>
+      </p:sp>
+    </p:spTree>
+    <p:extLst>
+      <p:ext uri="{BB962C8B-B14F-4D97-AF65-F5344CB8AC3E}">
+        <p14:creationId xmlns:p14="http://schemas.microsoft.com/office/powerpoint/2010/main" val="3526523751"/>
+      </p:ext>
+    </p:extLst>
+  </p:cSld>
+  <p:clrMapOvr>
+    <a:masterClrMapping/>
+  </p:clrMapOvr>
+</p:sld>
+</file>
+
+<file path=ppt/slides/slide11.xml><?xml version="1.0" encoding="utf-8"?>
+<p:sld xmlns:a="http://schemas.openxmlformats.org/drawingml/2006/main" xmlns:r="http://schemas.openxmlformats.org/officeDocument/2006/relationships" xmlns:p="http://schemas.openxmlformats.org/presentationml/2006/main">
+  <p:cSld>
+    <p:bg>
+      <p:bgPr>
+        <a:solidFill>
+          <a:schemeClr val="bg1"/>
+        </a:solidFill>
+        <a:effectLst/>
+      </p:bgPr>
+    </p:bg>
+    <p:spTree>
+      <p:nvGrpSpPr>
+        <p:cNvPr id="1" name=""/>
+        <p:cNvGrpSpPr/>
+        <p:nvPr/>
+      </p:nvGrpSpPr>
+      <p:grpSpPr>
+        <a:xfrm>
+          <a:off x="0" y="0"/>
+          <a:ext cx="0" cy="0"/>
+          <a:chOff x="0" y="0"/>
+          <a:chExt cx="0" cy="0"/>
+        </a:xfrm>
+      </p:grpSpPr>
+      <p:sp>
+        <p:nvSpPr>
           <p:cNvPr id="32" name="Rectangle 6">
             <a:extLst>
               <a:ext uri="{FF2B5EF4-FFF2-40B4-BE49-F238E27FC236}">
@@ -29764,7 +31319,7 @@
                   <a:spcPts val="600"/>
                 </a:spcAft>
               </a:pPr>
-              <a:t>10</a:t>
+              <a:t>11</a:t>
             </a:fld>
             <a:endParaRPr lang="en-US"/>
           </a:p>
@@ -29826,7 +31381,7 @@
 </p:sld>
 </file>
 
-<file path=ppt/slides/slide11.xml><?xml version="1.0" encoding="utf-8"?>
+<file path=ppt/slides/slide12.xml><?xml version="1.0" encoding="utf-8"?>
 <p:sld xmlns:a="http://schemas.openxmlformats.org/drawingml/2006/main" xmlns:r="http://schemas.openxmlformats.org/officeDocument/2006/relationships" xmlns:p="http://schemas.openxmlformats.org/presentationml/2006/main">
   <p:cSld>
     <p:bg>
@@ -30342,7 +31897,7 @@
                   <a:spcPts val="600"/>
                 </a:spcAft>
               </a:pPr>
-              <a:t>11</a:t>
+              <a:t>12</a:t>
             </a:fld>
             <a:endParaRPr lang="en-US"/>
           </a:p>
@@ -30396,7 +31951,7 @@
 </p:sld>
 </file>
 
-<file path=ppt/slides/slide12.xml><?xml version="1.0" encoding="utf-8"?>
+<file path=ppt/slides/slide13.xml><?xml version="1.0" encoding="utf-8"?>
 <p:sld xmlns:a="http://schemas.openxmlformats.org/drawingml/2006/main" xmlns:r="http://schemas.openxmlformats.org/officeDocument/2006/relationships" xmlns:p="http://schemas.openxmlformats.org/presentationml/2006/main">
   <p:cSld>
     <p:spTree>
@@ -30534,7 +32089,7 @@
           <a:p>
             <a:fld id="{2C18C1E5-FB55-42F5-BD6D-9CC153FCDBE6}" type="slidenum">
               <a:rPr lang="en-US" smtClean="0"/>
-              <a:t>12</a:t>
+              <a:t>13</a:t>
             </a:fld>
             <a:endParaRPr lang="en-US"/>
           </a:p>
@@ -30553,7 +32108,7 @@
 </p:sld>
 </file>
 
-<file path=ppt/slides/slide13.xml><?xml version="1.0" encoding="utf-8"?>
+<file path=ppt/slides/slide14.xml><?xml version="1.0" encoding="utf-8"?>
 <p:sld xmlns:a="http://schemas.openxmlformats.org/drawingml/2006/main" xmlns:r="http://schemas.openxmlformats.org/officeDocument/2006/relationships" xmlns:p="http://schemas.openxmlformats.org/presentationml/2006/main">
   <p:cSld>
     <p:bg>
@@ -31634,7 +33189,7 @@
                   <a:spcPts val="600"/>
                 </a:spcAft>
               </a:pPr>
-              <a:t>13</a:t>
+              <a:t>14</a:t>
             </a:fld>
             <a:endParaRPr lang="en-US"/>
           </a:p>
@@ -31985,10 +33540,10 @@
       </p:sp>
       <p:pic>
         <p:nvPicPr>
-          <p:cNvPr id="4" name="Picture 4" descr="Chart&#10;&#10;Description automatically generated">
+          <p:cNvPr id="2" name="Picture 5" descr="A picture containing graphical user interface&#10;&#10;Description automatically generated">
             <a:extLst>
               <a:ext uri="{FF2B5EF4-FFF2-40B4-BE49-F238E27FC236}">
-                <a16:creationId xmlns:a16="http://schemas.microsoft.com/office/drawing/2014/main" id="{9F89E64B-B217-4336-B6F9-C93656FBDA7A}"/>
+                <a16:creationId xmlns:a16="http://schemas.microsoft.com/office/drawing/2014/main" id="{76553AD4-97A5-42CA-8DB1-493B2D9E382E}"/>
               </a:ext>
             </a:extLst>
           </p:cNvPr>
@@ -32005,8 +33560,8 @@
         </p:blipFill>
         <p:spPr>
           <a:xfrm>
-            <a:off x="2673771" y="2955538"/>
-            <a:ext cx="6850702" cy="3735073"/>
+            <a:off x="1685693" y="2905525"/>
+            <a:ext cx="8820614" cy="3825463"/>
           </a:xfrm>
           <a:prstGeom prst="rect">
             <a:avLst/>
@@ -32026,7 +33581,7 @@
 </p:sld>
 </file>
 
-<file path=ppt/slides/slide14.xml><?xml version="1.0" encoding="utf-8"?>
+<file path=ppt/slides/slide15.xml><?xml version="1.0" encoding="utf-8"?>
 <p:sld xmlns:a="http://schemas.openxmlformats.org/drawingml/2006/main" xmlns:r="http://schemas.openxmlformats.org/officeDocument/2006/relationships" xmlns:p="http://schemas.openxmlformats.org/presentationml/2006/main">
   <p:cSld>
     <p:bg>
@@ -33159,7 +34714,7 @@
                   <a:spcPts val="600"/>
                 </a:spcAft>
               </a:pPr>
-              <a:t>14</a:t>
+              <a:t>15</a:t>
             </a:fld>
             <a:endParaRPr lang="en-US"/>
           </a:p>
@@ -33206,7 +34761,7 @@
 </p:sld>
 </file>
 
-<file path=ppt/slides/slide15.xml><?xml version="1.0" encoding="utf-8"?>
+<file path=ppt/slides/slide16.xml><?xml version="1.0" encoding="utf-8"?>
 <p:sld xmlns:a="http://schemas.openxmlformats.org/drawingml/2006/main" xmlns:r="http://schemas.openxmlformats.org/officeDocument/2006/relationships" xmlns:p="http://schemas.openxmlformats.org/presentationml/2006/main">
   <p:cSld>
     <p:bg>
@@ -33778,7 +35333,7 @@
                   <a:spcPts val="600"/>
                 </a:spcAft>
               </a:pPr>
-              <a:t>15</a:t>
+              <a:t>16</a:t>
             </a:fld>
             <a:endParaRPr lang="en-US">
               <a:solidFill>
@@ -33907,7 +35462,7 @@
 </p:sld>
 </file>
 
-<file path=ppt/slides/slide16.xml><?xml version="1.0" encoding="utf-8"?>
+<file path=ppt/slides/slide17.xml><?xml version="1.0" encoding="utf-8"?>
 <p:sld xmlns:a="http://schemas.openxmlformats.org/drawingml/2006/main" xmlns:r="http://schemas.openxmlformats.org/officeDocument/2006/relationships" xmlns:p="http://schemas.openxmlformats.org/presentationml/2006/main">
   <p:cSld>
     <p:bg>
@@ -34966,7 +36521,7 @@
                   <a:spcPts val="600"/>
                 </a:spcAft>
               </a:pPr>
-              <a:t>16</a:t>
+              <a:t>17</a:t>
             </a:fld>
             <a:endParaRPr lang="en-US"/>
           </a:p>
@@ -35015,7 +36570,7 @@
 </p:sld>
 </file>
 
-<file path=ppt/slides/slide17.xml><?xml version="1.0" encoding="utf-8"?>
+<file path=ppt/slides/slide18.xml><?xml version="1.0" encoding="utf-8"?>
 <p:sld xmlns:a="http://schemas.openxmlformats.org/drawingml/2006/main" xmlns:r="http://schemas.openxmlformats.org/officeDocument/2006/relationships" xmlns:p="http://schemas.openxmlformats.org/presentationml/2006/main">
   <p:cSld>
     <p:spTree>
@@ -35055,7 +36610,7 @@
           <a:p>
             <a:fld id="{2C18C1E5-FB55-42F5-BD6D-9CC153FCDBE6}" type="slidenum">
               <a:rPr lang="en-US" smtClean="0"/>
-              <a:t>17</a:t>
+              <a:t>18</a:t>
             </a:fld>
             <a:endParaRPr lang="en-US"/>
           </a:p>
@@ -35133,6 +36688,92 @@
           </a:p>
         </p:txBody>
       </p:sp>
+      <p:sp>
+        <p:nvSpPr>
+          <p:cNvPr id="2" name="TextBox 1">
+            <a:extLst>
+              <a:ext uri="{FF2B5EF4-FFF2-40B4-BE49-F238E27FC236}">
+                <a16:creationId xmlns:a16="http://schemas.microsoft.com/office/drawing/2014/main" id="{13614D51-E929-42A4-8957-EDFD8FD3E264}"/>
+              </a:ext>
+            </a:extLst>
+          </p:cNvPr>
+          <p:cNvSpPr txBox="1"/>
+          <p:nvPr/>
+        </p:nvSpPr>
+        <p:spPr>
+          <a:xfrm>
+            <a:off x="8404303" y="4231888"/>
+            <a:ext cx="3142785" cy="2031325"/>
+          </a:xfrm>
+          <a:prstGeom prst="rect">
+            <a:avLst/>
+          </a:prstGeom>
+          <a:noFill/>
+        </p:spPr>
+        <p:txBody>
+          <a:bodyPr rot="0" spcFirstLastPara="0" vertOverflow="overflow" horzOverflow="overflow" vert="horz" wrap="square" lIns="91440" tIns="45720" rIns="91440" bIns="45720" numCol="1" spcCol="0" rtlCol="0" fromWordArt="0" anchor="t" anchorCtr="0" forceAA="0" compatLnSpc="1">
+            <a:prstTxWarp prst="textNoShape">
+              <a:avLst/>
+            </a:prstTxWarp>
+            <a:spAutoFit/>
+          </a:bodyPr>
+          <a:lstStyle/>
+          <a:p>
+            <a:r>
+              <a:rPr lang="en-US" dirty="0">
+                <a:ea typeface="+mn-lt"/>
+                <a:cs typeface="+mn-lt"/>
+              </a:rPr>
+              <a:t>"Defining the scope of the project at early stage is very important, organization between team members is very crucial to the continual development of the project, finding adaptive solutions to the problems encountered is the key" -Mohamed</a:t>
+            </a:r>
+          </a:p>
+          <a:p>
+            <a:endParaRPr lang="en-US" dirty="0"/>
+          </a:p>
+          <a:p>
+            <a:pPr algn="l"/>
+            <a:endParaRPr lang="en-US" dirty="0"/>
+          </a:p>
+        </p:txBody>
+      </p:sp>
+      <p:sp>
+        <p:nvSpPr>
+          <p:cNvPr id="6" name="TextBox 5">
+            <a:extLst>
+              <a:ext uri="{FF2B5EF4-FFF2-40B4-BE49-F238E27FC236}">
+                <a16:creationId xmlns:a16="http://schemas.microsoft.com/office/drawing/2014/main" id="{1C262437-8739-426B-89F3-4E2513259C6E}"/>
+              </a:ext>
+            </a:extLst>
+          </p:cNvPr>
+          <p:cNvSpPr txBox="1"/>
+          <p:nvPr/>
+        </p:nvSpPr>
+        <p:spPr>
+          <a:xfrm>
+            <a:off x="490421" y="2497640"/>
+            <a:ext cx="2919760" cy="646331"/>
+          </a:xfrm>
+          <a:prstGeom prst="rect">
+            <a:avLst/>
+          </a:prstGeom>
+          <a:noFill/>
+        </p:spPr>
+        <p:txBody>
+          <a:bodyPr rot="0" spcFirstLastPara="0" vertOverflow="overflow" horzOverflow="overflow" vert="horz" wrap="square" lIns="91440" tIns="45720" rIns="91440" bIns="45720" numCol="1" spcCol="0" rtlCol="0" fromWordArt="0" anchor="t" anchorCtr="0" forceAA="0" compatLnSpc="1">
+            <a:prstTxWarp prst="textNoShape">
+              <a:avLst/>
+            </a:prstTxWarp>
+            <a:spAutoFit/>
+          </a:bodyPr>
+          <a:lstStyle/>
+          <a:p>
+            <a:r>
+              <a:rPr lang="en-US" dirty="0"/>
+              <a:t>"As the design progressed, it was interesting to learn new programming ideas." -Lindsay</a:t>
+            </a:r>
+          </a:p>
+        </p:txBody>
+      </p:sp>
     </p:spTree>
     <p:extLst>
       <p:ext uri="{BB962C8B-B14F-4D97-AF65-F5344CB8AC3E}">
@@ -35146,7 +36787,7 @@
 </p:sld>
 </file>
 
-<file path=ppt/slides/slide18.xml><?xml version="1.0" encoding="utf-8"?>
+<file path=ppt/slides/slide19.xml><?xml version="1.0" encoding="utf-8"?>
 <p:sld xmlns:a="http://schemas.openxmlformats.org/drawingml/2006/main" xmlns:r="http://schemas.openxmlformats.org/officeDocument/2006/relationships" xmlns:p="http://schemas.openxmlformats.org/presentationml/2006/main">
   <p:cSld>
     <p:bg>
@@ -36001,7 +37642,7 @@
                   <a:spcPts val="600"/>
                 </a:spcAft>
               </a:pPr>
-              <a:t>18</a:t>
+              <a:t>19</a:t>
             </a:fld>
             <a:endParaRPr lang="en-US"/>
           </a:p>
@@ -45887,12 +47528,12 @@
 </file>
 
 <file path=customXml/item1.xml><?xml version="1.0" encoding="utf-8"?>
-<p:properties xmlns:p="http://schemas.microsoft.com/office/2006/metadata/properties" xmlns:xsi="http://www.w3.org/2001/XMLSchema-instance" xmlns:pc="http://schemas.microsoft.com/office/infopath/2007/PartnerControls">
-  <documentManagement>
-    <Status xmlns="71af3243-3dd4-4a8d-8c0d-dd76da1f02a5">Not started</Status>
-    <MediaServiceKeyPoints xmlns="71af3243-3dd4-4a8d-8c0d-dd76da1f02a5" xsi:nil="true"/>
-  </documentManagement>
-</p:properties>
+<?mso-contentType ?>
+<FormTemplates xmlns="http://schemas.microsoft.com/sharepoint/v3/contenttype/forms">
+  <Display>DocumentLibraryForm</Display>
+  <Edit>DocumentLibraryForm</Edit>
+  <New>DocumentLibraryForm</New>
+</FormTemplates>
 </file>
 
 <file path=customXml/item2.xml><?xml version="1.0" encoding="utf-8"?>
@@ -46117,20 +47758,18 @@
 </file>
 
 <file path=customXml/item3.xml><?xml version="1.0" encoding="utf-8"?>
-<?mso-contentType ?>
-<FormTemplates xmlns="http://schemas.microsoft.com/sharepoint/v3/contenttype/forms">
-  <Display>DocumentLibraryForm</Display>
-  <Edit>DocumentLibraryForm</Edit>
-  <New>DocumentLibraryForm</New>
-</FormTemplates>
+<p:properties xmlns:p="http://schemas.microsoft.com/office/2006/metadata/properties" xmlns:xsi="http://www.w3.org/2001/XMLSchema-instance" xmlns:pc="http://schemas.microsoft.com/office/infopath/2007/PartnerControls">
+  <documentManagement>
+    <Status xmlns="71af3243-3dd4-4a8d-8c0d-dd76da1f02a5">Not started</Status>
+    <MediaServiceKeyPoints xmlns="71af3243-3dd4-4a8d-8c0d-dd76da1f02a5" xsi:nil="true"/>
+  </documentManagement>
+</p:properties>
 </file>
 
 <file path=customXml/itemProps1.xml><?xml version="1.0" encoding="utf-8"?>
-<ds:datastoreItem xmlns:ds="http://schemas.openxmlformats.org/officeDocument/2006/customXml" ds:itemID="{F2AD9EFA-E074-4C2F-8F25-BF862B8AB684}">
+<ds:datastoreItem xmlns:ds="http://schemas.openxmlformats.org/officeDocument/2006/customXml" ds:itemID="{D8A49B05-820E-4F16-BCC1-12B2E13002E2}">
   <ds:schemaRefs>
-    <ds:schemaRef ds:uri="71af3243-3dd4-4a8d-8c0d-dd76da1f02a5"/>
-    <ds:schemaRef ds:uri="http://schemas.microsoft.com/office/2006/metadata/properties"/>
-    <ds:schemaRef ds:uri="http://schemas.microsoft.com/office/infopath/2007/PartnerControls"/>
+    <ds:schemaRef ds:uri="http://schemas.microsoft.com/sharepoint/v3/contenttype/forms"/>
   </ds:schemaRefs>
 </ds:datastoreItem>
 </file>
@@ -46155,9 +47794,11 @@
 </file>
 
 <file path=customXml/itemProps3.xml><?xml version="1.0" encoding="utf-8"?>
-<ds:datastoreItem xmlns:ds="http://schemas.openxmlformats.org/officeDocument/2006/customXml" ds:itemID="{D8A49B05-820E-4F16-BCC1-12B2E13002E2}">
+<ds:datastoreItem xmlns:ds="http://schemas.openxmlformats.org/officeDocument/2006/customXml" ds:itemID="{F2AD9EFA-E074-4C2F-8F25-BF862B8AB684}">
   <ds:schemaRefs>
-    <ds:schemaRef ds:uri="http://schemas.microsoft.com/sharepoint/v3/contenttype/forms"/>
+    <ds:schemaRef ds:uri="71af3243-3dd4-4a8d-8c0d-dd76da1f02a5"/>
+    <ds:schemaRef ds:uri="http://schemas.microsoft.com/office/2006/metadata/properties"/>
+    <ds:schemaRef ds:uri="http://schemas.microsoft.com/office/infopath/2007/PartnerControls"/>
   </ds:schemaRefs>
 </ds:datastoreItem>
 </file>
--- a/CS2043Proj1.pptx
+++ b/CS2043Proj1.pptx
@@ -154,6 +154,7 @@
 <p1510:revInfo xmlns:a="http://schemas.openxmlformats.org/drawingml/2006/main" xmlns:r="http://schemas.openxmlformats.org/officeDocument/2006/relationships" xmlns:p1510="http://schemas.microsoft.com/office/powerpoint/2015/10/main">
   <p1510:revLst>
     <p1510:client id="{3001313F-007F-B4A8-8084-09849CE857FA}" v="5" dt="2020-12-09T13:02:29.144"/>
+    <p1510:client id="{383FC880-206E-650E-E501-EBF63B73F0DE}" v="17" dt="2020-12-14T23:51:17.891"/>
     <p1510:client id="{60C20DFD-674D-EBE4-51E0-EA4829983976}" v="1" dt="2020-11-25T16:37:26.780"/>
     <p1510:client id="{6BDC2148-1737-4A83-8AC3-1CCCAB3A40C5}" v="16" dt="2020-12-06T16:54:11.791"/>
     <p1510:client id="{73A42634-5DA9-4FCF-9C28-7618FB25E4B4}" v="917" dt="2020-11-15T22:46:47.700"/>
@@ -10033,7 +10034,7 @@
           <a:p>
             <a:fld id="{544D676F-4DB5-46B8-8F00-05DB67D5471C}" type="datetimeFigureOut">
               <a:rPr lang="en-US" smtClean="0"/>
-              <a:t>12/9/2020</a:t>
+              <a:t>12/14/2020</a:t>
             </a:fld>
             <a:endParaRPr lang="en-US"/>
           </a:p>
@@ -10266,7 +10267,7 @@
           <a:p>
             <a:fld id="{887BE5AB-3192-4552-A220-BA06EA9D867F}" type="datetimeFigureOut">
               <a:rPr lang="en-US" smtClean="0"/>
-              <a:t>12/9/2020</a:t>
+              <a:t>12/14/2020</a:t>
             </a:fld>
             <a:endParaRPr lang="en-US"/>
           </a:p>
@@ -30274,7 +30275,7 @@
               </a:spcAft>
             </a:pPr>
             <a:r>
-              <a:rPr lang="en-US" sz="5400">
+              <a:rPr lang="en-US" sz="3600" dirty="0">
                 <a:latin typeface="+mj-lt"/>
                 <a:ea typeface="+mj-ea"/>
                 <a:cs typeface="+mj-cs"/>
@@ -30595,7 +30596,7 @@
               <a:buChar char="•"/>
             </a:pPr>
             <a:r>
-              <a:rPr lang="en-US" dirty="0"/>
+              <a:rPr lang="en-US" sz="1200" dirty="0"/>
               <a:t>A socket represents a connection for communication between two users . Multiple individuals in client/server or distributed systems can simultaneously communicate with a single Web server.  Multiple sockets are required to do this. The socket's flow of events starts with a connection-oriented client-to-server model, the socket on the server process waits for requests from a client. To do this, the server first establishes (binds) an address that clients can use to find the server. When the address is established, the server waits for clients to request a service. The client-to-server data exchange takes place when a client connects to the server through a socket. The server performs the client's request and sends the reply back to the client.</a:t>
             </a:r>
           </a:p>
@@ -31990,11 +31991,11 @@
           <a:lstStyle/>
           <a:p>
             <a:r>
-              <a:rPr lang="en-US"/>
+              <a:rPr lang="en-US" sz="3600" dirty="0"/>
               <a:t>          </a:t>
             </a:r>
             <a:r>
-              <a:rPr lang="en-US">
+              <a:rPr lang="en-US" sz="3600" dirty="0">
                 <a:solidFill>
                   <a:srgbClr val="000000"/>
                 </a:solidFill>
@@ -32002,7 +32003,7 @@
               <a:t>      </a:t>
             </a:r>
             <a:r>
-              <a:rPr lang="en-US">
+              <a:rPr lang="en-US" sz="3600" dirty="0">
                 <a:solidFill>
                   <a:schemeClr val="accent1"/>
                 </a:solidFill>
@@ -32041,31 +32042,6 @@
           </a:xfrm>
         </p:spPr>
       </p:pic>
-      <p:sp>
-        <p:nvSpPr>
-          <p:cNvPr id="4" name="Footer Placeholder 3">
-            <a:extLst>
-              <a:ext uri="{FF2B5EF4-FFF2-40B4-BE49-F238E27FC236}">
-                <a16:creationId xmlns:a16="http://schemas.microsoft.com/office/drawing/2014/main" id="{BE3C9C8A-D0C8-4993-B6DE-2553A2908297}"/>
-              </a:ext>
-            </a:extLst>
-          </p:cNvPr>
-          <p:cNvSpPr>
-            <a:spLocks noGrp="1"/>
-          </p:cNvSpPr>
-          <p:nvPr>
-            <p:ph type="ftr" sz="quarter" idx="11"/>
-          </p:nvPr>
-        </p:nvSpPr>
-        <p:spPr/>
-        <p:txBody>
-          <a:bodyPr/>
-          <a:lstStyle/>
-          <a:p>
-            <a:endParaRPr lang="en-US"/>
-          </a:p>
-        </p:txBody>
-      </p:sp>
       <p:sp>
         <p:nvSpPr>
           <p:cNvPr id="5" name="Slide Number Placeholder 4">
@@ -39265,8 +39241,8 @@
         </p:nvSpPr>
         <p:spPr>
           <a:xfrm>
-            <a:off x="890338" y="640080"/>
-            <a:ext cx="3734014" cy="3566160"/>
+            <a:off x="639225" y="700694"/>
+            <a:ext cx="3863900" cy="3566160"/>
           </a:xfrm>
         </p:spPr>
         <p:txBody>
@@ -39281,20 +39257,20 @@
               </a:lnSpc>
             </a:pPr>
             <a:r>
-              <a:rPr lang="en-US"/>
+              <a:rPr lang="en-US" sz="5400" dirty="0"/>
               <a:t>Stakeholders</a:t>
             </a:r>
             <a:br>
-              <a:rPr lang="en-US" sz="4400"/>
+              <a:rPr lang="en-US" sz="4400" dirty="0"/>
             </a:br>
             <a:br>
-              <a:rPr lang="en-US" sz="4400"/>
+              <a:rPr lang="en-US" sz="4400" dirty="0"/>
             </a:br>
             <a:r>
-              <a:rPr lang="en-US" sz="3600"/>
+              <a:rPr lang="en-US" sz="3600" dirty="0"/>
               <a:t>System can be used by anyone, Specifically Targeted at:</a:t>
             </a:r>
-            <a:endParaRPr lang="en-US" sz="3600" i="1"/>
+            <a:endParaRPr lang="en-US" sz="3600" i="1" dirty="0"/>
           </a:p>
         </p:txBody>
       </p:sp>
@@ -47528,12 +47504,12 @@
 </file>
 
 <file path=customXml/item1.xml><?xml version="1.0" encoding="utf-8"?>
-<?mso-contentType ?>
-<FormTemplates xmlns="http://schemas.microsoft.com/sharepoint/v3/contenttype/forms">
-  <Display>DocumentLibraryForm</Display>
-  <Edit>DocumentLibraryForm</Edit>
-  <New>DocumentLibraryForm</New>
-</FormTemplates>
+<p:properties xmlns:p="http://schemas.microsoft.com/office/2006/metadata/properties" xmlns:xsi="http://www.w3.org/2001/XMLSchema-instance" xmlns:pc="http://schemas.microsoft.com/office/infopath/2007/PartnerControls">
+  <documentManagement>
+    <Status xmlns="71af3243-3dd4-4a8d-8c0d-dd76da1f02a5">Not started</Status>
+    <MediaServiceKeyPoints xmlns="71af3243-3dd4-4a8d-8c0d-dd76da1f02a5" xsi:nil="true"/>
+  </documentManagement>
+</p:properties>
 </file>
 
 <file path=customXml/item2.xml><?xml version="1.0" encoding="utf-8"?>
@@ -47758,18 +47734,20 @@
 </file>
 
 <file path=customXml/item3.xml><?xml version="1.0" encoding="utf-8"?>
-<p:properties xmlns:p="http://schemas.microsoft.com/office/2006/metadata/properties" xmlns:xsi="http://www.w3.org/2001/XMLSchema-instance" xmlns:pc="http://schemas.microsoft.com/office/infopath/2007/PartnerControls">
-  <documentManagement>
-    <Status xmlns="71af3243-3dd4-4a8d-8c0d-dd76da1f02a5">Not started</Status>
-    <MediaServiceKeyPoints xmlns="71af3243-3dd4-4a8d-8c0d-dd76da1f02a5" xsi:nil="true"/>
-  </documentManagement>
-</p:properties>
+<?mso-contentType ?>
+<FormTemplates xmlns="http://schemas.microsoft.com/sharepoint/v3/contenttype/forms">
+  <Display>DocumentLibraryForm</Display>
+  <Edit>DocumentLibraryForm</Edit>
+  <New>DocumentLibraryForm</New>
+</FormTemplates>
 </file>
 
 <file path=customXml/itemProps1.xml><?xml version="1.0" encoding="utf-8"?>
-<ds:datastoreItem xmlns:ds="http://schemas.openxmlformats.org/officeDocument/2006/customXml" ds:itemID="{D8A49B05-820E-4F16-BCC1-12B2E13002E2}">
+<ds:datastoreItem xmlns:ds="http://schemas.openxmlformats.org/officeDocument/2006/customXml" ds:itemID="{F2AD9EFA-E074-4C2F-8F25-BF862B8AB684}">
   <ds:schemaRefs>
-    <ds:schemaRef ds:uri="http://schemas.microsoft.com/sharepoint/v3/contenttype/forms"/>
+    <ds:schemaRef ds:uri="71af3243-3dd4-4a8d-8c0d-dd76da1f02a5"/>
+    <ds:schemaRef ds:uri="http://schemas.microsoft.com/office/2006/metadata/properties"/>
+    <ds:schemaRef ds:uri="http://schemas.microsoft.com/office/infopath/2007/PartnerControls"/>
   </ds:schemaRefs>
 </ds:datastoreItem>
 </file>
@@ -47794,11 +47772,9 @@
 </file>
 
 <file path=customXml/itemProps3.xml><?xml version="1.0" encoding="utf-8"?>
-<ds:datastoreItem xmlns:ds="http://schemas.openxmlformats.org/officeDocument/2006/customXml" ds:itemID="{F2AD9EFA-E074-4C2F-8F25-BF862B8AB684}">
+<ds:datastoreItem xmlns:ds="http://schemas.openxmlformats.org/officeDocument/2006/customXml" ds:itemID="{D8A49B05-820E-4F16-BCC1-12B2E13002E2}">
   <ds:schemaRefs>
-    <ds:schemaRef ds:uri="71af3243-3dd4-4a8d-8c0d-dd76da1f02a5"/>
-    <ds:schemaRef ds:uri="http://schemas.microsoft.com/office/2006/metadata/properties"/>
-    <ds:schemaRef ds:uri="http://schemas.microsoft.com/office/infopath/2007/PartnerControls"/>
+    <ds:schemaRef ds:uri="http://schemas.microsoft.com/sharepoint/v3/contenttype/forms"/>
   </ds:schemaRefs>
 </ds:datastoreItem>
 </file>